--- a/Docs/Draft/Draft_Struct.pptx
+++ b/Docs/Draft/Draft_Struct.pptx
@@ -5,11 +5,16 @@
     <p:sldMasterId id="2147483648" r:id="rId1"/>
   </p:sldMasterIdLst>
   <p:sldIdLst>
-    <p:sldId id="256" r:id="rId2"/>
-    <p:sldId id="257" r:id="rId3"/>
-    <p:sldId id="258" r:id="rId4"/>
-    <p:sldId id="260" r:id="rId5"/>
-    <p:sldId id="259" r:id="rId6"/>
+    <p:sldId id="257" r:id="rId2"/>
+    <p:sldId id="256" r:id="rId3"/>
+    <p:sldId id="262" r:id="rId4"/>
+    <p:sldId id="261" r:id="rId5"/>
+    <p:sldId id="263" r:id="rId6"/>
+    <p:sldId id="258" r:id="rId7"/>
+    <p:sldId id="260" r:id="rId8"/>
+    <p:sldId id="259" r:id="rId9"/>
+    <p:sldId id="264" r:id="rId10"/>
+    <p:sldId id="265" r:id="rId11"/>
   </p:sldIdLst>
   <p:sldSz cx="12192000" cy="6858000"/>
   <p:notesSz cx="6858000" cy="9144000"/>
@@ -109,6 +114,28 @@
     </a:lvl9pPr>
   </p:defaultTextStyle>
   <p:extLst>
+    <p:ext uri="{521415D9-36F7-43E2-AB2F-B90AF26B5E84}">
+      <p14:sectionLst xmlns:p14="http://schemas.microsoft.com/office/powerpoint/2010/main">
+        <p14:section name="Old" id="{F1140981-7AB4-4781-9C6B-8279683BD9CD}">
+          <p14:sldIdLst>
+            <p14:sldId id="257"/>
+            <p14:sldId id="256"/>
+          </p14:sldIdLst>
+        </p14:section>
+        <p14:section name="Recent" id="{A3E6F98D-0166-4CE0-A915-CA19B6D4B32E}">
+          <p14:sldIdLst>
+            <p14:sldId id="262"/>
+            <p14:sldId id="261"/>
+            <p14:sldId id="263"/>
+            <p14:sldId id="258"/>
+            <p14:sldId id="260"/>
+            <p14:sldId id="259"/>
+            <p14:sldId id="264"/>
+            <p14:sldId id="265"/>
+          </p14:sldIdLst>
+        </p14:section>
+      </p14:sectionLst>
+    </p:ext>
     <p:ext uri="{EFAFB233-063F-42B5-8137-9DF3F51BA10A}">
       <p15:sldGuideLst xmlns:p15="http://schemas.microsoft.com/office/powerpoint/2012/main"/>
     </p:ext>
@@ -3314,7 +3341,1335 @@
 </file>
 
 <file path=ppt/slides/slide1.xml><?xml version="1.0" encoding="utf-8"?>
+<p:sld xmlns:a="http://schemas.openxmlformats.org/drawingml/2006/main" xmlns:r="http://schemas.openxmlformats.org/officeDocument/2006/relationships" xmlns:p="http://schemas.openxmlformats.org/presentationml/2006/main" show="0">
+  <p:cSld>
+    <p:spTree>
+      <p:nvGrpSpPr>
+        <p:cNvPr id="1" name=""/>
+        <p:cNvGrpSpPr/>
+        <p:nvPr/>
+      </p:nvGrpSpPr>
+      <p:grpSpPr>
+        <a:xfrm>
+          <a:off x="0" y="0"/>
+          <a:ext cx="0" cy="0"/>
+          <a:chOff x="0" y="0"/>
+          <a:chExt cx="0" cy="0"/>
+        </a:xfrm>
+      </p:grpSpPr>
+      <p:sp>
+        <p:nvSpPr>
+          <p:cNvPr id="4" name="Rectangle 3">
+            <a:extLst>
+              <a:ext uri="{FF2B5EF4-FFF2-40B4-BE49-F238E27FC236}">
+                <a16:creationId xmlns:a16="http://schemas.microsoft.com/office/drawing/2014/main" id="{150BCCB2-C1B7-400B-A18A-D05F4944AE6D}"/>
+              </a:ext>
+            </a:extLst>
+          </p:cNvPr>
+          <p:cNvSpPr/>
+          <p:nvPr/>
+        </p:nvSpPr>
+        <p:spPr>
+          <a:xfrm>
+            <a:off x="755009" y="1199668"/>
+            <a:ext cx="872456" cy="830466"/>
+          </a:xfrm>
+          <a:prstGeom prst="rect">
+            <a:avLst/>
+          </a:prstGeom>
+        </p:spPr>
+        <p:style>
+          <a:lnRef idx="2">
+            <a:schemeClr val="accent1">
+              <a:shade val="50000"/>
+            </a:schemeClr>
+          </a:lnRef>
+          <a:fillRef idx="1">
+            <a:schemeClr val="accent1"/>
+          </a:fillRef>
+          <a:effectRef idx="0">
+            <a:schemeClr val="accent1"/>
+          </a:effectRef>
+          <a:fontRef idx="minor">
+            <a:schemeClr val="lt1"/>
+          </a:fontRef>
+        </p:style>
+        <p:txBody>
+          <a:bodyPr rtlCol="0" anchor="ctr"/>
+          <a:lstStyle/>
+          <a:p>
+            <a:pPr algn="ctr"/>
+            <a:r>
+              <a:rPr lang="en-001"/>
+              <a:t>C</a:t>
+            </a:r>
+            <a:r>
+              <a:rPr lang="fr-FR"/>
+              <a:t>o</a:t>
+            </a:r>
+            <a:r>
+              <a:rPr lang="en-001"/>
+              <a:t>n</a:t>
+            </a:r>
+            <a:r>
+              <a:rPr lang="fr-FR"/>
+              <a:t>v</a:t>
+            </a:r>
+            <a:r>
+              <a:rPr lang="en-001"/>
+              <a:t>o</a:t>
+            </a:r>
+            <a:endParaRPr lang="fr-FR"/>
+          </a:p>
+        </p:txBody>
+      </p:sp>
+      <p:sp>
+        <p:nvSpPr>
+          <p:cNvPr id="7" name="Rectangle 6">
+            <a:extLst>
+              <a:ext uri="{FF2B5EF4-FFF2-40B4-BE49-F238E27FC236}">
+                <a16:creationId xmlns:a16="http://schemas.microsoft.com/office/drawing/2014/main" id="{602E63A4-60BD-46B9-8267-F35D5446B222}"/>
+              </a:ext>
+            </a:extLst>
+          </p:cNvPr>
+          <p:cNvSpPr/>
+          <p:nvPr/>
+        </p:nvSpPr>
+        <p:spPr>
+          <a:xfrm>
+            <a:off x="4464341" y="1167510"/>
+            <a:ext cx="872456" cy="830466"/>
+          </a:xfrm>
+          <a:prstGeom prst="rect">
+            <a:avLst/>
+          </a:prstGeom>
+        </p:spPr>
+        <p:style>
+          <a:lnRef idx="2">
+            <a:schemeClr val="accent2">
+              <a:shade val="50000"/>
+            </a:schemeClr>
+          </a:lnRef>
+          <a:fillRef idx="1">
+            <a:schemeClr val="accent2"/>
+          </a:fillRef>
+          <a:effectRef idx="0">
+            <a:schemeClr val="accent2"/>
+          </a:effectRef>
+          <a:fontRef idx="minor">
+            <a:schemeClr val="lt1"/>
+          </a:fontRef>
+        </p:style>
+        <p:txBody>
+          <a:bodyPr rtlCol="0" anchor="ctr"/>
+          <a:lstStyle/>
+          <a:p>
+            <a:pPr algn="ctr"/>
+            <a:r>
+              <a:rPr lang="en-001"/>
+              <a:t>P</a:t>
+            </a:r>
+            <a:r>
+              <a:rPr lang="fr-FR"/>
+              <a:t>o</a:t>
+            </a:r>
+            <a:r>
+              <a:rPr lang="en-001"/>
+              <a:t>o</a:t>
+            </a:r>
+            <a:r>
+              <a:rPr lang="fr-FR"/>
+              <a:t>l</a:t>
+            </a:r>
+          </a:p>
+        </p:txBody>
+      </p:sp>
+      <p:sp>
+        <p:nvSpPr>
+          <p:cNvPr id="8" name="Rectangle 7">
+            <a:extLst>
+              <a:ext uri="{FF2B5EF4-FFF2-40B4-BE49-F238E27FC236}">
+                <a16:creationId xmlns:a16="http://schemas.microsoft.com/office/drawing/2014/main" id="{A92B2732-256A-4AE9-BD00-D7A952B9A074}"/>
+              </a:ext>
+            </a:extLst>
+          </p:cNvPr>
+          <p:cNvSpPr/>
+          <p:nvPr/>
+        </p:nvSpPr>
+        <p:spPr>
+          <a:xfrm>
+            <a:off x="789963" y="4363715"/>
+            <a:ext cx="872456" cy="830466"/>
+          </a:xfrm>
+          <a:prstGeom prst="rect">
+            <a:avLst/>
+          </a:prstGeom>
+        </p:spPr>
+        <p:style>
+          <a:lnRef idx="2">
+            <a:schemeClr val="accent1">
+              <a:shade val="50000"/>
+            </a:schemeClr>
+          </a:lnRef>
+          <a:fillRef idx="1">
+            <a:schemeClr val="accent1"/>
+          </a:fillRef>
+          <a:effectRef idx="0">
+            <a:schemeClr val="accent1"/>
+          </a:effectRef>
+          <a:fontRef idx="minor">
+            <a:schemeClr val="lt1"/>
+          </a:fontRef>
+        </p:style>
+        <p:txBody>
+          <a:bodyPr rtlCol="0" anchor="ctr"/>
+          <a:lstStyle/>
+          <a:p>
+            <a:pPr algn="ctr"/>
+            <a:r>
+              <a:rPr lang="en-001"/>
+              <a:t>C</a:t>
+            </a:r>
+            <a:r>
+              <a:rPr lang="fr-FR"/>
+              <a:t>o</a:t>
+            </a:r>
+            <a:r>
+              <a:rPr lang="en-001"/>
+              <a:t>n</a:t>
+            </a:r>
+            <a:r>
+              <a:rPr lang="fr-FR"/>
+              <a:t>v</a:t>
+            </a:r>
+            <a:r>
+              <a:rPr lang="en-001"/>
+              <a:t>o</a:t>
+            </a:r>
+            <a:endParaRPr lang="fr-FR"/>
+          </a:p>
+        </p:txBody>
+      </p:sp>
+      <p:sp>
+        <p:nvSpPr>
+          <p:cNvPr id="9" name="Rectangle 8">
+            <a:extLst>
+              <a:ext uri="{FF2B5EF4-FFF2-40B4-BE49-F238E27FC236}">
+                <a16:creationId xmlns:a16="http://schemas.microsoft.com/office/drawing/2014/main" id="{3A57D6E4-0B4B-4B7C-A282-1C1FB81AF7B7}"/>
+              </a:ext>
+            </a:extLst>
+          </p:cNvPr>
+          <p:cNvSpPr/>
+          <p:nvPr/>
+        </p:nvSpPr>
+        <p:spPr>
+          <a:xfrm>
+            <a:off x="4060272" y="4647500"/>
+            <a:ext cx="1937857" cy="251669"/>
+          </a:xfrm>
+          <a:prstGeom prst="rect">
+            <a:avLst/>
+          </a:prstGeom>
+        </p:spPr>
+        <p:style>
+          <a:lnRef idx="2">
+            <a:schemeClr val="accent6">
+              <a:shade val="50000"/>
+            </a:schemeClr>
+          </a:lnRef>
+          <a:fillRef idx="1">
+            <a:schemeClr val="accent6"/>
+          </a:fillRef>
+          <a:effectRef idx="0">
+            <a:schemeClr val="accent6"/>
+          </a:effectRef>
+          <a:fontRef idx="minor">
+            <a:schemeClr val="lt1"/>
+          </a:fontRef>
+        </p:style>
+        <p:txBody>
+          <a:bodyPr rtlCol="0" anchor="ctr"/>
+          <a:lstStyle/>
+          <a:p>
+            <a:pPr algn="ctr"/>
+            <a:r>
+              <a:rPr lang="en-001"/>
+              <a:t>F</a:t>
+            </a:r>
+            <a:r>
+              <a:rPr lang="fr-FR"/>
+              <a:t>l</a:t>
+            </a:r>
+            <a:r>
+              <a:rPr lang="en-001"/>
+              <a:t>a</a:t>
+            </a:r>
+            <a:r>
+              <a:rPr lang="fr-FR"/>
+              <a:t>t</a:t>
+            </a:r>
+            <a:r>
+              <a:rPr lang="en-001"/>
+              <a:t>en</a:t>
+            </a:r>
+            <a:endParaRPr lang="fr-FR"/>
+          </a:p>
+        </p:txBody>
+      </p:sp>
+      <p:sp>
+        <p:nvSpPr>
+          <p:cNvPr id="11" name="Ellipse 10">
+            <a:extLst>
+              <a:ext uri="{FF2B5EF4-FFF2-40B4-BE49-F238E27FC236}">
+                <a16:creationId xmlns:a16="http://schemas.microsoft.com/office/drawing/2014/main" id="{B8432295-7E17-4DD9-9F5C-9EF6AC5782D3}"/>
+              </a:ext>
+            </a:extLst>
+          </p:cNvPr>
+          <p:cNvSpPr/>
+          <p:nvPr/>
+        </p:nvSpPr>
+        <p:spPr>
+          <a:xfrm>
+            <a:off x="8439324" y="4202885"/>
+            <a:ext cx="1082180" cy="1082180"/>
+          </a:xfrm>
+          <a:prstGeom prst="ellipse">
+            <a:avLst/>
+          </a:prstGeom>
+        </p:spPr>
+        <p:style>
+          <a:lnRef idx="2">
+            <a:schemeClr val="accent1">
+              <a:shade val="50000"/>
+            </a:schemeClr>
+          </a:lnRef>
+          <a:fillRef idx="1">
+            <a:schemeClr val="accent1"/>
+          </a:fillRef>
+          <a:effectRef idx="0">
+            <a:schemeClr val="accent1"/>
+          </a:effectRef>
+          <a:fontRef idx="minor">
+            <a:schemeClr val="lt1"/>
+          </a:fontRef>
+        </p:style>
+        <p:txBody>
+          <a:bodyPr rtlCol="0" anchor="ctr"/>
+          <a:lstStyle/>
+          <a:p>
+            <a:pPr algn="ctr"/>
+            <a:r>
+              <a:rPr lang="fr-FR"/>
+              <a:t>D</a:t>
+            </a:r>
+            <a:r>
+              <a:rPr lang="en-001"/>
+              <a:t>e</a:t>
+            </a:r>
+            <a:r>
+              <a:rPr lang="fr-FR"/>
+              <a:t>n</a:t>
+            </a:r>
+            <a:r>
+              <a:rPr lang="en-001"/>
+              <a:t>s</a:t>
+            </a:r>
+            <a:r>
+              <a:rPr lang="fr-FR"/>
+              <a:t>e</a:t>
+            </a:r>
+          </a:p>
+        </p:txBody>
+      </p:sp>
+      <p:sp>
+        <p:nvSpPr>
+          <p:cNvPr id="13" name="Organigramme : Délai 12">
+            <a:extLst>
+              <a:ext uri="{FF2B5EF4-FFF2-40B4-BE49-F238E27FC236}">
+                <a16:creationId xmlns:a16="http://schemas.microsoft.com/office/drawing/2014/main" id="{EBCF5DB7-21EE-4F2B-8338-DB4E7AA3D2FD}"/>
+              </a:ext>
+            </a:extLst>
+          </p:cNvPr>
+          <p:cNvSpPr/>
+          <p:nvPr/>
+        </p:nvSpPr>
+        <p:spPr>
+          <a:xfrm>
+            <a:off x="1963024" y="1208015"/>
+            <a:ext cx="838899" cy="813732"/>
+          </a:xfrm>
+          <a:prstGeom prst="flowChartDelay">
+            <a:avLst/>
+          </a:prstGeom>
+          <a:solidFill>
+            <a:schemeClr val="tx2">
+              <a:lumMod val="60000"/>
+              <a:lumOff val="40000"/>
+            </a:schemeClr>
+          </a:solidFill>
+        </p:spPr>
+        <p:style>
+          <a:lnRef idx="2">
+            <a:schemeClr val="accent1">
+              <a:shade val="50000"/>
+            </a:schemeClr>
+          </a:lnRef>
+          <a:fillRef idx="1">
+            <a:schemeClr val="accent1"/>
+          </a:fillRef>
+          <a:effectRef idx="0">
+            <a:schemeClr val="accent1"/>
+          </a:effectRef>
+          <a:fontRef idx="minor">
+            <a:schemeClr val="lt1"/>
+          </a:fontRef>
+        </p:style>
+        <p:txBody>
+          <a:bodyPr rtlCol="0" anchor="ctr"/>
+          <a:lstStyle/>
+          <a:p>
+            <a:pPr algn="ctr"/>
+            <a:r>
+              <a:rPr lang="en-001"/>
+              <a:t>f_</a:t>
+            </a:r>
+            <a:r>
+              <a:rPr lang="fr-FR"/>
+              <a:t>t</a:t>
+            </a:r>
+            <a:r>
+              <a:rPr lang="en-001"/>
+              <a:t>o_</a:t>
+            </a:r>
+            <a:r>
+              <a:rPr lang="fr-FR"/>
+              <a:t>p</a:t>
+            </a:r>
+            <a:r>
+              <a:rPr lang="en-001"/>
+              <a:t>o</a:t>
+            </a:r>
+            <a:r>
+              <a:rPr lang="fr-FR"/>
+              <a:t>o</a:t>
+            </a:r>
+            <a:r>
+              <a:rPr lang="en-001"/>
+              <a:t>l</a:t>
+            </a:r>
+            <a:endParaRPr lang="fr-FR"/>
+          </a:p>
+        </p:txBody>
+      </p:sp>
+      <p:sp>
+        <p:nvSpPr>
+          <p:cNvPr id="14" name="Organigramme : Délai 13">
+            <a:extLst>
+              <a:ext uri="{FF2B5EF4-FFF2-40B4-BE49-F238E27FC236}">
+                <a16:creationId xmlns:a16="http://schemas.microsoft.com/office/drawing/2014/main" id="{7306C52E-BF94-4AA8-9F3B-542BE6E090D9}"/>
+              </a:ext>
+            </a:extLst>
+          </p:cNvPr>
+          <p:cNvSpPr/>
+          <p:nvPr/>
+        </p:nvSpPr>
+        <p:spPr>
+          <a:xfrm rot="5400000">
+            <a:off x="4480167" y="2141543"/>
+            <a:ext cx="902321" cy="875251"/>
+          </a:xfrm>
+          <a:prstGeom prst="flowChartDelay">
+            <a:avLst/>
+          </a:prstGeom>
+          <a:solidFill>
+            <a:schemeClr val="tx2">
+              <a:lumMod val="60000"/>
+              <a:lumOff val="40000"/>
+            </a:schemeClr>
+          </a:solidFill>
+        </p:spPr>
+        <p:style>
+          <a:lnRef idx="2">
+            <a:schemeClr val="accent1">
+              <a:shade val="50000"/>
+            </a:schemeClr>
+          </a:lnRef>
+          <a:fillRef idx="1">
+            <a:schemeClr val="accent1"/>
+          </a:fillRef>
+          <a:effectRef idx="0">
+            <a:schemeClr val="accent1"/>
+          </a:effectRef>
+          <a:fontRef idx="minor">
+            <a:schemeClr val="lt1"/>
+          </a:fontRef>
+        </p:style>
+        <p:txBody>
+          <a:bodyPr rtlCol="0" anchor="ctr"/>
+          <a:lstStyle/>
+          <a:p>
+            <a:pPr algn="ctr"/>
+            <a:r>
+              <a:rPr lang="en-001"/>
+              <a:t>f_</a:t>
+            </a:r>
+            <a:r>
+              <a:rPr lang="fr-FR"/>
+              <a:t>t</a:t>
+            </a:r>
+            <a:r>
+              <a:rPr lang="en-001"/>
+              <a:t>o_</a:t>
+            </a:r>
+            <a:r>
+              <a:rPr lang="fr-FR"/>
+              <a:t>C</a:t>
+            </a:r>
+            <a:r>
+              <a:rPr lang="en-001"/>
+              <a:t>o</a:t>
+            </a:r>
+            <a:r>
+              <a:rPr lang="fr-FR"/>
+              <a:t>n</a:t>
+            </a:r>
+            <a:r>
+              <a:rPr lang="en-001"/>
+              <a:t>vo</a:t>
+            </a:r>
+            <a:endParaRPr lang="fr-FR"/>
+          </a:p>
+        </p:txBody>
+      </p:sp>
+      <p:sp>
+        <p:nvSpPr>
+          <p:cNvPr id="15" name="Organigramme : Délai 14">
+            <a:extLst>
+              <a:ext uri="{FF2B5EF4-FFF2-40B4-BE49-F238E27FC236}">
+                <a16:creationId xmlns:a16="http://schemas.microsoft.com/office/drawing/2014/main" id="{A9A6EEFA-9B1C-4D91-B83D-13447C6E44F8}"/>
+              </a:ext>
+            </a:extLst>
+          </p:cNvPr>
+          <p:cNvSpPr/>
+          <p:nvPr/>
+        </p:nvSpPr>
+        <p:spPr>
+          <a:xfrm>
+            <a:off x="1914534" y="4366023"/>
+            <a:ext cx="902321" cy="875251"/>
+          </a:xfrm>
+          <a:prstGeom prst="flowChartDelay">
+            <a:avLst/>
+          </a:prstGeom>
+          <a:solidFill>
+            <a:schemeClr val="tx2">
+              <a:lumMod val="60000"/>
+              <a:lumOff val="40000"/>
+            </a:schemeClr>
+          </a:solidFill>
+        </p:spPr>
+        <p:style>
+          <a:lnRef idx="2">
+            <a:schemeClr val="accent1">
+              <a:shade val="50000"/>
+            </a:schemeClr>
+          </a:lnRef>
+          <a:fillRef idx="1">
+            <a:schemeClr val="accent1"/>
+          </a:fillRef>
+          <a:effectRef idx="0">
+            <a:schemeClr val="accent1"/>
+          </a:effectRef>
+          <a:fontRef idx="minor">
+            <a:schemeClr val="lt1"/>
+          </a:fontRef>
+        </p:style>
+        <p:txBody>
+          <a:bodyPr rtlCol="0" anchor="ctr"/>
+          <a:lstStyle/>
+          <a:p>
+            <a:pPr algn="ctr"/>
+            <a:r>
+              <a:rPr lang="en-001"/>
+              <a:t>f_</a:t>
+            </a:r>
+            <a:r>
+              <a:rPr lang="fr-FR"/>
+              <a:t>t</a:t>
+            </a:r>
+            <a:r>
+              <a:rPr lang="en-001"/>
+              <a:t>o_</a:t>
+            </a:r>
+            <a:r>
+              <a:rPr lang="fr-FR"/>
+              <a:t>F</a:t>
+            </a:r>
+            <a:r>
+              <a:rPr lang="en-001"/>
+              <a:t>l</a:t>
+            </a:r>
+            <a:r>
+              <a:rPr lang="fr-FR"/>
+              <a:t>a</a:t>
+            </a:r>
+            <a:r>
+              <a:rPr lang="en-001"/>
+              <a:t>t</a:t>
+            </a:r>
+            <a:endParaRPr lang="fr-FR"/>
+          </a:p>
+        </p:txBody>
+      </p:sp>
+      <p:sp>
+        <p:nvSpPr>
+          <p:cNvPr id="16" name="Organigramme : Délai 15">
+            <a:extLst>
+              <a:ext uri="{FF2B5EF4-FFF2-40B4-BE49-F238E27FC236}">
+                <a16:creationId xmlns:a16="http://schemas.microsoft.com/office/drawing/2014/main" id="{5D7E8F39-98A6-4987-9C25-55C144150503}"/>
+              </a:ext>
+            </a:extLst>
+          </p:cNvPr>
+          <p:cNvSpPr/>
+          <p:nvPr/>
+        </p:nvSpPr>
+        <p:spPr>
+          <a:xfrm>
+            <a:off x="6211095" y="4359032"/>
+            <a:ext cx="902321" cy="875251"/>
+          </a:xfrm>
+          <a:prstGeom prst="flowChartDelay">
+            <a:avLst/>
+          </a:prstGeom>
+          <a:solidFill>
+            <a:schemeClr val="tx2">
+              <a:lumMod val="60000"/>
+              <a:lumOff val="40000"/>
+            </a:schemeClr>
+          </a:solidFill>
+        </p:spPr>
+        <p:style>
+          <a:lnRef idx="2">
+            <a:schemeClr val="accent1">
+              <a:shade val="50000"/>
+            </a:schemeClr>
+          </a:lnRef>
+          <a:fillRef idx="1">
+            <a:schemeClr val="accent1"/>
+          </a:fillRef>
+          <a:effectRef idx="0">
+            <a:schemeClr val="accent1"/>
+          </a:effectRef>
+          <a:fontRef idx="minor">
+            <a:schemeClr val="lt1"/>
+          </a:fontRef>
+        </p:style>
+        <p:txBody>
+          <a:bodyPr rtlCol="0" anchor="ctr"/>
+          <a:lstStyle/>
+          <a:p>
+            <a:pPr algn="ctr"/>
+            <a:r>
+              <a:rPr lang="en-001"/>
+              <a:t>f_</a:t>
+            </a:r>
+            <a:r>
+              <a:rPr lang="fr-FR"/>
+              <a:t>t</a:t>
+            </a:r>
+            <a:r>
+              <a:rPr lang="en-001"/>
+              <a:t>o_</a:t>
+            </a:r>
+            <a:r>
+              <a:rPr lang="fr-FR"/>
+              <a:t>D</a:t>
+            </a:r>
+            <a:r>
+              <a:rPr lang="en-001"/>
+              <a:t>e</a:t>
+            </a:r>
+            <a:r>
+              <a:rPr lang="fr-FR"/>
+              <a:t>n</a:t>
+            </a:r>
+            <a:r>
+              <a:rPr lang="en-001"/>
+              <a:t>s</a:t>
+            </a:r>
+            <a:endParaRPr lang="fr-FR"/>
+          </a:p>
+        </p:txBody>
+      </p:sp>
+      <p:sp>
+        <p:nvSpPr>
+          <p:cNvPr id="18" name="Rectangle 17">
+            <a:extLst>
+              <a:ext uri="{FF2B5EF4-FFF2-40B4-BE49-F238E27FC236}">
+                <a16:creationId xmlns:a16="http://schemas.microsoft.com/office/drawing/2014/main" id="{CA65012A-3196-466B-BF06-FEB63355B152}"/>
+              </a:ext>
+            </a:extLst>
+          </p:cNvPr>
+          <p:cNvSpPr/>
+          <p:nvPr/>
+        </p:nvSpPr>
+        <p:spPr>
+          <a:xfrm>
+            <a:off x="478172" y="880844"/>
+            <a:ext cx="2457975" cy="1409350"/>
+          </a:xfrm>
+          <a:prstGeom prst="rect">
+            <a:avLst/>
+          </a:prstGeom>
+          <a:noFill/>
+        </p:spPr>
+        <p:style>
+          <a:lnRef idx="2">
+            <a:schemeClr val="accent1">
+              <a:shade val="50000"/>
+            </a:schemeClr>
+          </a:lnRef>
+          <a:fillRef idx="1">
+            <a:schemeClr val="accent1"/>
+          </a:fillRef>
+          <a:effectRef idx="0">
+            <a:schemeClr val="accent1"/>
+          </a:effectRef>
+          <a:fontRef idx="minor">
+            <a:schemeClr val="lt1"/>
+          </a:fontRef>
+        </p:style>
+        <p:txBody>
+          <a:bodyPr rtlCol="0" anchor="ctr"/>
+          <a:lstStyle/>
+          <a:p>
+            <a:pPr algn="ctr"/>
+            <a:endParaRPr lang="fr-FR"/>
+          </a:p>
+        </p:txBody>
+      </p:sp>
+      <p:sp>
+        <p:nvSpPr>
+          <p:cNvPr id="19" name="Rectangle 18">
+            <a:extLst>
+              <a:ext uri="{FF2B5EF4-FFF2-40B4-BE49-F238E27FC236}">
+                <a16:creationId xmlns:a16="http://schemas.microsoft.com/office/drawing/2014/main" id="{FD455608-9F46-4479-B8D7-898833752F36}"/>
+              </a:ext>
+            </a:extLst>
+          </p:cNvPr>
+          <p:cNvSpPr/>
+          <p:nvPr/>
+        </p:nvSpPr>
+        <p:spPr>
+          <a:xfrm rot="5400000">
+            <a:off x="3709331" y="1343637"/>
+            <a:ext cx="2457975" cy="1409350"/>
+          </a:xfrm>
+          <a:prstGeom prst="rect">
+            <a:avLst/>
+          </a:prstGeom>
+          <a:noFill/>
+        </p:spPr>
+        <p:style>
+          <a:lnRef idx="2">
+            <a:schemeClr val="accent1">
+              <a:shade val="50000"/>
+            </a:schemeClr>
+          </a:lnRef>
+          <a:fillRef idx="1">
+            <a:schemeClr val="accent1"/>
+          </a:fillRef>
+          <a:effectRef idx="0">
+            <a:schemeClr val="accent1"/>
+          </a:effectRef>
+          <a:fontRef idx="minor">
+            <a:schemeClr val="lt1"/>
+          </a:fontRef>
+        </p:style>
+        <p:txBody>
+          <a:bodyPr rtlCol="0" anchor="ctr"/>
+          <a:lstStyle/>
+          <a:p>
+            <a:pPr algn="ctr"/>
+            <a:endParaRPr lang="fr-FR"/>
+          </a:p>
+        </p:txBody>
+      </p:sp>
+      <p:sp>
+        <p:nvSpPr>
+          <p:cNvPr id="20" name="Rectangle 19">
+            <a:extLst>
+              <a:ext uri="{FF2B5EF4-FFF2-40B4-BE49-F238E27FC236}">
+                <a16:creationId xmlns:a16="http://schemas.microsoft.com/office/drawing/2014/main" id="{20CE004C-A0BB-4722-A6BA-DEFA4A30D8C2}"/>
+              </a:ext>
+            </a:extLst>
+          </p:cNvPr>
+          <p:cNvSpPr/>
+          <p:nvPr/>
+        </p:nvSpPr>
+        <p:spPr>
+          <a:xfrm>
+            <a:off x="529904" y="4103614"/>
+            <a:ext cx="2457975" cy="1409350"/>
+          </a:xfrm>
+          <a:prstGeom prst="rect">
+            <a:avLst/>
+          </a:prstGeom>
+          <a:noFill/>
+        </p:spPr>
+        <p:style>
+          <a:lnRef idx="2">
+            <a:schemeClr val="accent1">
+              <a:shade val="50000"/>
+            </a:schemeClr>
+          </a:lnRef>
+          <a:fillRef idx="1">
+            <a:schemeClr val="accent1"/>
+          </a:fillRef>
+          <a:effectRef idx="0">
+            <a:schemeClr val="accent1"/>
+          </a:effectRef>
+          <a:fontRef idx="minor">
+            <a:schemeClr val="lt1"/>
+          </a:fontRef>
+        </p:style>
+        <p:txBody>
+          <a:bodyPr rtlCol="0" anchor="ctr"/>
+          <a:lstStyle/>
+          <a:p>
+            <a:pPr algn="ctr"/>
+            <a:endParaRPr lang="fr-FR"/>
+          </a:p>
+        </p:txBody>
+      </p:sp>
+      <p:sp>
+        <p:nvSpPr>
+          <p:cNvPr id="21" name="Rectangle 20">
+            <a:extLst>
+              <a:ext uri="{FF2B5EF4-FFF2-40B4-BE49-F238E27FC236}">
+                <a16:creationId xmlns:a16="http://schemas.microsoft.com/office/drawing/2014/main" id="{58FFC2B4-585F-4898-A737-B264802F5E56}"/>
+              </a:ext>
+            </a:extLst>
+          </p:cNvPr>
+          <p:cNvSpPr/>
+          <p:nvPr/>
+        </p:nvSpPr>
+        <p:spPr>
+          <a:xfrm>
+            <a:off x="3951216" y="4113401"/>
+            <a:ext cx="3274502" cy="1409350"/>
+          </a:xfrm>
+          <a:prstGeom prst="rect">
+            <a:avLst/>
+          </a:prstGeom>
+          <a:noFill/>
+        </p:spPr>
+        <p:style>
+          <a:lnRef idx="2">
+            <a:schemeClr val="accent1">
+              <a:shade val="50000"/>
+            </a:schemeClr>
+          </a:lnRef>
+          <a:fillRef idx="1">
+            <a:schemeClr val="accent1"/>
+          </a:fillRef>
+          <a:effectRef idx="0">
+            <a:schemeClr val="accent1"/>
+          </a:effectRef>
+          <a:fontRef idx="minor">
+            <a:schemeClr val="lt1"/>
+          </a:fontRef>
+        </p:style>
+        <p:txBody>
+          <a:bodyPr rtlCol="0" anchor="ctr"/>
+          <a:lstStyle/>
+          <a:p>
+            <a:pPr algn="ctr"/>
+            <a:endParaRPr lang="fr-FR"/>
+          </a:p>
+        </p:txBody>
+      </p:sp>
+      <p:sp>
+        <p:nvSpPr>
+          <p:cNvPr id="22" name="Flèche : droite 21">
+            <a:extLst>
+              <a:ext uri="{FF2B5EF4-FFF2-40B4-BE49-F238E27FC236}">
+                <a16:creationId xmlns:a16="http://schemas.microsoft.com/office/drawing/2014/main" id="{A090EE96-EF9F-4CDE-8E55-20D6003EB9CF}"/>
+              </a:ext>
+            </a:extLst>
+          </p:cNvPr>
+          <p:cNvSpPr/>
+          <p:nvPr/>
+        </p:nvSpPr>
+        <p:spPr>
+          <a:xfrm>
+            <a:off x="3162650" y="1593908"/>
+            <a:ext cx="822121" cy="243281"/>
+          </a:xfrm>
+          <a:prstGeom prst="rightArrow">
+            <a:avLst/>
+          </a:prstGeom>
+        </p:spPr>
+        <p:style>
+          <a:lnRef idx="2">
+            <a:schemeClr val="accent1">
+              <a:shade val="50000"/>
+            </a:schemeClr>
+          </a:lnRef>
+          <a:fillRef idx="1">
+            <a:schemeClr val="accent1"/>
+          </a:fillRef>
+          <a:effectRef idx="0">
+            <a:schemeClr val="accent1"/>
+          </a:effectRef>
+          <a:fontRef idx="minor">
+            <a:schemeClr val="lt1"/>
+          </a:fontRef>
+        </p:style>
+        <p:txBody>
+          <a:bodyPr rtlCol="0" anchor="ctr"/>
+          <a:lstStyle/>
+          <a:p>
+            <a:pPr algn="ctr"/>
+            <a:endParaRPr lang="fr-FR"/>
+          </a:p>
+        </p:txBody>
+      </p:sp>
+      <p:sp>
+        <p:nvSpPr>
+          <p:cNvPr id="23" name="Flèche : droite 22">
+            <a:extLst>
+              <a:ext uri="{FF2B5EF4-FFF2-40B4-BE49-F238E27FC236}">
+                <a16:creationId xmlns:a16="http://schemas.microsoft.com/office/drawing/2014/main" id="{51A73044-F410-40DB-B10A-0F97984B5761}"/>
+              </a:ext>
+            </a:extLst>
+          </p:cNvPr>
+          <p:cNvSpPr/>
+          <p:nvPr/>
+        </p:nvSpPr>
+        <p:spPr>
+          <a:xfrm rot="9587630">
+            <a:off x="2144932" y="3412323"/>
+            <a:ext cx="1818224" cy="243281"/>
+          </a:xfrm>
+          <a:prstGeom prst="rightArrow">
+            <a:avLst/>
+          </a:prstGeom>
+        </p:spPr>
+        <p:style>
+          <a:lnRef idx="2">
+            <a:schemeClr val="accent1">
+              <a:shade val="50000"/>
+            </a:schemeClr>
+          </a:lnRef>
+          <a:fillRef idx="1">
+            <a:schemeClr val="accent1"/>
+          </a:fillRef>
+          <a:effectRef idx="0">
+            <a:schemeClr val="accent1"/>
+          </a:effectRef>
+          <a:fontRef idx="minor">
+            <a:schemeClr val="lt1"/>
+          </a:fontRef>
+        </p:style>
+        <p:txBody>
+          <a:bodyPr rtlCol="0" anchor="ctr"/>
+          <a:lstStyle/>
+          <a:p>
+            <a:pPr algn="ctr"/>
+            <a:endParaRPr lang="fr-FR"/>
+          </a:p>
+        </p:txBody>
+      </p:sp>
+      <p:sp>
+        <p:nvSpPr>
+          <p:cNvPr id="25" name="Flèche : droite 24">
+            <a:extLst>
+              <a:ext uri="{FF2B5EF4-FFF2-40B4-BE49-F238E27FC236}">
+                <a16:creationId xmlns:a16="http://schemas.microsoft.com/office/drawing/2014/main" id="{3A649129-FD00-496D-8D40-C7524AC80D86}"/>
+              </a:ext>
+            </a:extLst>
+          </p:cNvPr>
+          <p:cNvSpPr/>
+          <p:nvPr/>
+        </p:nvSpPr>
+        <p:spPr>
+          <a:xfrm>
+            <a:off x="3054991" y="4648899"/>
+            <a:ext cx="822121" cy="243281"/>
+          </a:xfrm>
+          <a:prstGeom prst="rightArrow">
+            <a:avLst/>
+          </a:prstGeom>
+        </p:spPr>
+        <p:style>
+          <a:lnRef idx="2">
+            <a:schemeClr val="accent1">
+              <a:shade val="50000"/>
+            </a:schemeClr>
+          </a:lnRef>
+          <a:fillRef idx="1">
+            <a:schemeClr val="accent1"/>
+          </a:fillRef>
+          <a:effectRef idx="0">
+            <a:schemeClr val="accent1"/>
+          </a:effectRef>
+          <a:fontRef idx="minor">
+            <a:schemeClr val="lt1"/>
+          </a:fontRef>
+        </p:style>
+        <p:txBody>
+          <a:bodyPr rtlCol="0" anchor="ctr"/>
+          <a:lstStyle/>
+          <a:p>
+            <a:pPr algn="ctr"/>
+            <a:endParaRPr lang="fr-FR"/>
+          </a:p>
+        </p:txBody>
+      </p:sp>
+      <p:sp>
+        <p:nvSpPr>
+          <p:cNvPr id="26" name="Flèche : droite 25">
+            <a:extLst>
+              <a:ext uri="{FF2B5EF4-FFF2-40B4-BE49-F238E27FC236}">
+                <a16:creationId xmlns:a16="http://schemas.microsoft.com/office/drawing/2014/main" id="{DB33FDBB-2E13-486A-AD4E-9558ABE00991}"/>
+              </a:ext>
+            </a:extLst>
+          </p:cNvPr>
+          <p:cNvSpPr/>
+          <p:nvPr/>
+        </p:nvSpPr>
+        <p:spPr>
+          <a:xfrm>
+            <a:off x="7400488" y="4716011"/>
+            <a:ext cx="822121" cy="243281"/>
+          </a:xfrm>
+          <a:prstGeom prst="rightArrow">
+            <a:avLst/>
+          </a:prstGeom>
+        </p:spPr>
+        <p:style>
+          <a:lnRef idx="2">
+            <a:schemeClr val="accent1">
+              <a:shade val="50000"/>
+            </a:schemeClr>
+          </a:lnRef>
+          <a:fillRef idx="1">
+            <a:schemeClr val="accent1"/>
+          </a:fillRef>
+          <a:effectRef idx="0">
+            <a:schemeClr val="accent1"/>
+          </a:effectRef>
+          <a:fontRef idx="minor">
+            <a:schemeClr val="lt1"/>
+          </a:fontRef>
+        </p:style>
+        <p:txBody>
+          <a:bodyPr rtlCol="0" anchor="ctr"/>
+          <a:lstStyle/>
+          <a:p>
+            <a:pPr algn="ctr"/>
+            <a:endParaRPr lang="fr-FR"/>
+          </a:p>
+        </p:txBody>
+      </p:sp>
+    </p:spTree>
+    <p:extLst>
+      <p:ext uri="{BB962C8B-B14F-4D97-AF65-F5344CB8AC3E}">
+        <p14:creationId xmlns:p14="http://schemas.microsoft.com/office/powerpoint/2010/main" val="3622439538"/>
+      </p:ext>
+    </p:extLst>
+  </p:cSld>
+  <p:clrMapOvr>
+    <a:masterClrMapping/>
+  </p:clrMapOvr>
+</p:sld>
+</file>
+
+<file path=ppt/slides/slide10.xml><?xml version="1.0" encoding="utf-8"?>
 <p:sld xmlns:a="http://schemas.openxmlformats.org/drawingml/2006/main" xmlns:r="http://schemas.openxmlformats.org/officeDocument/2006/relationships" xmlns:p="http://schemas.openxmlformats.org/presentationml/2006/main">
+  <p:cSld>
+    <p:spTree>
+      <p:nvGrpSpPr>
+        <p:cNvPr id="1" name=""/>
+        <p:cNvGrpSpPr/>
+        <p:nvPr/>
+      </p:nvGrpSpPr>
+      <p:grpSpPr>
+        <a:xfrm>
+          <a:off x="0" y="0"/>
+          <a:ext cx="0" cy="0"/>
+          <a:chOff x="0" y="0"/>
+          <a:chExt cx="0" cy="0"/>
+        </a:xfrm>
+      </p:grpSpPr>
+      <p:pic>
+        <p:nvPicPr>
+          <p:cNvPr id="5" name="Image 4">
+            <a:extLst>
+              <a:ext uri="{FF2B5EF4-FFF2-40B4-BE49-F238E27FC236}">
+                <a16:creationId xmlns:a16="http://schemas.microsoft.com/office/drawing/2014/main" id="{7B53C305-95E7-4697-8FAD-C755938B4C66}"/>
+              </a:ext>
+            </a:extLst>
+          </p:cNvPr>
+          <p:cNvPicPr>
+            <a:picLocks noChangeAspect="1"/>
+          </p:cNvPicPr>
+          <p:nvPr/>
+        </p:nvPicPr>
+        <p:blipFill>
+          <a:blip r:embed="rId2">
+            <a:extLst>
+              <a:ext uri="{28A0092B-C50C-407E-A947-70E740481C1C}">
+                <a14:useLocalDpi xmlns:a14="http://schemas.microsoft.com/office/drawing/2010/main" val="0"/>
+              </a:ext>
+            </a:extLst>
+          </a:blip>
+          <a:stretch>
+            <a:fillRect/>
+          </a:stretch>
+        </p:blipFill>
+        <p:spPr>
+          <a:xfrm>
+            <a:off x="556426" y="2111842"/>
+            <a:ext cx="4619625" cy="2533650"/>
+          </a:xfrm>
+          <a:prstGeom prst="rect">
+            <a:avLst/>
+          </a:prstGeom>
+        </p:spPr>
+      </p:pic>
+      <p:sp>
+        <p:nvSpPr>
+          <p:cNvPr id="7" name="ZoneTexte 6">
+            <a:extLst>
+              <a:ext uri="{FF2B5EF4-FFF2-40B4-BE49-F238E27FC236}">
+                <a16:creationId xmlns:a16="http://schemas.microsoft.com/office/drawing/2014/main" id="{C8E74B1B-6C91-4178-BD97-04A0AB9C289B}"/>
+              </a:ext>
+            </a:extLst>
+          </p:cNvPr>
+          <p:cNvSpPr txBox="1"/>
+          <p:nvPr/>
+        </p:nvSpPr>
+        <p:spPr>
+          <a:xfrm>
+            <a:off x="5889071" y="3011648"/>
+            <a:ext cx="5843779" cy="923330"/>
+          </a:xfrm>
+          <a:prstGeom prst="rect">
+            <a:avLst/>
+          </a:prstGeom>
+          <a:noFill/>
+        </p:spPr>
+        <p:txBody>
+          <a:bodyPr wrap="none" rtlCol="0">
+            <a:spAutoFit/>
+          </a:bodyPr>
+          <a:lstStyle/>
+          <a:p>
+            <a:r>
+              <a:rPr lang="en-001"/>
+              <a:t>L</a:t>
+            </a:r>
+            <a:r>
+              <a:rPr lang="fr-FR"/>
+              <a:t>e</a:t>
+            </a:r>
+            <a:r>
+              <a:rPr lang="en-001"/>
+              <a:t> </a:t>
+            </a:r>
+            <a:r>
+              <a:rPr lang="fr-FR"/>
+              <a:t>b</a:t>
+            </a:r>
+            <a:r>
+              <a:rPr lang="en-001"/>
+              <a:t>i</a:t>
+            </a:r>
+            <a:r>
+              <a:rPr lang="fr-FR"/>
+              <a:t>a</a:t>
+            </a:r>
+            <a:r>
+              <a:rPr lang="en-001"/>
+              <a:t>s </a:t>
+            </a:r>
+            <a:r>
+              <a:rPr lang="fr-FR"/>
+              <a:t>e</a:t>
+            </a:r>
+            <a:r>
+              <a:rPr lang="en-001"/>
+              <a:t>s</a:t>
+            </a:r>
+            <a:r>
+              <a:rPr lang="fr-FR"/>
+              <a:t>t</a:t>
+            </a:r>
+            <a:r>
+              <a:rPr lang="en-001"/>
+              <a:t> </a:t>
+            </a:r>
+            <a:r>
+              <a:rPr lang="fr-FR"/>
+              <a:t>u</a:t>
+            </a:r>
+            <a:r>
+              <a:rPr lang="en-001"/>
+              <a:t>n neurone ajouter a chaque couche (</a:t>
+            </a:r>
+            <a:r>
+              <a:rPr lang="fr-FR"/>
+              <a:t>s</a:t>
+            </a:r>
+            <a:r>
+              <a:rPr lang="en-001"/>
+              <a:t>a</a:t>
+            </a:r>
+            <a:r>
+              <a:rPr lang="fr-FR"/>
+              <a:t>u</a:t>
+            </a:r>
+            <a:r>
+              <a:rPr lang="en-001"/>
+              <a:t>f </a:t>
+            </a:r>
+            <a:r>
+              <a:rPr lang="fr-FR"/>
+              <a:t>s</a:t>
+            </a:r>
+            <a:r>
+              <a:rPr lang="en-001"/>
+              <a:t>o</a:t>
+            </a:r>
+            <a:r>
+              <a:rPr lang="fr-FR"/>
+              <a:t>r</a:t>
+            </a:r>
+            <a:r>
+              <a:rPr lang="en-001"/>
+              <a:t>t</a:t>
+            </a:r>
+            <a:r>
+              <a:rPr lang="fr-FR"/>
+              <a:t>i</a:t>
+            </a:r>
+            <a:r>
+              <a:rPr lang="en-001"/>
+              <a:t>e)</a:t>
+            </a:r>
+          </a:p>
+          <a:p>
+            <a:r>
+              <a:rPr lang="en-001"/>
+              <a:t>qui aura une valeur constan</a:t>
+            </a:r>
+            <a:r>
+              <a:rPr lang="fr-FR"/>
+              <a:t>t</a:t>
+            </a:r>
+            <a:r>
+              <a:rPr lang="en-001"/>
+              <a:t>e </a:t>
+            </a:r>
+            <a:r>
+              <a:rPr lang="fr-FR"/>
+              <a:t>d</a:t>
+            </a:r>
+            <a:r>
+              <a:rPr lang="en-001"/>
+              <a:t>e 1. </a:t>
+            </a:r>
+            <a:r>
+              <a:rPr lang="fr-FR"/>
+              <a:t>S</a:t>
+            </a:r>
+            <a:r>
+              <a:rPr lang="en-001"/>
+              <a:t>e</a:t>
+            </a:r>
+            <a:r>
+              <a:rPr lang="fr-FR"/>
+              <a:t>u</a:t>
+            </a:r>
+            <a:r>
+              <a:rPr lang="en-001"/>
+              <a:t>l </a:t>
+            </a:r>
+            <a:r>
+              <a:rPr lang="fr-FR"/>
+              <a:t>s</a:t>
+            </a:r>
+            <a:r>
+              <a:rPr lang="en-001"/>
+              <a:t>o</a:t>
+            </a:r>
+            <a:r>
+              <a:rPr lang="fr-FR"/>
+              <a:t>n</a:t>
+            </a:r>
+            <a:r>
+              <a:rPr lang="en-001"/>
+              <a:t> </a:t>
+            </a:r>
+            <a:r>
+              <a:rPr lang="fr-FR"/>
+              <a:t>p</a:t>
+            </a:r>
+            <a:r>
+              <a:rPr lang="en-001"/>
+              <a:t>o</a:t>
+            </a:r>
+            <a:r>
+              <a:rPr lang="fr-FR"/>
+              <a:t>i</a:t>
+            </a:r>
+            <a:r>
+              <a:rPr lang="en-001"/>
+              <a:t>d </a:t>
+            </a:r>
+            <a:r>
+              <a:rPr lang="fr-FR"/>
+              <a:t>c</a:t>
+            </a:r>
+            <a:r>
+              <a:rPr lang="en-001"/>
+              <a:t>h</a:t>
+            </a:r>
+            <a:r>
+              <a:rPr lang="fr-FR"/>
+              <a:t>a</a:t>
+            </a:r>
+            <a:r>
+              <a:rPr lang="en-001"/>
+              <a:t>nge.</a:t>
+            </a:r>
+          </a:p>
+          <a:p>
+            <a:r>
+              <a:rPr lang="en-001"/>
+              <a:t>Cela permet de regler le probleme de biais-variance.</a:t>
+            </a:r>
+            <a:endParaRPr lang="fr-FR"/>
+          </a:p>
+        </p:txBody>
+      </p:sp>
+    </p:spTree>
+    <p:extLst>
+      <p:ext uri="{BB962C8B-B14F-4D97-AF65-F5344CB8AC3E}">
+        <p14:creationId xmlns:p14="http://schemas.microsoft.com/office/powerpoint/2010/main" val="4011162587"/>
+      </p:ext>
+    </p:extLst>
+  </p:cSld>
+  <p:clrMapOvr>
+    <a:masterClrMapping/>
+  </p:clrMapOvr>
+</p:sld>
+</file>
+
+<file path=ppt/slides/slide2.xml><?xml version="1.0" encoding="utf-8"?>
+<p:sld xmlns:a="http://schemas.openxmlformats.org/drawingml/2006/main" xmlns:r="http://schemas.openxmlformats.org/officeDocument/2006/relationships" xmlns:p="http://schemas.openxmlformats.org/presentationml/2006/main" show="0">
   <p:cSld>
     <p:spTree>
       <p:nvGrpSpPr>
@@ -6707,7 +8062,7 @@
 </p:sld>
 </file>
 
-<file path=ppt/slides/slide2.xml><?xml version="1.0" encoding="utf-8"?>
+<file path=ppt/slides/slide3.xml><?xml version="1.0" encoding="utf-8"?>
 <p:sld xmlns:a="http://schemas.openxmlformats.org/drawingml/2006/main" xmlns:r="http://schemas.openxmlformats.org/officeDocument/2006/relationships" xmlns:p="http://schemas.openxmlformats.org/presentationml/2006/main">
   <p:cSld>
     <p:spTree>
@@ -6726,10 +8081,10 @@
       </p:grpSpPr>
       <p:sp>
         <p:nvSpPr>
-          <p:cNvPr id="4" name="Rectangle 3">
-            <a:extLst>
-              <a:ext uri="{FF2B5EF4-FFF2-40B4-BE49-F238E27FC236}">
-                <a16:creationId xmlns:a16="http://schemas.microsoft.com/office/drawing/2014/main" id="{150BCCB2-C1B7-400B-A18A-D05F4944AE6D}"/>
+          <p:cNvPr id="4" name="Ellipse 3">
+            <a:extLst>
+              <a:ext uri="{FF2B5EF4-FFF2-40B4-BE49-F238E27FC236}">
+                <a16:creationId xmlns:a16="http://schemas.microsoft.com/office/drawing/2014/main" id="{B23583E4-FD4E-4755-A8C4-969E48849513}"/>
               </a:ext>
             </a:extLst>
           </p:cNvPr>
@@ -6738,267 +8093,8 @@
         </p:nvSpPr>
         <p:spPr>
           <a:xfrm>
-            <a:off x="755009" y="1199668"/>
-            <a:ext cx="872456" cy="830466"/>
-          </a:xfrm>
-          <a:prstGeom prst="rect">
-            <a:avLst/>
-          </a:prstGeom>
-        </p:spPr>
-        <p:style>
-          <a:lnRef idx="2">
-            <a:schemeClr val="accent1">
-              <a:shade val="50000"/>
-            </a:schemeClr>
-          </a:lnRef>
-          <a:fillRef idx="1">
-            <a:schemeClr val="accent1"/>
-          </a:fillRef>
-          <a:effectRef idx="0">
-            <a:schemeClr val="accent1"/>
-          </a:effectRef>
-          <a:fontRef idx="minor">
-            <a:schemeClr val="lt1"/>
-          </a:fontRef>
-        </p:style>
-        <p:txBody>
-          <a:bodyPr rtlCol="0" anchor="ctr"/>
-          <a:lstStyle/>
-          <a:p>
-            <a:pPr algn="ctr"/>
-            <a:r>
-              <a:rPr lang="en-001"/>
-              <a:t>C</a:t>
-            </a:r>
-            <a:r>
-              <a:rPr lang="fr-FR"/>
-              <a:t>o</a:t>
-            </a:r>
-            <a:r>
-              <a:rPr lang="en-001"/>
-              <a:t>n</a:t>
-            </a:r>
-            <a:r>
-              <a:rPr lang="fr-FR"/>
-              <a:t>v</a:t>
-            </a:r>
-            <a:r>
-              <a:rPr lang="en-001"/>
-              <a:t>o</a:t>
-            </a:r>
-            <a:endParaRPr lang="fr-FR"/>
-          </a:p>
-        </p:txBody>
-      </p:sp>
-      <p:sp>
-        <p:nvSpPr>
-          <p:cNvPr id="7" name="Rectangle 6">
-            <a:extLst>
-              <a:ext uri="{FF2B5EF4-FFF2-40B4-BE49-F238E27FC236}">
-                <a16:creationId xmlns:a16="http://schemas.microsoft.com/office/drawing/2014/main" id="{602E63A4-60BD-46B9-8267-F35D5446B222}"/>
-              </a:ext>
-            </a:extLst>
-          </p:cNvPr>
-          <p:cNvSpPr/>
-          <p:nvPr/>
-        </p:nvSpPr>
-        <p:spPr>
-          <a:xfrm>
-            <a:off x="4464341" y="1167510"/>
-            <a:ext cx="872456" cy="830466"/>
-          </a:xfrm>
-          <a:prstGeom prst="rect">
-            <a:avLst/>
-          </a:prstGeom>
-        </p:spPr>
-        <p:style>
-          <a:lnRef idx="2">
-            <a:schemeClr val="accent2">
-              <a:shade val="50000"/>
-            </a:schemeClr>
-          </a:lnRef>
-          <a:fillRef idx="1">
-            <a:schemeClr val="accent2"/>
-          </a:fillRef>
-          <a:effectRef idx="0">
-            <a:schemeClr val="accent2"/>
-          </a:effectRef>
-          <a:fontRef idx="minor">
-            <a:schemeClr val="lt1"/>
-          </a:fontRef>
-        </p:style>
-        <p:txBody>
-          <a:bodyPr rtlCol="0" anchor="ctr"/>
-          <a:lstStyle/>
-          <a:p>
-            <a:pPr algn="ctr"/>
-            <a:r>
-              <a:rPr lang="en-001"/>
-              <a:t>P</a:t>
-            </a:r>
-            <a:r>
-              <a:rPr lang="fr-FR"/>
-              <a:t>o</a:t>
-            </a:r>
-            <a:r>
-              <a:rPr lang="en-001"/>
-              <a:t>o</a:t>
-            </a:r>
-            <a:r>
-              <a:rPr lang="fr-FR"/>
-              <a:t>l</a:t>
-            </a:r>
-          </a:p>
-        </p:txBody>
-      </p:sp>
-      <p:sp>
-        <p:nvSpPr>
-          <p:cNvPr id="8" name="Rectangle 7">
-            <a:extLst>
-              <a:ext uri="{FF2B5EF4-FFF2-40B4-BE49-F238E27FC236}">
-                <a16:creationId xmlns:a16="http://schemas.microsoft.com/office/drawing/2014/main" id="{A92B2732-256A-4AE9-BD00-D7A952B9A074}"/>
-              </a:ext>
-            </a:extLst>
-          </p:cNvPr>
-          <p:cNvSpPr/>
-          <p:nvPr/>
-        </p:nvSpPr>
-        <p:spPr>
-          <a:xfrm>
-            <a:off x="789963" y="4363715"/>
-            <a:ext cx="872456" cy="830466"/>
-          </a:xfrm>
-          <a:prstGeom prst="rect">
-            <a:avLst/>
-          </a:prstGeom>
-        </p:spPr>
-        <p:style>
-          <a:lnRef idx="2">
-            <a:schemeClr val="accent1">
-              <a:shade val="50000"/>
-            </a:schemeClr>
-          </a:lnRef>
-          <a:fillRef idx="1">
-            <a:schemeClr val="accent1"/>
-          </a:fillRef>
-          <a:effectRef idx="0">
-            <a:schemeClr val="accent1"/>
-          </a:effectRef>
-          <a:fontRef idx="minor">
-            <a:schemeClr val="lt1"/>
-          </a:fontRef>
-        </p:style>
-        <p:txBody>
-          <a:bodyPr rtlCol="0" anchor="ctr"/>
-          <a:lstStyle/>
-          <a:p>
-            <a:pPr algn="ctr"/>
-            <a:r>
-              <a:rPr lang="en-001"/>
-              <a:t>C</a:t>
-            </a:r>
-            <a:r>
-              <a:rPr lang="fr-FR"/>
-              <a:t>o</a:t>
-            </a:r>
-            <a:r>
-              <a:rPr lang="en-001"/>
-              <a:t>n</a:t>
-            </a:r>
-            <a:r>
-              <a:rPr lang="fr-FR"/>
-              <a:t>v</a:t>
-            </a:r>
-            <a:r>
-              <a:rPr lang="en-001"/>
-              <a:t>o</a:t>
-            </a:r>
-            <a:endParaRPr lang="fr-FR"/>
-          </a:p>
-        </p:txBody>
-      </p:sp>
-      <p:sp>
-        <p:nvSpPr>
-          <p:cNvPr id="9" name="Rectangle 8">
-            <a:extLst>
-              <a:ext uri="{FF2B5EF4-FFF2-40B4-BE49-F238E27FC236}">
-                <a16:creationId xmlns:a16="http://schemas.microsoft.com/office/drawing/2014/main" id="{3A57D6E4-0B4B-4B7C-A282-1C1FB81AF7B7}"/>
-              </a:ext>
-            </a:extLst>
-          </p:cNvPr>
-          <p:cNvSpPr/>
-          <p:nvPr/>
-        </p:nvSpPr>
-        <p:spPr>
-          <a:xfrm>
-            <a:off x="4060272" y="4647500"/>
-            <a:ext cx="1937857" cy="251669"/>
-          </a:xfrm>
-          <a:prstGeom prst="rect">
-            <a:avLst/>
-          </a:prstGeom>
-        </p:spPr>
-        <p:style>
-          <a:lnRef idx="2">
-            <a:schemeClr val="accent6">
-              <a:shade val="50000"/>
-            </a:schemeClr>
-          </a:lnRef>
-          <a:fillRef idx="1">
-            <a:schemeClr val="accent6"/>
-          </a:fillRef>
-          <a:effectRef idx="0">
-            <a:schemeClr val="accent6"/>
-          </a:effectRef>
-          <a:fontRef idx="minor">
-            <a:schemeClr val="lt1"/>
-          </a:fontRef>
-        </p:style>
-        <p:txBody>
-          <a:bodyPr rtlCol="0" anchor="ctr"/>
-          <a:lstStyle/>
-          <a:p>
-            <a:pPr algn="ctr"/>
-            <a:r>
-              <a:rPr lang="en-001"/>
-              <a:t>F</a:t>
-            </a:r>
-            <a:r>
-              <a:rPr lang="fr-FR"/>
-              <a:t>l</a:t>
-            </a:r>
-            <a:r>
-              <a:rPr lang="en-001"/>
-              <a:t>a</a:t>
-            </a:r>
-            <a:r>
-              <a:rPr lang="fr-FR"/>
-              <a:t>t</a:t>
-            </a:r>
-            <a:r>
-              <a:rPr lang="en-001"/>
-              <a:t>en</a:t>
-            </a:r>
-            <a:endParaRPr lang="fr-FR"/>
-          </a:p>
-        </p:txBody>
-      </p:sp>
-      <p:sp>
-        <p:nvSpPr>
-          <p:cNvPr id="11" name="Ellipse 10">
-            <a:extLst>
-              <a:ext uri="{FF2B5EF4-FFF2-40B4-BE49-F238E27FC236}">
-                <a16:creationId xmlns:a16="http://schemas.microsoft.com/office/drawing/2014/main" id="{B8432295-7E17-4DD9-9F5C-9EF6AC5782D3}"/>
-              </a:ext>
-            </a:extLst>
-          </p:cNvPr>
-          <p:cNvSpPr/>
-          <p:nvPr/>
-        </p:nvSpPr>
-        <p:spPr>
-          <a:xfrm>
-            <a:off x="8439324" y="4202885"/>
-            <a:ext cx="1082180" cy="1082180"/>
+            <a:off x="6896263" y="4628413"/>
+            <a:ext cx="447869" cy="447869"/>
           </a:xfrm>
           <a:prstGeom prst="ellipse">
             <a:avLst/>
@@ -7025,35 +8121,16 @@
           <a:lstStyle/>
           <a:p>
             <a:pPr algn="ctr"/>
-            <a:r>
-              <a:rPr lang="fr-FR"/>
-              <a:t>D</a:t>
-            </a:r>
-            <a:r>
-              <a:rPr lang="en-001"/>
-              <a:t>e</a:t>
-            </a:r>
-            <a:r>
-              <a:rPr lang="fr-FR"/>
-              <a:t>n</a:t>
-            </a:r>
-            <a:r>
-              <a:rPr lang="en-001"/>
-              <a:t>s</a:t>
-            </a:r>
-            <a:r>
-              <a:rPr lang="fr-FR"/>
-              <a:t>e</a:t>
-            </a:r>
+            <a:endParaRPr lang="fr-FR"/>
           </a:p>
         </p:txBody>
       </p:sp>
       <p:sp>
         <p:nvSpPr>
-          <p:cNvPr id="13" name="Organigramme : Délai 12">
-            <a:extLst>
-              <a:ext uri="{FF2B5EF4-FFF2-40B4-BE49-F238E27FC236}">
-                <a16:creationId xmlns:a16="http://schemas.microsoft.com/office/drawing/2014/main" id="{EBCF5DB7-21EE-4F2B-8338-DB4E7AA3D2FD}"/>
+          <p:cNvPr id="5" name="Ellipse 4">
+            <a:extLst>
+              <a:ext uri="{FF2B5EF4-FFF2-40B4-BE49-F238E27FC236}">
+                <a16:creationId xmlns:a16="http://schemas.microsoft.com/office/drawing/2014/main" id="{BBA1DA1F-A47B-445F-9027-9D60106D241B}"/>
               </a:ext>
             </a:extLst>
           </p:cNvPr>
@@ -7062,18 +8139,12 @@
         </p:nvSpPr>
         <p:spPr>
           <a:xfrm>
-            <a:off x="1963024" y="1208015"/>
-            <a:ext cx="838899" cy="813732"/>
+            <a:off x="6889272" y="5527433"/>
+            <a:ext cx="447869" cy="447869"/>
           </a:xfrm>
-          <a:prstGeom prst="flowChartDelay">
+          <a:prstGeom prst="ellipse">
             <a:avLst/>
           </a:prstGeom>
-          <a:solidFill>
-            <a:schemeClr val="tx2">
-              <a:lumMod val="60000"/>
-              <a:lumOff val="40000"/>
-            </a:schemeClr>
-          </a:solidFill>
         </p:spPr>
         <p:style>
           <a:lnRef idx="2">
@@ -7096,44 +8167,16 @@
           <a:lstStyle/>
           <a:p>
             <a:pPr algn="ctr"/>
-            <a:r>
-              <a:rPr lang="en-001"/>
-              <a:t>f_</a:t>
-            </a:r>
-            <a:r>
-              <a:rPr lang="fr-FR"/>
-              <a:t>t</a:t>
-            </a:r>
-            <a:r>
-              <a:rPr lang="en-001"/>
-              <a:t>o_</a:t>
-            </a:r>
-            <a:r>
-              <a:rPr lang="fr-FR"/>
-              <a:t>p</a:t>
-            </a:r>
-            <a:r>
-              <a:rPr lang="en-001"/>
-              <a:t>o</a:t>
-            </a:r>
-            <a:r>
-              <a:rPr lang="fr-FR"/>
-              <a:t>o</a:t>
-            </a:r>
-            <a:r>
-              <a:rPr lang="en-001"/>
-              <a:t>l</a:t>
-            </a:r>
             <a:endParaRPr lang="fr-FR"/>
           </a:p>
         </p:txBody>
       </p:sp>
       <p:sp>
         <p:nvSpPr>
-          <p:cNvPr id="14" name="Organigramme : Délai 13">
-            <a:extLst>
-              <a:ext uri="{FF2B5EF4-FFF2-40B4-BE49-F238E27FC236}">
-                <a16:creationId xmlns:a16="http://schemas.microsoft.com/office/drawing/2014/main" id="{7306C52E-BF94-4AA8-9F3B-542BE6E090D9}"/>
+          <p:cNvPr id="6" name="Ellipse 5">
+            <a:extLst>
+              <a:ext uri="{FF2B5EF4-FFF2-40B4-BE49-F238E27FC236}">
+                <a16:creationId xmlns:a16="http://schemas.microsoft.com/office/drawing/2014/main" id="{7FAE2933-9AB1-41EF-9DDC-B2B1F71E0939}"/>
               </a:ext>
             </a:extLst>
           </p:cNvPr>
@@ -7141,19 +8184,13 @@
           <p:nvPr/>
         </p:nvSpPr>
         <p:spPr>
-          <a:xfrm rot="5400000">
-            <a:off x="4480167" y="2141543"/>
-            <a:ext cx="902321" cy="875251"/>
+          <a:xfrm>
+            <a:off x="9162689" y="4218751"/>
+            <a:ext cx="447869" cy="447869"/>
           </a:xfrm>
-          <a:prstGeom prst="flowChartDelay">
+          <a:prstGeom prst="ellipse">
             <a:avLst/>
           </a:prstGeom>
-          <a:solidFill>
-            <a:schemeClr val="tx2">
-              <a:lumMod val="60000"/>
-              <a:lumOff val="40000"/>
-            </a:schemeClr>
-          </a:solidFill>
         </p:spPr>
         <p:style>
           <a:lnRef idx="2">
@@ -7176,44 +8213,16 @@
           <a:lstStyle/>
           <a:p>
             <a:pPr algn="ctr"/>
-            <a:r>
-              <a:rPr lang="en-001"/>
-              <a:t>f_</a:t>
-            </a:r>
-            <a:r>
-              <a:rPr lang="fr-FR"/>
-              <a:t>t</a:t>
-            </a:r>
-            <a:r>
-              <a:rPr lang="en-001"/>
-              <a:t>o_</a:t>
-            </a:r>
-            <a:r>
-              <a:rPr lang="fr-FR"/>
-              <a:t>C</a:t>
-            </a:r>
-            <a:r>
-              <a:rPr lang="en-001"/>
-              <a:t>o</a:t>
-            </a:r>
-            <a:r>
-              <a:rPr lang="fr-FR"/>
-              <a:t>n</a:t>
-            </a:r>
-            <a:r>
-              <a:rPr lang="en-001"/>
-              <a:t>vo</a:t>
-            </a:r>
             <a:endParaRPr lang="fr-FR"/>
           </a:p>
         </p:txBody>
       </p:sp>
       <p:sp>
         <p:nvSpPr>
-          <p:cNvPr id="15" name="Organigramme : Délai 14">
-            <a:extLst>
-              <a:ext uri="{FF2B5EF4-FFF2-40B4-BE49-F238E27FC236}">
-                <a16:creationId xmlns:a16="http://schemas.microsoft.com/office/drawing/2014/main" id="{A9A6EEFA-9B1C-4D91-B83D-13447C6E44F8}"/>
+          <p:cNvPr id="7" name="Ellipse 6">
+            <a:extLst>
+              <a:ext uri="{FF2B5EF4-FFF2-40B4-BE49-F238E27FC236}">
+                <a16:creationId xmlns:a16="http://schemas.microsoft.com/office/drawing/2014/main" id="{8215181D-2E1B-4FE8-BC52-D73E01E39ED0}"/>
               </a:ext>
             </a:extLst>
           </p:cNvPr>
@@ -7222,18 +8231,12 @@
         </p:nvSpPr>
         <p:spPr>
           <a:xfrm>
-            <a:off x="1914534" y="4366023"/>
-            <a:ext cx="902321" cy="875251"/>
+            <a:off x="9162689" y="5015705"/>
+            <a:ext cx="447869" cy="447869"/>
           </a:xfrm>
-          <a:prstGeom prst="flowChartDelay">
+          <a:prstGeom prst="ellipse">
             <a:avLst/>
           </a:prstGeom>
-          <a:solidFill>
-            <a:schemeClr val="tx2">
-              <a:lumMod val="60000"/>
-              <a:lumOff val="40000"/>
-            </a:schemeClr>
-          </a:solidFill>
         </p:spPr>
         <p:style>
           <a:lnRef idx="2">
@@ -7256,44 +8259,16 @@
           <a:lstStyle/>
           <a:p>
             <a:pPr algn="ctr"/>
-            <a:r>
-              <a:rPr lang="en-001"/>
-              <a:t>f_</a:t>
-            </a:r>
-            <a:r>
-              <a:rPr lang="fr-FR"/>
-              <a:t>t</a:t>
-            </a:r>
-            <a:r>
-              <a:rPr lang="en-001"/>
-              <a:t>o_</a:t>
-            </a:r>
-            <a:r>
-              <a:rPr lang="fr-FR"/>
-              <a:t>F</a:t>
-            </a:r>
-            <a:r>
-              <a:rPr lang="en-001"/>
-              <a:t>l</a:t>
-            </a:r>
-            <a:r>
-              <a:rPr lang="fr-FR"/>
-              <a:t>a</a:t>
-            </a:r>
-            <a:r>
-              <a:rPr lang="en-001"/>
-              <a:t>t</a:t>
-            </a:r>
             <a:endParaRPr lang="fr-FR"/>
           </a:p>
         </p:txBody>
       </p:sp>
       <p:sp>
         <p:nvSpPr>
-          <p:cNvPr id="16" name="Organigramme : Délai 15">
-            <a:extLst>
-              <a:ext uri="{FF2B5EF4-FFF2-40B4-BE49-F238E27FC236}">
-                <a16:creationId xmlns:a16="http://schemas.microsoft.com/office/drawing/2014/main" id="{5D7E8F39-98A6-4987-9C25-55C144150503}"/>
+          <p:cNvPr id="8" name="Ellipse 7">
+            <a:extLst>
+              <a:ext uri="{FF2B5EF4-FFF2-40B4-BE49-F238E27FC236}">
+                <a16:creationId xmlns:a16="http://schemas.microsoft.com/office/drawing/2014/main" id="{92244B23-AEC1-4857-9FDB-5FAA6EB75445}"/>
               </a:ext>
             </a:extLst>
           </p:cNvPr>
@@ -7302,18 +8277,12 @@
         </p:nvSpPr>
         <p:spPr>
           <a:xfrm>
-            <a:off x="6211095" y="4359032"/>
-            <a:ext cx="902321" cy="875251"/>
+            <a:off x="9129133" y="5871382"/>
+            <a:ext cx="447869" cy="447869"/>
           </a:xfrm>
-          <a:prstGeom prst="flowChartDelay">
+          <a:prstGeom prst="ellipse">
             <a:avLst/>
           </a:prstGeom>
-          <a:solidFill>
-            <a:schemeClr val="tx2">
-              <a:lumMod val="60000"/>
-              <a:lumOff val="40000"/>
-            </a:schemeClr>
-          </a:solidFill>
         </p:spPr>
         <p:style>
           <a:lnRef idx="2">
@@ -7336,44 +8305,16 @@
           <a:lstStyle/>
           <a:p>
             <a:pPr algn="ctr"/>
-            <a:r>
-              <a:rPr lang="en-001"/>
-              <a:t>f_</a:t>
-            </a:r>
-            <a:r>
-              <a:rPr lang="fr-FR"/>
-              <a:t>t</a:t>
-            </a:r>
-            <a:r>
-              <a:rPr lang="en-001"/>
-              <a:t>o_</a:t>
-            </a:r>
-            <a:r>
-              <a:rPr lang="fr-FR"/>
-              <a:t>D</a:t>
-            </a:r>
-            <a:r>
-              <a:rPr lang="en-001"/>
-              <a:t>e</a:t>
-            </a:r>
-            <a:r>
-              <a:rPr lang="fr-FR"/>
-              <a:t>n</a:t>
-            </a:r>
-            <a:r>
-              <a:rPr lang="en-001"/>
-              <a:t>s</a:t>
-            </a:r>
             <a:endParaRPr lang="fr-FR"/>
           </a:p>
         </p:txBody>
       </p:sp>
       <p:sp>
         <p:nvSpPr>
-          <p:cNvPr id="18" name="Rectangle 17">
-            <a:extLst>
-              <a:ext uri="{FF2B5EF4-FFF2-40B4-BE49-F238E27FC236}">
-                <a16:creationId xmlns:a16="http://schemas.microsoft.com/office/drawing/2014/main" id="{CA65012A-3196-466B-BF06-FEB63355B152}"/>
+          <p:cNvPr id="9" name="Ellipse 8">
+            <a:extLst>
+              <a:ext uri="{FF2B5EF4-FFF2-40B4-BE49-F238E27FC236}">
+                <a16:creationId xmlns:a16="http://schemas.microsoft.com/office/drawing/2014/main" id="{1BA40B0D-CDA5-482A-80CE-A81EF6F7E562}"/>
               </a:ext>
             </a:extLst>
           </p:cNvPr>
@@ -7382,8 +8323,340 @@
         </p:nvSpPr>
         <p:spPr>
           <a:xfrm>
-            <a:off x="478172" y="880844"/>
-            <a:ext cx="2457975" cy="1409350"/>
+            <a:off x="11217992" y="5519044"/>
+            <a:ext cx="447869" cy="447869"/>
+          </a:xfrm>
+          <a:prstGeom prst="ellipse">
+            <a:avLst/>
+          </a:prstGeom>
+        </p:spPr>
+        <p:style>
+          <a:lnRef idx="2">
+            <a:schemeClr val="accent1">
+              <a:shade val="50000"/>
+            </a:schemeClr>
+          </a:lnRef>
+          <a:fillRef idx="1">
+            <a:schemeClr val="accent1"/>
+          </a:fillRef>
+          <a:effectRef idx="0">
+            <a:schemeClr val="accent1"/>
+          </a:effectRef>
+          <a:fontRef idx="minor">
+            <a:schemeClr val="lt1"/>
+          </a:fontRef>
+        </p:style>
+        <p:txBody>
+          <a:bodyPr rtlCol="0" anchor="ctr"/>
+          <a:lstStyle/>
+          <a:p>
+            <a:pPr algn="ctr"/>
+            <a:endParaRPr lang="fr-FR"/>
+          </a:p>
+        </p:txBody>
+      </p:sp>
+      <p:sp>
+        <p:nvSpPr>
+          <p:cNvPr id="10" name="Ellipse 9">
+            <a:extLst>
+              <a:ext uri="{FF2B5EF4-FFF2-40B4-BE49-F238E27FC236}">
+                <a16:creationId xmlns:a16="http://schemas.microsoft.com/office/drawing/2014/main" id="{59710FF9-9B7B-474E-B64F-94FF7CF59E84}"/>
+              </a:ext>
+            </a:extLst>
+          </p:cNvPr>
+          <p:cNvSpPr/>
+          <p:nvPr/>
+        </p:nvSpPr>
+        <p:spPr>
+          <a:xfrm>
+            <a:off x="11226381" y="4638200"/>
+            <a:ext cx="447869" cy="447869"/>
+          </a:xfrm>
+          <a:prstGeom prst="ellipse">
+            <a:avLst/>
+          </a:prstGeom>
+        </p:spPr>
+        <p:style>
+          <a:lnRef idx="2">
+            <a:schemeClr val="accent1">
+              <a:shade val="50000"/>
+            </a:schemeClr>
+          </a:lnRef>
+          <a:fillRef idx="1">
+            <a:schemeClr val="accent1"/>
+          </a:fillRef>
+          <a:effectRef idx="0">
+            <a:schemeClr val="accent1"/>
+          </a:effectRef>
+          <a:fontRef idx="minor">
+            <a:schemeClr val="lt1"/>
+          </a:fontRef>
+        </p:style>
+        <p:txBody>
+          <a:bodyPr rtlCol="0" anchor="ctr"/>
+          <a:lstStyle/>
+          <a:p>
+            <a:pPr algn="ctr"/>
+            <a:endParaRPr lang="fr-FR"/>
+          </a:p>
+        </p:txBody>
+      </p:sp>
+      <p:cxnSp>
+        <p:nvCxnSpPr>
+          <p:cNvPr id="12" name="Connecteur droit 11">
+            <a:extLst>
+              <a:ext uri="{FF2B5EF4-FFF2-40B4-BE49-F238E27FC236}">
+                <a16:creationId xmlns:a16="http://schemas.microsoft.com/office/drawing/2014/main" id="{CAACE104-59B9-4258-B9CE-924E974318E2}"/>
+              </a:ext>
+            </a:extLst>
+          </p:cNvPr>
+          <p:cNvCxnSpPr>
+            <a:cxnSpLocks/>
+            <a:stCxn id="4" idx="6"/>
+            <a:endCxn id="6" idx="2"/>
+          </p:cNvCxnSpPr>
+          <p:nvPr/>
+        </p:nvCxnSpPr>
+        <p:spPr>
+          <a:xfrm flipV="1">
+            <a:off x="7344132" y="4442686"/>
+            <a:ext cx="1818557" cy="409662"/>
+          </a:xfrm>
+          <a:prstGeom prst="line">
+            <a:avLst/>
+          </a:prstGeom>
+        </p:spPr>
+        <p:style>
+          <a:lnRef idx="1">
+            <a:schemeClr val="accent1"/>
+          </a:lnRef>
+          <a:fillRef idx="0">
+            <a:schemeClr val="accent1"/>
+          </a:fillRef>
+          <a:effectRef idx="0">
+            <a:schemeClr val="accent1"/>
+          </a:effectRef>
+          <a:fontRef idx="minor">
+            <a:schemeClr val="tx1"/>
+          </a:fontRef>
+        </p:style>
+      </p:cxnSp>
+      <p:cxnSp>
+        <p:nvCxnSpPr>
+          <p:cNvPr id="14" name="Connecteur droit 13">
+            <a:extLst>
+              <a:ext uri="{FF2B5EF4-FFF2-40B4-BE49-F238E27FC236}">
+                <a16:creationId xmlns:a16="http://schemas.microsoft.com/office/drawing/2014/main" id="{09D2F886-E43D-4013-BC72-229E91AAF0AC}"/>
+              </a:ext>
+            </a:extLst>
+          </p:cNvPr>
+          <p:cNvCxnSpPr>
+            <a:cxnSpLocks/>
+            <a:stCxn id="5" idx="6"/>
+            <a:endCxn id="6" idx="2"/>
+          </p:cNvCxnSpPr>
+          <p:nvPr/>
+        </p:nvCxnSpPr>
+        <p:spPr>
+          <a:xfrm flipV="1">
+            <a:off x="7337141" y="4442686"/>
+            <a:ext cx="1825548" cy="1308682"/>
+          </a:xfrm>
+          <a:prstGeom prst="line">
+            <a:avLst/>
+          </a:prstGeom>
+        </p:spPr>
+        <p:style>
+          <a:lnRef idx="1">
+            <a:schemeClr val="accent2"/>
+          </a:lnRef>
+          <a:fillRef idx="0">
+            <a:schemeClr val="accent2"/>
+          </a:fillRef>
+          <a:effectRef idx="0">
+            <a:schemeClr val="accent2"/>
+          </a:effectRef>
+          <a:fontRef idx="minor">
+            <a:schemeClr val="tx1"/>
+          </a:fontRef>
+        </p:style>
+      </p:cxnSp>
+      <p:cxnSp>
+        <p:nvCxnSpPr>
+          <p:cNvPr id="17" name="Connecteur droit 16">
+            <a:extLst>
+              <a:ext uri="{FF2B5EF4-FFF2-40B4-BE49-F238E27FC236}">
+                <a16:creationId xmlns:a16="http://schemas.microsoft.com/office/drawing/2014/main" id="{455F9E41-9B18-4795-AA08-22368F28B798}"/>
+              </a:ext>
+            </a:extLst>
+          </p:cNvPr>
+          <p:cNvCxnSpPr>
+            <a:cxnSpLocks/>
+            <a:stCxn id="5" idx="6"/>
+            <a:endCxn id="7" idx="2"/>
+          </p:cNvCxnSpPr>
+          <p:nvPr/>
+        </p:nvCxnSpPr>
+        <p:spPr>
+          <a:xfrm flipV="1">
+            <a:off x="7337141" y="5239640"/>
+            <a:ext cx="1825548" cy="511728"/>
+          </a:xfrm>
+          <a:prstGeom prst="line">
+            <a:avLst/>
+          </a:prstGeom>
+        </p:spPr>
+        <p:style>
+          <a:lnRef idx="1">
+            <a:schemeClr val="accent2"/>
+          </a:lnRef>
+          <a:fillRef idx="0">
+            <a:schemeClr val="accent2"/>
+          </a:fillRef>
+          <a:effectRef idx="0">
+            <a:schemeClr val="accent2"/>
+          </a:effectRef>
+          <a:fontRef idx="minor">
+            <a:schemeClr val="tx1"/>
+          </a:fontRef>
+        </p:style>
+      </p:cxnSp>
+      <p:cxnSp>
+        <p:nvCxnSpPr>
+          <p:cNvPr id="20" name="Connecteur droit 19">
+            <a:extLst>
+              <a:ext uri="{FF2B5EF4-FFF2-40B4-BE49-F238E27FC236}">
+                <a16:creationId xmlns:a16="http://schemas.microsoft.com/office/drawing/2014/main" id="{1FBC2FDD-1A30-438C-9217-14C3EC88DB70}"/>
+              </a:ext>
+            </a:extLst>
+          </p:cNvPr>
+          <p:cNvCxnSpPr>
+            <a:cxnSpLocks/>
+            <a:stCxn id="4" idx="6"/>
+            <a:endCxn id="7" idx="2"/>
+          </p:cNvCxnSpPr>
+          <p:nvPr/>
+        </p:nvCxnSpPr>
+        <p:spPr>
+          <a:xfrm>
+            <a:off x="7344132" y="4852348"/>
+            <a:ext cx="1818557" cy="387292"/>
+          </a:xfrm>
+          <a:prstGeom prst="line">
+            <a:avLst/>
+          </a:prstGeom>
+        </p:spPr>
+        <p:style>
+          <a:lnRef idx="1">
+            <a:schemeClr val="accent1"/>
+          </a:lnRef>
+          <a:fillRef idx="0">
+            <a:schemeClr val="accent1"/>
+          </a:fillRef>
+          <a:effectRef idx="0">
+            <a:schemeClr val="accent1"/>
+          </a:effectRef>
+          <a:fontRef idx="minor">
+            <a:schemeClr val="tx1"/>
+          </a:fontRef>
+        </p:style>
+      </p:cxnSp>
+      <p:cxnSp>
+        <p:nvCxnSpPr>
+          <p:cNvPr id="23" name="Connecteur droit 22">
+            <a:extLst>
+              <a:ext uri="{FF2B5EF4-FFF2-40B4-BE49-F238E27FC236}">
+                <a16:creationId xmlns:a16="http://schemas.microsoft.com/office/drawing/2014/main" id="{2E1E0668-A66A-4344-9761-CB19CC405491}"/>
+              </a:ext>
+            </a:extLst>
+          </p:cNvPr>
+          <p:cNvCxnSpPr>
+            <a:cxnSpLocks/>
+            <a:stCxn id="5" idx="6"/>
+            <a:endCxn id="8" idx="2"/>
+          </p:cNvCxnSpPr>
+          <p:nvPr/>
+        </p:nvCxnSpPr>
+        <p:spPr>
+          <a:xfrm>
+            <a:off x="7337141" y="5751368"/>
+            <a:ext cx="1791992" cy="343949"/>
+          </a:xfrm>
+          <a:prstGeom prst="line">
+            <a:avLst/>
+          </a:prstGeom>
+        </p:spPr>
+        <p:style>
+          <a:lnRef idx="1">
+            <a:schemeClr val="accent2"/>
+          </a:lnRef>
+          <a:fillRef idx="0">
+            <a:schemeClr val="accent2"/>
+          </a:fillRef>
+          <a:effectRef idx="0">
+            <a:schemeClr val="accent2"/>
+          </a:effectRef>
+          <a:fontRef idx="minor">
+            <a:schemeClr val="tx1"/>
+          </a:fontRef>
+        </p:style>
+      </p:cxnSp>
+      <p:cxnSp>
+        <p:nvCxnSpPr>
+          <p:cNvPr id="26" name="Connecteur droit 25">
+            <a:extLst>
+              <a:ext uri="{FF2B5EF4-FFF2-40B4-BE49-F238E27FC236}">
+                <a16:creationId xmlns:a16="http://schemas.microsoft.com/office/drawing/2014/main" id="{7A979F52-09F4-4795-B6BC-46D680353786}"/>
+              </a:ext>
+            </a:extLst>
+          </p:cNvPr>
+          <p:cNvCxnSpPr>
+            <a:cxnSpLocks/>
+            <a:stCxn id="4" idx="6"/>
+            <a:endCxn id="8" idx="2"/>
+          </p:cNvCxnSpPr>
+          <p:nvPr/>
+        </p:nvCxnSpPr>
+        <p:spPr>
+          <a:xfrm>
+            <a:off x="7344132" y="4852348"/>
+            <a:ext cx="1785001" cy="1242969"/>
+          </a:xfrm>
+          <a:prstGeom prst="line">
+            <a:avLst/>
+          </a:prstGeom>
+        </p:spPr>
+        <p:style>
+          <a:lnRef idx="1">
+            <a:schemeClr val="accent1"/>
+          </a:lnRef>
+          <a:fillRef idx="0">
+            <a:schemeClr val="accent1"/>
+          </a:fillRef>
+          <a:effectRef idx="0">
+            <a:schemeClr val="accent1"/>
+          </a:effectRef>
+          <a:fontRef idx="minor">
+            <a:schemeClr val="tx1"/>
+          </a:fontRef>
+        </p:style>
+      </p:cxnSp>
+      <p:sp>
+        <p:nvSpPr>
+          <p:cNvPr id="29" name="Rectangle 28">
+            <a:extLst>
+              <a:ext uri="{FF2B5EF4-FFF2-40B4-BE49-F238E27FC236}">
+                <a16:creationId xmlns:a16="http://schemas.microsoft.com/office/drawing/2014/main" id="{4E56AC1D-7B6C-442D-9FE5-52BB23019F2C}"/>
+              </a:ext>
+            </a:extLst>
+          </p:cNvPr>
+          <p:cNvSpPr/>
+          <p:nvPr/>
+        </p:nvSpPr>
+        <p:spPr>
+          <a:xfrm>
+            <a:off x="206816" y="969956"/>
+            <a:ext cx="2239860" cy="2365695"/>
           </a:xfrm>
           <a:prstGeom prst="rect">
             <a:avLst/>
@@ -7407,20 +8680,416 @@
           </a:fontRef>
         </p:style>
         <p:txBody>
-          <a:bodyPr rtlCol="0" anchor="ctr"/>
+          <a:bodyPr rtlCol="0" anchor="t"/>
           <a:lstStyle/>
           <a:p>
-            <a:pPr algn="ctr"/>
-            <a:endParaRPr lang="fr-FR"/>
+            <a:r>
+              <a:rPr lang="fr-FR">
+                <a:solidFill>
+                  <a:schemeClr val="tx1"/>
+                </a:solidFill>
+              </a:rPr>
+              <a:t>t</a:t>
+            </a:r>
+            <a:r>
+              <a:rPr lang="en-001">
+                <a:solidFill>
+                  <a:schemeClr val="tx1"/>
+                </a:solidFill>
+              </a:rPr>
+              <a:t>_network</a:t>
+            </a:r>
+          </a:p>
+          <a:p>
+            <a:r>
+              <a:rPr lang="en-001" sz="1400">
+                <a:solidFill>
+                  <a:schemeClr val="tx1"/>
+                </a:solidFill>
+              </a:rPr>
+              <a:t>t_</a:t>
+            </a:r>
+            <a:r>
+              <a:rPr lang="fr-FR" sz="1400">
+                <a:solidFill>
+                  <a:schemeClr val="tx1"/>
+                </a:solidFill>
+              </a:rPr>
+              <a:t>l</a:t>
+            </a:r>
+            <a:r>
+              <a:rPr lang="en-001" sz="1400">
+                <a:solidFill>
+                  <a:schemeClr val="tx1"/>
+                </a:solidFill>
+              </a:rPr>
+              <a:t>a</a:t>
+            </a:r>
+            <a:r>
+              <a:rPr lang="fr-FR" sz="1400">
+                <a:solidFill>
+                  <a:schemeClr val="tx1"/>
+                </a:solidFill>
+              </a:rPr>
+              <a:t>y</a:t>
+            </a:r>
+            <a:r>
+              <a:rPr lang="en-001" sz="1400">
+                <a:solidFill>
+                  <a:schemeClr val="tx1"/>
+                </a:solidFill>
+              </a:rPr>
+              <a:t>e</a:t>
+            </a:r>
+            <a:r>
+              <a:rPr lang="fr-FR" sz="1400">
+                <a:solidFill>
+                  <a:schemeClr val="tx1"/>
+                </a:solidFill>
+              </a:rPr>
+              <a:t>r</a:t>
+            </a:r>
+            <a:r>
+              <a:rPr lang="en-001" sz="1400">
+                <a:solidFill>
+                  <a:schemeClr val="tx1"/>
+                </a:solidFill>
+              </a:rPr>
+              <a:t> *</a:t>
+            </a:r>
+            <a:r>
+              <a:rPr lang="fr-FR" sz="1400">
+                <a:solidFill>
+                  <a:schemeClr val="tx1"/>
+                </a:solidFill>
+              </a:rPr>
+              <a:t>b</a:t>
+            </a:r>
+            <a:r>
+              <a:rPr lang="en-001" sz="1400">
+                <a:solidFill>
+                  <a:schemeClr val="tx1"/>
+                </a:solidFill>
+              </a:rPr>
+              <a:t>e</a:t>
+            </a:r>
+            <a:r>
+              <a:rPr lang="fr-FR" sz="1400">
+                <a:solidFill>
+                  <a:schemeClr val="tx1"/>
+                </a:solidFill>
+              </a:rPr>
+              <a:t>g</a:t>
+            </a:r>
+            <a:r>
+              <a:rPr lang="en-001" sz="1400">
+                <a:solidFill>
+                  <a:schemeClr val="tx1"/>
+                </a:solidFill>
+              </a:rPr>
+              <a:t>i</a:t>
+            </a:r>
+            <a:r>
+              <a:rPr lang="fr-FR" sz="1400">
+                <a:solidFill>
+                  <a:schemeClr val="tx1"/>
+                </a:solidFill>
+              </a:rPr>
+              <a:t>n</a:t>
+            </a:r>
+            <a:r>
+              <a:rPr lang="en-001" sz="1400">
+                <a:solidFill>
+                  <a:schemeClr val="tx1"/>
+                </a:solidFill>
+              </a:rPr>
+              <a:t>_</a:t>
+            </a:r>
+            <a:r>
+              <a:rPr lang="fr-FR" sz="1400">
+                <a:solidFill>
+                  <a:schemeClr val="tx1"/>
+                </a:solidFill>
+              </a:rPr>
+              <a:t>l</a:t>
+            </a:r>
+            <a:r>
+              <a:rPr lang="en-001" sz="1400">
+                <a:solidFill>
+                  <a:schemeClr val="tx1"/>
+                </a:solidFill>
+              </a:rPr>
+              <a:t>a</a:t>
+            </a:r>
+            <a:r>
+              <a:rPr lang="fr-FR" sz="1400">
+                <a:solidFill>
+                  <a:schemeClr val="tx1"/>
+                </a:solidFill>
+              </a:rPr>
+              <a:t>y</a:t>
+            </a:r>
+            <a:r>
+              <a:rPr lang="en-001" sz="1400">
+                <a:solidFill>
+                  <a:schemeClr val="tx1"/>
+                </a:solidFill>
+              </a:rPr>
+              <a:t>e</a:t>
+            </a:r>
+            <a:r>
+              <a:rPr lang="fr-FR" sz="1400">
+                <a:solidFill>
+                  <a:schemeClr val="tx1"/>
+                </a:solidFill>
+              </a:rPr>
+              <a:t>r</a:t>
+            </a:r>
+            <a:endParaRPr lang="en-001" sz="1400">
+              <a:solidFill>
+                <a:schemeClr val="tx1"/>
+              </a:solidFill>
+            </a:endParaRPr>
+          </a:p>
+          <a:p>
+            <a:r>
+              <a:rPr lang="fr-FR" sz="1400">
+                <a:solidFill>
+                  <a:srgbClr val="00B0F0"/>
+                </a:solidFill>
+              </a:rPr>
+              <a:t>i</a:t>
+            </a:r>
+            <a:r>
+              <a:rPr lang="en-001" sz="1400">
+                <a:solidFill>
+                  <a:srgbClr val="00B0F0"/>
+                </a:solidFill>
+              </a:rPr>
+              <a:t>n</a:t>
+            </a:r>
+            <a:r>
+              <a:rPr lang="fr-FR" sz="1400">
+                <a:solidFill>
+                  <a:srgbClr val="00B0F0"/>
+                </a:solidFill>
+              </a:rPr>
+              <a:t>t</a:t>
+            </a:r>
+            <a:r>
+              <a:rPr lang="en-001" sz="1400">
+                <a:solidFill>
+                  <a:srgbClr val="00B0F0"/>
+                </a:solidFill>
+              </a:rPr>
+              <a:t> optimizer</a:t>
+            </a:r>
+          </a:p>
+          <a:p>
+            <a:r>
+              <a:rPr lang="en-001" sz="1400">
+                <a:solidFill>
+                  <a:srgbClr val="00B0F0"/>
+                </a:solidFill>
+              </a:rPr>
+              <a:t>int loss</a:t>
+            </a:r>
+          </a:p>
+          <a:p>
+            <a:r>
+              <a:rPr lang="en-001" sz="1400">
+                <a:solidFill>
+                  <a:srgbClr val="00B0F0"/>
+                </a:solidFill>
+              </a:rPr>
+              <a:t>int metrics</a:t>
+            </a:r>
+          </a:p>
+          <a:p>
+            <a:r>
+              <a:rPr lang="en-001" sz="1400">
+                <a:solidFill>
+                  <a:schemeClr val="tx1"/>
+                </a:solidFill>
+              </a:rPr>
+              <a:t>un</a:t>
+            </a:r>
+            <a:r>
+              <a:rPr lang="fr-FR" sz="1400">
+                <a:solidFill>
+                  <a:schemeClr val="tx1"/>
+                </a:solidFill>
+              </a:rPr>
+              <a:t>s</a:t>
+            </a:r>
+            <a:r>
+              <a:rPr lang="en-001" sz="1400">
+                <a:solidFill>
+                  <a:schemeClr val="tx1"/>
+                </a:solidFill>
+              </a:rPr>
+              <a:t>i</a:t>
+            </a:r>
+            <a:r>
+              <a:rPr lang="fr-FR" sz="1400">
+                <a:solidFill>
+                  <a:schemeClr val="tx1"/>
+                </a:solidFill>
+              </a:rPr>
+              <a:t>g</a:t>
+            </a:r>
+            <a:r>
+              <a:rPr lang="en-001" sz="1400">
+                <a:solidFill>
+                  <a:schemeClr val="tx1"/>
+                </a:solidFill>
+              </a:rPr>
+              <a:t>n</a:t>
+            </a:r>
+            <a:r>
+              <a:rPr lang="fr-FR" sz="1400">
+                <a:solidFill>
+                  <a:schemeClr val="tx1"/>
+                </a:solidFill>
+              </a:rPr>
+              <a:t>e</a:t>
+            </a:r>
+            <a:r>
+              <a:rPr lang="en-001" sz="1400">
+                <a:solidFill>
+                  <a:schemeClr val="tx1"/>
+                </a:solidFill>
+              </a:rPr>
+              <a:t>d </a:t>
+            </a:r>
+            <a:r>
+              <a:rPr lang="fr-FR" sz="1400">
+                <a:solidFill>
+                  <a:schemeClr val="tx1"/>
+                </a:solidFill>
+              </a:rPr>
+              <a:t>i</a:t>
+            </a:r>
+            <a:r>
+              <a:rPr lang="en-001" sz="1400">
+                <a:solidFill>
+                  <a:schemeClr val="tx1"/>
+                </a:solidFill>
+              </a:rPr>
+              <a:t>n</a:t>
+            </a:r>
+            <a:r>
+              <a:rPr lang="fr-FR" sz="1400">
+                <a:solidFill>
+                  <a:schemeClr val="tx1"/>
+                </a:solidFill>
+              </a:rPr>
+              <a:t>t</a:t>
+            </a:r>
+            <a:r>
+              <a:rPr lang="en-001" sz="1400">
+                <a:solidFill>
+                  <a:schemeClr val="tx1"/>
+                </a:solidFill>
+              </a:rPr>
+              <a:t> </a:t>
+            </a:r>
+            <a:r>
+              <a:rPr lang="fr-FR" sz="1400">
+                <a:solidFill>
+                  <a:schemeClr val="tx1"/>
+                </a:solidFill>
+              </a:rPr>
+              <a:t>e</a:t>
+            </a:r>
+            <a:r>
+              <a:rPr lang="en-001" sz="1400">
+                <a:solidFill>
+                  <a:schemeClr val="tx1"/>
+                </a:solidFill>
+              </a:rPr>
+              <a:t>p</a:t>
+            </a:r>
+            <a:r>
+              <a:rPr lang="fr-FR" sz="1400">
+                <a:solidFill>
+                  <a:schemeClr val="tx1"/>
+                </a:solidFill>
+              </a:rPr>
+              <a:t>o</a:t>
+            </a:r>
+            <a:r>
+              <a:rPr lang="en-001" sz="1400">
+                <a:solidFill>
+                  <a:schemeClr val="tx1"/>
+                </a:solidFill>
+              </a:rPr>
+              <a:t>c</a:t>
+            </a:r>
+            <a:r>
+              <a:rPr lang="fr-FR" sz="1400">
+                <a:solidFill>
+                  <a:schemeClr val="tx1"/>
+                </a:solidFill>
+              </a:rPr>
+              <a:t>h</a:t>
+            </a:r>
+            <a:endParaRPr lang="en-001" sz="1400">
+              <a:solidFill>
+                <a:schemeClr val="tx1"/>
+              </a:solidFill>
+            </a:endParaRPr>
+          </a:p>
+          <a:p>
+            <a:r>
+              <a:rPr lang="en-001" sz="1400">
+                <a:solidFill>
+                  <a:schemeClr val="tx1"/>
+                </a:solidFill>
+              </a:rPr>
+              <a:t>unsigned int batch_</a:t>
+            </a:r>
+            <a:r>
+              <a:rPr lang="fr-FR" sz="1400">
+                <a:solidFill>
+                  <a:schemeClr val="tx1"/>
+                </a:solidFill>
+              </a:rPr>
+              <a:t>s</a:t>
+            </a:r>
+            <a:r>
+              <a:rPr lang="en-001" sz="1400">
+                <a:solidFill>
+                  <a:schemeClr val="tx1"/>
+                </a:solidFill>
+              </a:rPr>
+              <a:t>i</a:t>
+            </a:r>
+            <a:r>
+              <a:rPr lang="fr-FR" sz="1400">
+                <a:solidFill>
+                  <a:schemeClr val="tx1"/>
+                </a:solidFill>
+              </a:rPr>
+              <a:t>z</a:t>
+            </a:r>
+            <a:r>
+              <a:rPr lang="en-001" sz="1400">
+                <a:solidFill>
+                  <a:schemeClr val="tx1"/>
+                </a:solidFill>
+              </a:rPr>
+              <a:t>e</a:t>
+            </a:r>
           </a:p>
         </p:txBody>
       </p:sp>
       <p:sp>
         <p:nvSpPr>
-          <p:cNvPr id="19" name="Rectangle 18">
-            <a:extLst>
-              <a:ext uri="{FF2B5EF4-FFF2-40B4-BE49-F238E27FC236}">
-                <a16:creationId xmlns:a16="http://schemas.microsoft.com/office/drawing/2014/main" id="{FD455608-9F46-4479-B8D7-898833752F36}"/>
+          <p:cNvPr id="30" name="Rectangle 29">
+            <a:extLst>
+              <a:ext uri="{FF2B5EF4-FFF2-40B4-BE49-F238E27FC236}">
+                <a16:creationId xmlns:a16="http://schemas.microsoft.com/office/drawing/2014/main" id="{5CC3D273-FF0B-4486-8C6A-1885B4336366}"/>
               </a:ext>
             </a:extLst>
           </p:cNvPr>
@@ -7428,9 +9097,9 @@
           <p:nvPr/>
         </p:nvSpPr>
         <p:spPr>
-          <a:xfrm rot="5400000">
-            <a:off x="3709331" y="1343637"/>
-            <a:ext cx="2457975" cy="1409350"/>
+          <a:xfrm>
+            <a:off x="2901080" y="954576"/>
+            <a:ext cx="2239860" cy="2365695"/>
           </a:xfrm>
           <a:prstGeom prst="rect">
             <a:avLst/>
@@ -7454,20 +9123,331 @@
           </a:fontRef>
         </p:style>
         <p:txBody>
-          <a:bodyPr rtlCol="0" anchor="ctr"/>
+          <a:bodyPr rtlCol="0" anchor="t"/>
           <a:lstStyle/>
           <a:p>
-            <a:pPr algn="ctr"/>
-            <a:endParaRPr lang="fr-FR"/>
+            <a:r>
+              <a:rPr lang="en-001">
+                <a:solidFill>
+                  <a:schemeClr val="tx1"/>
+                </a:solidFill>
+              </a:rPr>
+              <a:t>t_</a:t>
+            </a:r>
+            <a:r>
+              <a:rPr lang="fr-FR">
+                <a:solidFill>
+                  <a:schemeClr val="tx1"/>
+                </a:solidFill>
+              </a:rPr>
+              <a:t>l</a:t>
+            </a:r>
+            <a:r>
+              <a:rPr lang="en-001">
+                <a:solidFill>
+                  <a:schemeClr val="tx1"/>
+                </a:solidFill>
+              </a:rPr>
+              <a:t>a</a:t>
+            </a:r>
+            <a:r>
+              <a:rPr lang="fr-FR">
+                <a:solidFill>
+                  <a:schemeClr val="tx1"/>
+                </a:solidFill>
+              </a:rPr>
+              <a:t>y</a:t>
+            </a:r>
+            <a:r>
+              <a:rPr lang="en-001">
+                <a:solidFill>
+                  <a:schemeClr val="tx1"/>
+                </a:solidFill>
+              </a:rPr>
+              <a:t>e</a:t>
+            </a:r>
+            <a:r>
+              <a:rPr lang="fr-FR">
+                <a:solidFill>
+                  <a:schemeClr val="tx1"/>
+                </a:solidFill>
+              </a:rPr>
+              <a:t>r</a:t>
+            </a:r>
+            <a:endParaRPr lang="en-001">
+              <a:solidFill>
+                <a:schemeClr val="tx1"/>
+              </a:solidFill>
+            </a:endParaRPr>
+          </a:p>
+          <a:p>
+            <a:r>
+              <a:rPr lang="fr-FR" sz="1400">
+                <a:solidFill>
+                  <a:schemeClr val="accent4">
+                    <a:lumMod val="60000"/>
+                    <a:lumOff val="40000"/>
+                  </a:schemeClr>
+                </a:solidFill>
+              </a:rPr>
+              <a:t>t</a:t>
+            </a:r>
+            <a:r>
+              <a:rPr lang="en-001" sz="1400">
+                <a:solidFill>
+                  <a:schemeClr val="accent4">
+                    <a:lumMod val="60000"/>
+                    <a:lumOff val="40000"/>
+                  </a:schemeClr>
+                </a:solidFill>
+              </a:rPr>
+              <a:t>_</a:t>
+            </a:r>
+            <a:r>
+              <a:rPr lang="fr-FR" sz="1400">
+                <a:solidFill>
+                  <a:schemeClr val="accent4">
+                    <a:lumMod val="60000"/>
+                    <a:lumOff val="40000"/>
+                  </a:schemeClr>
+                </a:solidFill>
+              </a:rPr>
+              <a:t>l</a:t>
+            </a:r>
+            <a:r>
+              <a:rPr lang="en-001" sz="1400">
+                <a:solidFill>
+                  <a:schemeClr val="accent4">
+                    <a:lumMod val="60000"/>
+                    <a:lumOff val="40000"/>
+                  </a:schemeClr>
+                </a:solidFill>
+              </a:rPr>
+              <a:t>a</a:t>
+            </a:r>
+            <a:r>
+              <a:rPr lang="fr-FR" sz="1400">
+                <a:solidFill>
+                  <a:schemeClr val="accent4">
+                    <a:lumMod val="60000"/>
+                    <a:lumOff val="40000"/>
+                  </a:schemeClr>
+                </a:solidFill>
+              </a:rPr>
+              <a:t>y</a:t>
+            </a:r>
+            <a:r>
+              <a:rPr lang="en-001" sz="1400">
+                <a:solidFill>
+                  <a:schemeClr val="accent4">
+                    <a:lumMod val="60000"/>
+                    <a:lumOff val="40000"/>
+                  </a:schemeClr>
+                </a:solidFill>
+              </a:rPr>
+              <a:t>e</a:t>
+            </a:r>
+            <a:r>
+              <a:rPr lang="fr-FR" sz="1400">
+                <a:solidFill>
+                  <a:schemeClr val="accent4">
+                    <a:lumMod val="60000"/>
+                    <a:lumOff val="40000"/>
+                  </a:schemeClr>
+                </a:solidFill>
+              </a:rPr>
+              <a:t>r</a:t>
+            </a:r>
+            <a:r>
+              <a:rPr lang="en-001" sz="1400">
+                <a:solidFill>
+                  <a:schemeClr val="accent4">
+                    <a:lumMod val="60000"/>
+                    <a:lumOff val="40000"/>
+                  </a:schemeClr>
+                </a:solidFill>
+              </a:rPr>
+              <a:t> *</a:t>
+            </a:r>
+            <a:r>
+              <a:rPr lang="fr-FR" sz="1400">
+                <a:solidFill>
+                  <a:schemeClr val="accent4">
+                    <a:lumMod val="60000"/>
+                    <a:lumOff val="40000"/>
+                  </a:schemeClr>
+                </a:solidFill>
+              </a:rPr>
+              <a:t>n</a:t>
+            </a:r>
+            <a:r>
+              <a:rPr lang="en-001" sz="1400">
+                <a:solidFill>
+                  <a:schemeClr val="accent4">
+                    <a:lumMod val="60000"/>
+                    <a:lumOff val="40000"/>
+                  </a:schemeClr>
+                </a:solidFill>
+              </a:rPr>
+              <a:t>e</a:t>
+            </a:r>
+            <a:r>
+              <a:rPr lang="fr-FR" sz="1400">
+                <a:solidFill>
+                  <a:schemeClr val="accent4">
+                    <a:lumMod val="60000"/>
+                    <a:lumOff val="40000"/>
+                  </a:schemeClr>
+                </a:solidFill>
+              </a:rPr>
+              <a:t>x</a:t>
+            </a:r>
+            <a:r>
+              <a:rPr lang="en-001" sz="1400">
+                <a:solidFill>
+                  <a:schemeClr val="accent4">
+                    <a:lumMod val="60000"/>
+                    <a:lumOff val="40000"/>
+                  </a:schemeClr>
+                </a:solidFill>
+              </a:rPr>
+              <a:t>t</a:t>
+            </a:r>
+          </a:p>
+          <a:p>
+            <a:r>
+              <a:rPr lang="en-001" sz="1400">
+                <a:solidFill>
+                  <a:schemeClr val="accent4">
+                    <a:lumMod val="60000"/>
+                    <a:lumOff val="40000"/>
+                  </a:schemeClr>
+                </a:solidFill>
+              </a:rPr>
+              <a:t>t_layer *before</a:t>
+            </a:r>
+          </a:p>
+          <a:p>
+            <a:r>
+              <a:rPr lang="fr-FR" sz="1400">
+                <a:solidFill>
+                  <a:srgbClr val="7030A0"/>
+                </a:solidFill>
+              </a:rPr>
+              <a:t>v</a:t>
+            </a:r>
+            <a:r>
+              <a:rPr lang="en-001" sz="1400">
+                <a:solidFill>
+                  <a:srgbClr val="7030A0"/>
+                </a:solidFill>
+              </a:rPr>
+              <a:t>oid </a:t>
+            </a:r>
+            <a:r>
+              <a:rPr lang="en-001" sz="1400">
+                <a:solidFill>
+                  <a:schemeClr val="tx1"/>
+                </a:solidFill>
+              </a:rPr>
+              <a:t>*</a:t>
+            </a:r>
+            <a:r>
+              <a:rPr lang="fr-FR" sz="1400">
+                <a:solidFill>
+                  <a:schemeClr val="tx1"/>
+                </a:solidFill>
+              </a:rPr>
+              <a:t>s</a:t>
+            </a:r>
+            <a:r>
+              <a:rPr lang="en-001" sz="1400">
+                <a:solidFill>
+                  <a:schemeClr val="tx1"/>
+                </a:solidFill>
+              </a:rPr>
+              <a:t>p</a:t>
+            </a:r>
+            <a:r>
+              <a:rPr lang="fr-FR" sz="1400">
+                <a:solidFill>
+                  <a:schemeClr val="tx1"/>
+                </a:solidFill>
+              </a:rPr>
+              <a:t>e</a:t>
+            </a:r>
+            <a:r>
+              <a:rPr lang="en-001" sz="1400">
+                <a:solidFill>
+                  <a:schemeClr val="tx1"/>
+                </a:solidFill>
+              </a:rPr>
+              <a:t>c_</a:t>
+            </a:r>
+            <a:r>
+              <a:rPr lang="fr-FR" sz="1400">
+                <a:solidFill>
+                  <a:schemeClr val="tx1"/>
+                </a:solidFill>
+              </a:rPr>
+              <a:t>l</a:t>
+            </a:r>
+            <a:r>
+              <a:rPr lang="en-001" sz="1400">
+                <a:solidFill>
+                  <a:schemeClr val="tx1"/>
+                </a:solidFill>
+              </a:rPr>
+              <a:t>a</a:t>
+            </a:r>
+            <a:r>
+              <a:rPr lang="fr-FR" sz="1400">
+                <a:solidFill>
+                  <a:schemeClr val="tx1"/>
+                </a:solidFill>
+              </a:rPr>
+              <a:t>y</a:t>
+            </a:r>
+            <a:r>
+              <a:rPr lang="en-001" sz="1400">
+                <a:solidFill>
+                  <a:schemeClr val="tx1"/>
+                </a:solidFill>
+              </a:rPr>
+              <a:t>e</a:t>
+            </a:r>
+            <a:r>
+              <a:rPr lang="fr-FR" sz="1400">
+                <a:solidFill>
+                  <a:schemeClr val="tx1"/>
+                </a:solidFill>
+              </a:rPr>
+              <a:t>r</a:t>
+            </a:r>
+            <a:endParaRPr lang="en-001" sz="1400">
+              <a:solidFill>
+                <a:schemeClr val="tx1"/>
+              </a:solidFill>
+            </a:endParaRPr>
+          </a:p>
+          <a:p>
+            <a:r>
+              <a:rPr lang="en-001" sz="1400">
+                <a:solidFill>
+                  <a:schemeClr val="tx1"/>
+                </a:solidFill>
+              </a:rPr>
+              <a:t>int spec_layer_id</a:t>
+            </a:r>
           </a:p>
         </p:txBody>
       </p:sp>
       <p:sp>
         <p:nvSpPr>
-          <p:cNvPr id="20" name="Rectangle 19">
-            <a:extLst>
-              <a:ext uri="{FF2B5EF4-FFF2-40B4-BE49-F238E27FC236}">
-                <a16:creationId xmlns:a16="http://schemas.microsoft.com/office/drawing/2014/main" id="{20CE004C-A0BB-4722-A6BA-DEFA4A30D8C2}"/>
+          <p:cNvPr id="31" name="Rectangle 30">
+            <a:extLst>
+              <a:ext uri="{FF2B5EF4-FFF2-40B4-BE49-F238E27FC236}">
+                <a16:creationId xmlns:a16="http://schemas.microsoft.com/office/drawing/2014/main" id="{C59CDEA6-FB55-485E-A6A0-72267B10E94B}"/>
               </a:ext>
             </a:extLst>
           </p:cNvPr>
@@ -7476,8 +9456,8 @@
         </p:nvSpPr>
         <p:spPr>
           <a:xfrm>
-            <a:off x="529904" y="4103614"/>
-            <a:ext cx="2457975" cy="1409350"/>
+            <a:off x="8523102" y="897252"/>
+            <a:ext cx="2430010" cy="2365695"/>
           </a:xfrm>
           <a:prstGeom prst="rect">
             <a:avLst/>
@@ -7501,20 +9481,640 @@
           </a:fontRef>
         </p:style>
         <p:txBody>
-          <a:bodyPr rtlCol="0" anchor="ctr"/>
+          <a:bodyPr rtlCol="0" anchor="t"/>
           <a:lstStyle/>
           <a:p>
-            <a:pPr algn="ctr"/>
-            <a:endParaRPr lang="fr-FR"/>
+            <a:r>
+              <a:rPr lang="en-001">
+                <a:solidFill>
+                  <a:schemeClr val="tx1"/>
+                </a:solidFill>
+              </a:rPr>
+              <a:t>t_</a:t>
+            </a:r>
+            <a:r>
+              <a:rPr lang="fr-FR">
+                <a:solidFill>
+                  <a:schemeClr val="tx1"/>
+                </a:solidFill>
+              </a:rPr>
+              <a:t>d</a:t>
+            </a:r>
+            <a:r>
+              <a:rPr lang="en-001">
+                <a:solidFill>
+                  <a:schemeClr val="tx1"/>
+                </a:solidFill>
+              </a:rPr>
+              <a:t>_</a:t>
+            </a:r>
+            <a:r>
+              <a:rPr lang="fr-FR">
+                <a:solidFill>
+                  <a:schemeClr val="tx1"/>
+                </a:solidFill>
+              </a:rPr>
+              <a:t>n</a:t>
+            </a:r>
+            <a:r>
+              <a:rPr lang="en-001">
+                <a:solidFill>
+                  <a:schemeClr val="tx1"/>
+                </a:solidFill>
+              </a:rPr>
+              <a:t>o</a:t>
+            </a:r>
+            <a:r>
+              <a:rPr lang="fr-FR">
+                <a:solidFill>
+                  <a:schemeClr val="tx1"/>
+                </a:solidFill>
+              </a:rPr>
+              <a:t>d</a:t>
+            </a:r>
+            <a:r>
+              <a:rPr lang="en-001">
+                <a:solidFill>
+                  <a:schemeClr val="tx1"/>
+                </a:solidFill>
+              </a:rPr>
+              <a:t>e</a:t>
+            </a:r>
+          </a:p>
+          <a:p>
+            <a:r>
+              <a:rPr lang="fr-FR" sz="1400">
+                <a:solidFill>
+                  <a:srgbClr val="F19658"/>
+                </a:solidFill>
+              </a:rPr>
+              <a:t>t</a:t>
+            </a:r>
+            <a:r>
+              <a:rPr lang="en-001" sz="1400">
+                <a:solidFill>
+                  <a:srgbClr val="F19658"/>
+                </a:solidFill>
+              </a:rPr>
+              <a:t>_</a:t>
+            </a:r>
+            <a:r>
+              <a:rPr lang="fr-FR" sz="1400">
+                <a:solidFill>
+                  <a:srgbClr val="F19658"/>
+                </a:solidFill>
+              </a:rPr>
+              <a:t>f</a:t>
+            </a:r>
+            <a:r>
+              <a:rPr lang="en-001" sz="1400">
+                <a:solidFill>
+                  <a:srgbClr val="F19658"/>
+                </a:solidFill>
+              </a:rPr>
+              <a:t>_array weigth_lst</a:t>
+            </a:r>
+          </a:p>
+          <a:p>
+            <a:r>
+              <a:rPr lang="fr-FR" sz="1400">
+                <a:solidFill>
+                  <a:schemeClr val="tx1"/>
+                </a:solidFill>
+              </a:rPr>
+              <a:t>f</a:t>
+            </a:r>
+            <a:r>
+              <a:rPr lang="en-001" sz="1400">
+                <a:solidFill>
+                  <a:schemeClr val="tx1"/>
+                </a:solidFill>
+              </a:rPr>
+              <a:t>l</a:t>
+            </a:r>
+            <a:r>
+              <a:rPr lang="fr-FR" sz="1400">
+                <a:solidFill>
+                  <a:schemeClr val="tx1"/>
+                </a:solidFill>
+              </a:rPr>
+              <a:t>o</a:t>
+            </a:r>
+            <a:r>
+              <a:rPr lang="en-001" sz="1400">
+                <a:solidFill>
+                  <a:schemeClr val="tx1"/>
+                </a:solidFill>
+              </a:rPr>
+              <a:t>at </a:t>
+            </a:r>
+            <a:r>
+              <a:rPr lang="fr-FR" sz="1400">
+                <a:solidFill>
+                  <a:schemeClr val="tx1"/>
+                </a:solidFill>
+              </a:rPr>
+              <a:t>v</a:t>
+            </a:r>
+            <a:r>
+              <a:rPr lang="en-001" sz="1400">
+                <a:solidFill>
+                  <a:schemeClr val="tx1"/>
+                </a:solidFill>
+              </a:rPr>
+              <a:t>a</a:t>
+            </a:r>
+            <a:r>
+              <a:rPr lang="fr-FR" sz="1400">
+                <a:solidFill>
+                  <a:schemeClr val="tx1"/>
+                </a:solidFill>
+              </a:rPr>
+              <a:t>l</a:t>
+            </a:r>
+            <a:r>
+              <a:rPr lang="en-001" sz="1400">
+                <a:solidFill>
+                  <a:schemeClr val="tx1"/>
+                </a:solidFill>
+              </a:rPr>
+              <a:t>u</a:t>
+            </a:r>
+            <a:r>
+              <a:rPr lang="fr-FR" sz="1400">
+                <a:solidFill>
+                  <a:schemeClr val="tx1"/>
+                </a:solidFill>
+              </a:rPr>
+              <a:t>e</a:t>
+            </a:r>
           </a:p>
         </p:txBody>
       </p:sp>
       <p:sp>
         <p:nvSpPr>
-          <p:cNvPr id="21" name="Rectangle 20">
-            <a:extLst>
-              <a:ext uri="{FF2B5EF4-FFF2-40B4-BE49-F238E27FC236}">
-                <a16:creationId xmlns:a16="http://schemas.microsoft.com/office/drawing/2014/main" id="{58FFC2B4-585F-4898-A737-B264802F5E56}"/>
+          <p:cNvPr id="33" name="ZoneTexte 32">
+            <a:extLst>
+              <a:ext uri="{FF2B5EF4-FFF2-40B4-BE49-F238E27FC236}">
+                <a16:creationId xmlns:a16="http://schemas.microsoft.com/office/drawing/2014/main" id="{D5CCE211-C82F-4E8D-BD2D-78C4D12FA52D}"/>
+              </a:ext>
+            </a:extLst>
+          </p:cNvPr>
+          <p:cNvSpPr txBox="1"/>
+          <p:nvPr/>
+        </p:nvSpPr>
+        <p:spPr>
+          <a:xfrm>
+            <a:off x="68825" y="3412008"/>
+            <a:ext cx="4312655" cy="646331"/>
+          </a:xfrm>
+          <a:prstGeom prst="rect">
+            <a:avLst/>
+          </a:prstGeom>
+          <a:noFill/>
+        </p:spPr>
+        <p:txBody>
+          <a:bodyPr wrap="none" rtlCol="0">
+            <a:spAutoFit/>
+          </a:bodyPr>
+          <a:lstStyle/>
+          <a:p>
+            <a:r>
+              <a:rPr lang="en-001">
+                <a:solidFill>
+                  <a:srgbClr val="00B0F0"/>
+                </a:solidFill>
+              </a:rPr>
+              <a:t>I</a:t>
+            </a:r>
+            <a:r>
+              <a:rPr lang="fr-FR">
+                <a:solidFill>
+                  <a:srgbClr val="00B0F0"/>
+                </a:solidFill>
+              </a:rPr>
+              <a:t>n</a:t>
+            </a:r>
+            <a:r>
+              <a:rPr lang="en-001">
+                <a:solidFill>
+                  <a:srgbClr val="00B0F0"/>
+                </a:solidFill>
+              </a:rPr>
+              <a:t>d</a:t>
+            </a:r>
+            <a:r>
+              <a:rPr lang="fr-FR">
+                <a:solidFill>
+                  <a:srgbClr val="00B0F0"/>
+                </a:solidFill>
+              </a:rPr>
+              <a:t>i</a:t>
+            </a:r>
+            <a:r>
+              <a:rPr lang="en-001">
+                <a:solidFill>
+                  <a:srgbClr val="00B0F0"/>
+                </a:solidFill>
+              </a:rPr>
+              <a:t>c</a:t>
+            </a:r>
+            <a:r>
+              <a:rPr lang="fr-FR">
+                <a:solidFill>
+                  <a:srgbClr val="00B0F0"/>
+                </a:solidFill>
+              </a:rPr>
+              <a:t>e</a:t>
+            </a:r>
+            <a:r>
+              <a:rPr lang="en-001">
+                <a:solidFill>
+                  <a:srgbClr val="00B0F0"/>
+                </a:solidFill>
+              </a:rPr>
+              <a:t> </a:t>
+            </a:r>
+            <a:r>
+              <a:rPr lang="fr-FR">
+                <a:solidFill>
+                  <a:srgbClr val="00B0F0"/>
+                </a:solidFill>
+              </a:rPr>
+              <a:t>d</a:t>
+            </a:r>
+            <a:r>
+              <a:rPr lang="en-001">
+                <a:solidFill>
+                  <a:srgbClr val="00B0F0"/>
+                </a:solidFill>
+              </a:rPr>
+              <a:t>’</a:t>
+            </a:r>
+            <a:r>
+              <a:rPr lang="fr-FR">
+                <a:solidFill>
+                  <a:srgbClr val="00B0F0"/>
+                </a:solidFill>
+              </a:rPr>
+              <a:t>u</a:t>
+            </a:r>
+            <a:r>
+              <a:rPr lang="en-001">
+                <a:solidFill>
+                  <a:srgbClr val="00B0F0"/>
+                </a:solidFill>
+              </a:rPr>
+              <a:t>n tableau de pointeur sur fonction</a:t>
+            </a:r>
+          </a:p>
+          <a:p>
+            <a:r>
+              <a:rPr lang="en-001">
+                <a:solidFill>
+                  <a:srgbClr val="00B0F0"/>
+                </a:solidFill>
+              </a:rPr>
+              <a:t>pour choisir la bonne fonction</a:t>
+            </a:r>
+            <a:endParaRPr lang="fr-FR">
+              <a:solidFill>
+                <a:srgbClr val="00B0F0"/>
+              </a:solidFill>
+            </a:endParaRPr>
+          </a:p>
+        </p:txBody>
+      </p:sp>
+      <p:cxnSp>
+        <p:nvCxnSpPr>
+          <p:cNvPr id="35" name="Connecteur droit avec flèche 34">
+            <a:extLst>
+              <a:ext uri="{FF2B5EF4-FFF2-40B4-BE49-F238E27FC236}">
+                <a16:creationId xmlns:a16="http://schemas.microsoft.com/office/drawing/2014/main" id="{7A4143B5-9649-4A73-8008-543BDEDC118B}"/>
+              </a:ext>
+            </a:extLst>
+          </p:cNvPr>
+          <p:cNvCxnSpPr>
+            <a:stCxn id="6" idx="4"/>
+            <a:endCxn id="7" idx="0"/>
+          </p:cNvCxnSpPr>
+          <p:nvPr/>
+        </p:nvCxnSpPr>
+        <p:spPr>
+          <a:xfrm>
+            <a:off x="9386624" y="4666620"/>
+            <a:ext cx="0" cy="349085"/>
+          </a:xfrm>
+          <a:prstGeom prst="straightConnector1">
+            <a:avLst/>
+          </a:prstGeom>
+          <a:ln>
+            <a:tailEnd type="triangle"/>
+          </a:ln>
+        </p:spPr>
+        <p:style>
+          <a:lnRef idx="1">
+            <a:schemeClr val="accent6"/>
+          </a:lnRef>
+          <a:fillRef idx="0">
+            <a:schemeClr val="accent6"/>
+          </a:fillRef>
+          <a:effectRef idx="0">
+            <a:schemeClr val="accent6"/>
+          </a:effectRef>
+          <a:fontRef idx="minor">
+            <a:schemeClr val="tx1"/>
+          </a:fontRef>
+        </p:style>
+      </p:cxnSp>
+      <p:cxnSp>
+        <p:nvCxnSpPr>
+          <p:cNvPr id="36" name="Connecteur droit avec flèche 35">
+            <a:extLst>
+              <a:ext uri="{FF2B5EF4-FFF2-40B4-BE49-F238E27FC236}">
+                <a16:creationId xmlns:a16="http://schemas.microsoft.com/office/drawing/2014/main" id="{17894A37-0B8B-420A-847F-1C78D3C8CC67}"/>
+              </a:ext>
+            </a:extLst>
+          </p:cNvPr>
+          <p:cNvCxnSpPr>
+            <a:cxnSpLocks/>
+            <a:stCxn id="7" idx="4"/>
+          </p:cNvCxnSpPr>
+          <p:nvPr/>
+        </p:nvCxnSpPr>
+        <p:spPr>
+          <a:xfrm flipH="1">
+            <a:off x="9362856" y="5463574"/>
+            <a:ext cx="23768" cy="400817"/>
+          </a:xfrm>
+          <a:prstGeom prst="straightConnector1">
+            <a:avLst/>
+          </a:prstGeom>
+          <a:ln>
+            <a:tailEnd type="triangle"/>
+          </a:ln>
+        </p:spPr>
+        <p:style>
+          <a:lnRef idx="1">
+            <a:schemeClr val="accent6"/>
+          </a:lnRef>
+          <a:fillRef idx="0">
+            <a:schemeClr val="accent6"/>
+          </a:fillRef>
+          <a:effectRef idx="0">
+            <a:schemeClr val="accent6"/>
+          </a:effectRef>
+          <a:fontRef idx="minor">
+            <a:schemeClr val="tx1"/>
+          </a:fontRef>
+        </p:style>
+      </p:cxnSp>
+      <p:cxnSp>
+        <p:nvCxnSpPr>
+          <p:cNvPr id="38" name="Connecteur droit 37">
+            <a:extLst>
+              <a:ext uri="{FF2B5EF4-FFF2-40B4-BE49-F238E27FC236}">
+                <a16:creationId xmlns:a16="http://schemas.microsoft.com/office/drawing/2014/main" id="{07539C4A-0153-4FB5-A6E9-C48665FB5E02}"/>
+              </a:ext>
+            </a:extLst>
+          </p:cNvPr>
+          <p:cNvCxnSpPr>
+            <a:cxnSpLocks/>
+            <a:stCxn id="6" idx="6"/>
+            <a:endCxn id="10" idx="2"/>
+          </p:cNvCxnSpPr>
+          <p:nvPr/>
+        </p:nvCxnSpPr>
+        <p:spPr>
+          <a:xfrm>
+            <a:off x="9610558" y="4442686"/>
+            <a:ext cx="1615823" cy="419449"/>
+          </a:xfrm>
+          <a:prstGeom prst="line">
+            <a:avLst/>
+          </a:prstGeom>
+        </p:spPr>
+        <p:style>
+          <a:lnRef idx="1">
+            <a:schemeClr val="accent1"/>
+          </a:lnRef>
+          <a:fillRef idx="0">
+            <a:schemeClr val="accent1"/>
+          </a:fillRef>
+          <a:effectRef idx="0">
+            <a:schemeClr val="accent1"/>
+          </a:effectRef>
+          <a:fontRef idx="minor">
+            <a:schemeClr val="tx1"/>
+          </a:fontRef>
+        </p:style>
+      </p:cxnSp>
+      <p:cxnSp>
+        <p:nvCxnSpPr>
+          <p:cNvPr id="41" name="Connecteur droit 40">
+            <a:extLst>
+              <a:ext uri="{FF2B5EF4-FFF2-40B4-BE49-F238E27FC236}">
+                <a16:creationId xmlns:a16="http://schemas.microsoft.com/office/drawing/2014/main" id="{39787490-2085-4115-8C64-139FF018A5B0}"/>
+              </a:ext>
+            </a:extLst>
+          </p:cNvPr>
+          <p:cNvCxnSpPr>
+            <a:cxnSpLocks/>
+            <a:stCxn id="7" idx="6"/>
+            <a:endCxn id="10" idx="2"/>
+          </p:cNvCxnSpPr>
+          <p:nvPr/>
+        </p:nvCxnSpPr>
+        <p:spPr>
+          <a:xfrm flipV="1">
+            <a:off x="9610558" y="4862135"/>
+            <a:ext cx="1615823" cy="377505"/>
+          </a:xfrm>
+          <a:prstGeom prst="line">
+            <a:avLst/>
+          </a:prstGeom>
+        </p:spPr>
+        <p:style>
+          <a:lnRef idx="1">
+            <a:schemeClr val="accent1"/>
+          </a:lnRef>
+          <a:fillRef idx="0">
+            <a:schemeClr val="accent1"/>
+          </a:fillRef>
+          <a:effectRef idx="0">
+            <a:schemeClr val="accent1"/>
+          </a:effectRef>
+          <a:fontRef idx="minor">
+            <a:schemeClr val="tx1"/>
+          </a:fontRef>
+        </p:style>
+      </p:cxnSp>
+      <p:cxnSp>
+        <p:nvCxnSpPr>
+          <p:cNvPr id="44" name="Connecteur droit 43">
+            <a:extLst>
+              <a:ext uri="{FF2B5EF4-FFF2-40B4-BE49-F238E27FC236}">
+                <a16:creationId xmlns:a16="http://schemas.microsoft.com/office/drawing/2014/main" id="{579E9124-B77C-4459-AA0C-58DAA6D34206}"/>
+              </a:ext>
+            </a:extLst>
+          </p:cNvPr>
+          <p:cNvCxnSpPr>
+            <a:cxnSpLocks/>
+            <a:stCxn id="8" idx="6"/>
+            <a:endCxn id="9" idx="2"/>
+          </p:cNvCxnSpPr>
+          <p:nvPr/>
+        </p:nvCxnSpPr>
+        <p:spPr>
+          <a:xfrm flipV="1">
+            <a:off x="9577002" y="5742979"/>
+            <a:ext cx="1640990" cy="352338"/>
+          </a:xfrm>
+          <a:prstGeom prst="line">
+            <a:avLst/>
+          </a:prstGeom>
+        </p:spPr>
+        <p:style>
+          <a:lnRef idx="1">
+            <a:schemeClr val="accent1"/>
+          </a:lnRef>
+          <a:fillRef idx="0">
+            <a:schemeClr val="accent1"/>
+          </a:fillRef>
+          <a:effectRef idx="0">
+            <a:schemeClr val="accent1"/>
+          </a:effectRef>
+          <a:fontRef idx="minor">
+            <a:schemeClr val="tx1"/>
+          </a:fontRef>
+        </p:style>
+      </p:cxnSp>
+      <p:cxnSp>
+        <p:nvCxnSpPr>
+          <p:cNvPr id="47" name="Connecteur droit 46">
+            <a:extLst>
+              <a:ext uri="{FF2B5EF4-FFF2-40B4-BE49-F238E27FC236}">
+                <a16:creationId xmlns:a16="http://schemas.microsoft.com/office/drawing/2014/main" id="{6D2BD272-37FB-4204-85F2-A9E89A63423C}"/>
+              </a:ext>
+            </a:extLst>
+          </p:cNvPr>
+          <p:cNvCxnSpPr>
+            <a:cxnSpLocks/>
+            <a:stCxn id="7" idx="6"/>
+            <a:endCxn id="9" idx="2"/>
+          </p:cNvCxnSpPr>
+          <p:nvPr/>
+        </p:nvCxnSpPr>
+        <p:spPr>
+          <a:xfrm>
+            <a:off x="9610558" y="5239640"/>
+            <a:ext cx="1607434" cy="503339"/>
+          </a:xfrm>
+          <a:prstGeom prst="line">
+            <a:avLst/>
+          </a:prstGeom>
+        </p:spPr>
+        <p:style>
+          <a:lnRef idx="1">
+            <a:schemeClr val="accent1"/>
+          </a:lnRef>
+          <a:fillRef idx="0">
+            <a:schemeClr val="accent1"/>
+          </a:fillRef>
+          <a:effectRef idx="0">
+            <a:schemeClr val="accent1"/>
+          </a:effectRef>
+          <a:fontRef idx="minor">
+            <a:schemeClr val="tx1"/>
+          </a:fontRef>
+        </p:style>
+      </p:cxnSp>
+      <p:cxnSp>
+        <p:nvCxnSpPr>
+          <p:cNvPr id="50" name="Connecteur droit 49">
+            <a:extLst>
+              <a:ext uri="{FF2B5EF4-FFF2-40B4-BE49-F238E27FC236}">
+                <a16:creationId xmlns:a16="http://schemas.microsoft.com/office/drawing/2014/main" id="{2516320E-8A13-4B32-A7C7-60222412B023}"/>
+              </a:ext>
+            </a:extLst>
+          </p:cNvPr>
+          <p:cNvCxnSpPr>
+            <a:cxnSpLocks/>
+            <a:stCxn id="6" idx="6"/>
+            <a:endCxn id="9" idx="2"/>
+          </p:cNvCxnSpPr>
+          <p:nvPr/>
+        </p:nvCxnSpPr>
+        <p:spPr>
+          <a:xfrm>
+            <a:off x="9610558" y="4442686"/>
+            <a:ext cx="1607434" cy="1300293"/>
+          </a:xfrm>
+          <a:prstGeom prst="line">
+            <a:avLst/>
+          </a:prstGeom>
+        </p:spPr>
+        <p:style>
+          <a:lnRef idx="1">
+            <a:schemeClr val="accent1"/>
+          </a:lnRef>
+          <a:fillRef idx="0">
+            <a:schemeClr val="accent1"/>
+          </a:fillRef>
+          <a:effectRef idx="0">
+            <a:schemeClr val="accent1"/>
+          </a:effectRef>
+          <a:fontRef idx="minor">
+            <a:schemeClr val="tx1"/>
+          </a:fontRef>
+        </p:style>
+      </p:cxnSp>
+      <p:cxnSp>
+        <p:nvCxnSpPr>
+          <p:cNvPr id="53" name="Connecteur droit 52">
+            <a:extLst>
+              <a:ext uri="{FF2B5EF4-FFF2-40B4-BE49-F238E27FC236}">
+                <a16:creationId xmlns:a16="http://schemas.microsoft.com/office/drawing/2014/main" id="{103F3CB5-55B5-4930-9616-315F9AC0FD1F}"/>
+              </a:ext>
+            </a:extLst>
+          </p:cNvPr>
+          <p:cNvCxnSpPr>
+            <a:cxnSpLocks/>
+            <a:stCxn id="10" idx="2"/>
+            <a:endCxn id="8" idx="6"/>
+          </p:cNvCxnSpPr>
+          <p:nvPr/>
+        </p:nvCxnSpPr>
+        <p:spPr>
+          <a:xfrm flipH="1">
+            <a:off x="9577002" y="4862135"/>
+            <a:ext cx="1649379" cy="1233182"/>
+          </a:xfrm>
+          <a:prstGeom prst="line">
+            <a:avLst/>
+          </a:prstGeom>
+        </p:spPr>
+        <p:style>
+          <a:lnRef idx="1">
+            <a:schemeClr val="accent1"/>
+          </a:lnRef>
+          <a:fillRef idx="0">
+            <a:schemeClr val="accent1"/>
+          </a:fillRef>
+          <a:effectRef idx="0">
+            <a:schemeClr val="accent1"/>
+          </a:effectRef>
+          <a:fontRef idx="minor">
+            <a:schemeClr val="tx1"/>
+          </a:fontRef>
+        </p:style>
+      </p:cxnSp>
+      <p:sp>
+        <p:nvSpPr>
+          <p:cNvPr id="60" name="Rectangle 59">
+            <a:extLst>
+              <a:ext uri="{FF2B5EF4-FFF2-40B4-BE49-F238E27FC236}">
+                <a16:creationId xmlns:a16="http://schemas.microsoft.com/office/drawing/2014/main" id="{9284EFBF-7D4B-4BCD-AE0A-0C5B0A3713AF}"/>
               </a:ext>
             </a:extLst>
           </p:cNvPr>
@@ -7523,8 +10123,8 @@
         </p:nvSpPr>
         <p:spPr>
           <a:xfrm>
-            <a:off x="3951216" y="4113401"/>
-            <a:ext cx="3274502" cy="1409350"/>
+            <a:off x="5697411" y="923818"/>
+            <a:ext cx="2430010" cy="2365695"/>
           </a:xfrm>
           <a:prstGeom prst="rect">
             <a:avLst/>
@@ -7548,20 +10148,296 @@
           </a:fontRef>
         </p:style>
         <p:txBody>
-          <a:bodyPr rtlCol="0" anchor="ctr"/>
+          <a:bodyPr rtlCol="0" anchor="t"/>
           <a:lstStyle/>
           <a:p>
-            <a:pPr algn="ctr"/>
-            <a:endParaRPr lang="fr-FR"/>
+            <a:r>
+              <a:rPr lang="en-001">
+                <a:solidFill>
+                  <a:schemeClr val="tx1"/>
+                </a:solidFill>
+              </a:rPr>
+              <a:t>t_</a:t>
+            </a:r>
+            <a:r>
+              <a:rPr lang="fr-FR">
+                <a:solidFill>
+                  <a:schemeClr val="tx1"/>
+                </a:solidFill>
+              </a:rPr>
+              <a:t>d</a:t>
+            </a:r>
+            <a:r>
+              <a:rPr lang="en-001">
+                <a:solidFill>
+                  <a:schemeClr val="tx1"/>
+                </a:solidFill>
+              </a:rPr>
+              <a:t>_</a:t>
+            </a:r>
+            <a:r>
+              <a:rPr lang="fr-FR">
+                <a:solidFill>
+                  <a:schemeClr val="tx1"/>
+                </a:solidFill>
+              </a:rPr>
+              <a:t>l</a:t>
+            </a:r>
+            <a:r>
+              <a:rPr lang="en-001">
+                <a:solidFill>
+                  <a:schemeClr val="tx1"/>
+                </a:solidFill>
+              </a:rPr>
+              <a:t>a</a:t>
+            </a:r>
+            <a:r>
+              <a:rPr lang="fr-FR">
+                <a:solidFill>
+                  <a:schemeClr val="tx1"/>
+                </a:solidFill>
+              </a:rPr>
+              <a:t>y</a:t>
+            </a:r>
+            <a:r>
+              <a:rPr lang="en-001">
+                <a:solidFill>
+                  <a:schemeClr val="tx1"/>
+                </a:solidFill>
+              </a:rPr>
+              <a:t>e</a:t>
+            </a:r>
+            <a:r>
+              <a:rPr lang="fr-FR">
+                <a:solidFill>
+                  <a:schemeClr val="tx1"/>
+                </a:solidFill>
+              </a:rPr>
+              <a:t>r</a:t>
+            </a:r>
+            <a:endParaRPr lang="en-001">
+              <a:solidFill>
+                <a:schemeClr val="tx1"/>
+              </a:solidFill>
+            </a:endParaRPr>
+          </a:p>
+          <a:p>
+            <a:r>
+              <a:rPr lang="fr-FR" sz="1400">
+                <a:solidFill>
+                  <a:srgbClr val="92D050"/>
+                </a:solidFill>
+              </a:rPr>
+              <a:t>t</a:t>
+            </a:r>
+            <a:r>
+              <a:rPr lang="en-001" sz="1400">
+                <a:solidFill>
+                  <a:srgbClr val="92D050"/>
+                </a:solidFill>
+              </a:rPr>
+              <a:t>_</a:t>
+            </a:r>
+            <a:r>
+              <a:rPr lang="fr-FR" sz="1400">
+                <a:solidFill>
+                  <a:srgbClr val="92D050"/>
+                </a:solidFill>
+              </a:rPr>
+              <a:t>n</a:t>
+            </a:r>
+            <a:r>
+              <a:rPr lang="en-001" sz="1400">
+                <a:solidFill>
+                  <a:srgbClr val="92D050"/>
+                </a:solidFill>
+              </a:rPr>
+              <a:t>_</a:t>
+            </a:r>
+            <a:r>
+              <a:rPr lang="fr-FR" sz="1400">
+                <a:solidFill>
+                  <a:srgbClr val="92D050"/>
+                </a:solidFill>
+              </a:rPr>
+              <a:t>a</a:t>
+            </a:r>
+            <a:r>
+              <a:rPr lang="en-001" sz="1400">
+                <a:solidFill>
+                  <a:srgbClr val="92D050"/>
+                </a:solidFill>
+              </a:rPr>
+              <a:t>r</a:t>
+            </a:r>
+            <a:r>
+              <a:rPr lang="fr-FR" sz="1400">
+                <a:solidFill>
+                  <a:srgbClr val="92D050"/>
+                </a:solidFill>
+              </a:rPr>
+              <a:t>r</a:t>
+            </a:r>
+            <a:r>
+              <a:rPr lang="en-001" sz="1400">
+                <a:solidFill>
+                  <a:srgbClr val="92D050"/>
+                </a:solidFill>
+              </a:rPr>
+              <a:t>ay *node_lst</a:t>
+            </a:r>
+          </a:p>
+          <a:p>
+            <a:r>
+              <a:rPr lang="fr-FR" sz="1400">
+                <a:solidFill>
+                  <a:srgbClr val="00B0F0"/>
+                </a:solidFill>
+              </a:rPr>
+              <a:t>i</a:t>
+            </a:r>
+            <a:r>
+              <a:rPr lang="en-001" sz="1400">
+                <a:solidFill>
+                  <a:srgbClr val="00B0F0"/>
+                </a:solidFill>
+              </a:rPr>
+              <a:t>n</a:t>
+            </a:r>
+            <a:r>
+              <a:rPr lang="fr-FR" sz="1400">
+                <a:solidFill>
+                  <a:srgbClr val="00B0F0"/>
+                </a:solidFill>
+              </a:rPr>
+              <a:t>t</a:t>
+            </a:r>
+            <a:r>
+              <a:rPr lang="en-001" sz="1400">
+                <a:solidFill>
+                  <a:srgbClr val="00B0F0"/>
+                </a:solidFill>
+              </a:rPr>
+              <a:t> preactivat</a:t>
+            </a:r>
+            <a:r>
+              <a:rPr lang="fr-FR" sz="1400">
+                <a:solidFill>
+                  <a:srgbClr val="00B0F0"/>
+                </a:solidFill>
+              </a:rPr>
+              <a:t>i</a:t>
+            </a:r>
+            <a:r>
+              <a:rPr lang="en-001" sz="1400">
+                <a:solidFill>
+                  <a:srgbClr val="00B0F0"/>
+                </a:solidFill>
+              </a:rPr>
+              <a:t>o</a:t>
+            </a:r>
+            <a:r>
+              <a:rPr lang="fr-FR" sz="1400">
+                <a:solidFill>
+                  <a:srgbClr val="00B0F0"/>
+                </a:solidFill>
+              </a:rPr>
+              <a:t>n</a:t>
+            </a:r>
+            <a:endParaRPr lang="fr-FR" sz="1400">
+              <a:solidFill>
+                <a:schemeClr val="tx1"/>
+              </a:solidFill>
+            </a:endParaRPr>
           </a:p>
         </p:txBody>
       </p:sp>
+      <p:cxnSp>
+        <p:nvCxnSpPr>
+          <p:cNvPr id="62" name="Connecteur droit avec flèche 61">
+            <a:extLst>
+              <a:ext uri="{FF2B5EF4-FFF2-40B4-BE49-F238E27FC236}">
+                <a16:creationId xmlns:a16="http://schemas.microsoft.com/office/drawing/2014/main" id="{81426C8D-C173-4D05-8D12-140522E34A8D}"/>
+              </a:ext>
+            </a:extLst>
+          </p:cNvPr>
+          <p:cNvCxnSpPr/>
+          <p:nvPr/>
+        </p:nvCxnSpPr>
+        <p:spPr>
+          <a:xfrm>
+            <a:off x="7382312" y="3749879"/>
+            <a:ext cx="1593908" cy="0"/>
+          </a:xfrm>
+          <a:prstGeom prst="straightConnector1">
+            <a:avLst/>
+          </a:prstGeom>
+          <a:ln>
+            <a:headEnd type="triangle"/>
+            <a:tailEnd type="triangle"/>
+          </a:ln>
+        </p:spPr>
+        <p:style>
+          <a:lnRef idx="1">
+            <a:schemeClr val="accent4"/>
+          </a:lnRef>
+          <a:fillRef idx="0">
+            <a:schemeClr val="accent4"/>
+          </a:fillRef>
+          <a:effectRef idx="0">
+            <a:schemeClr val="accent4"/>
+          </a:effectRef>
+          <a:fontRef idx="minor">
+            <a:schemeClr val="tx1"/>
+          </a:fontRef>
+        </p:style>
+      </p:cxnSp>
+      <p:cxnSp>
+        <p:nvCxnSpPr>
+          <p:cNvPr id="63" name="Connecteur droit avec flèche 62">
+            <a:extLst>
+              <a:ext uri="{FF2B5EF4-FFF2-40B4-BE49-F238E27FC236}">
+                <a16:creationId xmlns:a16="http://schemas.microsoft.com/office/drawing/2014/main" id="{D853F535-FF8D-4907-B1AE-E2432A4A4846}"/>
+              </a:ext>
+            </a:extLst>
+          </p:cNvPr>
+          <p:cNvCxnSpPr/>
+          <p:nvPr/>
+        </p:nvCxnSpPr>
+        <p:spPr>
+          <a:xfrm>
+            <a:off x="9564848" y="3692554"/>
+            <a:ext cx="1593908" cy="0"/>
+          </a:xfrm>
+          <a:prstGeom prst="straightConnector1">
+            <a:avLst/>
+          </a:prstGeom>
+          <a:ln>
+            <a:headEnd type="triangle"/>
+            <a:tailEnd type="triangle"/>
+          </a:ln>
+        </p:spPr>
+        <p:style>
+          <a:lnRef idx="1">
+            <a:schemeClr val="accent4"/>
+          </a:lnRef>
+          <a:fillRef idx="0">
+            <a:schemeClr val="accent4"/>
+          </a:fillRef>
+          <a:effectRef idx="0">
+            <a:schemeClr val="accent4"/>
+          </a:effectRef>
+          <a:fontRef idx="minor">
+            <a:schemeClr val="tx1"/>
+          </a:fontRef>
+        </p:style>
+      </p:cxnSp>
       <p:sp>
         <p:nvSpPr>
-          <p:cNvPr id="22" name="Flèche : droite 21">
-            <a:extLst>
-              <a:ext uri="{FF2B5EF4-FFF2-40B4-BE49-F238E27FC236}">
-                <a16:creationId xmlns:a16="http://schemas.microsoft.com/office/drawing/2014/main" id="{A090EE96-EF9F-4CDE-8E55-20D6003EB9CF}"/>
+          <p:cNvPr id="37" name="Rectangle 36">
+            <a:extLst>
+              <a:ext uri="{FF2B5EF4-FFF2-40B4-BE49-F238E27FC236}">
+                <a16:creationId xmlns:a16="http://schemas.microsoft.com/office/drawing/2014/main" id="{7D8DB282-20D3-4750-B2A4-7420DAE8B06D}"/>
               </a:ext>
             </a:extLst>
           </p:cNvPr>
@@ -7570,12 +10446,13 @@
         </p:nvSpPr>
         <p:spPr>
           <a:xfrm>
-            <a:off x="3162650" y="1593908"/>
-            <a:ext cx="822121" cy="243281"/>
+            <a:off x="4629326" y="4100820"/>
+            <a:ext cx="2239860" cy="2365695"/>
           </a:xfrm>
-          <a:prstGeom prst="rightArrow">
+          <a:prstGeom prst="rect">
             <a:avLst/>
           </a:prstGeom>
+          <a:noFill/>
         </p:spPr>
         <p:style>
           <a:lnRef idx="2">
@@ -7594,20 +10471,165 @@
           </a:fontRef>
         </p:style>
         <p:txBody>
-          <a:bodyPr rtlCol="0" anchor="ctr"/>
+          <a:bodyPr rtlCol="0" anchor="t"/>
           <a:lstStyle/>
           <a:p>
-            <a:pPr algn="ctr"/>
-            <a:endParaRPr lang="fr-FR"/>
+            <a:r>
+              <a:rPr lang="fr-FR">
+                <a:solidFill>
+                  <a:schemeClr val="tx1"/>
+                </a:solidFill>
+              </a:rPr>
+              <a:t>t</a:t>
+            </a:r>
+            <a:r>
+              <a:rPr lang="en-001">
+                <a:solidFill>
+                  <a:schemeClr val="tx1"/>
+                </a:solidFill>
+              </a:rPr>
+              <a:t>_n_</a:t>
+            </a:r>
+            <a:r>
+              <a:rPr lang="fr-FR">
+                <a:solidFill>
+                  <a:schemeClr val="tx1"/>
+                </a:solidFill>
+              </a:rPr>
+              <a:t>a</a:t>
+            </a:r>
+            <a:r>
+              <a:rPr lang="en-001">
+                <a:solidFill>
+                  <a:schemeClr val="tx1"/>
+                </a:solidFill>
+              </a:rPr>
+              <a:t>r</a:t>
+            </a:r>
+            <a:r>
+              <a:rPr lang="fr-FR">
+                <a:solidFill>
+                  <a:schemeClr val="tx1"/>
+                </a:solidFill>
+              </a:rPr>
+              <a:t>r</a:t>
+            </a:r>
+            <a:r>
+              <a:rPr lang="en-001">
+                <a:solidFill>
+                  <a:schemeClr val="tx1"/>
+                </a:solidFill>
+              </a:rPr>
+              <a:t>a</a:t>
+            </a:r>
+            <a:r>
+              <a:rPr lang="fr-FR">
+                <a:solidFill>
+                  <a:schemeClr val="tx1"/>
+                </a:solidFill>
+              </a:rPr>
+              <a:t>y</a:t>
+            </a:r>
+            <a:endParaRPr lang="en-001">
+              <a:solidFill>
+                <a:schemeClr val="tx1"/>
+              </a:solidFill>
+            </a:endParaRPr>
+          </a:p>
+          <a:p>
+            <a:r>
+              <a:rPr lang="en-001" sz="1400">
+                <a:solidFill>
+                  <a:schemeClr val="tx1"/>
+                </a:solidFill>
+              </a:rPr>
+              <a:t>t_</a:t>
+            </a:r>
+            <a:r>
+              <a:rPr lang="fr-FR" sz="1400">
+                <a:solidFill>
+                  <a:schemeClr val="tx1"/>
+                </a:solidFill>
+              </a:rPr>
+              <a:t>n</a:t>
+            </a:r>
+            <a:r>
+              <a:rPr lang="en-001" sz="1400">
+                <a:solidFill>
+                  <a:schemeClr val="tx1"/>
+                </a:solidFill>
+              </a:rPr>
+              <a:t>ode *</a:t>
+            </a:r>
+            <a:r>
+              <a:rPr lang="fr-FR" sz="1400">
+                <a:solidFill>
+                  <a:schemeClr val="tx1"/>
+                </a:solidFill>
+              </a:rPr>
+              <a:t>l</a:t>
+            </a:r>
+            <a:r>
+              <a:rPr lang="en-001" sz="1400">
+                <a:solidFill>
+                  <a:schemeClr val="tx1"/>
+                </a:solidFill>
+              </a:rPr>
+              <a:t>s</a:t>
+            </a:r>
+            <a:r>
+              <a:rPr lang="fr-FR" sz="1400">
+                <a:solidFill>
+                  <a:schemeClr val="tx1"/>
+                </a:solidFill>
+              </a:rPr>
+              <a:t>t</a:t>
+            </a:r>
+            <a:endParaRPr lang="en-001" sz="1400">
+              <a:solidFill>
+                <a:schemeClr val="tx1"/>
+              </a:solidFill>
+            </a:endParaRPr>
+          </a:p>
+          <a:p>
+            <a:r>
+              <a:rPr lang="en-001" sz="1400">
+                <a:solidFill>
+                  <a:schemeClr val="tx1"/>
+                </a:solidFill>
+              </a:rPr>
+              <a:t>size_</a:t>
+            </a:r>
+            <a:r>
+              <a:rPr lang="fr-FR" sz="1400">
+                <a:solidFill>
+                  <a:schemeClr val="tx1"/>
+                </a:solidFill>
+              </a:rPr>
+              <a:t>t</a:t>
+            </a:r>
+            <a:r>
+              <a:rPr lang="en-001" sz="1400">
+                <a:solidFill>
+                  <a:schemeClr val="tx1"/>
+                </a:solidFill>
+              </a:rPr>
+              <a:t> len</a:t>
+            </a:r>
+            <a:endParaRPr lang="fr-FR" sz="1400">
+              <a:solidFill>
+                <a:schemeClr val="tx1"/>
+              </a:solidFill>
+            </a:endParaRPr>
           </a:p>
         </p:txBody>
       </p:sp>
       <p:sp>
         <p:nvSpPr>
-          <p:cNvPr id="23" name="Flèche : droite 22">
-            <a:extLst>
-              <a:ext uri="{FF2B5EF4-FFF2-40B4-BE49-F238E27FC236}">
-                <a16:creationId xmlns:a16="http://schemas.microsoft.com/office/drawing/2014/main" id="{51A73044-F410-40DB-B10A-0F97984B5761}"/>
+          <p:cNvPr id="39" name="Rectangle 38">
+            <a:extLst>
+              <a:ext uri="{FF2B5EF4-FFF2-40B4-BE49-F238E27FC236}">
+                <a16:creationId xmlns:a16="http://schemas.microsoft.com/office/drawing/2014/main" id="{B0233B85-A5EB-4F02-A90F-E8EC79E585DD}"/>
               </a:ext>
             </a:extLst>
           </p:cNvPr>
@@ -7615,13 +10637,14 @@
           <p:nvPr/>
         </p:nvSpPr>
         <p:spPr>
-          <a:xfrm rot="9587630">
-            <a:off x="2144932" y="3412323"/>
-            <a:ext cx="1818224" cy="243281"/>
+          <a:xfrm>
+            <a:off x="0" y="4082643"/>
+            <a:ext cx="2239860" cy="2365695"/>
           </a:xfrm>
-          <a:prstGeom prst="rightArrow">
+          <a:prstGeom prst="rect">
             <a:avLst/>
           </a:prstGeom>
+          <a:noFill/>
         </p:spPr>
         <p:style>
           <a:lnRef idx="2">
@@ -7640,20 +10663,149 @@
           </a:fontRef>
         </p:style>
         <p:txBody>
-          <a:bodyPr rtlCol="0" anchor="ctr"/>
+          <a:bodyPr rtlCol="0" anchor="t"/>
           <a:lstStyle/>
           <a:p>
-            <a:pPr algn="ctr"/>
-            <a:endParaRPr lang="fr-FR"/>
+            <a:r>
+              <a:rPr lang="fr-FR">
+                <a:solidFill>
+                  <a:schemeClr val="tx1"/>
+                </a:solidFill>
+              </a:rPr>
+              <a:t>t</a:t>
+            </a:r>
+            <a:r>
+              <a:rPr lang="en-001">
+                <a:solidFill>
+                  <a:schemeClr val="tx1"/>
+                </a:solidFill>
+              </a:rPr>
+              <a:t>_i_</a:t>
+            </a:r>
+            <a:r>
+              <a:rPr lang="fr-FR">
+                <a:solidFill>
+                  <a:schemeClr val="tx1"/>
+                </a:solidFill>
+              </a:rPr>
+              <a:t>a</a:t>
+            </a:r>
+            <a:r>
+              <a:rPr lang="en-001">
+                <a:solidFill>
+                  <a:schemeClr val="tx1"/>
+                </a:solidFill>
+              </a:rPr>
+              <a:t>r</a:t>
+            </a:r>
+            <a:r>
+              <a:rPr lang="fr-FR">
+                <a:solidFill>
+                  <a:schemeClr val="tx1"/>
+                </a:solidFill>
+              </a:rPr>
+              <a:t>r</a:t>
+            </a:r>
+            <a:r>
+              <a:rPr lang="en-001">
+                <a:solidFill>
+                  <a:schemeClr val="tx1"/>
+                </a:solidFill>
+              </a:rPr>
+              <a:t>a</a:t>
+            </a:r>
+            <a:r>
+              <a:rPr lang="fr-FR">
+                <a:solidFill>
+                  <a:schemeClr val="tx1"/>
+                </a:solidFill>
+              </a:rPr>
+              <a:t>y</a:t>
+            </a:r>
+            <a:endParaRPr lang="en-001">
+              <a:solidFill>
+                <a:schemeClr val="tx1"/>
+              </a:solidFill>
+            </a:endParaRPr>
+          </a:p>
+          <a:p>
+            <a:r>
+              <a:rPr lang="en-001" sz="1400">
+                <a:solidFill>
+                  <a:schemeClr val="tx1"/>
+                </a:solidFill>
+              </a:rPr>
+              <a:t>int *</a:t>
+            </a:r>
+            <a:r>
+              <a:rPr lang="fr-FR" sz="1400">
+                <a:solidFill>
+                  <a:schemeClr val="tx1"/>
+                </a:solidFill>
+              </a:rPr>
+              <a:t>l</a:t>
+            </a:r>
+            <a:r>
+              <a:rPr lang="en-001" sz="1400">
+                <a:solidFill>
+                  <a:schemeClr val="tx1"/>
+                </a:solidFill>
+              </a:rPr>
+              <a:t>s</a:t>
+            </a:r>
+            <a:r>
+              <a:rPr lang="fr-FR" sz="1400">
+                <a:solidFill>
+                  <a:schemeClr val="tx1"/>
+                </a:solidFill>
+              </a:rPr>
+              <a:t>t</a:t>
+            </a:r>
+            <a:endParaRPr lang="en-001" sz="1400">
+              <a:solidFill>
+                <a:schemeClr val="tx1"/>
+              </a:solidFill>
+            </a:endParaRPr>
+          </a:p>
+          <a:p>
+            <a:r>
+              <a:rPr lang="en-001" sz="1400">
+                <a:solidFill>
+                  <a:schemeClr val="tx1"/>
+                </a:solidFill>
+              </a:rPr>
+              <a:t>size_</a:t>
+            </a:r>
+            <a:r>
+              <a:rPr lang="fr-FR" sz="1400">
+                <a:solidFill>
+                  <a:schemeClr val="tx1"/>
+                </a:solidFill>
+              </a:rPr>
+              <a:t>t</a:t>
+            </a:r>
+            <a:r>
+              <a:rPr lang="en-001" sz="1400">
+                <a:solidFill>
+                  <a:schemeClr val="tx1"/>
+                </a:solidFill>
+              </a:rPr>
+              <a:t> len</a:t>
+            </a:r>
+            <a:endParaRPr lang="fr-FR" sz="1400">
+              <a:solidFill>
+                <a:schemeClr val="tx1"/>
+              </a:solidFill>
+            </a:endParaRPr>
           </a:p>
         </p:txBody>
       </p:sp>
       <p:sp>
         <p:nvSpPr>
-          <p:cNvPr id="25" name="Flèche : droite 24">
-            <a:extLst>
-              <a:ext uri="{FF2B5EF4-FFF2-40B4-BE49-F238E27FC236}">
-                <a16:creationId xmlns:a16="http://schemas.microsoft.com/office/drawing/2014/main" id="{3A649129-FD00-496D-8D40-C7524AC80D86}"/>
+          <p:cNvPr id="40" name="Rectangle 39">
+            <a:extLst>
+              <a:ext uri="{FF2B5EF4-FFF2-40B4-BE49-F238E27FC236}">
+                <a16:creationId xmlns:a16="http://schemas.microsoft.com/office/drawing/2014/main" id="{8596AD1B-A668-4552-A412-0FDBC75A0B34}"/>
               </a:ext>
             </a:extLst>
           </p:cNvPr>
@@ -7662,12 +10814,13 @@
         </p:nvSpPr>
         <p:spPr>
           <a:xfrm>
-            <a:off x="3054991" y="4648899"/>
-            <a:ext cx="822121" cy="243281"/>
+            <a:off x="2306974" y="4102219"/>
+            <a:ext cx="2239860" cy="2365695"/>
           </a:xfrm>
-          <a:prstGeom prst="rightArrow">
+          <a:prstGeom prst="rect">
             <a:avLst/>
           </a:prstGeom>
+          <a:noFill/>
         </p:spPr>
         <p:style>
           <a:lnRef idx="2">
@@ -7686,20 +10839,149 @@
           </a:fontRef>
         </p:style>
         <p:txBody>
-          <a:bodyPr rtlCol="0" anchor="ctr"/>
+          <a:bodyPr rtlCol="0" anchor="t"/>
           <a:lstStyle/>
           <a:p>
-            <a:pPr algn="ctr"/>
-            <a:endParaRPr lang="fr-FR"/>
+            <a:r>
+              <a:rPr lang="fr-FR">
+                <a:solidFill>
+                  <a:schemeClr val="tx1"/>
+                </a:solidFill>
+              </a:rPr>
+              <a:t>t</a:t>
+            </a:r>
+            <a:r>
+              <a:rPr lang="en-001">
+                <a:solidFill>
+                  <a:schemeClr val="tx1"/>
+                </a:solidFill>
+              </a:rPr>
+              <a:t>_f_</a:t>
+            </a:r>
+            <a:r>
+              <a:rPr lang="fr-FR">
+                <a:solidFill>
+                  <a:schemeClr val="tx1"/>
+                </a:solidFill>
+              </a:rPr>
+              <a:t>a</a:t>
+            </a:r>
+            <a:r>
+              <a:rPr lang="en-001">
+                <a:solidFill>
+                  <a:schemeClr val="tx1"/>
+                </a:solidFill>
+              </a:rPr>
+              <a:t>r</a:t>
+            </a:r>
+            <a:r>
+              <a:rPr lang="fr-FR">
+                <a:solidFill>
+                  <a:schemeClr val="tx1"/>
+                </a:solidFill>
+              </a:rPr>
+              <a:t>r</a:t>
+            </a:r>
+            <a:r>
+              <a:rPr lang="en-001">
+                <a:solidFill>
+                  <a:schemeClr val="tx1"/>
+                </a:solidFill>
+              </a:rPr>
+              <a:t>a</a:t>
+            </a:r>
+            <a:r>
+              <a:rPr lang="fr-FR">
+                <a:solidFill>
+                  <a:schemeClr val="tx1"/>
+                </a:solidFill>
+              </a:rPr>
+              <a:t>y</a:t>
+            </a:r>
+            <a:endParaRPr lang="en-001">
+              <a:solidFill>
+                <a:schemeClr val="tx1"/>
+              </a:solidFill>
+            </a:endParaRPr>
+          </a:p>
+          <a:p>
+            <a:r>
+              <a:rPr lang="en-001" sz="1400">
+                <a:solidFill>
+                  <a:schemeClr val="tx1"/>
+                </a:solidFill>
+              </a:rPr>
+              <a:t>float *</a:t>
+            </a:r>
+            <a:r>
+              <a:rPr lang="fr-FR" sz="1400">
+                <a:solidFill>
+                  <a:schemeClr val="tx1"/>
+                </a:solidFill>
+              </a:rPr>
+              <a:t>l</a:t>
+            </a:r>
+            <a:r>
+              <a:rPr lang="en-001" sz="1400">
+                <a:solidFill>
+                  <a:schemeClr val="tx1"/>
+                </a:solidFill>
+              </a:rPr>
+              <a:t>s</a:t>
+            </a:r>
+            <a:r>
+              <a:rPr lang="fr-FR" sz="1400">
+                <a:solidFill>
+                  <a:schemeClr val="tx1"/>
+                </a:solidFill>
+              </a:rPr>
+              <a:t>t</a:t>
+            </a:r>
+            <a:endParaRPr lang="en-001" sz="1400">
+              <a:solidFill>
+                <a:schemeClr val="tx1"/>
+              </a:solidFill>
+            </a:endParaRPr>
+          </a:p>
+          <a:p>
+            <a:r>
+              <a:rPr lang="en-001" sz="1400">
+                <a:solidFill>
+                  <a:schemeClr val="tx1"/>
+                </a:solidFill>
+              </a:rPr>
+              <a:t>size_</a:t>
+            </a:r>
+            <a:r>
+              <a:rPr lang="fr-FR" sz="1400">
+                <a:solidFill>
+                  <a:schemeClr val="tx1"/>
+                </a:solidFill>
+              </a:rPr>
+              <a:t>t</a:t>
+            </a:r>
+            <a:r>
+              <a:rPr lang="en-001" sz="1400">
+                <a:solidFill>
+                  <a:schemeClr val="tx1"/>
+                </a:solidFill>
+              </a:rPr>
+              <a:t> len</a:t>
+            </a:r>
+            <a:endParaRPr lang="fr-FR" sz="1400">
+              <a:solidFill>
+                <a:schemeClr val="tx1"/>
+              </a:solidFill>
+            </a:endParaRPr>
           </a:p>
         </p:txBody>
       </p:sp>
       <p:sp>
         <p:nvSpPr>
-          <p:cNvPr id="26" name="Flèche : droite 25">
-            <a:extLst>
-              <a:ext uri="{FF2B5EF4-FFF2-40B4-BE49-F238E27FC236}">
-                <a16:creationId xmlns:a16="http://schemas.microsoft.com/office/drawing/2014/main" id="{DB33FDBB-2E13-486A-AD4E-9558ABE00991}"/>
+          <p:cNvPr id="42" name="Rectangle 41">
+            <a:extLst>
+              <a:ext uri="{FF2B5EF4-FFF2-40B4-BE49-F238E27FC236}">
+                <a16:creationId xmlns:a16="http://schemas.microsoft.com/office/drawing/2014/main" id="{3DA07EF2-F89D-4ACB-AF7B-57116332389E}"/>
               </a:ext>
             </a:extLst>
           </p:cNvPr>
@@ -7708,12 +10990,27 @@
         </p:nvSpPr>
         <p:spPr>
           <a:xfrm>
-            <a:off x="7400488" y="4716011"/>
-            <a:ext cx="822121" cy="243281"/>
+            <a:off x="0" y="0"/>
+            <a:ext cx="12192000" cy="679508"/>
           </a:xfrm>
-          <a:prstGeom prst="rightArrow">
+          <a:prstGeom prst="rect">
             <a:avLst/>
           </a:prstGeom>
+          <a:gradFill flip="none" rotWithShape="1">
+            <a:gsLst>
+              <a:gs pos="0">
+                <a:srgbClr val="00B0F0"/>
+              </a:gs>
+              <a:gs pos="100000">
+                <a:srgbClr val="A6E4FA"/>
+              </a:gs>
+            </a:gsLst>
+            <a:lin ang="5400000" scaled="1"/>
+            <a:tileRect/>
+          </a:gradFill>
+          <a:ln>
+            <a:noFill/>
+          </a:ln>
         </p:spPr>
         <p:style>
           <a:lnRef idx="2">
@@ -7736,6 +11033,46 @@
           <a:lstStyle/>
           <a:p>
             <a:pPr algn="ctr"/>
+            <a:r>
+              <a:rPr lang="fr-FR"/>
+              <a:t>S</a:t>
+            </a:r>
+            <a:r>
+              <a:rPr lang="en-001"/>
+              <a:t>t</a:t>
+            </a:r>
+            <a:r>
+              <a:rPr lang="fr-FR"/>
+              <a:t>r</a:t>
+            </a:r>
+            <a:r>
+              <a:rPr lang="en-001"/>
+              <a:t>u</a:t>
+            </a:r>
+            <a:r>
+              <a:rPr lang="fr-FR"/>
+              <a:t>c</a:t>
+            </a:r>
+            <a:r>
+              <a:rPr lang="en-001"/>
+              <a:t>t</a:t>
+            </a:r>
+            <a:r>
+              <a:rPr lang="fr-FR"/>
+              <a:t>u</a:t>
+            </a:r>
+            <a:r>
+              <a:rPr lang="en-001"/>
+              <a:t>r</a:t>
+            </a:r>
+            <a:r>
+              <a:rPr lang="fr-FR"/>
+              <a:t>e</a:t>
+            </a:r>
+            <a:r>
+              <a:rPr lang="en-001"/>
+              <a:t>s</a:t>
+            </a:r>
             <a:endParaRPr lang="fr-FR"/>
           </a:p>
         </p:txBody>
@@ -7743,7 +11080,7 @@
     </p:spTree>
     <p:extLst>
       <p:ext uri="{BB962C8B-B14F-4D97-AF65-F5344CB8AC3E}">
-        <p14:creationId xmlns:p14="http://schemas.microsoft.com/office/powerpoint/2010/main" val="3622439538"/>
+        <p14:creationId xmlns:p14="http://schemas.microsoft.com/office/powerpoint/2010/main" val="2962861179"/>
       </p:ext>
     </p:extLst>
   </p:cSld>
@@ -7753,7 +11090,1934 @@
 </p:sld>
 </file>
 
-<file path=ppt/slides/slide3.xml><?xml version="1.0" encoding="utf-8"?>
+<file path=ppt/slides/slide4.xml><?xml version="1.0" encoding="utf-8"?>
+<p:sld xmlns:a="http://schemas.openxmlformats.org/drawingml/2006/main" xmlns:r="http://schemas.openxmlformats.org/officeDocument/2006/relationships" xmlns:p="http://schemas.openxmlformats.org/presentationml/2006/main">
+  <p:cSld>
+    <p:spTree>
+      <p:nvGrpSpPr>
+        <p:cNvPr id="1" name=""/>
+        <p:cNvGrpSpPr/>
+        <p:nvPr/>
+      </p:nvGrpSpPr>
+      <p:grpSpPr>
+        <a:xfrm>
+          <a:off x="0" y="0"/>
+          <a:ext cx="0" cy="0"/>
+          <a:chOff x="0" y="0"/>
+          <a:chExt cx="0" cy="0"/>
+        </a:xfrm>
+      </p:grpSpPr>
+      <p:sp>
+        <p:nvSpPr>
+          <p:cNvPr id="4" name="ZoneTexte 3">
+            <a:extLst>
+              <a:ext uri="{FF2B5EF4-FFF2-40B4-BE49-F238E27FC236}">
+                <a16:creationId xmlns:a16="http://schemas.microsoft.com/office/drawing/2014/main" id="{4E17A0A3-F505-44B6-971C-3C4CE07F7356}"/>
+              </a:ext>
+            </a:extLst>
+          </p:cNvPr>
+          <p:cNvSpPr txBox="1"/>
+          <p:nvPr/>
+        </p:nvSpPr>
+        <p:spPr>
+          <a:xfrm>
+            <a:off x="160247" y="1598189"/>
+            <a:ext cx="9864303" cy="3816429"/>
+          </a:xfrm>
+          <a:prstGeom prst="rect">
+            <a:avLst/>
+          </a:prstGeom>
+          <a:noFill/>
+        </p:spPr>
+        <p:txBody>
+          <a:bodyPr wrap="none" rtlCol="0">
+            <a:spAutoFit/>
+          </a:bodyPr>
+          <a:lstStyle/>
+          <a:p>
+            <a:r>
+              <a:rPr lang="en-001"/>
+              <a:t>t_</a:t>
+            </a:r>
+            <a:r>
+              <a:rPr lang="fr-FR"/>
+              <a:t>n</a:t>
+            </a:r>
+            <a:r>
+              <a:rPr lang="en-001"/>
+              <a:t>e</a:t>
+            </a:r>
+            <a:r>
+              <a:rPr lang="fr-FR"/>
+              <a:t>t</a:t>
+            </a:r>
+            <a:r>
+              <a:rPr lang="en-001"/>
+              <a:t>w</a:t>
+            </a:r>
+            <a:r>
+              <a:rPr lang="fr-FR"/>
+              <a:t>o</a:t>
+            </a:r>
+            <a:r>
+              <a:rPr lang="en-001"/>
+              <a:t>r</a:t>
+            </a:r>
+            <a:r>
+              <a:rPr lang="fr-FR"/>
+              <a:t>k</a:t>
+            </a:r>
+            <a:r>
+              <a:rPr lang="en-001"/>
+              <a:t> *p</a:t>
+            </a:r>
+            <a:r>
+              <a:rPr lang="fr-FR"/>
+              <a:t>d</a:t>
+            </a:r>
+            <a:r>
+              <a:rPr lang="en-001"/>
+              <a:t>_</a:t>
+            </a:r>
+            <a:r>
+              <a:rPr lang="fr-FR"/>
+              <a:t>i</a:t>
+            </a:r>
+            <a:r>
+              <a:rPr lang="en-001"/>
+              <a:t>n</a:t>
+            </a:r>
+            <a:r>
+              <a:rPr lang="fr-FR"/>
+              <a:t>i</a:t>
+            </a:r>
+            <a:r>
+              <a:rPr lang="en-001"/>
+              <a:t>t(</a:t>
+            </a:r>
+            <a:r>
+              <a:rPr lang="fr-FR"/>
+              <a:t>t</a:t>
+            </a:r>
+            <a:r>
+              <a:rPr lang="en-001"/>
+              <a:t>_</a:t>
+            </a:r>
+            <a:r>
+              <a:rPr lang="fr-FR"/>
+              <a:t>a</a:t>
+            </a:r>
+            <a:r>
+              <a:rPr lang="en-001"/>
+              <a:t>r</a:t>
+            </a:r>
+            <a:r>
+              <a:rPr lang="fr-FR"/>
+              <a:t>r</a:t>
+            </a:r>
+            <a:r>
+              <a:rPr lang="en-001"/>
+              <a:t>a</a:t>
+            </a:r>
+            <a:r>
+              <a:rPr lang="fr-FR"/>
+              <a:t>y</a:t>
+            </a:r>
+            <a:r>
+              <a:rPr lang="en-001"/>
+              <a:t> input_shape, </a:t>
+            </a:r>
+            <a:r>
+              <a:rPr lang="fr-FR"/>
+              <a:t>c</a:t>
+            </a:r>
+            <a:r>
+              <a:rPr lang="en-001"/>
+              <a:t>h</a:t>
+            </a:r>
+            <a:r>
+              <a:rPr lang="fr-FR"/>
+              <a:t>a</a:t>
+            </a:r>
+            <a:r>
+              <a:rPr lang="en-001"/>
+              <a:t>r *</a:t>
+            </a:r>
+            <a:r>
+              <a:rPr lang="fr-FR"/>
+              <a:t>o</a:t>
+            </a:r>
+            <a:r>
+              <a:rPr lang="en-001"/>
+              <a:t>ptimizer, char *loss, char *metri</a:t>
+            </a:r>
+            <a:r>
+              <a:rPr lang="fr-FR"/>
+              <a:t>c</a:t>
+            </a:r>
+            <a:r>
+              <a:rPr lang="en-001"/>
+              <a:t>s, </a:t>
+            </a:r>
+            <a:r>
+              <a:rPr lang="fr-FR"/>
+              <a:t>f</a:t>
+            </a:r>
+            <a:r>
+              <a:rPr lang="en-001"/>
+              <a:t>loa</a:t>
+            </a:r>
+            <a:r>
+              <a:rPr lang="fr-FR"/>
+              <a:t>t</a:t>
+            </a:r>
+            <a:r>
+              <a:rPr lang="en-001"/>
+              <a:t> </a:t>
+            </a:r>
+            <a:r>
+              <a:rPr lang="fr-FR"/>
+              <a:t>l</a:t>
+            </a:r>
+            <a:r>
+              <a:rPr lang="en-001"/>
+              <a:t>e</a:t>
+            </a:r>
+            <a:r>
+              <a:rPr lang="fr-FR"/>
+              <a:t>a</a:t>
+            </a:r>
+            <a:r>
+              <a:rPr lang="en-001"/>
+              <a:t>r</a:t>
+            </a:r>
+            <a:r>
+              <a:rPr lang="fr-FR"/>
+              <a:t>n</a:t>
+            </a:r>
+            <a:r>
+              <a:rPr lang="en-001"/>
+              <a:t>i</a:t>
+            </a:r>
+            <a:r>
+              <a:rPr lang="fr-FR"/>
+              <a:t>n</a:t>
+            </a:r>
+            <a:r>
+              <a:rPr lang="en-001"/>
+              <a:t>g_</a:t>
+            </a:r>
+            <a:r>
+              <a:rPr lang="fr-FR"/>
+              <a:t>r</a:t>
+            </a:r>
+            <a:r>
+              <a:rPr lang="en-001"/>
+              <a:t>a</a:t>
+            </a:r>
+            <a:r>
+              <a:rPr lang="fr-FR"/>
+              <a:t>t</a:t>
+            </a:r>
+            <a:r>
+              <a:rPr lang="en-001"/>
+              <a:t>e)</a:t>
+            </a:r>
+          </a:p>
+          <a:p>
+            <a:r>
+              <a:rPr lang="fr-FR" sz="1600"/>
+              <a:t>n</a:t>
+            </a:r>
+            <a:r>
+              <a:rPr lang="en-001" sz="1600"/>
+              <a:t>e</a:t>
+            </a:r>
+            <a:r>
+              <a:rPr lang="fr-FR" sz="1600"/>
+              <a:t>t</a:t>
+            </a:r>
+            <a:r>
+              <a:rPr lang="en-001" sz="1600"/>
+              <a:t>w</a:t>
+            </a:r>
+            <a:r>
+              <a:rPr lang="fr-FR" sz="1600"/>
+              <a:t>o</a:t>
+            </a:r>
+            <a:r>
+              <a:rPr lang="en-001" sz="1600"/>
+              <a:t>r</a:t>
+            </a:r>
+            <a:r>
+              <a:rPr lang="fr-FR" sz="1600"/>
+              <a:t>k</a:t>
+            </a:r>
+            <a:r>
+              <a:rPr lang="en-001" sz="1600"/>
+              <a:t> = p</a:t>
+            </a:r>
+            <a:r>
+              <a:rPr lang="fr-FR" sz="1600"/>
+              <a:t>d</a:t>
+            </a:r>
+            <a:r>
+              <a:rPr lang="en-001" sz="1600"/>
+              <a:t>_init([128, 128, 3] , “</a:t>
+            </a:r>
+            <a:r>
+              <a:rPr lang="fr-FR" sz="1600"/>
+              <a:t>a</a:t>
+            </a:r>
+            <a:r>
+              <a:rPr lang="en-001" sz="1600"/>
+              <a:t>d</a:t>
+            </a:r>
+            <a:r>
+              <a:rPr lang="fr-FR" sz="1600"/>
+              <a:t>a</a:t>
+            </a:r>
+            <a:r>
+              <a:rPr lang="en-001" sz="1600"/>
+              <a:t>m”, “</a:t>
+            </a:r>
+            <a:r>
+              <a:rPr lang="fr-FR" sz="1600"/>
+              <a:t>b</a:t>
+            </a:r>
+            <a:r>
+              <a:rPr lang="en-001" sz="1600"/>
+              <a:t>i</a:t>
+            </a:r>
+            <a:r>
+              <a:rPr lang="fr-FR" sz="1600"/>
+              <a:t>n</a:t>
+            </a:r>
+            <a:r>
+              <a:rPr lang="en-001" sz="1600"/>
+              <a:t>a</a:t>
+            </a:r>
+            <a:r>
+              <a:rPr lang="fr-FR" sz="1600"/>
+              <a:t>r</a:t>
+            </a:r>
+            <a:r>
+              <a:rPr lang="en-001" sz="1600"/>
+              <a:t>y_cr</a:t>
+            </a:r>
+            <a:r>
+              <a:rPr lang="fr-FR" sz="1600"/>
+              <a:t>o</a:t>
+            </a:r>
+            <a:r>
+              <a:rPr lang="en-001" sz="1600"/>
+              <a:t>s</a:t>
+            </a:r>
+            <a:r>
+              <a:rPr lang="fr-FR" sz="1600"/>
+              <a:t>s</a:t>
+            </a:r>
+            <a:r>
+              <a:rPr lang="en-001" sz="1600"/>
+              <a:t>e</a:t>
+            </a:r>
+            <a:r>
+              <a:rPr lang="fr-FR" sz="1600"/>
+              <a:t>n</a:t>
+            </a:r>
+            <a:r>
+              <a:rPr lang="en-001" sz="1600"/>
+              <a:t>t</a:t>
+            </a:r>
+            <a:r>
+              <a:rPr lang="fr-FR" sz="1600"/>
+              <a:t>r</a:t>
+            </a:r>
+            <a:r>
+              <a:rPr lang="en-001" sz="1600"/>
+              <a:t>opy”, “</a:t>
+            </a:r>
+            <a:r>
+              <a:rPr lang="fr-FR" sz="1600"/>
+              <a:t>a</a:t>
+            </a:r>
+            <a:r>
+              <a:rPr lang="en-001" sz="1600"/>
+              <a:t>c</a:t>
+            </a:r>
+            <a:r>
+              <a:rPr lang="fr-FR" sz="1600"/>
+              <a:t>c</a:t>
+            </a:r>
+            <a:r>
+              <a:rPr lang="en-001" sz="1600"/>
+              <a:t>u</a:t>
+            </a:r>
+            <a:r>
+              <a:rPr lang="fr-FR" sz="1600"/>
+              <a:t>r</a:t>
+            </a:r>
+            <a:r>
+              <a:rPr lang="en-001" sz="1600"/>
+              <a:t>a</a:t>
+            </a:r>
+            <a:r>
+              <a:rPr lang="fr-FR" sz="1600"/>
+              <a:t>c</a:t>
+            </a:r>
+            <a:r>
+              <a:rPr lang="en-001" sz="1600"/>
+              <a:t>y”, 0,001)</a:t>
+            </a:r>
+          </a:p>
+          <a:p>
+            <a:r>
+              <a:rPr lang="en-001" sz="1400"/>
+              <a:t>1 – </a:t>
+            </a:r>
+            <a:r>
+              <a:rPr lang="fr-FR" sz="1400"/>
+              <a:t>F</a:t>
+            </a:r>
+            <a:r>
+              <a:rPr lang="en-001" sz="1400"/>
+              <a:t>o</a:t>
+            </a:r>
+            <a:r>
+              <a:rPr lang="fr-FR" sz="1400"/>
+              <a:t>r</a:t>
+            </a:r>
+            <a:r>
+              <a:rPr lang="en-001" sz="1400"/>
+              <a:t>m</a:t>
+            </a:r>
+            <a:r>
+              <a:rPr lang="fr-FR" sz="1400"/>
+              <a:t>e</a:t>
+            </a:r>
+            <a:r>
+              <a:rPr lang="en-001" sz="1400"/>
+              <a:t> des inputs (Nbr dimensions et tailles) </a:t>
+            </a:r>
+            <a:r>
+              <a:rPr lang="fr-FR" sz="1400"/>
+              <a:t>e</a:t>
+            </a:r>
+            <a:r>
+              <a:rPr lang="en-001" sz="1400"/>
+              <a:t>x</a:t>
+            </a:r>
+            <a:r>
+              <a:rPr lang="fr-FR" sz="1400"/>
+              <a:t>e</a:t>
+            </a:r>
+            <a:r>
+              <a:rPr lang="en-001" sz="1400"/>
+              <a:t>m</a:t>
+            </a:r>
+            <a:r>
+              <a:rPr lang="fr-FR" sz="1400"/>
+              <a:t>p</a:t>
+            </a:r>
+            <a:r>
+              <a:rPr lang="en-001" sz="1400"/>
+              <a:t>l</a:t>
+            </a:r>
+            <a:r>
+              <a:rPr lang="fr-FR" sz="1400"/>
+              <a:t>e</a:t>
+            </a:r>
+            <a:r>
+              <a:rPr lang="en-001" sz="1400"/>
+              <a:t> :[128, 128, 3] -&gt; </a:t>
+            </a:r>
+            <a:r>
+              <a:rPr lang="fr-FR" sz="1400"/>
+              <a:t>t</a:t>
+            </a:r>
+            <a:r>
+              <a:rPr lang="en-001" sz="1400"/>
+              <a:t>a</a:t>
+            </a:r>
+            <a:r>
+              <a:rPr lang="fr-FR" sz="1400"/>
+              <a:t>b</a:t>
+            </a:r>
+            <a:r>
+              <a:rPr lang="en-001" sz="1400"/>
+              <a:t>l</a:t>
+            </a:r>
+            <a:r>
+              <a:rPr lang="fr-FR" sz="1400"/>
+              <a:t>e</a:t>
+            </a:r>
+            <a:r>
+              <a:rPr lang="en-001" sz="1400"/>
+              <a:t>a</a:t>
+            </a:r>
+            <a:r>
+              <a:rPr lang="fr-FR" sz="1400"/>
+              <a:t>u</a:t>
+            </a:r>
+            <a:r>
+              <a:rPr lang="en-001" sz="1400"/>
+              <a:t> 3</a:t>
+            </a:r>
+            <a:r>
+              <a:rPr lang="fr-FR" sz="1400"/>
+              <a:t>D</a:t>
+            </a:r>
+            <a:r>
+              <a:rPr lang="en-001" sz="1400"/>
+              <a:t> </a:t>
+            </a:r>
+            <a:r>
+              <a:rPr lang="fr-FR" sz="1400"/>
+              <a:t>a</a:t>
+            </a:r>
+            <a:r>
+              <a:rPr lang="en-001" sz="1400"/>
+              <a:t>v</a:t>
+            </a:r>
+            <a:r>
+              <a:rPr lang="fr-FR" sz="1400"/>
+              <a:t>e</a:t>
+            </a:r>
+            <a:r>
+              <a:rPr lang="en-001" sz="1400"/>
+              <a:t>c les tail</a:t>
+            </a:r>
+            <a:r>
+              <a:rPr lang="fr-FR" sz="1400"/>
+              <a:t>l</a:t>
+            </a:r>
+            <a:r>
+              <a:rPr lang="en-001" sz="1400"/>
+              <a:t>e</a:t>
+            </a:r>
+            <a:r>
+              <a:rPr lang="fr-FR" sz="1400"/>
+              <a:t>s</a:t>
+            </a:r>
+            <a:r>
+              <a:rPr lang="en-001" sz="1400"/>
+              <a:t> x, y, </a:t>
+            </a:r>
+            <a:r>
+              <a:rPr lang="fr-FR" sz="1400"/>
+              <a:t>z</a:t>
+            </a:r>
+            <a:r>
+              <a:rPr lang="en-001" sz="1400"/>
+              <a:t> </a:t>
+            </a:r>
+            <a:endParaRPr lang="fr-FR" sz="1400"/>
+          </a:p>
+          <a:p>
+            <a:r>
+              <a:rPr lang="en-001" sz="1400"/>
+              <a:t>2 – </a:t>
+            </a:r>
+            <a:r>
+              <a:rPr lang="fr-FR" sz="1400"/>
+              <a:t>o</a:t>
+            </a:r>
+            <a:r>
+              <a:rPr lang="en-001" sz="1400"/>
+              <a:t>p</a:t>
+            </a:r>
+            <a:r>
+              <a:rPr lang="fr-FR" sz="1400"/>
+              <a:t>t</a:t>
+            </a:r>
+            <a:r>
+              <a:rPr lang="en-001" sz="1400"/>
+              <a:t>i</a:t>
+            </a:r>
+            <a:r>
+              <a:rPr lang="fr-FR" sz="1400"/>
+              <a:t>m</a:t>
+            </a:r>
+            <a:r>
+              <a:rPr lang="en-001" sz="1400"/>
+              <a:t>i</a:t>
+            </a:r>
+            <a:r>
+              <a:rPr lang="fr-FR" sz="1400"/>
+              <a:t>z</a:t>
+            </a:r>
+            <a:r>
+              <a:rPr lang="en-001" sz="1400"/>
+              <a:t>e</a:t>
+            </a:r>
+            <a:r>
+              <a:rPr lang="fr-FR" sz="1400"/>
+              <a:t>r</a:t>
+            </a:r>
+            <a:r>
+              <a:rPr lang="en-001" sz="1400"/>
+              <a:t> (</a:t>
+            </a:r>
+            <a:r>
+              <a:rPr lang="fr-FR" sz="1400"/>
+              <a:t>P</a:t>
+            </a:r>
+            <a:r>
+              <a:rPr lang="en-001" sz="1400"/>
+              <a:t>a</a:t>
+            </a:r>
+            <a:r>
+              <a:rPr lang="fr-FR" sz="1400"/>
+              <a:t>r</a:t>
+            </a:r>
+            <a:r>
+              <a:rPr lang="en-001" sz="1400"/>
+              <a:t> </a:t>
+            </a:r>
+            <a:r>
+              <a:rPr lang="fr-FR" sz="1400"/>
+              <a:t>e</a:t>
+            </a:r>
+            <a:r>
+              <a:rPr lang="en-001" sz="1400"/>
+              <a:t>x</a:t>
+            </a:r>
+            <a:r>
+              <a:rPr lang="fr-FR" sz="1400"/>
+              <a:t>e</a:t>
+            </a:r>
+            <a:r>
+              <a:rPr lang="en-001" sz="1400"/>
+              <a:t>m</a:t>
+            </a:r>
+            <a:r>
+              <a:rPr lang="fr-FR" sz="1400"/>
+              <a:t>p</a:t>
+            </a:r>
+            <a:r>
+              <a:rPr lang="en-001" sz="1400"/>
+              <a:t>l</a:t>
+            </a:r>
+            <a:r>
+              <a:rPr lang="fr-FR" sz="1400"/>
+              <a:t>e</a:t>
+            </a:r>
+            <a:r>
+              <a:rPr lang="en-001" sz="1400"/>
+              <a:t> </a:t>
+            </a:r>
+            <a:r>
+              <a:rPr lang="fr-FR" sz="1400"/>
+              <a:t>g</a:t>
+            </a:r>
+            <a:r>
+              <a:rPr lang="en-001" sz="1400"/>
+              <a:t>r</a:t>
+            </a:r>
+            <a:r>
+              <a:rPr lang="fr-FR" sz="1400"/>
+              <a:t>a</a:t>
+            </a:r>
+            <a:r>
+              <a:rPr lang="en-001" sz="1400"/>
+              <a:t>d</a:t>
+            </a:r>
+            <a:r>
+              <a:rPr lang="fr-FR" sz="1400"/>
+              <a:t>i</a:t>
+            </a:r>
+            <a:r>
+              <a:rPr lang="en-001" sz="1400"/>
+              <a:t>e</a:t>
+            </a:r>
+            <a:r>
+              <a:rPr lang="fr-FR" sz="1400"/>
+              <a:t>n</a:t>
+            </a:r>
+            <a:r>
+              <a:rPr lang="en-001" sz="1400"/>
+              <a:t>t </a:t>
+            </a:r>
+            <a:r>
+              <a:rPr lang="fr-FR" sz="1400"/>
+              <a:t>s</a:t>
+            </a:r>
+            <a:r>
+              <a:rPr lang="en-001" sz="1400"/>
+              <a:t>t</a:t>
+            </a:r>
+            <a:r>
+              <a:rPr lang="fr-FR" sz="1400"/>
+              <a:t>o</a:t>
+            </a:r>
+            <a:r>
+              <a:rPr lang="en-001" sz="1400"/>
+              <a:t>c</a:t>
+            </a:r>
+            <a:r>
+              <a:rPr lang="fr-FR" sz="1400"/>
+              <a:t>h</a:t>
+            </a:r>
+            <a:r>
+              <a:rPr lang="en-001" sz="1400"/>
+              <a:t>a</a:t>
+            </a:r>
+            <a:r>
+              <a:rPr lang="fr-FR" sz="1400"/>
+              <a:t>s</a:t>
+            </a:r>
+            <a:r>
+              <a:rPr lang="en-001" sz="1400"/>
+              <a:t>t</a:t>
+            </a:r>
+            <a:r>
+              <a:rPr lang="fr-FR" sz="1400"/>
+              <a:t>i</a:t>
+            </a:r>
+            <a:r>
+              <a:rPr lang="en-001" sz="1400"/>
+              <a:t>q</a:t>
+            </a:r>
+            <a:r>
+              <a:rPr lang="fr-FR" sz="1400"/>
+              <a:t>u</a:t>
+            </a:r>
+            <a:r>
+              <a:rPr lang="en-001" sz="1400"/>
+              <a:t>e)</a:t>
+            </a:r>
+          </a:p>
+          <a:p>
+            <a:r>
+              <a:rPr lang="en-001" sz="1400"/>
+              <a:t>3 – fonction de co</a:t>
+            </a:r>
+            <a:r>
+              <a:rPr lang="fr-FR" sz="1400"/>
+              <a:t>û</a:t>
+            </a:r>
+            <a:r>
+              <a:rPr lang="en-001" sz="1400"/>
+              <a:t>t</a:t>
+            </a:r>
+          </a:p>
+          <a:p>
+            <a:r>
+              <a:rPr lang="en-001" sz="1400"/>
+              <a:t>4 – metrics (Ce qu’on cherche à ame</a:t>
+            </a:r>
+            <a:r>
+              <a:rPr lang="fr-FR" sz="1400"/>
+              <a:t>l</a:t>
+            </a:r>
+            <a:r>
+              <a:rPr lang="en-001" sz="1400"/>
+              <a:t>i</a:t>
+            </a:r>
+            <a:r>
+              <a:rPr lang="fr-FR" sz="1400"/>
+              <a:t>o</a:t>
+            </a:r>
+            <a:r>
+              <a:rPr lang="en-001" sz="1400"/>
+              <a:t>r</a:t>
+            </a:r>
+            <a:r>
+              <a:rPr lang="fr-FR" sz="1400"/>
+              <a:t>e</a:t>
+            </a:r>
+            <a:r>
+              <a:rPr lang="en-001" sz="1400"/>
+              <a:t>r)</a:t>
+            </a:r>
+          </a:p>
+          <a:p>
+            <a:endParaRPr lang="en-001"/>
+          </a:p>
+          <a:p>
+            <a:r>
+              <a:rPr lang="fr-FR"/>
+              <a:t>v</a:t>
+            </a:r>
+            <a:r>
+              <a:rPr lang="en-001"/>
+              <a:t>o</a:t>
+            </a:r>
+            <a:r>
+              <a:rPr lang="fr-FR"/>
+              <a:t>i</a:t>
+            </a:r>
+            <a:r>
+              <a:rPr lang="en-001"/>
+              <a:t>d p</a:t>
+            </a:r>
+            <a:r>
+              <a:rPr lang="fr-FR"/>
+              <a:t>d</a:t>
+            </a:r>
+            <a:r>
+              <a:rPr lang="en-001"/>
+              <a:t>_</a:t>
+            </a:r>
+            <a:r>
+              <a:rPr lang="fr-FR"/>
+              <a:t>a</a:t>
+            </a:r>
+            <a:r>
+              <a:rPr lang="en-001"/>
+              <a:t>d</a:t>
+            </a:r>
+            <a:r>
+              <a:rPr lang="fr-FR"/>
+              <a:t>d</a:t>
+            </a:r>
+            <a:r>
+              <a:rPr lang="en-001"/>
+              <a:t>(</a:t>
+            </a:r>
+            <a:r>
+              <a:rPr lang="fr-FR"/>
+              <a:t>t</a:t>
+            </a:r>
+            <a:r>
+              <a:rPr lang="en-001"/>
+              <a:t>_network *network, </a:t>
+            </a:r>
+            <a:r>
+              <a:rPr lang="fr-FR"/>
+              <a:t>v</a:t>
+            </a:r>
+            <a:r>
+              <a:rPr lang="en-001"/>
+              <a:t>o</a:t>
+            </a:r>
+            <a:r>
+              <a:rPr lang="fr-FR"/>
+              <a:t>i</a:t>
+            </a:r>
+            <a:r>
+              <a:rPr lang="en-001"/>
+              <a:t>d *</a:t>
+            </a:r>
+            <a:r>
+              <a:rPr lang="fr-FR"/>
+              <a:t>t</a:t>
+            </a:r>
+            <a:r>
+              <a:rPr lang="en-001"/>
+              <a:t>_</a:t>
+            </a:r>
+            <a:r>
+              <a:rPr lang="fr-FR"/>
+              <a:t>s</a:t>
+            </a:r>
+            <a:r>
+              <a:rPr lang="en-001"/>
+              <a:t>p</a:t>
+            </a:r>
+            <a:r>
+              <a:rPr lang="fr-FR"/>
+              <a:t>e</a:t>
+            </a:r>
+            <a:r>
+              <a:rPr lang="en-001"/>
+              <a:t>c_</a:t>
+            </a:r>
+            <a:r>
+              <a:rPr lang="fr-FR"/>
+              <a:t>l</a:t>
+            </a:r>
+            <a:r>
+              <a:rPr lang="en-001"/>
+              <a:t>a</a:t>
+            </a:r>
+            <a:r>
+              <a:rPr lang="fr-FR"/>
+              <a:t>y</a:t>
+            </a:r>
+            <a:r>
+              <a:rPr lang="en-001"/>
+              <a:t>e</a:t>
+            </a:r>
+            <a:r>
+              <a:rPr lang="fr-FR"/>
+              <a:t>r</a:t>
+            </a:r>
+            <a:r>
+              <a:rPr lang="en-001"/>
+              <a:t>)</a:t>
+            </a:r>
+          </a:p>
+          <a:p>
+            <a:r>
+              <a:rPr lang="en-001" sz="1600"/>
+              <a:t>p</a:t>
+            </a:r>
+            <a:r>
+              <a:rPr lang="fr-FR" sz="1600"/>
+              <a:t>d</a:t>
+            </a:r>
+            <a:r>
+              <a:rPr lang="en-001" sz="1600"/>
+              <a:t>_</a:t>
+            </a:r>
+            <a:r>
+              <a:rPr lang="fr-FR" sz="1600"/>
+              <a:t>a</a:t>
+            </a:r>
+            <a:r>
+              <a:rPr lang="en-001" sz="1600"/>
+              <a:t>d</a:t>
+            </a:r>
+            <a:r>
+              <a:rPr lang="fr-FR" sz="1600"/>
+              <a:t>d</a:t>
+            </a:r>
+            <a:r>
+              <a:rPr lang="en-001" sz="1600"/>
+              <a:t>(</a:t>
+            </a:r>
+            <a:r>
+              <a:rPr lang="fr-FR" sz="1600"/>
+              <a:t>n</a:t>
+            </a:r>
+            <a:r>
+              <a:rPr lang="en-001" sz="1600"/>
+              <a:t>e</a:t>
+            </a:r>
+            <a:r>
+              <a:rPr lang="fr-FR" sz="1600"/>
+              <a:t>t</a:t>
+            </a:r>
+            <a:r>
+              <a:rPr lang="en-001" sz="1600"/>
+              <a:t>w</a:t>
+            </a:r>
+            <a:r>
+              <a:rPr lang="fr-FR" sz="1600"/>
+              <a:t>o</a:t>
+            </a:r>
+            <a:r>
+              <a:rPr lang="en-001" sz="1600"/>
+              <a:t>r</a:t>
+            </a:r>
+            <a:r>
+              <a:rPr lang="fr-FR" sz="1600"/>
+              <a:t>k</a:t>
+            </a:r>
+            <a:r>
+              <a:rPr lang="en-001" sz="1600"/>
+              <a:t>, </a:t>
+            </a:r>
+            <a:r>
+              <a:rPr lang="fr-FR" sz="1600"/>
+              <a:t>C</a:t>
+            </a:r>
+            <a:r>
+              <a:rPr lang="en-001" sz="1600"/>
+              <a:t>o</a:t>
+            </a:r>
+            <a:r>
+              <a:rPr lang="fr-FR" sz="1600"/>
+              <a:t>n</a:t>
+            </a:r>
+            <a:r>
+              <a:rPr lang="en-001" sz="1600"/>
+              <a:t>v</a:t>
+            </a:r>
+            <a:r>
+              <a:rPr lang="fr-FR" sz="1600"/>
+              <a:t>o</a:t>
+            </a:r>
+            <a:r>
+              <a:rPr lang="en-001" sz="1600"/>
+              <a:t>l</a:t>
+            </a:r>
+            <a:r>
+              <a:rPr lang="fr-FR" sz="1600"/>
+              <a:t>u</a:t>
+            </a:r>
+            <a:r>
+              <a:rPr lang="en-001" sz="1600"/>
+              <a:t>t</a:t>
+            </a:r>
+            <a:r>
+              <a:rPr lang="fr-FR" sz="1600"/>
+              <a:t>i</a:t>
+            </a:r>
+            <a:r>
+              <a:rPr lang="en-001" sz="1600"/>
+              <a:t>o</a:t>
+            </a:r>
+            <a:r>
+              <a:rPr lang="fr-FR" sz="1600"/>
+              <a:t>n</a:t>
+            </a:r>
+            <a:r>
+              <a:rPr lang="en-001" sz="1600"/>
+              <a:t>2</a:t>
+            </a:r>
+            <a:r>
+              <a:rPr lang="fr-FR" sz="1600"/>
+              <a:t>D</a:t>
+            </a:r>
+            <a:r>
+              <a:rPr lang="en-001" sz="1600"/>
+              <a:t>(32, 3, 1, “</a:t>
+            </a:r>
+            <a:r>
+              <a:rPr lang="fr-FR" sz="1600"/>
+              <a:t>r</a:t>
+            </a:r>
+            <a:r>
+              <a:rPr lang="en-001" sz="1600"/>
+              <a:t>e</a:t>
+            </a:r>
+            <a:r>
+              <a:rPr lang="fr-FR" sz="1600"/>
+              <a:t>l</a:t>
+            </a:r>
+            <a:r>
+              <a:rPr lang="en-001" sz="1600"/>
+              <a:t>u”))</a:t>
+            </a:r>
+          </a:p>
+          <a:p>
+            <a:endParaRPr lang="en-001" sz="1600"/>
+          </a:p>
+          <a:p>
+            <a:r>
+              <a:rPr lang="fr-FR"/>
+              <a:t>v</a:t>
+            </a:r>
+            <a:r>
+              <a:rPr lang="en-001"/>
+              <a:t>o</a:t>
+            </a:r>
+            <a:r>
+              <a:rPr lang="fr-FR"/>
+              <a:t>i</a:t>
+            </a:r>
+            <a:r>
+              <a:rPr lang="en-001"/>
+              <a:t>d </a:t>
+            </a:r>
+            <a:r>
+              <a:rPr lang="fr-FR"/>
+              <a:t>p</a:t>
+            </a:r>
+            <a:r>
+              <a:rPr lang="en-001"/>
+              <a:t>d_</a:t>
+            </a:r>
+            <a:r>
+              <a:rPr lang="fr-FR"/>
+              <a:t>t</a:t>
+            </a:r>
+            <a:r>
+              <a:rPr lang="en-001"/>
+              <a:t>r</a:t>
+            </a:r>
+            <a:r>
+              <a:rPr lang="fr-FR"/>
+              <a:t>a</a:t>
+            </a:r>
+            <a:r>
+              <a:rPr lang="en-001"/>
+              <a:t>i</a:t>
+            </a:r>
+            <a:r>
+              <a:rPr lang="fr-FR"/>
+              <a:t>n</a:t>
+            </a:r>
+            <a:r>
+              <a:rPr lang="en-001"/>
+              <a:t>(</a:t>
+            </a:r>
+            <a:r>
+              <a:rPr lang="fr-FR"/>
+              <a:t>t</a:t>
+            </a:r>
+            <a:r>
+              <a:rPr lang="en-001"/>
+              <a:t>_network *network, </a:t>
+            </a:r>
+            <a:r>
+              <a:rPr lang="fr-FR"/>
+              <a:t>v</a:t>
+            </a:r>
+            <a:r>
+              <a:rPr lang="en-001"/>
+              <a:t>o</a:t>
+            </a:r>
+            <a:r>
+              <a:rPr lang="fr-FR"/>
+              <a:t>i</a:t>
+            </a:r>
+            <a:r>
+              <a:rPr lang="en-001"/>
+              <a:t>d *</a:t>
+            </a:r>
+            <a:r>
+              <a:rPr lang="fr-FR"/>
+              <a:t>x</a:t>
+            </a:r>
+            <a:r>
+              <a:rPr lang="en-001"/>
+              <a:t>, </a:t>
+            </a:r>
+            <a:r>
+              <a:rPr lang="fr-FR"/>
+              <a:t>v</a:t>
+            </a:r>
+            <a:r>
+              <a:rPr lang="en-001"/>
+              <a:t>o</a:t>
+            </a:r>
+            <a:r>
+              <a:rPr lang="fr-FR"/>
+              <a:t>i</a:t>
+            </a:r>
+            <a:r>
+              <a:rPr lang="en-001"/>
+              <a:t>d *</a:t>
+            </a:r>
+            <a:r>
+              <a:rPr lang="fr-FR"/>
+              <a:t>y</a:t>
+            </a:r>
+            <a:r>
+              <a:rPr lang="en-001"/>
+              <a:t>, </a:t>
+            </a:r>
+            <a:r>
+              <a:rPr lang="fr-FR"/>
+              <a:t>i</a:t>
+            </a:r>
+            <a:r>
+              <a:rPr lang="en-001"/>
+              <a:t>nt epoch, </a:t>
+            </a:r>
+            <a:r>
+              <a:rPr lang="fr-FR"/>
+              <a:t>i</a:t>
+            </a:r>
+            <a:r>
+              <a:rPr lang="en-001"/>
+              <a:t>n</a:t>
+            </a:r>
+            <a:r>
+              <a:rPr lang="fr-FR"/>
+              <a:t>t</a:t>
+            </a:r>
+            <a:r>
+              <a:rPr lang="en-001"/>
+              <a:t> </a:t>
+            </a:r>
+            <a:r>
+              <a:rPr lang="fr-FR"/>
+              <a:t>b</a:t>
+            </a:r>
+            <a:r>
+              <a:rPr lang="en-001"/>
+              <a:t>a</a:t>
+            </a:r>
+            <a:r>
+              <a:rPr lang="fr-FR"/>
+              <a:t>t</a:t>
+            </a:r>
+            <a:r>
+              <a:rPr lang="en-001"/>
+              <a:t>c</a:t>
+            </a:r>
+            <a:r>
+              <a:rPr lang="fr-FR"/>
+              <a:t>h</a:t>
+            </a:r>
+            <a:r>
+              <a:rPr lang="en-001"/>
+              <a:t>_</a:t>
+            </a:r>
+            <a:r>
+              <a:rPr lang="fr-FR"/>
+              <a:t>s</a:t>
+            </a:r>
+            <a:r>
+              <a:rPr lang="en-001"/>
+              <a:t>i</a:t>
+            </a:r>
+            <a:r>
+              <a:rPr lang="fr-FR"/>
+              <a:t>z</a:t>
+            </a:r>
+            <a:r>
+              <a:rPr lang="en-001"/>
+              <a:t>e)</a:t>
+            </a:r>
+          </a:p>
+          <a:p>
+            <a:r>
+              <a:rPr lang="en-001" sz="1600"/>
+              <a:t>pd_train(</a:t>
+            </a:r>
+            <a:r>
+              <a:rPr lang="fr-FR" sz="1600"/>
+              <a:t>n</a:t>
+            </a:r>
+            <a:r>
+              <a:rPr lang="en-001" sz="1600"/>
+              <a:t>e</a:t>
+            </a:r>
+            <a:r>
+              <a:rPr lang="fr-FR" sz="1600"/>
+              <a:t>t</a:t>
+            </a:r>
+            <a:r>
+              <a:rPr lang="en-001" sz="1600"/>
+              <a:t>work, x_</a:t>
+            </a:r>
+            <a:r>
+              <a:rPr lang="fr-FR" sz="1600"/>
+              <a:t>d</a:t>
+            </a:r>
+            <a:r>
+              <a:rPr lang="en-001" sz="1600"/>
+              <a:t>a</a:t>
+            </a:r>
+            <a:r>
+              <a:rPr lang="fr-FR" sz="1600"/>
+              <a:t>t</a:t>
+            </a:r>
+            <a:r>
+              <a:rPr lang="en-001" sz="1600"/>
+              <a:t>a</a:t>
+            </a:r>
+            <a:r>
+              <a:rPr lang="fr-FR" sz="1600"/>
+              <a:t>s</a:t>
+            </a:r>
+            <a:r>
+              <a:rPr lang="en-001" sz="1600"/>
+              <a:t>e</a:t>
+            </a:r>
+            <a:r>
+              <a:rPr lang="fr-FR" sz="1600"/>
+              <a:t>t</a:t>
+            </a:r>
+            <a:r>
+              <a:rPr lang="en-001" sz="1600"/>
+              <a:t>, y_dataset, 100, 10)</a:t>
+            </a:r>
+          </a:p>
+          <a:p>
+            <a:endParaRPr lang="en-001" sz="1600"/>
+          </a:p>
+          <a:p>
+            <a:r>
+              <a:rPr lang="en-001"/>
+              <a:t>void *pd_predi</a:t>
+            </a:r>
+            <a:r>
+              <a:rPr lang="fr-FR"/>
+              <a:t>c</a:t>
+            </a:r>
+            <a:r>
+              <a:rPr lang="en-001"/>
+              <a:t>t(</a:t>
+            </a:r>
+            <a:r>
+              <a:rPr lang="fr-FR"/>
+              <a:t>t</a:t>
+            </a:r>
+            <a:r>
+              <a:rPr lang="en-001"/>
+              <a:t>_</a:t>
+            </a:r>
+            <a:r>
+              <a:rPr lang="fr-FR"/>
+              <a:t>n</a:t>
+            </a:r>
+            <a:r>
+              <a:rPr lang="en-001"/>
+              <a:t>e</a:t>
+            </a:r>
+            <a:r>
+              <a:rPr lang="fr-FR"/>
+              <a:t>t</a:t>
+            </a:r>
+            <a:r>
+              <a:rPr lang="en-001"/>
+              <a:t>w</a:t>
+            </a:r>
+            <a:r>
+              <a:rPr lang="fr-FR"/>
+              <a:t>o</a:t>
+            </a:r>
+            <a:r>
+              <a:rPr lang="en-001"/>
+              <a:t>r</a:t>
+            </a:r>
+            <a:r>
+              <a:rPr lang="fr-FR"/>
+              <a:t>k</a:t>
+            </a:r>
+            <a:r>
+              <a:rPr lang="en-001"/>
+              <a:t> *network, </a:t>
+            </a:r>
+            <a:r>
+              <a:rPr lang="fr-FR"/>
+              <a:t>v</a:t>
+            </a:r>
+            <a:r>
+              <a:rPr lang="en-001"/>
+              <a:t>o</a:t>
+            </a:r>
+            <a:r>
+              <a:rPr lang="fr-FR"/>
+              <a:t>i</a:t>
+            </a:r>
+            <a:r>
+              <a:rPr lang="en-001"/>
+              <a:t>d *</a:t>
+            </a:r>
+            <a:r>
+              <a:rPr lang="fr-FR"/>
+              <a:t>i</a:t>
+            </a:r>
+            <a:r>
+              <a:rPr lang="en-001"/>
+              <a:t>n</a:t>
+            </a:r>
+            <a:r>
+              <a:rPr lang="fr-FR"/>
+              <a:t>p</a:t>
+            </a:r>
+            <a:r>
+              <a:rPr lang="en-001"/>
+              <a:t>u</a:t>
+            </a:r>
+            <a:r>
+              <a:rPr lang="fr-FR"/>
+              <a:t>t</a:t>
+            </a:r>
+            <a:r>
+              <a:rPr lang="en-001"/>
+              <a:t>)</a:t>
+            </a:r>
+          </a:p>
+          <a:p>
+            <a:r>
+              <a:rPr lang="en-001" sz="1600"/>
+              <a:t>result = pd_predict(network, </a:t>
+            </a:r>
+            <a:r>
+              <a:rPr lang="fr-FR" sz="1600"/>
+              <a:t>d</a:t>
+            </a:r>
+            <a:r>
+              <a:rPr lang="en-001" sz="1600"/>
+              <a:t>ataset[6])</a:t>
+            </a:r>
+          </a:p>
+        </p:txBody>
+      </p:sp>
+      <p:sp>
+        <p:nvSpPr>
+          <p:cNvPr id="11" name="Rectangle 10">
+            <a:extLst>
+              <a:ext uri="{FF2B5EF4-FFF2-40B4-BE49-F238E27FC236}">
+                <a16:creationId xmlns:a16="http://schemas.microsoft.com/office/drawing/2014/main" id="{4835283F-26EA-4695-8D79-295902B5CE45}"/>
+              </a:ext>
+            </a:extLst>
+          </p:cNvPr>
+          <p:cNvSpPr/>
+          <p:nvPr/>
+        </p:nvSpPr>
+        <p:spPr>
+          <a:xfrm>
+            <a:off x="0" y="0"/>
+            <a:ext cx="12192000" cy="679508"/>
+          </a:xfrm>
+          <a:prstGeom prst="rect">
+            <a:avLst/>
+          </a:prstGeom>
+          <a:gradFill flip="none" rotWithShape="1">
+            <a:gsLst>
+              <a:gs pos="0">
+                <a:srgbClr val="00B0F0"/>
+              </a:gs>
+              <a:gs pos="100000">
+                <a:srgbClr val="A6E4FA"/>
+              </a:gs>
+            </a:gsLst>
+            <a:lin ang="5400000" scaled="1"/>
+            <a:tileRect/>
+          </a:gradFill>
+          <a:ln>
+            <a:noFill/>
+          </a:ln>
+        </p:spPr>
+        <p:style>
+          <a:lnRef idx="2">
+            <a:schemeClr val="accent1">
+              <a:shade val="50000"/>
+            </a:schemeClr>
+          </a:lnRef>
+          <a:fillRef idx="1">
+            <a:schemeClr val="accent1"/>
+          </a:fillRef>
+          <a:effectRef idx="0">
+            <a:schemeClr val="accent1"/>
+          </a:effectRef>
+          <a:fontRef idx="minor">
+            <a:schemeClr val="lt1"/>
+          </a:fontRef>
+        </p:style>
+        <p:txBody>
+          <a:bodyPr rtlCol="0" anchor="ctr"/>
+          <a:lstStyle/>
+          <a:p>
+            <a:pPr algn="ctr"/>
+            <a:r>
+              <a:rPr lang="fr-FR"/>
+              <a:t>L</a:t>
+            </a:r>
+            <a:r>
+              <a:rPr lang="en-001"/>
+              <a:t>i</a:t>
+            </a:r>
+            <a:r>
+              <a:rPr lang="fr-FR"/>
+              <a:t>b</a:t>
+            </a:r>
+            <a:r>
+              <a:rPr lang="en-001"/>
+              <a:t> </a:t>
+            </a:r>
+            <a:r>
+              <a:rPr lang="fr-FR"/>
+              <a:t>P</a:t>
+            </a:r>
+            <a:r>
+              <a:rPr lang="en-001"/>
+              <a:t>r</a:t>
+            </a:r>
+            <a:r>
+              <a:rPr lang="fr-FR"/>
+              <a:t>o</a:t>
+            </a:r>
+            <a:r>
+              <a:rPr lang="en-001"/>
+              <a:t>toDeep</a:t>
+            </a:r>
+            <a:endParaRPr lang="fr-FR"/>
+          </a:p>
+        </p:txBody>
+      </p:sp>
+    </p:spTree>
+    <p:extLst>
+      <p:ext uri="{BB962C8B-B14F-4D97-AF65-F5344CB8AC3E}">
+        <p14:creationId xmlns:p14="http://schemas.microsoft.com/office/powerpoint/2010/main" val="4284050537"/>
+      </p:ext>
+    </p:extLst>
+  </p:cSld>
+  <p:clrMapOvr>
+    <a:masterClrMapping/>
+  </p:clrMapOvr>
+</p:sld>
+</file>
+
+<file path=ppt/slides/slide5.xml><?xml version="1.0" encoding="utf-8"?>
+<p:sld xmlns:a="http://schemas.openxmlformats.org/drawingml/2006/main" xmlns:r="http://schemas.openxmlformats.org/officeDocument/2006/relationships" xmlns:p="http://schemas.openxmlformats.org/presentationml/2006/main">
+  <p:cSld>
+    <p:spTree>
+      <p:nvGrpSpPr>
+        <p:cNvPr id="1" name=""/>
+        <p:cNvGrpSpPr/>
+        <p:nvPr/>
+      </p:nvGrpSpPr>
+      <p:grpSpPr>
+        <a:xfrm>
+          <a:off x="0" y="0"/>
+          <a:ext cx="0" cy="0"/>
+          <a:chOff x="0" y="0"/>
+          <a:chExt cx="0" cy="0"/>
+        </a:xfrm>
+      </p:grpSpPr>
+      <p:sp>
+        <p:nvSpPr>
+          <p:cNvPr id="4" name="ZoneTexte 3">
+            <a:extLst>
+              <a:ext uri="{FF2B5EF4-FFF2-40B4-BE49-F238E27FC236}">
+                <a16:creationId xmlns:a16="http://schemas.microsoft.com/office/drawing/2014/main" id="{4DAF2585-2D1A-45F5-9385-F00DA02539AA}"/>
+              </a:ext>
+            </a:extLst>
+          </p:cNvPr>
+          <p:cNvSpPr txBox="1"/>
+          <p:nvPr/>
+        </p:nvSpPr>
+        <p:spPr>
+          <a:xfrm>
+            <a:off x="1493240" y="738231"/>
+            <a:ext cx="3116815" cy="2308324"/>
+          </a:xfrm>
+          <a:prstGeom prst="rect">
+            <a:avLst/>
+          </a:prstGeom>
+          <a:noFill/>
+        </p:spPr>
+        <p:txBody>
+          <a:bodyPr wrap="none" rtlCol="0">
+            <a:spAutoFit/>
+          </a:bodyPr>
+          <a:lstStyle/>
+          <a:p>
+            <a:r>
+              <a:rPr lang="fr-FR"/>
+              <a:t>f</a:t>
+            </a:r>
+            <a:r>
+              <a:rPr lang="en-001"/>
+              <a:t>l</a:t>
+            </a:r>
+            <a:r>
+              <a:rPr lang="fr-FR"/>
+              <a:t>o</a:t>
+            </a:r>
+            <a:r>
+              <a:rPr lang="en-001"/>
+              <a:t>a</a:t>
+            </a:r>
+            <a:r>
+              <a:rPr lang="fr-FR"/>
+              <a:t>t</a:t>
+            </a:r>
+            <a:r>
+              <a:rPr lang="en-001"/>
+              <a:t> </a:t>
+            </a:r>
+            <a:r>
+              <a:rPr lang="fr-FR"/>
+              <a:t>m</a:t>
+            </a:r>
+            <a:r>
+              <a:rPr lang="en-001"/>
+              <a:t>a</a:t>
+            </a:r>
+            <a:r>
+              <a:rPr lang="fr-FR"/>
+              <a:t>t</a:t>
+            </a:r>
+            <a:r>
+              <a:rPr lang="en-001"/>
+              <a:t>h_</a:t>
+            </a:r>
+            <a:r>
+              <a:rPr lang="fr-FR"/>
+              <a:t>p</a:t>
+            </a:r>
+            <a:r>
+              <a:rPr lang="en-001"/>
+              <a:t>o</a:t>
+            </a:r>
+            <a:r>
+              <a:rPr lang="fr-FR"/>
+              <a:t>w</a:t>
+            </a:r>
+            <a:r>
+              <a:rPr lang="en-001"/>
+              <a:t>(</a:t>
+            </a:r>
+            <a:r>
+              <a:rPr lang="fr-FR"/>
+              <a:t>f</a:t>
+            </a:r>
+            <a:r>
+              <a:rPr lang="en-001"/>
+              <a:t>l</a:t>
+            </a:r>
+            <a:r>
+              <a:rPr lang="fr-FR"/>
+              <a:t>o</a:t>
+            </a:r>
+            <a:r>
+              <a:rPr lang="en-001"/>
+              <a:t>a</a:t>
+            </a:r>
+            <a:r>
+              <a:rPr lang="fr-FR"/>
+              <a:t>t</a:t>
+            </a:r>
+            <a:r>
+              <a:rPr lang="en-001"/>
+              <a:t> </a:t>
+            </a:r>
+            <a:r>
+              <a:rPr lang="fr-FR"/>
+              <a:t>x</a:t>
+            </a:r>
+            <a:r>
+              <a:rPr lang="en-001"/>
+              <a:t>, float e)</a:t>
+            </a:r>
+          </a:p>
+          <a:p>
+            <a:r>
+              <a:rPr lang="fr-FR"/>
+              <a:t>f</a:t>
+            </a:r>
+            <a:r>
+              <a:rPr lang="en-001"/>
+              <a:t>loat m</a:t>
+            </a:r>
+            <a:r>
+              <a:rPr lang="fr-FR"/>
+              <a:t>a</a:t>
+            </a:r>
+            <a:r>
+              <a:rPr lang="en-001"/>
+              <a:t>t</a:t>
+            </a:r>
+            <a:r>
+              <a:rPr lang="fr-FR"/>
+              <a:t>h</a:t>
+            </a:r>
+            <a:r>
+              <a:rPr lang="en-001"/>
+              <a:t>_</a:t>
+            </a:r>
+            <a:r>
+              <a:rPr lang="fr-FR"/>
+              <a:t>s</a:t>
+            </a:r>
+            <a:r>
+              <a:rPr lang="en-001"/>
+              <a:t>q</a:t>
+            </a:r>
+            <a:r>
+              <a:rPr lang="fr-FR"/>
+              <a:t>r</a:t>
+            </a:r>
+            <a:r>
+              <a:rPr lang="en-001"/>
+              <a:t>t(</a:t>
+            </a:r>
+            <a:r>
+              <a:rPr lang="fr-FR"/>
+              <a:t>f</a:t>
+            </a:r>
+            <a:r>
+              <a:rPr lang="en-001"/>
+              <a:t>l</a:t>
+            </a:r>
+            <a:r>
+              <a:rPr lang="fr-FR"/>
+              <a:t>o</a:t>
+            </a:r>
+            <a:r>
+              <a:rPr lang="en-001"/>
+              <a:t>a</a:t>
+            </a:r>
+            <a:r>
+              <a:rPr lang="fr-FR"/>
+              <a:t>t</a:t>
+            </a:r>
+            <a:r>
+              <a:rPr lang="en-001"/>
+              <a:t> </a:t>
+            </a:r>
+            <a:r>
+              <a:rPr lang="fr-FR"/>
+              <a:t>x</a:t>
+            </a:r>
+            <a:r>
+              <a:rPr lang="en-001"/>
+              <a:t>)</a:t>
+            </a:r>
+          </a:p>
+          <a:p>
+            <a:r>
+              <a:rPr lang="fr-FR"/>
+              <a:t>f</a:t>
+            </a:r>
+            <a:r>
+              <a:rPr lang="en-001"/>
+              <a:t>l</a:t>
+            </a:r>
+            <a:r>
+              <a:rPr lang="fr-FR"/>
+              <a:t>o</a:t>
+            </a:r>
+            <a:r>
+              <a:rPr lang="en-001"/>
+              <a:t>a</a:t>
+            </a:r>
+            <a:r>
+              <a:rPr lang="fr-FR"/>
+              <a:t>t</a:t>
+            </a:r>
+            <a:r>
+              <a:rPr lang="en-001"/>
+              <a:t> math_log(float x)</a:t>
+            </a:r>
+          </a:p>
+          <a:p>
+            <a:endParaRPr lang="en-001"/>
+          </a:p>
+          <a:p>
+            <a:r>
+              <a:rPr lang="en-001"/>
+              <a:t>float math_sigmoid(</a:t>
+            </a:r>
+            <a:r>
+              <a:rPr lang="fr-FR"/>
+              <a:t>f</a:t>
+            </a:r>
+            <a:r>
+              <a:rPr lang="en-001"/>
+              <a:t>l</a:t>
+            </a:r>
+            <a:r>
+              <a:rPr lang="fr-FR"/>
+              <a:t>o</a:t>
+            </a:r>
+            <a:r>
+              <a:rPr lang="en-001"/>
+              <a:t>a</a:t>
+            </a:r>
+            <a:r>
+              <a:rPr lang="fr-FR"/>
+              <a:t>t</a:t>
+            </a:r>
+            <a:r>
+              <a:rPr lang="en-001"/>
+              <a:t> </a:t>
+            </a:r>
+            <a:r>
+              <a:rPr lang="fr-FR"/>
+              <a:t>x</a:t>
+            </a:r>
+            <a:r>
+              <a:rPr lang="en-001"/>
+              <a:t>)</a:t>
+            </a:r>
+          </a:p>
+          <a:p>
+            <a:r>
+              <a:rPr lang="en-001"/>
+              <a:t>float math_relu(</a:t>
+            </a:r>
+            <a:r>
+              <a:rPr lang="fr-FR"/>
+              <a:t>f</a:t>
+            </a:r>
+            <a:r>
+              <a:rPr lang="en-001"/>
+              <a:t>l</a:t>
+            </a:r>
+            <a:r>
+              <a:rPr lang="fr-FR"/>
+              <a:t>o</a:t>
+            </a:r>
+            <a:r>
+              <a:rPr lang="en-001"/>
+              <a:t>a</a:t>
+            </a:r>
+            <a:r>
+              <a:rPr lang="fr-FR"/>
+              <a:t>t</a:t>
+            </a:r>
+            <a:r>
+              <a:rPr lang="en-001"/>
+              <a:t> </a:t>
+            </a:r>
+            <a:r>
+              <a:rPr lang="fr-FR"/>
+              <a:t>x</a:t>
+            </a:r>
+            <a:r>
+              <a:rPr lang="en-001"/>
+              <a:t>)</a:t>
+            </a:r>
+          </a:p>
+          <a:p>
+            <a:r>
+              <a:rPr lang="fr-FR"/>
+              <a:t>f</a:t>
+            </a:r>
+            <a:r>
+              <a:rPr lang="en-001"/>
+              <a:t>l</a:t>
+            </a:r>
+            <a:r>
+              <a:rPr lang="fr-FR"/>
+              <a:t>o</a:t>
+            </a:r>
+            <a:r>
+              <a:rPr lang="en-001"/>
+              <a:t>a</a:t>
+            </a:r>
+            <a:r>
+              <a:rPr lang="fr-FR"/>
+              <a:t>t</a:t>
+            </a:r>
+            <a:r>
+              <a:rPr lang="en-001"/>
+              <a:t> </a:t>
+            </a:r>
+            <a:r>
+              <a:rPr lang="fr-FR"/>
+              <a:t>m</a:t>
+            </a:r>
+            <a:r>
+              <a:rPr lang="en-001"/>
+              <a:t>a</a:t>
+            </a:r>
+            <a:r>
+              <a:rPr lang="fr-FR"/>
+              <a:t>t</a:t>
+            </a:r>
+            <a:r>
+              <a:rPr lang="en-001"/>
+              <a:t>h_</a:t>
+            </a:r>
+            <a:r>
+              <a:rPr lang="fr-FR"/>
+              <a:t>s</a:t>
+            </a:r>
+            <a:r>
+              <a:rPr lang="en-001"/>
+              <a:t>o</a:t>
+            </a:r>
+            <a:r>
+              <a:rPr lang="fr-FR"/>
+              <a:t>f</a:t>
+            </a:r>
+            <a:r>
+              <a:rPr lang="en-001"/>
+              <a:t>t</a:t>
+            </a:r>
+            <a:r>
+              <a:rPr lang="fr-FR"/>
+              <a:t>m</a:t>
+            </a:r>
+            <a:r>
+              <a:rPr lang="en-001"/>
+              <a:t>a</a:t>
+            </a:r>
+            <a:r>
+              <a:rPr lang="fr-FR"/>
+              <a:t>x</a:t>
+            </a:r>
+            <a:r>
+              <a:rPr lang="en-001"/>
+              <a:t>(</a:t>
+            </a:r>
+            <a:r>
+              <a:rPr lang="fr-FR"/>
+              <a:t>f</a:t>
+            </a:r>
+            <a:r>
+              <a:rPr lang="en-001"/>
+              <a:t>loat x)</a:t>
+            </a:r>
+          </a:p>
+          <a:p>
+            <a:r>
+              <a:rPr lang="en-001"/>
+              <a:t>float math_tanh(float x)</a:t>
+            </a:r>
+          </a:p>
+        </p:txBody>
+      </p:sp>
+      <p:sp>
+        <p:nvSpPr>
+          <p:cNvPr id="5" name="Rectangle 4">
+            <a:extLst>
+              <a:ext uri="{FF2B5EF4-FFF2-40B4-BE49-F238E27FC236}">
+                <a16:creationId xmlns:a16="http://schemas.microsoft.com/office/drawing/2014/main" id="{ED87BE52-17AF-440E-883D-D56C50EF90BD}"/>
+              </a:ext>
+            </a:extLst>
+          </p:cNvPr>
+          <p:cNvSpPr/>
+          <p:nvPr/>
+        </p:nvSpPr>
+        <p:spPr>
+          <a:xfrm>
+            <a:off x="0" y="0"/>
+            <a:ext cx="12192000" cy="679508"/>
+          </a:xfrm>
+          <a:prstGeom prst="rect">
+            <a:avLst/>
+          </a:prstGeom>
+          <a:gradFill flip="none" rotWithShape="1">
+            <a:gsLst>
+              <a:gs pos="0">
+                <a:srgbClr val="00B0F0"/>
+              </a:gs>
+              <a:gs pos="100000">
+                <a:srgbClr val="A6E4FA"/>
+              </a:gs>
+            </a:gsLst>
+            <a:lin ang="5400000" scaled="1"/>
+            <a:tileRect/>
+          </a:gradFill>
+          <a:ln>
+            <a:noFill/>
+          </a:ln>
+        </p:spPr>
+        <p:style>
+          <a:lnRef idx="2">
+            <a:schemeClr val="accent1">
+              <a:shade val="50000"/>
+            </a:schemeClr>
+          </a:lnRef>
+          <a:fillRef idx="1">
+            <a:schemeClr val="accent1"/>
+          </a:fillRef>
+          <a:effectRef idx="0">
+            <a:schemeClr val="accent1"/>
+          </a:effectRef>
+          <a:fontRef idx="minor">
+            <a:schemeClr val="lt1"/>
+          </a:fontRef>
+        </p:style>
+        <p:txBody>
+          <a:bodyPr rtlCol="0" anchor="ctr"/>
+          <a:lstStyle/>
+          <a:p>
+            <a:pPr algn="ctr"/>
+            <a:r>
+              <a:rPr lang="en-001"/>
+              <a:t>Lib ProtoDe</a:t>
+            </a:r>
+            <a:r>
+              <a:rPr lang="fr-FR"/>
+              <a:t>e</a:t>
+            </a:r>
+            <a:r>
+              <a:rPr lang="en-001"/>
+              <a:t>p_Math</a:t>
+            </a:r>
+            <a:endParaRPr lang="fr-FR"/>
+          </a:p>
+        </p:txBody>
+      </p:sp>
+    </p:spTree>
+    <p:extLst>
+      <p:ext uri="{BB962C8B-B14F-4D97-AF65-F5344CB8AC3E}">
+        <p14:creationId xmlns:p14="http://schemas.microsoft.com/office/powerpoint/2010/main" val="1560859239"/>
+      </p:ext>
+    </p:extLst>
+  </p:cSld>
+  <p:clrMapOvr>
+    <a:masterClrMapping/>
+  </p:clrMapOvr>
+</p:sld>
+</file>
+
+<file path=ppt/slides/slide6.xml><?xml version="1.0" encoding="utf-8"?>
 <p:sld xmlns:a="http://schemas.openxmlformats.org/drawingml/2006/main" xmlns:r="http://schemas.openxmlformats.org/officeDocument/2006/relationships" xmlns:p="http://schemas.openxmlformats.org/presentationml/2006/main">
   <p:cSld>
     <p:spTree>
@@ -7798,7 +13062,7 @@
         </p:blipFill>
         <p:spPr>
           <a:xfrm>
-            <a:off x="2797919" y="360597"/>
+            <a:off x="2890198" y="1509889"/>
             <a:ext cx="488975" cy="482625"/>
           </a:xfrm>
           <a:prstGeom prst="rect">
@@ -7834,7 +13098,7 @@
         </p:blipFill>
         <p:spPr>
           <a:xfrm>
-            <a:off x="3745266" y="353873"/>
+            <a:off x="3837545" y="1503165"/>
             <a:ext cx="1530429" cy="1485976"/>
           </a:xfrm>
           <a:prstGeom prst="rect">
@@ -7870,7 +13134,7 @@
         </p:blipFill>
         <p:spPr>
           <a:xfrm>
-            <a:off x="350900" y="355911"/>
+            <a:off x="443179" y="1505203"/>
             <a:ext cx="1524078" cy="1498677"/>
           </a:xfrm>
           <a:prstGeom prst="rect">
@@ -7906,8 +13170,8 @@
         </p:blipFill>
         <p:spPr>
           <a:xfrm>
-            <a:off x="228163" y="3305262"/>
-            <a:ext cx="5008287" cy="3354460"/>
+            <a:off x="176168" y="4258952"/>
+            <a:ext cx="3709654" cy="2484659"/>
           </a:xfrm>
           <a:prstGeom prst="rect">
             <a:avLst/>
@@ -7928,7 +13192,7 @@
         </p:nvSpPr>
         <p:spPr>
           <a:xfrm>
-            <a:off x="5444455" y="4739780"/>
+            <a:off x="4295164" y="5310231"/>
             <a:ext cx="2211696" cy="369332"/>
           </a:xfrm>
           <a:prstGeom prst="rect">
@@ -8036,7 +13300,7 @@
         </p:nvSpPr>
         <p:spPr>
           <a:xfrm>
-            <a:off x="830511" y="1912690"/>
+            <a:off x="922790" y="3061982"/>
             <a:ext cx="518091" cy="369332"/>
           </a:xfrm>
           <a:prstGeom prst="rect">
@@ -8080,7 +13344,7 @@
         </p:nvSpPr>
         <p:spPr>
           <a:xfrm>
-            <a:off x="4363674" y="1922477"/>
+            <a:off x="4455953" y="3071769"/>
             <a:ext cx="518091" cy="369332"/>
           </a:xfrm>
           <a:prstGeom prst="rect">
@@ -8124,7 +13388,7 @@
         </p:nvSpPr>
         <p:spPr>
           <a:xfrm>
-            <a:off x="369116" y="360727"/>
+            <a:off x="461395" y="1510019"/>
             <a:ext cx="486561" cy="494950"/>
           </a:xfrm>
           <a:prstGeom prst="rect">
@@ -8179,7 +13443,7 @@
         </p:nvCxnSpPr>
         <p:spPr>
           <a:xfrm>
-            <a:off x="562062" y="553673"/>
+            <a:off x="654341" y="1702965"/>
             <a:ext cx="2235857" cy="48237"/>
           </a:xfrm>
           <a:prstGeom prst="straightConnector1">
@@ -8224,7 +13488,7 @@
         </p:nvCxnSpPr>
         <p:spPr>
           <a:xfrm flipV="1">
-            <a:off x="3286894" y="478174"/>
+            <a:off x="3379173" y="1627466"/>
             <a:ext cx="555264" cy="123736"/>
           </a:xfrm>
           <a:prstGeom prst="straightConnector1">
@@ -8266,7 +13530,7 @@
         </p:nvSpPr>
         <p:spPr>
           <a:xfrm>
-            <a:off x="520117" y="528506"/>
+            <a:off x="612396" y="1677798"/>
             <a:ext cx="1191237" cy="1140903"/>
           </a:xfrm>
           <a:prstGeom prst="rect">
@@ -8320,7 +13584,7 @@
         </p:nvCxnSpPr>
         <p:spPr>
           <a:xfrm>
-            <a:off x="1694576" y="1652631"/>
+            <a:off x="1786855" y="2801923"/>
             <a:ext cx="2669098" cy="454512"/>
           </a:xfrm>
           <a:prstGeom prst="straightConnector1">
@@ -8359,7 +13623,7 @@
         </p:nvSpPr>
         <p:spPr>
           <a:xfrm>
-            <a:off x="2885814" y="2281806"/>
+            <a:off x="2978093" y="3431098"/>
             <a:ext cx="2407640" cy="369115"/>
           </a:xfrm>
           <a:prstGeom prst="rect">
@@ -8463,7 +13727,7 @@
         </p:blipFill>
         <p:spPr>
           <a:xfrm>
-            <a:off x="7167810" y="672256"/>
+            <a:off x="7260089" y="1821548"/>
             <a:ext cx="1111307" cy="1117657"/>
           </a:xfrm>
           <a:prstGeom prst="rect">
@@ -8485,7 +13749,7 @@
         </p:nvSpPr>
         <p:spPr>
           <a:xfrm>
-            <a:off x="3742888" y="353736"/>
+            <a:off x="3835167" y="1503028"/>
             <a:ext cx="434829" cy="418051"/>
           </a:xfrm>
           <a:prstGeom prst="rect">
@@ -8557,7 +13821,7 @@
         </p:nvCxnSpPr>
         <p:spPr>
           <a:xfrm>
-            <a:off x="4177717" y="562762"/>
+            <a:off x="4269996" y="1712054"/>
             <a:ext cx="2902591" cy="225803"/>
           </a:xfrm>
           <a:prstGeom prst="straightConnector1">
@@ -8596,7 +13860,7 @@
         </p:nvSpPr>
         <p:spPr>
           <a:xfrm>
-            <a:off x="5436496" y="763398"/>
+            <a:off x="5528775" y="1912690"/>
             <a:ext cx="1587294" cy="1223412"/>
           </a:xfrm>
           <a:prstGeom prst="rect">
@@ -8798,7 +14062,7 @@
         </p:nvSpPr>
         <p:spPr>
           <a:xfrm>
-            <a:off x="7510943" y="1873541"/>
+            <a:off x="7603222" y="3022833"/>
             <a:ext cx="518091" cy="369332"/>
           </a:xfrm>
           <a:prstGeom prst="rect">
@@ -8842,7 +14106,7 @@
         </p:nvSpPr>
         <p:spPr>
           <a:xfrm>
-            <a:off x="4180514" y="355134"/>
+            <a:off x="4272793" y="1504426"/>
             <a:ext cx="434829" cy="418051"/>
           </a:xfrm>
           <a:prstGeom prst="rect">
@@ -8911,7 +14175,7 @@
         </p:nvSpPr>
         <p:spPr>
           <a:xfrm>
-            <a:off x="4609751" y="356532"/>
+            <a:off x="4702030" y="1505824"/>
             <a:ext cx="434829" cy="418051"/>
           </a:xfrm>
           <a:prstGeom prst="rect">
@@ -8980,7 +14244,7 @@
         </p:nvSpPr>
         <p:spPr>
           <a:xfrm>
-            <a:off x="5045979" y="364921"/>
+            <a:off x="5138258" y="1514213"/>
             <a:ext cx="434829" cy="418051"/>
           </a:xfrm>
           <a:prstGeom prst="rect">
@@ -9049,7 +14313,7 @@
         </p:nvSpPr>
         <p:spPr>
           <a:xfrm>
-            <a:off x="2743201" y="813732"/>
+            <a:off x="2835480" y="1963024"/>
             <a:ext cx="646074" cy="646331"/>
           </a:xfrm>
           <a:prstGeom prst="rect">
@@ -9118,7 +14382,7 @@
         </p:nvSpPr>
         <p:spPr>
           <a:xfrm>
-            <a:off x="6452534" y="2249648"/>
+            <a:off x="6544813" y="3398940"/>
             <a:ext cx="2407640" cy="369115"/>
           </a:xfrm>
           <a:prstGeom prst="rect">
@@ -9190,6 +14454,155 @@
               <a:rPr lang="fr-FR"/>
               <a:t>g</a:t>
             </a:r>
+          </a:p>
+        </p:txBody>
+      </p:sp>
+      <p:sp>
+        <p:nvSpPr>
+          <p:cNvPr id="27" name="Rectangle 26">
+            <a:extLst>
+              <a:ext uri="{FF2B5EF4-FFF2-40B4-BE49-F238E27FC236}">
+                <a16:creationId xmlns:a16="http://schemas.microsoft.com/office/drawing/2014/main" id="{553FAD70-79D4-4EC8-B29C-9BB3533C8384}"/>
+              </a:ext>
+            </a:extLst>
+          </p:cNvPr>
+          <p:cNvSpPr/>
+          <p:nvPr/>
+        </p:nvSpPr>
+        <p:spPr>
+          <a:xfrm>
+            <a:off x="0" y="0"/>
+            <a:ext cx="12192000" cy="679508"/>
+          </a:xfrm>
+          <a:prstGeom prst="rect">
+            <a:avLst/>
+          </a:prstGeom>
+          <a:gradFill flip="none" rotWithShape="1">
+            <a:gsLst>
+              <a:gs pos="0">
+                <a:srgbClr val="00B0F0"/>
+              </a:gs>
+              <a:gs pos="100000">
+                <a:srgbClr val="A6E4FA"/>
+              </a:gs>
+            </a:gsLst>
+            <a:lin ang="5400000" scaled="1"/>
+            <a:tileRect/>
+          </a:gradFill>
+          <a:ln>
+            <a:noFill/>
+          </a:ln>
+        </p:spPr>
+        <p:style>
+          <a:lnRef idx="2">
+            <a:schemeClr val="accent1">
+              <a:shade val="50000"/>
+            </a:schemeClr>
+          </a:lnRef>
+          <a:fillRef idx="1">
+            <a:schemeClr val="accent1"/>
+          </a:fillRef>
+          <a:effectRef idx="0">
+            <a:schemeClr val="accent1"/>
+          </a:effectRef>
+          <a:fontRef idx="minor">
+            <a:schemeClr val="lt1"/>
+          </a:fontRef>
+        </p:style>
+        <p:txBody>
+          <a:bodyPr rtlCol="0" anchor="ctr"/>
+          <a:lstStyle/>
+          <a:p>
+            <a:pPr algn="ctr"/>
+            <a:r>
+              <a:rPr lang="fr-FR"/>
+              <a:t>C</a:t>
+            </a:r>
+            <a:r>
+              <a:rPr lang="en-001"/>
+              <a:t>o</a:t>
+            </a:r>
+            <a:r>
+              <a:rPr lang="fr-FR"/>
+              <a:t>u</a:t>
+            </a:r>
+            <a:r>
+              <a:rPr lang="en-001"/>
+              <a:t>c</a:t>
+            </a:r>
+            <a:r>
+              <a:rPr lang="fr-FR"/>
+              <a:t>h</a:t>
+            </a:r>
+            <a:r>
+              <a:rPr lang="en-001"/>
+              <a:t>e</a:t>
+            </a:r>
+            <a:r>
+              <a:rPr lang="fr-FR"/>
+              <a:t>s</a:t>
+            </a:r>
+            <a:r>
+              <a:rPr lang="en-001"/>
+              <a:t> </a:t>
+            </a:r>
+            <a:r>
+              <a:rPr lang="fr-FR"/>
+              <a:t>c</a:t>
+            </a:r>
+            <a:r>
+              <a:rPr lang="en-001"/>
+              <a:t>o</a:t>
+            </a:r>
+            <a:r>
+              <a:rPr lang="fr-FR"/>
+              <a:t>n</a:t>
+            </a:r>
+            <a:r>
+              <a:rPr lang="en-001"/>
+              <a:t>v</a:t>
+            </a:r>
+            <a:r>
+              <a:rPr lang="fr-FR"/>
+              <a:t>o</a:t>
+            </a:r>
+            <a:r>
+              <a:rPr lang="en-001"/>
+              <a:t>l</a:t>
+            </a:r>
+            <a:r>
+              <a:rPr lang="fr-FR"/>
+              <a:t>u</a:t>
+            </a:r>
+            <a:r>
+              <a:rPr lang="en-001"/>
+              <a:t>t</a:t>
+            </a:r>
+            <a:r>
+              <a:rPr lang="fr-FR"/>
+              <a:t>i</a:t>
+            </a:r>
+            <a:r>
+              <a:rPr lang="en-001"/>
+              <a:t>o</a:t>
+            </a:r>
+            <a:r>
+              <a:rPr lang="fr-FR"/>
+              <a:t>n</a:t>
+            </a:r>
+            <a:r>
+              <a:rPr lang="en-001"/>
+              <a:t>s </a:t>
+            </a:r>
+            <a:r>
+              <a:rPr lang="fr-FR"/>
+              <a:t>e</a:t>
+            </a:r>
+            <a:r>
+              <a:rPr lang="en-001"/>
+              <a:t>t couches Max Pooling</a:t>
+            </a:r>
+            <a:endParaRPr lang="fr-FR"/>
           </a:p>
         </p:txBody>
       </p:sp>
@@ -9206,7 +14619,7 @@
 </p:sld>
 </file>
 
-<file path=ppt/slides/slide4.xml><?xml version="1.0" encoding="utf-8"?>
+<file path=ppt/slides/slide7.xml><?xml version="1.0" encoding="utf-8"?>
 <p:sld xmlns:a="http://schemas.openxmlformats.org/drawingml/2006/main" xmlns:r="http://schemas.openxmlformats.org/officeDocument/2006/relationships" xmlns:p="http://schemas.openxmlformats.org/presentationml/2006/main">
   <p:cSld>
     <p:spTree>
@@ -9245,7 +14658,7 @@
         </p:blipFill>
         <p:spPr>
           <a:xfrm>
-            <a:off x="324025" y="410536"/>
+            <a:off x="189802" y="1106822"/>
             <a:ext cx="8305800" cy="5600700"/>
           </a:xfrm>
           <a:prstGeom prst="rect">
@@ -9267,7 +14680,7 @@
         </p:nvSpPr>
         <p:spPr>
           <a:xfrm>
-            <a:off x="6090407" y="3103927"/>
+            <a:off x="5956184" y="3800213"/>
             <a:ext cx="2508309" cy="830510"/>
           </a:xfrm>
           <a:prstGeom prst="rect">
@@ -9321,7 +14734,7 @@
         </p:nvSpPr>
         <p:spPr>
           <a:xfrm>
-            <a:off x="998290" y="2374084"/>
+            <a:off x="864067" y="3070370"/>
             <a:ext cx="2642532" cy="453006"/>
           </a:xfrm>
           <a:prstGeom prst="rect">
@@ -9368,7 +14781,7 @@
         </p:nvSpPr>
         <p:spPr>
           <a:xfrm>
-            <a:off x="999688" y="2862042"/>
+            <a:off x="865465" y="3558328"/>
             <a:ext cx="2642532" cy="812335"/>
           </a:xfrm>
           <a:prstGeom prst="rect">
@@ -9415,7 +14828,7 @@
         </p:nvSpPr>
         <p:spPr>
           <a:xfrm>
-            <a:off x="992699" y="3900881"/>
+            <a:off x="858476" y="4597167"/>
             <a:ext cx="3075962" cy="419449"/>
           </a:xfrm>
           <a:prstGeom prst="rect">
@@ -9462,7 +14875,7 @@
         </p:nvSpPr>
         <p:spPr>
           <a:xfrm>
-            <a:off x="977318" y="4321727"/>
+            <a:off x="843095" y="5018013"/>
             <a:ext cx="3510791" cy="627777"/>
           </a:xfrm>
           <a:prstGeom prst="rect">
@@ -9509,7 +14922,7 @@
         </p:nvSpPr>
         <p:spPr>
           <a:xfrm>
-            <a:off x="987106" y="5134062"/>
+            <a:off x="852883" y="5830348"/>
             <a:ext cx="3510791" cy="437626"/>
           </a:xfrm>
           <a:prstGeom prst="rect">
@@ -9556,7 +14969,7 @@
         </p:nvSpPr>
         <p:spPr>
           <a:xfrm>
-            <a:off x="4437776" y="2533475"/>
+            <a:off x="4303553" y="3229761"/>
             <a:ext cx="2644763" cy="307777"/>
           </a:xfrm>
           <a:prstGeom prst="rect">
@@ -9592,7 +15005,7 @@
         </p:nvSpPr>
         <p:spPr>
           <a:xfrm>
-            <a:off x="4472730" y="2853655"/>
+            <a:off x="4338507" y="3549941"/>
             <a:ext cx="5766579" cy="307777"/>
           </a:xfrm>
           <a:prstGeom prst="rect">
@@ -9760,7 +15173,7 @@
         </p:nvSpPr>
         <p:spPr>
           <a:xfrm>
-            <a:off x="4717410" y="3089945"/>
+            <a:off x="4583187" y="3786231"/>
             <a:ext cx="5319213" cy="307777"/>
           </a:xfrm>
           <a:prstGeom prst="rect">
@@ -9808,7 +15221,7 @@
         </p:nvSpPr>
         <p:spPr>
           <a:xfrm>
-            <a:off x="4492305" y="3829575"/>
+            <a:off x="4358082" y="4525861"/>
             <a:ext cx="3574184" cy="307777"/>
           </a:xfrm>
           <a:prstGeom prst="rect">
@@ -9896,7 +15309,7 @@
         </p:nvSpPr>
         <p:spPr>
           <a:xfrm>
-            <a:off x="4502091" y="4292367"/>
+            <a:off x="4367868" y="4988653"/>
             <a:ext cx="5595827" cy="307777"/>
           </a:xfrm>
           <a:prstGeom prst="rect">
@@ -10088,7 +15501,7 @@
         </p:nvSpPr>
         <p:spPr>
           <a:xfrm>
-            <a:off x="4738381" y="4528657"/>
+            <a:off x="4604158" y="5224943"/>
             <a:ext cx="6220870" cy="307777"/>
           </a:xfrm>
           <a:prstGeom prst="rect">
@@ -10371,7 +15784,7 @@
         </p:nvSpPr>
         <p:spPr>
           <a:xfrm>
-            <a:off x="4562213" y="5065552"/>
+            <a:off x="4427990" y="5761838"/>
             <a:ext cx="5093317" cy="307777"/>
           </a:xfrm>
           <a:prstGeom prst="rect">
@@ -10515,7 +15928,7 @@
         </p:nvSpPr>
         <p:spPr>
           <a:xfrm>
-            <a:off x="6800100" y="501928"/>
+            <a:off x="6665877" y="1198214"/>
             <a:ext cx="3799182" cy="2031325"/>
           </a:xfrm>
           <a:prstGeom prst="rect">
@@ -10630,6 +16043,159 @@
             </a:r>
           </a:p>
           <a:p>
+            <a:endParaRPr lang="fr-FR"/>
+          </a:p>
+        </p:txBody>
+      </p:sp>
+      <p:sp>
+        <p:nvSpPr>
+          <p:cNvPr id="20" name="Rectangle 19">
+            <a:extLst>
+              <a:ext uri="{FF2B5EF4-FFF2-40B4-BE49-F238E27FC236}">
+                <a16:creationId xmlns:a16="http://schemas.microsoft.com/office/drawing/2014/main" id="{265A44D9-2C28-4B89-A1FE-3D945C510C76}"/>
+              </a:ext>
+            </a:extLst>
+          </p:cNvPr>
+          <p:cNvSpPr/>
+          <p:nvPr/>
+        </p:nvSpPr>
+        <p:spPr>
+          <a:xfrm>
+            <a:off x="0" y="0"/>
+            <a:ext cx="12192000" cy="679508"/>
+          </a:xfrm>
+          <a:prstGeom prst="rect">
+            <a:avLst/>
+          </a:prstGeom>
+          <a:gradFill flip="none" rotWithShape="1">
+            <a:gsLst>
+              <a:gs pos="0">
+                <a:srgbClr val="00B0F0"/>
+              </a:gs>
+              <a:gs pos="100000">
+                <a:srgbClr val="A6E4FA"/>
+              </a:gs>
+            </a:gsLst>
+            <a:lin ang="5400000" scaled="1"/>
+            <a:tileRect/>
+          </a:gradFill>
+          <a:ln>
+            <a:noFill/>
+          </a:ln>
+        </p:spPr>
+        <p:style>
+          <a:lnRef idx="2">
+            <a:schemeClr val="accent1">
+              <a:shade val="50000"/>
+            </a:schemeClr>
+          </a:lnRef>
+          <a:fillRef idx="1">
+            <a:schemeClr val="accent1"/>
+          </a:fillRef>
+          <a:effectRef idx="0">
+            <a:schemeClr val="accent1"/>
+          </a:effectRef>
+          <a:fontRef idx="minor">
+            <a:schemeClr val="lt1"/>
+          </a:fontRef>
+        </p:style>
+        <p:txBody>
+          <a:bodyPr rtlCol="0" anchor="ctr"/>
+          <a:lstStyle/>
+          <a:p>
+            <a:pPr algn="ctr"/>
+            <a:r>
+              <a:rPr lang="en-001"/>
+              <a:t>Propagation et retro-</a:t>
+            </a:r>
+            <a:r>
+              <a:rPr lang="fr-FR"/>
+              <a:t>p</a:t>
+            </a:r>
+            <a:r>
+              <a:rPr lang="en-001"/>
+              <a:t>r</a:t>
+            </a:r>
+            <a:r>
+              <a:rPr lang="fr-FR"/>
+              <a:t>o</a:t>
+            </a:r>
+            <a:r>
+              <a:rPr lang="en-001"/>
+              <a:t>p</a:t>
+            </a:r>
+            <a:r>
+              <a:rPr lang="fr-FR"/>
+              <a:t>a</a:t>
+            </a:r>
+            <a:r>
+              <a:rPr lang="en-001"/>
+              <a:t>g</a:t>
+            </a:r>
+            <a:r>
+              <a:rPr lang="fr-FR"/>
+              <a:t>a</a:t>
+            </a:r>
+            <a:r>
+              <a:rPr lang="en-001"/>
+              <a:t>t</a:t>
+            </a:r>
+            <a:r>
+              <a:rPr lang="fr-FR"/>
+              <a:t>i</a:t>
+            </a:r>
+            <a:r>
+              <a:rPr lang="en-001"/>
+              <a:t>o</a:t>
+            </a:r>
+            <a:r>
+              <a:rPr lang="fr-FR"/>
+              <a:t>n</a:t>
+            </a:r>
+            <a:r>
+              <a:rPr lang="en-001"/>
+              <a:t> </a:t>
+            </a:r>
+            <a:r>
+              <a:rPr lang="fr-FR"/>
+              <a:t>p</a:t>
+            </a:r>
+            <a:r>
+              <a:rPr lang="en-001"/>
+              <a:t>s</a:t>
+            </a:r>
+            <a:r>
+              <a:rPr lang="fr-FR"/>
+              <a:t>e</a:t>
+            </a:r>
+            <a:r>
+              <a:rPr lang="en-001"/>
+              <a:t>u</a:t>
+            </a:r>
+            <a:r>
+              <a:rPr lang="fr-FR"/>
+              <a:t>d</a:t>
+            </a:r>
+            <a:r>
+              <a:rPr lang="en-001"/>
+              <a:t>o_</a:t>
+            </a:r>
+            <a:r>
+              <a:rPr lang="fr-FR"/>
+              <a:t>c</a:t>
+            </a:r>
+            <a:r>
+              <a:rPr lang="en-001"/>
+              <a:t>o</a:t>
+            </a:r>
+            <a:r>
+              <a:rPr lang="fr-FR"/>
+              <a:t>d</a:t>
+            </a:r>
+            <a:r>
+              <a:rPr lang="en-001"/>
+              <a:t>e</a:t>
+            </a:r>
             <a:endParaRPr lang="fr-FR"/>
           </a:p>
         </p:txBody>
@@ -10647,7 +16213,7 @@
 </p:sld>
 </file>
 
-<file path=ppt/slides/slide5.xml><?xml version="1.0" encoding="utf-8"?>
+<file path=ppt/slides/slide8.xml><?xml version="1.0" encoding="utf-8"?>
 <p:sld xmlns:a="http://schemas.openxmlformats.org/drawingml/2006/main" xmlns:r="http://schemas.openxmlformats.org/officeDocument/2006/relationships" xmlns:p="http://schemas.openxmlformats.org/presentationml/2006/main">
   <p:cSld>
     <p:spTree>
@@ -10678,8 +16244,8 @@
         </p:nvSpPr>
         <p:spPr>
           <a:xfrm>
-            <a:off x="3816991" y="1577130"/>
-            <a:ext cx="5998502" cy="1200329"/>
+            <a:off x="243281" y="1342239"/>
+            <a:ext cx="5998502" cy="1754326"/>
           </a:xfrm>
           <a:prstGeom prst="rect">
             <a:avLst/>
@@ -10983,7 +16549,335 @@
               </a:rPr>
               <a:t>Cours pas mal sur le CNN</a:t>
             </a:r>
+            <a:endParaRPr lang="en-001"/>
+          </a:p>
+          <a:p>
+            <a:r>
+              <a:rPr lang="en-001">
+                <a:hlinkClick r:id="rId6"/>
+              </a:rPr>
+              <a:t>Descente de gradi</a:t>
+            </a:r>
+            <a:r>
+              <a:rPr lang="fr-FR">
+                <a:hlinkClick r:id="rId6"/>
+              </a:rPr>
+              <a:t>e</a:t>
+            </a:r>
+            <a:r>
+              <a:rPr lang="en-001">
+                <a:hlinkClick r:id="rId6"/>
+              </a:rPr>
+              <a:t>n</a:t>
+            </a:r>
+            <a:r>
+              <a:rPr lang="fr-FR">
+                <a:hlinkClick r:id="rId6"/>
+              </a:rPr>
+              <a:t>t</a:t>
+            </a:r>
+            <a:r>
+              <a:rPr lang="en-001">
+                <a:hlinkClick r:id="rId6"/>
+              </a:rPr>
+              <a:t> </a:t>
+            </a:r>
+            <a:r>
+              <a:rPr lang="fr-FR">
+                <a:hlinkClick r:id="rId6"/>
+              </a:rPr>
+              <a:t>s</a:t>
+            </a:r>
+            <a:r>
+              <a:rPr lang="en-001">
+                <a:hlinkClick r:id="rId6"/>
+              </a:rPr>
+              <a:t>t</a:t>
+            </a:r>
+            <a:r>
+              <a:rPr lang="fr-FR">
+                <a:hlinkClick r:id="rId6"/>
+              </a:rPr>
+              <a:t>o</a:t>
+            </a:r>
+            <a:r>
+              <a:rPr lang="en-001">
+                <a:hlinkClick r:id="rId6"/>
+              </a:rPr>
+              <a:t>c</a:t>
+            </a:r>
+            <a:r>
+              <a:rPr lang="fr-FR">
+                <a:hlinkClick r:id="rId6"/>
+              </a:rPr>
+              <a:t>h</a:t>
+            </a:r>
+            <a:r>
+              <a:rPr lang="en-001">
+                <a:hlinkClick r:id="rId6"/>
+              </a:rPr>
+              <a:t>a</a:t>
+            </a:r>
+            <a:r>
+              <a:rPr lang="fr-FR">
+                <a:hlinkClick r:id="rId6"/>
+              </a:rPr>
+              <a:t>s</a:t>
+            </a:r>
+            <a:r>
+              <a:rPr lang="en-001">
+                <a:hlinkClick r:id="rId6"/>
+              </a:rPr>
+              <a:t>t</a:t>
+            </a:r>
+            <a:r>
+              <a:rPr lang="fr-FR">
+                <a:hlinkClick r:id="rId6"/>
+              </a:rPr>
+              <a:t>i</a:t>
+            </a:r>
+            <a:r>
+              <a:rPr lang="en-001">
+                <a:hlinkClick r:id="rId6"/>
+              </a:rPr>
+              <a:t>q</a:t>
+            </a:r>
+            <a:r>
+              <a:rPr lang="fr-FR">
+                <a:hlinkClick r:id="rId6"/>
+              </a:rPr>
+              <a:t>u</a:t>
+            </a:r>
+            <a:r>
+              <a:rPr lang="en-001">
+                <a:hlinkClick r:id="rId6"/>
+              </a:rPr>
+              <a:t>e Adam</a:t>
+            </a:r>
+            <a:r>
+              <a:rPr lang="en-001"/>
+              <a:t> + </a:t>
+            </a:r>
+            <a:r>
+              <a:rPr lang="en-001">
+                <a:hlinkClick r:id="rId7"/>
+              </a:rPr>
+              <a:t>do</a:t>
+            </a:r>
+            <a:r>
+              <a:rPr lang="fr-FR">
+                <a:hlinkClick r:id="rId7"/>
+              </a:rPr>
+              <a:t>c</a:t>
+            </a:r>
+            <a:r>
+              <a:rPr lang="en-001">
+                <a:hlinkClick r:id="rId7"/>
+              </a:rPr>
+              <a:t>u</a:t>
+            </a:r>
+            <a:r>
+              <a:rPr lang="fr-FR">
+                <a:hlinkClick r:id="rId7"/>
+              </a:rPr>
+              <a:t>m</a:t>
+            </a:r>
+            <a:r>
+              <a:rPr lang="en-001">
+                <a:hlinkClick r:id="rId7"/>
+              </a:rPr>
+              <a:t>e</a:t>
+            </a:r>
+            <a:r>
+              <a:rPr lang="fr-FR">
+                <a:hlinkClick r:id="rId7"/>
+              </a:rPr>
+              <a:t>n</a:t>
+            </a:r>
+            <a:r>
+              <a:rPr lang="en-001">
+                <a:hlinkClick r:id="rId7"/>
+              </a:rPr>
+              <a:t>t </a:t>
+            </a:r>
+            <a:r>
+              <a:rPr lang="fr-FR">
+                <a:hlinkClick r:id="rId7"/>
+              </a:rPr>
+              <a:t>o</a:t>
+            </a:r>
+            <a:r>
+              <a:rPr lang="en-001">
+                <a:hlinkClick r:id="rId7"/>
+              </a:rPr>
+              <a:t>f</a:t>
+            </a:r>
+            <a:r>
+              <a:rPr lang="fr-FR">
+                <a:hlinkClick r:id="rId7"/>
+              </a:rPr>
+              <a:t>f</a:t>
+            </a:r>
+            <a:r>
+              <a:rPr lang="en-001">
+                <a:hlinkClick r:id="rId7"/>
+              </a:rPr>
+              <a:t>i</a:t>
+            </a:r>
+            <a:r>
+              <a:rPr lang="fr-FR">
+                <a:hlinkClick r:id="rId7"/>
+              </a:rPr>
+              <a:t>c</a:t>
+            </a:r>
+            <a:r>
+              <a:rPr lang="en-001">
+                <a:hlinkClick r:id="rId7"/>
+              </a:rPr>
+              <a:t>i</a:t>
+            </a:r>
+            <a:r>
+              <a:rPr lang="fr-FR">
+                <a:hlinkClick r:id="rId7"/>
+              </a:rPr>
+              <a:t>a</a:t>
+            </a:r>
+            <a:r>
+              <a:rPr lang="en-001">
+                <a:hlinkClick r:id="rId7"/>
+              </a:rPr>
+              <a:t>l</a:t>
+            </a:r>
+            <a:endParaRPr lang="en-001"/>
+          </a:p>
+          <a:p>
+            <a:r>
+              <a:rPr lang="en-001">
+                <a:hlinkClick r:id="rId8"/>
+              </a:rPr>
+              <a:t>Implementation bias</a:t>
+            </a:r>
             <a:endParaRPr lang="fr-FR"/>
+          </a:p>
+        </p:txBody>
+      </p:sp>
+      <p:sp>
+        <p:nvSpPr>
+          <p:cNvPr id="3" name="Rectangle 2">
+            <a:extLst>
+              <a:ext uri="{FF2B5EF4-FFF2-40B4-BE49-F238E27FC236}">
+                <a16:creationId xmlns:a16="http://schemas.microsoft.com/office/drawing/2014/main" id="{326B1D7A-8503-4A21-AC06-4B6130542C6F}"/>
+              </a:ext>
+            </a:extLst>
+          </p:cNvPr>
+          <p:cNvSpPr/>
+          <p:nvPr/>
+        </p:nvSpPr>
+        <p:spPr>
+          <a:xfrm>
+            <a:off x="0" y="0"/>
+            <a:ext cx="12192000" cy="679508"/>
+          </a:xfrm>
+          <a:prstGeom prst="rect">
+            <a:avLst/>
+          </a:prstGeom>
+          <a:gradFill flip="none" rotWithShape="1">
+            <a:gsLst>
+              <a:gs pos="0">
+                <a:srgbClr val="00B0F0"/>
+              </a:gs>
+              <a:gs pos="100000">
+                <a:srgbClr val="A6E4FA"/>
+              </a:gs>
+            </a:gsLst>
+            <a:lin ang="5400000" scaled="1"/>
+            <a:tileRect/>
+          </a:gradFill>
+          <a:ln>
+            <a:noFill/>
+          </a:ln>
+        </p:spPr>
+        <p:style>
+          <a:lnRef idx="2">
+            <a:schemeClr val="accent1">
+              <a:shade val="50000"/>
+            </a:schemeClr>
+          </a:lnRef>
+          <a:fillRef idx="1">
+            <a:schemeClr val="accent1"/>
+          </a:fillRef>
+          <a:effectRef idx="0">
+            <a:schemeClr val="accent1"/>
+          </a:effectRef>
+          <a:fontRef idx="minor">
+            <a:schemeClr val="lt1"/>
+          </a:fontRef>
+        </p:style>
+        <p:txBody>
+          <a:bodyPr rtlCol="0" anchor="ctr"/>
+          <a:lstStyle/>
+          <a:p>
+            <a:pPr algn="ctr"/>
+            <a:r>
+              <a:rPr lang="fr-FR"/>
+              <a:t>L</a:t>
+            </a:r>
+            <a:r>
+              <a:rPr lang="en-001"/>
+              <a:t>i</a:t>
+            </a:r>
+            <a:r>
+              <a:rPr lang="fr-FR"/>
+              <a:t>e</a:t>
+            </a:r>
+            <a:r>
+              <a:rPr lang="en-001"/>
+              <a:t>n</a:t>
+            </a:r>
+            <a:r>
+              <a:rPr lang="fr-FR"/>
+              <a:t>s</a:t>
+            </a:r>
+            <a:r>
+              <a:rPr lang="en-001"/>
+              <a:t> </a:t>
+            </a:r>
+            <a:r>
+              <a:rPr lang="fr-FR"/>
+              <a:t>p</a:t>
+            </a:r>
+            <a:r>
+              <a:rPr lang="en-001"/>
+              <a:t>r</a:t>
+            </a:r>
+            <a:r>
+              <a:rPr lang="fr-FR"/>
+              <a:t>a</a:t>
+            </a:r>
+            <a:r>
+              <a:rPr lang="en-001"/>
+              <a:t>t</a:t>
+            </a:r>
+            <a:r>
+              <a:rPr lang="fr-FR"/>
+              <a:t>i</a:t>
+            </a:r>
+            <a:r>
+              <a:rPr lang="en-001"/>
+              <a:t>q</a:t>
+            </a:r>
+            <a:r>
+              <a:rPr lang="fr-FR"/>
+              <a:t>u</a:t>
+            </a:r>
+            <a:r>
+              <a:rPr lang="en-001"/>
+              <a:t>e</a:t>
+            </a:r>
+            <a:r>
+              <a:rPr lang="fr-FR"/>
+              <a:t>s</a:t>
+            </a:r>
           </a:p>
         </p:txBody>
       </p:sp>
@@ -10991,6 +16885,1946 @@
     <p:extLst>
       <p:ext uri="{BB962C8B-B14F-4D97-AF65-F5344CB8AC3E}">
         <p14:creationId xmlns:p14="http://schemas.microsoft.com/office/powerpoint/2010/main" val="766188251"/>
+      </p:ext>
+    </p:extLst>
+  </p:cSld>
+  <p:clrMapOvr>
+    <a:masterClrMapping/>
+  </p:clrMapOvr>
+</p:sld>
+</file>
+
+<file path=ppt/slides/slide9.xml><?xml version="1.0" encoding="utf-8"?>
+<p:sld xmlns:a="http://schemas.openxmlformats.org/drawingml/2006/main" xmlns:r="http://schemas.openxmlformats.org/officeDocument/2006/relationships" xmlns:p="http://schemas.openxmlformats.org/presentationml/2006/main">
+  <p:cSld>
+    <p:spTree>
+      <p:nvGrpSpPr>
+        <p:cNvPr id="1" name=""/>
+        <p:cNvGrpSpPr/>
+        <p:nvPr/>
+      </p:nvGrpSpPr>
+      <p:grpSpPr>
+        <a:xfrm>
+          <a:off x="0" y="0"/>
+          <a:ext cx="0" cy="0"/>
+          <a:chOff x="0" y="0"/>
+          <a:chExt cx="0" cy="0"/>
+        </a:xfrm>
+      </p:grpSpPr>
+      <p:sp>
+        <p:nvSpPr>
+          <p:cNvPr id="4" name="ZoneTexte 3">
+            <a:extLst>
+              <a:ext uri="{FF2B5EF4-FFF2-40B4-BE49-F238E27FC236}">
+                <a16:creationId xmlns:a16="http://schemas.microsoft.com/office/drawing/2014/main" id="{988D3086-F348-4662-8A01-18444BB8FDA7}"/>
+              </a:ext>
+            </a:extLst>
+          </p:cNvPr>
+          <p:cNvSpPr txBox="1"/>
+          <p:nvPr/>
+        </p:nvSpPr>
+        <p:spPr>
+          <a:xfrm>
+            <a:off x="268447" y="612396"/>
+            <a:ext cx="6007414" cy="4801314"/>
+          </a:xfrm>
+          <a:prstGeom prst="rect">
+            <a:avLst/>
+          </a:prstGeom>
+          <a:noFill/>
+        </p:spPr>
+        <p:txBody>
+          <a:bodyPr wrap="none" rtlCol="0">
+            <a:spAutoFit/>
+          </a:bodyPr>
+          <a:lstStyle/>
+          <a:p>
+            <a:r>
+              <a:rPr lang="fr-FR">
+                <a:hlinkClick r:id="rId2"/>
+              </a:rPr>
+              <a:t>s</a:t>
+            </a:r>
+            <a:r>
+              <a:rPr lang="en-001">
+                <a:hlinkClick r:id="rId2"/>
+              </a:rPr>
+              <a:t>o</a:t>
+            </a:r>
+            <a:r>
+              <a:rPr lang="fr-FR">
+                <a:hlinkClick r:id="rId2"/>
+              </a:rPr>
+              <a:t>u</a:t>
+            </a:r>
+            <a:r>
+              <a:rPr lang="en-001">
+                <a:hlinkClick r:id="rId2"/>
+              </a:rPr>
+              <a:t>r</a:t>
+            </a:r>
+            <a:r>
+              <a:rPr lang="fr-FR">
+                <a:hlinkClick r:id="rId2"/>
+              </a:rPr>
+              <a:t>c</a:t>
+            </a:r>
+            <a:r>
+              <a:rPr lang="en-001">
+                <a:hlinkClick r:id="rId2"/>
+              </a:rPr>
+              <a:t>e</a:t>
+            </a:r>
+            <a:endParaRPr lang="en-001"/>
+          </a:p>
+          <a:p>
+            <a:r>
+              <a:rPr lang="fr-FR"/>
+              <a:t>p</a:t>
+            </a:r>
+            <a:r>
+              <a:rPr lang="en-001"/>
+              <a:t> = </a:t>
+            </a:r>
+            <a:r>
+              <a:rPr lang="fr-FR"/>
+              <a:t>v</a:t>
+            </a:r>
+            <a:r>
+              <a:rPr lang="en-001"/>
+              <a:t>a</a:t>
+            </a:r>
+            <a:r>
+              <a:rPr lang="fr-FR"/>
+              <a:t>l</a:t>
+            </a:r>
+            <a:r>
+              <a:rPr lang="en-001"/>
+              <a:t>e</a:t>
+            </a:r>
+            <a:r>
+              <a:rPr lang="fr-FR"/>
+              <a:t>u</a:t>
+            </a:r>
+            <a:r>
+              <a:rPr lang="en-001"/>
+              <a:t>r </a:t>
+            </a:r>
+            <a:r>
+              <a:rPr lang="fr-FR"/>
+              <a:t>p</a:t>
+            </a:r>
+            <a:r>
+              <a:rPr lang="en-001"/>
+              <a:t>r</a:t>
+            </a:r>
+            <a:r>
+              <a:rPr lang="fr-FR"/>
+              <a:t>e</a:t>
+            </a:r>
+            <a:r>
+              <a:rPr lang="en-001"/>
+              <a:t>d</a:t>
+            </a:r>
+            <a:r>
+              <a:rPr lang="fr-FR"/>
+              <a:t>i</a:t>
+            </a:r>
+            <a:r>
+              <a:rPr lang="en-001"/>
+              <a:t>t</a:t>
+            </a:r>
+            <a:r>
+              <a:rPr lang="fr-FR"/>
+              <a:t>e</a:t>
+            </a:r>
+            <a:endParaRPr lang="en-001"/>
+          </a:p>
+          <a:p>
+            <a:r>
+              <a:rPr lang="en-001"/>
+              <a:t>y = vrai </a:t>
+            </a:r>
+            <a:r>
+              <a:rPr lang="fr-FR"/>
+              <a:t>v</a:t>
+            </a:r>
+            <a:r>
+              <a:rPr lang="en-001"/>
+              <a:t>a</a:t>
+            </a:r>
+            <a:r>
+              <a:rPr lang="fr-FR"/>
+              <a:t>l</a:t>
+            </a:r>
+            <a:r>
+              <a:rPr lang="en-001"/>
+              <a:t>e</a:t>
+            </a:r>
+            <a:r>
+              <a:rPr lang="fr-FR"/>
+              <a:t>u</a:t>
+            </a:r>
+            <a:r>
+              <a:rPr lang="en-001"/>
+              <a:t>r a qui on compa</a:t>
+            </a:r>
+            <a:r>
+              <a:rPr lang="fr-FR"/>
+              <a:t>r</a:t>
+            </a:r>
+            <a:r>
+              <a:rPr lang="en-001"/>
+              <a:t>e</a:t>
+            </a:r>
+          </a:p>
+          <a:p>
+            <a:r>
+              <a:rPr lang="fr-FR"/>
+              <a:t>M</a:t>
+            </a:r>
+            <a:r>
+              <a:rPr lang="en-001"/>
+              <a:t> = </a:t>
+            </a:r>
+            <a:r>
+              <a:rPr lang="fr-FR"/>
+              <a:t>n</a:t>
+            </a:r>
+            <a:r>
+              <a:rPr lang="en-001"/>
+              <a:t>b</a:t>
+            </a:r>
+            <a:r>
+              <a:rPr lang="fr-FR"/>
+              <a:t>r</a:t>
+            </a:r>
+            <a:r>
+              <a:rPr lang="en-001"/>
+              <a:t> </a:t>
+            </a:r>
+            <a:r>
+              <a:rPr lang="fr-FR"/>
+              <a:t>n</a:t>
+            </a:r>
+            <a:r>
+              <a:rPr lang="en-001"/>
+              <a:t>e </a:t>
+            </a:r>
+            <a:r>
+              <a:rPr lang="fr-FR"/>
+              <a:t>v</a:t>
+            </a:r>
+            <a:r>
+              <a:rPr lang="en-001"/>
+              <a:t>a</a:t>
+            </a:r>
+            <a:r>
+              <a:rPr lang="fr-FR"/>
+              <a:t>l</a:t>
+            </a:r>
+            <a:r>
+              <a:rPr lang="en-001"/>
+              <a:t>e</a:t>
+            </a:r>
+            <a:r>
+              <a:rPr lang="fr-FR"/>
+              <a:t>u</a:t>
+            </a:r>
+            <a:r>
+              <a:rPr lang="en-001"/>
+              <a:t>r de categorie</a:t>
+            </a:r>
+          </a:p>
+          <a:p>
+            <a:endParaRPr lang="en-001"/>
+          </a:p>
+          <a:p>
+            <a:r>
+              <a:rPr lang="en-001"/>
+              <a:t>Si M == 2</a:t>
+            </a:r>
+          </a:p>
+          <a:p>
+            <a:r>
+              <a:rPr lang="fr-FR" u="sng"/>
+              <a:t>b</a:t>
+            </a:r>
+            <a:r>
+              <a:rPr lang="en-001" u="sng"/>
+              <a:t>i</a:t>
+            </a:r>
+            <a:r>
+              <a:rPr lang="fr-FR" u="sng"/>
+              <a:t>n</a:t>
+            </a:r>
+            <a:r>
+              <a:rPr lang="en-001" u="sng"/>
+              <a:t>a</a:t>
+            </a:r>
+            <a:r>
+              <a:rPr lang="fr-FR" u="sng"/>
+              <a:t>r</a:t>
+            </a:r>
+            <a:r>
+              <a:rPr lang="en-001" u="sng"/>
+              <a:t>y_</a:t>
+            </a:r>
+            <a:r>
+              <a:rPr lang="fr-FR" u="sng"/>
+              <a:t>c</a:t>
+            </a:r>
+            <a:r>
+              <a:rPr lang="en-001" u="sng"/>
+              <a:t>r</a:t>
+            </a:r>
+            <a:r>
+              <a:rPr lang="fr-FR" u="sng"/>
+              <a:t>o</a:t>
+            </a:r>
+            <a:r>
+              <a:rPr lang="en-001" u="sng"/>
+              <a:t>s</a:t>
+            </a:r>
+            <a:r>
+              <a:rPr lang="fr-FR" u="sng"/>
+              <a:t>s</a:t>
+            </a:r>
+            <a:r>
+              <a:rPr lang="en-001" u="sng"/>
+              <a:t>e</a:t>
+            </a:r>
+            <a:r>
+              <a:rPr lang="fr-FR" u="sng"/>
+              <a:t>n</a:t>
+            </a:r>
+            <a:r>
+              <a:rPr lang="en-001" u="sng"/>
+              <a:t>t</a:t>
+            </a:r>
+            <a:r>
+              <a:rPr lang="fr-FR" u="sng"/>
+              <a:t>r</a:t>
+            </a:r>
+            <a:r>
+              <a:rPr lang="en-001" u="sng"/>
+              <a:t>o</a:t>
+            </a:r>
+            <a:r>
+              <a:rPr lang="fr-FR" u="sng"/>
+              <a:t>p</a:t>
+            </a:r>
+            <a:r>
+              <a:rPr lang="en-001" u="sng"/>
+              <a:t>y (</a:t>
+            </a:r>
+            <a:r>
+              <a:rPr lang="fr-FR" u="sng"/>
+              <a:t>S</a:t>
+            </a:r>
+            <a:r>
+              <a:rPr lang="en-001" u="sng"/>
+              <a:t>e</a:t>
+            </a:r>
+            <a:r>
+              <a:rPr lang="fr-FR" u="sng"/>
+              <a:t>u</a:t>
+            </a:r>
+            <a:r>
+              <a:rPr lang="en-001" u="sng"/>
+              <a:t>l</a:t>
+            </a:r>
+            <a:r>
+              <a:rPr lang="fr-FR" u="sng"/>
+              <a:t>e</a:t>
+            </a:r>
+            <a:r>
+              <a:rPr lang="en-001" u="sng"/>
+              <a:t>m</a:t>
+            </a:r>
+            <a:r>
+              <a:rPr lang="fr-FR" u="sng"/>
+              <a:t>e</a:t>
+            </a:r>
+            <a:r>
+              <a:rPr lang="en-001" u="sng"/>
+              <a:t>n</a:t>
+            </a:r>
+            <a:r>
+              <a:rPr lang="fr-FR" u="sng"/>
+              <a:t>t</a:t>
+            </a:r>
+            <a:r>
+              <a:rPr lang="en-001" u="sng"/>
+              <a:t> </a:t>
+            </a:r>
+            <a:r>
+              <a:rPr lang="fr-FR" u="sng"/>
+              <a:t>d</a:t>
+            </a:r>
+            <a:r>
+              <a:rPr lang="en-001" u="sng"/>
+              <a:t>e</a:t>
+            </a:r>
+            <a:r>
+              <a:rPr lang="fr-FR" u="sng"/>
+              <a:t>u</a:t>
+            </a:r>
+            <a:r>
+              <a:rPr lang="en-001" u="sng"/>
+              <a:t>x categories de sortie)</a:t>
+            </a:r>
+          </a:p>
+          <a:p>
+            <a:r>
+              <a:rPr lang="en-001"/>
+              <a:t>-(</a:t>
+            </a:r>
+            <a:r>
+              <a:rPr lang="fr-FR"/>
+              <a:t>y</a:t>
+            </a:r>
+            <a:r>
+              <a:rPr lang="en-001"/>
+              <a:t> * </a:t>
+            </a:r>
+            <a:r>
+              <a:rPr lang="fr-FR"/>
+              <a:t>l</a:t>
+            </a:r>
+            <a:r>
+              <a:rPr lang="en-001"/>
+              <a:t>o</a:t>
+            </a:r>
+            <a:r>
+              <a:rPr lang="fr-FR"/>
+              <a:t>g</a:t>
+            </a:r>
+            <a:r>
+              <a:rPr lang="en-001"/>
+              <a:t>(</a:t>
+            </a:r>
+            <a:r>
+              <a:rPr lang="fr-FR"/>
+              <a:t>p</a:t>
+            </a:r>
+            <a:r>
+              <a:rPr lang="en-001"/>
+              <a:t>) + (1 - </a:t>
+            </a:r>
+            <a:r>
+              <a:rPr lang="fr-FR"/>
+              <a:t>y</a:t>
+            </a:r>
+            <a:r>
+              <a:rPr lang="en-001"/>
+              <a:t>) * </a:t>
+            </a:r>
+            <a:r>
+              <a:rPr lang="fr-FR"/>
+              <a:t>l</a:t>
+            </a:r>
+            <a:r>
+              <a:rPr lang="en-001"/>
+              <a:t>o</a:t>
+            </a:r>
+            <a:r>
+              <a:rPr lang="fr-FR"/>
+              <a:t>g</a:t>
+            </a:r>
+            <a:r>
+              <a:rPr lang="en-001"/>
+              <a:t>(1 - </a:t>
+            </a:r>
+            <a:r>
+              <a:rPr lang="fr-FR"/>
+              <a:t>p</a:t>
+            </a:r>
+            <a:r>
+              <a:rPr lang="en-001"/>
+              <a:t>))</a:t>
+            </a:r>
+          </a:p>
+          <a:p>
+            <a:endParaRPr lang="en-001"/>
+          </a:p>
+          <a:p>
+            <a:endParaRPr lang="en-001"/>
+          </a:p>
+          <a:p>
+            <a:endParaRPr lang="en-001"/>
+          </a:p>
+          <a:p>
+            <a:endParaRPr lang="en-001"/>
+          </a:p>
+          <a:p>
+            <a:endParaRPr lang="en-001"/>
+          </a:p>
+          <a:p>
+            <a:endParaRPr lang="en-001"/>
+          </a:p>
+          <a:p>
+            <a:r>
+              <a:rPr lang="en-001"/>
+              <a:t>Sinon Si </a:t>
+            </a:r>
+            <a:r>
+              <a:rPr lang="fr-FR"/>
+              <a:t>M</a:t>
+            </a:r>
+            <a:r>
+              <a:rPr lang="en-001"/>
+              <a:t> &gt; 2</a:t>
+            </a:r>
+          </a:p>
+          <a:p>
+            <a:r>
+              <a:rPr lang="en-001" u="sng"/>
+              <a:t>ca</a:t>
+            </a:r>
+            <a:r>
+              <a:rPr lang="fr-FR" u="sng"/>
+              <a:t>t</a:t>
+            </a:r>
+            <a:r>
+              <a:rPr lang="en-001" u="sng"/>
+              <a:t>e</a:t>
+            </a:r>
+            <a:r>
+              <a:rPr lang="fr-FR" u="sng"/>
+              <a:t>g</a:t>
+            </a:r>
+            <a:r>
+              <a:rPr lang="en-001" u="sng"/>
+              <a:t>o</a:t>
+            </a:r>
+            <a:r>
+              <a:rPr lang="fr-FR" u="sng"/>
+              <a:t>r</a:t>
+            </a:r>
+            <a:r>
+              <a:rPr lang="en-001" u="sng"/>
+              <a:t>i</a:t>
+            </a:r>
+            <a:r>
+              <a:rPr lang="fr-FR" u="sng"/>
+              <a:t>c</a:t>
+            </a:r>
+            <a:r>
+              <a:rPr lang="en-001" u="sng"/>
+              <a:t>a</a:t>
+            </a:r>
+            <a:r>
+              <a:rPr lang="fr-FR" u="sng"/>
+              <a:t>l</a:t>
+            </a:r>
+            <a:r>
+              <a:rPr lang="en-001" u="sng"/>
+              <a:t>_</a:t>
+            </a:r>
+            <a:r>
+              <a:rPr lang="fr-FR" u="sng"/>
+              <a:t>c</a:t>
+            </a:r>
+            <a:r>
+              <a:rPr lang="en-001" u="sng"/>
+              <a:t>r</a:t>
+            </a:r>
+            <a:r>
+              <a:rPr lang="fr-FR" u="sng"/>
+              <a:t>o</a:t>
+            </a:r>
+            <a:r>
+              <a:rPr lang="en-001" u="sng"/>
+              <a:t>s</a:t>
+            </a:r>
+            <a:r>
+              <a:rPr lang="fr-FR" u="sng"/>
+              <a:t>s</a:t>
+            </a:r>
+            <a:r>
+              <a:rPr lang="en-001" u="sng"/>
+              <a:t>entropy  (</a:t>
+            </a:r>
+            <a:r>
+              <a:rPr lang="fr-FR" u="sng"/>
+              <a:t>A</a:t>
+            </a:r>
+            <a:r>
+              <a:rPr lang="en-001" u="sng"/>
+              <a:t>v</a:t>
+            </a:r>
+            <a:r>
+              <a:rPr lang="fr-FR" u="sng"/>
+              <a:t>e</a:t>
+            </a:r>
+            <a:r>
+              <a:rPr lang="en-001" u="sng"/>
+              <a:t>c </a:t>
+            </a:r>
+            <a:r>
+              <a:rPr lang="fr-FR" u="sng"/>
+              <a:t>p</a:t>
+            </a:r>
+            <a:r>
+              <a:rPr lang="en-001" u="sng"/>
+              <a:t>l</a:t>
+            </a:r>
+            <a:r>
+              <a:rPr lang="fr-FR" u="sng"/>
+              <a:t>u</a:t>
+            </a:r>
+            <a:r>
+              <a:rPr lang="en-001" u="sng"/>
+              <a:t>s</a:t>
+            </a:r>
+            <a:r>
+              <a:rPr lang="fr-FR" u="sng"/>
+              <a:t>i</a:t>
+            </a:r>
+            <a:r>
+              <a:rPr lang="en-001" u="sng"/>
+              <a:t>e</a:t>
+            </a:r>
+            <a:r>
+              <a:rPr lang="fr-FR" u="sng"/>
+              <a:t>u</a:t>
+            </a:r>
+            <a:r>
+              <a:rPr lang="en-001" u="sng"/>
+              <a:t>r</a:t>
+            </a:r>
+            <a:r>
+              <a:rPr lang="fr-FR" u="sng"/>
+              <a:t>s</a:t>
+            </a:r>
+            <a:r>
+              <a:rPr lang="en-001" u="sng"/>
+              <a:t> </a:t>
+            </a:r>
+            <a:r>
+              <a:rPr lang="fr-FR" u="sng"/>
+              <a:t>c</a:t>
+            </a:r>
+            <a:r>
+              <a:rPr lang="en-001" u="sng"/>
+              <a:t>a</a:t>
+            </a:r>
+            <a:r>
+              <a:rPr lang="fr-FR" u="sng"/>
+              <a:t>t</a:t>
+            </a:r>
+            <a:r>
+              <a:rPr lang="en-001" u="sng"/>
+              <a:t>e</a:t>
+            </a:r>
+            <a:r>
+              <a:rPr lang="fr-FR" u="sng"/>
+              <a:t>g</a:t>
+            </a:r>
+            <a:r>
+              <a:rPr lang="en-001" u="sng"/>
+              <a:t>o</a:t>
+            </a:r>
+            <a:r>
+              <a:rPr lang="fr-FR" u="sng"/>
+              <a:t>r</a:t>
+            </a:r>
+            <a:r>
+              <a:rPr lang="en-001" u="sng"/>
+              <a:t>i</a:t>
+            </a:r>
+            <a:r>
+              <a:rPr lang="fr-FR" u="sng"/>
+              <a:t>e</a:t>
+            </a:r>
+            <a:r>
+              <a:rPr lang="en-001" u="sng"/>
+              <a:t>s </a:t>
+            </a:r>
+            <a:r>
+              <a:rPr lang="fr-FR" u="sng"/>
+              <a:t>d</a:t>
+            </a:r>
+            <a:r>
+              <a:rPr lang="en-001" u="sng"/>
+              <a:t>e </a:t>
+            </a:r>
+            <a:r>
+              <a:rPr lang="fr-FR" u="sng"/>
+              <a:t>s</a:t>
+            </a:r>
+            <a:r>
+              <a:rPr lang="en-001" u="sng"/>
+              <a:t>o</a:t>
+            </a:r>
+            <a:r>
+              <a:rPr lang="fr-FR" u="sng"/>
+              <a:t>r</a:t>
+            </a:r>
+            <a:r>
+              <a:rPr lang="en-001" u="sng"/>
+              <a:t>t</a:t>
+            </a:r>
+            <a:r>
+              <a:rPr lang="fr-FR" u="sng"/>
+              <a:t>i</a:t>
+            </a:r>
+            <a:r>
+              <a:rPr lang="en-001" u="sng"/>
+              <a:t>e)</a:t>
+            </a:r>
+          </a:p>
+          <a:p>
+            <a:r>
+              <a:rPr lang="en-001"/>
+              <a:t>-(</a:t>
+            </a:r>
+            <a:r>
+              <a:rPr lang="fr-FR"/>
+              <a:t>y</a:t>
+            </a:r>
+            <a:r>
+              <a:rPr lang="en-001"/>
+              <a:t>[0] * </a:t>
+            </a:r>
+            <a:r>
+              <a:rPr lang="fr-FR"/>
+              <a:t>l</a:t>
+            </a:r>
+            <a:r>
+              <a:rPr lang="en-001"/>
+              <a:t>og(p[0]) + y[1] * log(</a:t>
+            </a:r>
+            <a:r>
+              <a:rPr lang="fr-FR"/>
+              <a:t>p</a:t>
+            </a:r>
+            <a:r>
+              <a:rPr lang="en-001"/>
+              <a:t>[1]) + ... </a:t>
+            </a:r>
+            <a:r>
+              <a:rPr lang="fr-FR"/>
+              <a:t>y</a:t>
+            </a:r>
+            <a:r>
+              <a:rPr lang="en-001"/>
+              <a:t>[</a:t>
+            </a:r>
+            <a:r>
+              <a:rPr lang="fr-FR"/>
+              <a:t>M</a:t>
+            </a:r>
+            <a:r>
+              <a:rPr lang="en-001"/>
+              <a:t>] * </a:t>
+            </a:r>
+            <a:r>
+              <a:rPr lang="fr-FR"/>
+              <a:t>l</a:t>
+            </a:r>
+            <a:r>
+              <a:rPr lang="en-001"/>
+              <a:t>o</a:t>
+            </a:r>
+            <a:r>
+              <a:rPr lang="fr-FR"/>
+              <a:t>g</a:t>
+            </a:r>
+            <a:r>
+              <a:rPr lang="en-001"/>
+              <a:t>(</a:t>
+            </a:r>
+            <a:r>
+              <a:rPr lang="fr-FR"/>
+              <a:t>p</a:t>
+            </a:r>
+            <a:r>
+              <a:rPr lang="en-001"/>
+              <a:t>[M]))</a:t>
+            </a:r>
+            <a:endParaRPr lang="fr-FR"/>
+          </a:p>
+        </p:txBody>
+      </p:sp>
+      <p:sp>
+        <p:nvSpPr>
+          <p:cNvPr id="8" name="Rectangle 7">
+            <a:extLst>
+              <a:ext uri="{FF2B5EF4-FFF2-40B4-BE49-F238E27FC236}">
+                <a16:creationId xmlns:a16="http://schemas.microsoft.com/office/drawing/2014/main" id="{1458F67F-3A9D-4924-953B-28C2038614C8}"/>
+              </a:ext>
+            </a:extLst>
+          </p:cNvPr>
+          <p:cNvSpPr/>
+          <p:nvPr/>
+        </p:nvSpPr>
+        <p:spPr>
+          <a:xfrm>
+            <a:off x="8145710" y="5209563"/>
+            <a:ext cx="1065402" cy="419449"/>
+          </a:xfrm>
+          <a:prstGeom prst="rect">
+            <a:avLst/>
+          </a:prstGeom>
+        </p:spPr>
+        <p:style>
+          <a:lnRef idx="2">
+            <a:schemeClr val="accent1">
+              <a:shade val="50000"/>
+            </a:schemeClr>
+          </a:lnRef>
+          <a:fillRef idx="1">
+            <a:schemeClr val="accent1"/>
+          </a:fillRef>
+          <a:effectRef idx="0">
+            <a:schemeClr val="accent1"/>
+          </a:effectRef>
+          <a:fontRef idx="minor">
+            <a:schemeClr val="lt1"/>
+          </a:fontRef>
+        </p:style>
+        <p:txBody>
+          <a:bodyPr rtlCol="0" anchor="ctr"/>
+          <a:lstStyle/>
+          <a:p>
+            <a:pPr algn="ctr"/>
+            <a:r>
+              <a:rPr lang="en-001"/>
+              <a:t>c</a:t>
+            </a:r>
+            <a:r>
+              <a:rPr lang="fr-FR"/>
+              <a:t>a</a:t>
+            </a:r>
+            <a:r>
+              <a:rPr lang="en-001"/>
+              <a:t>t</a:t>
+            </a:r>
+            <a:r>
+              <a:rPr lang="fr-FR"/>
+              <a:t>s</a:t>
+            </a:r>
+            <a:r>
+              <a:rPr lang="en-001"/>
+              <a:t> 0,6</a:t>
+            </a:r>
+            <a:endParaRPr lang="fr-FR"/>
+          </a:p>
+        </p:txBody>
+      </p:sp>
+      <p:sp>
+        <p:nvSpPr>
+          <p:cNvPr id="12" name="Rectangle 11">
+            <a:extLst>
+              <a:ext uri="{FF2B5EF4-FFF2-40B4-BE49-F238E27FC236}">
+                <a16:creationId xmlns:a16="http://schemas.microsoft.com/office/drawing/2014/main" id="{13B3015E-27CA-4A4F-9E04-E7683448C90A}"/>
+              </a:ext>
+            </a:extLst>
+          </p:cNvPr>
+          <p:cNvSpPr/>
+          <p:nvPr/>
+        </p:nvSpPr>
+        <p:spPr>
+          <a:xfrm>
+            <a:off x="8155497" y="5781413"/>
+            <a:ext cx="1065402" cy="419449"/>
+          </a:xfrm>
+          <a:prstGeom prst="rect">
+            <a:avLst/>
+          </a:prstGeom>
+        </p:spPr>
+        <p:style>
+          <a:lnRef idx="2">
+            <a:schemeClr val="accent1">
+              <a:shade val="50000"/>
+            </a:schemeClr>
+          </a:lnRef>
+          <a:fillRef idx="1">
+            <a:schemeClr val="accent1"/>
+          </a:fillRef>
+          <a:effectRef idx="0">
+            <a:schemeClr val="accent1"/>
+          </a:effectRef>
+          <a:fontRef idx="minor">
+            <a:schemeClr val="lt1"/>
+          </a:fontRef>
+        </p:style>
+        <p:txBody>
+          <a:bodyPr rtlCol="0" anchor="ctr"/>
+          <a:lstStyle/>
+          <a:p>
+            <a:pPr algn="ctr"/>
+            <a:r>
+              <a:rPr lang="fr-FR"/>
+              <a:t>f</a:t>
+            </a:r>
+            <a:r>
+              <a:rPr lang="en-001"/>
+              <a:t>i</a:t>
+            </a:r>
+            <a:r>
+              <a:rPr lang="fr-FR"/>
+              <a:t>s</a:t>
+            </a:r>
+            <a:r>
+              <a:rPr lang="en-001"/>
+              <a:t>h 0,1</a:t>
+            </a:r>
+            <a:endParaRPr lang="fr-FR"/>
+          </a:p>
+        </p:txBody>
+      </p:sp>
+      <p:sp>
+        <p:nvSpPr>
+          <p:cNvPr id="13" name="Rectangle 12">
+            <a:extLst>
+              <a:ext uri="{FF2B5EF4-FFF2-40B4-BE49-F238E27FC236}">
+                <a16:creationId xmlns:a16="http://schemas.microsoft.com/office/drawing/2014/main" id="{9EAF3BDD-F7A0-4178-866F-9AE352497722}"/>
+              </a:ext>
+            </a:extLst>
+          </p:cNvPr>
+          <p:cNvSpPr/>
+          <p:nvPr/>
+        </p:nvSpPr>
+        <p:spPr>
+          <a:xfrm>
+            <a:off x="8173673" y="6353262"/>
+            <a:ext cx="1065402" cy="419449"/>
+          </a:xfrm>
+          <a:prstGeom prst="rect">
+            <a:avLst/>
+          </a:prstGeom>
+        </p:spPr>
+        <p:style>
+          <a:lnRef idx="2">
+            <a:schemeClr val="accent1">
+              <a:shade val="50000"/>
+            </a:schemeClr>
+          </a:lnRef>
+          <a:fillRef idx="1">
+            <a:schemeClr val="accent1"/>
+          </a:fillRef>
+          <a:effectRef idx="0">
+            <a:schemeClr val="accent1"/>
+          </a:effectRef>
+          <a:fontRef idx="minor">
+            <a:schemeClr val="lt1"/>
+          </a:fontRef>
+        </p:style>
+        <p:txBody>
+          <a:bodyPr rtlCol="0" anchor="ctr"/>
+          <a:lstStyle/>
+          <a:p>
+            <a:pPr algn="ctr"/>
+            <a:r>
+              <a:rPr lang="fr-FR"/>
+              <a:t>d</a:t>
+            </a:r>
+            <a:r>
+              <a:rPr lang="en-001"/>
+              <a:t>o</a:t>
+            </a:r>
+            <a:r>
+              <a:rPr lang="fr-FR"/>
+              <a:t>g</a:t>
+            </a:r>
+            <a:r>
+              <a:rPr lang="en-001"/>
+              <a:t>s 0,3</a:t>
+            </a:r>
+            <a:endParaRPr lang="fr-FR"/>
+          </a:p>
+        </p:txBody>
+      </p:sp>
+      <p:sp>
+        <p:nvSpPr>
+          <p:cNvPr id="14" name="Rectangle 13">
+            <a:extLst>
+              <a:ext uri="{FF2B5EF4-FFF2-40B4-BE49-F238E27FC236}">
+                <a16:creationId xmlns:a16="http://schemas.microsoft.com/office/drawing/2014/main" id="{FE8F6CE4-1213-4C3C-9A02-CFD65F3267D1}"/>
+              </a:ext>
+            </a:extLst>
+          </p:cNvPr>
+          <p:cNvSpPr/>
+          <p:nvPr/>
+        </p:nvSpPr>
+        <p:spPr>
+          <a:xfrm>
+            <a:off x="7894040" y="4370664"/>
+            <a:ext cx="1535185" cy="545284"/>
+          </a:xfrm>
+          <a:prstGeom prst="rect">
+            <a:avLst/>
+          </a:prstGeom>
+        </p:spPr>
+        <p:style>
+          <a:lnRef idx="2">
+            <a:schemeClr val="accent2">
+              <a:shade val="50000"/>
+            </a:schemeClr>
+          </a:lnRef>
+          <a:fillRef idx="1">
+            <a:schemeClr val="accent2"/>
+          </a:fillRef>
+          <a:effectRef idx="0">
+            <a:schemeClr val="accent2"/>
+          </a:effectRef>
+          <a:fontRef idx="minor">
+            <a:schemeClr val="lt1"/>
+          </a:fontRef>
+        </p:style>
+        <p:txBody>
+          <a:bodyPr rtlCol="0" anchor="ctr"/>
+          <a:lstStyle/>
+          <a:p>
+            <a:pPr algn="ctr"/>
+            <a:r>
+              <a:rPr lang="en-001"/>
+              <a:t>n</a:t>
+            </a:r>
+            <a:r>
+              <a:rPr lang="fr-FR"/>
+              <a:t>e</a:t>
+            </a:r>
+            <a:r>
+              <a:rPr lang="en-001"/>
+              <a:t>u</a:t>
+            </a:r>
+            <a:r>
+              <a:rPr lang="fr-FR"/>
+              <a:t>r</a:t>
+            </a:r>
+            <a:r>
+              <a:rPr lang="en-001"/>
+              <a:t>o</a:t>
+            </a:r>
+            <a:r>
+              <a:rPr lang="fr-FR"/>
+              <a:t>n</a:t>
+            </a:r>
+            <a:r>
+              <a:rPr lang="en-001"/>
+              <a:t>e</a:t>
+            </a:r>
+            <a:r>
+              <a:rPr lang="fr-FR"/>
+              <a:t>s</a:t>
+            </a:r>
+            <a:r>
+              <a:rPr lang="en-001"/>
+              <a:t> </a:t>
+            </a:r>
+            <a:r>
+              <a:rPr lang="fr-FR"/>
+              <a:t>d</a:t>
+            </a:r>
+            <a:r>
+              <a:rPr lang="en-001"/>
+              <a:t>e sorties </a:t>
+            </a:r>
+            <a:r>
+              <a:rPr lang="fr-FR"/>
+              <a:t>P</a:t>
+            </a:r>
+          </a:p>
+        </p:txBody>
+      </p:sp>
+      <p:sp>
+        <p:nvSpPr>
+          <p:cNvPr id="15" name="Rectangle 14">
+            <a:extLst>
+              <a:ext uri="{FF2B5EF4-FFF2-40B4-BE49-F238E27FC236}">
+                <a16:creationId xmlns:a16="http://schemas.microsoft.com/office/drawing/2014/main" id="{491EDA2F-467B-4EBE-85A2-908C1DF0F0CB}"/>
+              </a:ext>
+            </a:extLst>
+          </p:cNvPr>
+          <p:cNvSpPr/>
+          <p:nvPr/>
+        </p:nvSpPr>
+        <p:spPr>
+          <a:xfrm>
+            <a:off x="9992686" y="4363673"/>
+            <a:ext cx="1535185" cy="545284"/>
+          </a:xfrm>
+          <a:prstGeom prst="rect">
+            <a:avLst/>
+          </a:prstGeom>
+        </p:spPr>
+        <p:style>
+          <a:lnRef idx="2">
+            <a:schemeClr val="accent2">
+              <a:shade val="50000"/>
+            </a:schemeClr>
+          </a:lnRef>
+          <a:fillRef idx="1">
+            <a:schemeClr val="accent2"/>
+          </a:fillRef>
+          <a:effectRef idx="0">
+            <a:schemeClr val="accent2"/>
+          </a:effectRef>
+          <a:fontRef idx="minor">
+            <a:schemeClr val="lt1"/>
+          </a:fontRef>
+        </p:style>
+        <p:txBody>
+          <a:bodyPr rtlCol="0" anchor="ctr"/>
+          <a:lstStyle/>
+          <a:p>
+            <a:pPr algn="ctr"/>
+            <a:r>
+              <a:rPr lang="fr-FR"/>
+              <a:t>Y</a:t>
+            </a:r>
+          </a:p>
+        </p:txBody>
+      </p:sp>
+      <p:sp>
+        <p:nvSpPr>
+          <p:cNvPr id="16" name="Rectangle 15">
+            <a:extLst>
+              <a:ext uri="{FF2B5EF4-FFF2-40B4-BE49-F238E27FC236}">
+                <a16:creationId xmlns:a16="http://schemas.microsoft.com/office/drawing/2014/main" id="{A62B82D9-CF9F-44A2-BEBE-DD96C825A755}"/>
+              </a:ext>
+            </a:extLst>
+          </p:cNvPr>
+          <p:cNvSpPr/>
+          <p:nvPr/>
+        </p:nvSpPr>
+        <p:spPr>
+          <a:xfrm>
+            <a:off x="10227578" y="5185795"/>
+            <a:ext cx="1065402" cy="419449"/>
+          </a:xfrm>
+          <a:prstGeom prst="rect">
+            <a:avLst/>
+          </a:prstGeom>
+        </p:spPr>
+        <p:style>
+          <a:lnRef idx="2">
+            <a:schemeClr val="accent1">
+              <a:shade val="50000"/>
+            </a:schemeClr>
+          </a:lnRef>
+          <a:fillRef idx="1">
+            <a:schemeClr val="accent1"/>
+          </a:fillRef>
+          <a:effectRef idx="0">
+            <a:schemeClr val="accent1"/>
+          </a:effectRef>
+          <a:fontRef idx="minor">
+            <a:schemeClr val="lt1"/>
+          </a:fontRef>
+        </p:style>
+        <p:txBody>
+          <a:bodyPr rtlCol="0" anchor="ctr"/>
+          <a:lstStyle/>
+          <a:p>
+            <a:pPr algn="ctr"/>
+            <a:r>
+              <a:rPr lang="en-001"/>
+              <a:t>0</a:t>
+            </a:r>
+            <a:endParaRPr lang="fr-FR"/>
+          </a:p>
+        </p:txBody>
+      </p:sp>
+      <p:sp>
+        <p:nvSpPr>
+          <p:cNvPr id="17" name="Rectangle 16">
+            <a:extLst>
+              <a:ext uri="{FF2B5EF4-FFF2-40B4-BE49-F238E27FC236}">
+                <a16:creationId xmlns:a16="http://schemas.microsoft.com/office/drawing/2014/main" id="{2391A539-15BD-4215-BD09-CE4B34E6D0A4}"/>
+              </a:ext>
+            </a:extLst>
+          </p:cNvPr>
+          <p:cNvSpPr/>
+          <p:nvPr/>
+        </p:nvSpPr>
+        <p:spPr>
+          <a:xfrm>
+            <a:off x="10228976" y="5807979"/>
+            <a:ext cx="1065402" cy="419449"/>
+          </a:xfrm>
+          <a:prstGeom prst="rect">
+            <a:avLst/>
+          </a:prstGeom>
+        </p:spPr>
+        <p:style>
+          <a:lnRef idx="2">
+            <a:schemeClr val="accent1">
+              <a:shade val="50000"/>
+            </a:schemeClr>
+          </a:lnRef>
+          <a:fillRef idx="1">
+            <a:schemeClr val="accent1"/>
+          </a:fillRef>
+          <a:effectRef idx="0">
+            <a:schemeClr val="accent1"/>
+          </a:effectRef>
+          <a:fontRef idx="minor">
+            <a:schemeClr val="lt1"/>
+          </a:fontRef>
+        </p:style>
+        <p:txBody>
+          <a:bodyPr rtlCol="0" anchor="ctr"/>
+          <a:lstStyle/>
+          <a:p>
+            <a:pPr algn="ctr"/>
+            <a:r>
+              <a:rPr lang="en-001"/>
+              <a:t>0</a:t>
+            </a:r>
+            <a:endParaRPr lang="fr-FR"/>
+          </a:p>
+        </p:txBody>
+      </p:sp>
+      <p:sp>
+        <p:nvSpPr>
+          <p:cNvPr id="19" name="Rectangle 18">
+            <a:extLst>
+              <a:ext uri="{FF2B5EF4-FFF2-40B4-BE49-F238E27FC236}">
+                <a16:creationId xmlns:a16="http://schemas.microsoft.com/office/drawing/2014/main" id="{2D0E3DCF-9C9B-4DCA-A384-659575F2AA63}"/>
+              </a:ext>
+            </a:extLst>
+          </p:cNvPr>
+          <p:cNvSpPr/>
+          <p:nvPr/>
+        </p:nvSpPr>
+        <p:spPr>
+          <a:xfrm>
+            <a:off x="10238763" y="6371439"/>
+            <a:ext cx="1065402" cy="419449"/>
+          </a:xfrm>
+          <a:prstGeom prst="rect">
+            <a:avLst/>
+          </a:prstGeom>
+        </p:spPr>
+        <p:style>
+          <a:lnRef idx="2">
+            <a:schemeClr val="accent1">
+              <a:shade val="50000"/>
+            </a:schemeClr>
+          </a:lnRef>
+          <a:fillRef idx="1">
+            <a:schemeClr val="accent1"/>
+          </a:fillRef>
+          <a:effectRef idx="0">
+            <a:schemeClr val="accent1"/>
+          </a:effectRef>
+          <a:fontRef idx="minor">
+            <a:schemeClr val="lt1"/>
+          </a:fontRef>
+        </p:style>
+        <p:txBody>
+          <a:bodyPr rtlCol="0" anchor="ctr"/>
+          <a:lstStyle/>
+          <a:p>
+            <a:pPr algn="ctr"/>
+            <a:r>
+              <a:rPr lang="en-001"/>
+              <a:t>1</a:t>
+            </a:r>
+            <a:endParaRPr lang="fr-FR"/>
+          </a:p>
+        </p:txBody>
+      </p:sp>
+      <p:sp>
+        <p:nvSpPr>
+          <p:cNvPr id="20" name="Rectangle 19">
+            <a:extLst>
+              <a:ext uri="{FF2B5EF4-FFF2-40B4-BE49-F238E27FC236}">
+                <a16:creationId xmlns:a16="http://schemas.microsoft.com/office/drawing/2014/main" id="{5778F461-EB64-4C08-8603-69DB37C4D198}"/>
+              </a:ext>
+            </a:extLst>
+          </p:cNvPr>
+          <p:cNvSpPr/>
+          <p:nvPr/>
+        </p:nvSpPr>
+        <p:spPr>
+          <a:xfrm>
+            <a:off x="8038051" y="2249648"/>
+            <a:ext cx="1065402" cy="419449"/>
+          </a:xfrm>
+          <a:prstGeom prst="rect">
+            <a:avLst/>
+          </a:prstGeom>
+        </p:spPr>
+        <p:style>
+          <a:lnRef idx="2">
+            <a:schemeClr val="accent1">
+              <a:shade val="50000"/>
+            </a:schemeClr>
+          </a:lnRef>
+          <a:fillRef idx="1">
+            <a:schemeClr val="accent1"/>
+          </a:fillRef>
+          <a:effectRef idx="0">
+            <a:schemeClr val="accent1"/>
+          </a:effectRef>
+          <a:fontRef idx="minor">
+            <a:schemeClr val="lt1"/>
+          </a:fontRef>
+        </p:style>
+        <p:txBody>
+          <a:bodyPr rtlCol="0" anchor="ctr"/>
+          <a:lstStyle/>
+          <a:p>
+            <a:pPr algn="ctr"/>
+            <a:r>
+              <a:rPr lang="en-001"/>
+              <a:t>c</a:t>
+            </a:r>
+            <a:r>
+              <a:rPr lang="fr-FR"/>
+              <a:t>a</a:t>
+            </a:r>
+            <a:r>
+              <a:rPr lang="en-001"/>
+              <a:t>t</a:t>
+            </a:r>
+            <a:r>
+              <a:rPr lang="fr-FR"/>
+              <a:t>s</a:t>
+            </a:r>
+            <a:r>
+              <a:rPr lang="en-001"/>
+              <a:t> 0,6</a:t>
+            </a:r>
+            <a:endParaRPr lang="fr-FR"/>
+          </a:p>
+        </p:txBody>
+      </p:sp>
+      <p:sp>
+        <p:nvSpPr>
+          <p:cNvPr id="21" name="Rectangle 20">
+            <a:extLst>
+              <a:ext uri="{FF2B5EF4-FFF2-40B4-BE49-F238E27FC236}">
+                <a16:creationId xmlns:a16="http://schemas.microsoft.com/office/drawing/2014/main" id="{79D387D2-E877-47BE-84A4-D6458C7782C6}"/>
+              </a:ext>
+            </a:extLst>
+          </p:cNvPr>
+          <p:cNvSpPr/>
+          <p:nvPr/>
+        </p:nvSpPr>
+        <p:spPr>
+          <a:xfrm>
+            <a:off x="8047838" y="2821498"/>
+            <a:ext cx="1065402" cy="419449"/>
+          </a:xfrm>
+          <a:prstGeom prst="rect">
+            <a:avLst/>
+          </a:prstGeom>
+        </p:spPr>
+        <p:style>
+          <a:lnRef idx="2">
+            <a:schemeClr val="accent1">
+              <a:shade val="50000"/>
+            </a:schemeClr>
+          </a:lnRef>
+          <a:fillRef idx="1">
+            <a:schemeClr val="accent1"/>
+          </a:fillRef>
+          <a:effectRef idx="0">
+            <a:schemeClr val="accent1"/>
+          </a:effectRef>
+          <a:fontRef idx="minor">
+            <a:schemeClr val="lt1"/>
+          </a:fontRef>
+        </p:style>
+        <p:txBody>
+          <a:bodyPr rtlCol="0" anchor="ctr"/>
+          <a:lstStyle/>
+          <a:p>
+            <a:pPr algn="ctr"/>
+            <a:r>
+              <a:rPr lang="fr-FR"/>
+              <a:t>d</a:t>
+            </a:r>
+            <a:r>
+              <a:rPr lang="en-001"/>
+              <a:t>o</a:t>
+            </a:r>
+            <a:r>
+              <a:rPr lang="fr-FR"/>
+              <a:t>g</a:t>
+            </a:r>
+            <a:r>
+              <a:rPr lang="en-001"/>
+              <a:t>s 0,4</a:t>
+            </a:r>
+            <a:endParaRPr lang="fr-FR"/>
+          </a:p>
+        </p:txBody>
+      </p:sp>
+      <p:sp>
+        <p:nvSpPr>
+          <p:cNvPr id="23" name="Rectangle 22">
+            <a:extLst>
+              <a:ext uri="{FF2B5EF4-FFF2-40B4-BE49-F238E27FC236}">
+                <a16:creationId xmlns:a16="http://schemas.microsoft.com/office/drawing/2014/main" id="{7D44A521-BBD4-47CF-9842-F3BF5A748727}"/>
+              </a:ext>
+            </a:extLst>
+          </p:cNvPr>
+          <p:cNvSpPr/>
+          <p:nvPr/>
+        </p:nvSpPr>
+        <p:spPr>
+          <a:xfrm>
+            <a:off x="7786381" y="1410749"/>
+            <a:ext cx="1535185" cy="545284"/>
+          </a:xfrm>
+          <a:prstGeom prst="rect">
+            <a:avLst/>
+          </a:prstGeom>
+        </p:spPr>
+        <p:style>
+          <a:lnRef idx="2">
+            <a:schemeClr val="accent2">
+              <a:shade val="50000"/>
+            </a:schemeClr>
+          </a:lnRef>
+          <a:fillRef idx="1">
+            <a:schemeClr val="accent2"/>
+          </a:fillRef>
+          <a:effectRef idx="0">
+            <a:schemeClr val="accent2"/>
+          </a:effectRef>
+          <a:fontRef idx="minor">
+            <a:schemeClr val="lt1"/>
+          </a:fontRef>
+        </p:style>
+        <p:txBody>
+          <a:bodyPr rtlCol="0" anchor="ctr"/>
+          <a:lstStyle/>
+          <a:p>
+            <a:pPr algn="ctr"/>
+            <a:r>
+              <a:rPr lang="en-001"/>
+              <a:t>n</a:t>
+            </a:r>
+            <a:r>
+              <a:rPr lang="fr-FR"/>
+              <a:t>e</a:t>
+            </a:r>
+            <a:r>
+              <a:rPr lang="en-001"/>
+              <a:t>u</a:t>
+            </a:r>
+            <a:r>
+              <a:rPr lang="fr-FR"/>
+              <a:t>r</a:t>
+            </a:r>
+            <a:r>
+              <a:rPr lang="en-001"/>
+              <a:t>o</a:t>
+            </a:r>
+            <a:r>
+              <a:rPr lang="fr-FR"/>
+              <a:t>n</a:t>
+            </a:r>
+            <a:r>
+              <a:rPr lang="en-001"/>
+              <a:t>e</a:t>
+            </a:r>
+            <a:r>
+              <a:rPr lang="fr-FR"/>
+              <a:t>s</a:t>
+            </a:r>
+            <a:r>
+              <a:rPr lang="en-001"/>
+              <a:t> </a:t>
+            </a:r>
+            <a:r>
+              <a:rPr lang="fr-FR"/>
+              <a:t>d</a:t>
+            </a:r>
+            <a:r>
+              <a:rPr lang="en-001"/>
+              <a:t>e sorties </a:t>
+            </a:r>
+            <a:r>
+              <a:rPr lang="fr-FR"/>
+              <a:t>P</a:t>
+            </a:r>
+          </a:p>
+        </p:txBody>
+      </p:sp>
+      <p:sp>
+        <p:nvSpPr>
+          <p:cNvPr id="24" name="Rectangle 23">
+            <a:extLst>
+              <a:ext uri="{FF2B5EF4-FFF2-40B4-BE49-F238E27FC236}">
+                <a16:creationId xmlns:a16="http://schemas.microsoft.com/office/drawing/2014/main" id="{A74D47FB-32A1-4DCA-9D0F-7F1D22596305}"/>
+              </a:ext>
+            </a:extLst>
+          </p:cNvPr>
+          <p:cNvSpPr/>
+          <p:nvPr/>
+        </p:nvSpPr>
+        <p:spPr>
+          <a:xfrm>
+            <a:off x="9885027" y="1403758"/>
+            <a:ext cx="1535185" cy="545284"/>
+          </a:xfrm>
+          <a:prstGeom prst="rect">
+            <a:avLst/>
+          </a:prstGeom>
+        </p:spPr>
+        <p:style>
+          <a:lnRef idx="2">
+            <a:schemeClr val="accent2">
+              <a:shade val="50000"/>
+            </a:schemeClr>
+          </a:lnRef>
+          <a:fillRef idx="1">
+            <a:schemeClr val="accent2"/>
+          </a:fillRef>
+          <a:effectRef idx="0">
+            <a:schemeClr val="accent2"/>
+          </a:effectRef>
+          <a:fontRef idx="minor">
+            <a:schemeClr val="lt1"/>
+          </a:fontRef>
+        </p:style>
+        <p:txBody>
+          <a:bodyPr rtlCol="0" anchor="ctr"/>
+          <a:lstStyle/>
+          <a:p>
+            <a:pPr algn="ctr"/>
+            <a:r>
+              <a:rPr lang="fr-FR"/>
+              <a:t>Y</a:t>
+            </a:r>
+          </a:p>
+        </p:txBody>
+      </p:sp>
+      <p:sp>
+        <p:nvSpPr>
+          <p:cNvPr id="25" name="Rectangle 24">
+            <a:extLst>
+              <a:ext uri="{FF2B5EF4-FFF2-40B4-BE49-F238E27FC236}">
+                <a16:creationId xmlns:a16="http://schemas.microsoft.com/office/drawing/2014/main" id="{23AB2734-C591-4C9F-976B-B5E96F7CCBB9}"/>
+              </a:ext>
+            </a:extLst>
+          </p:cNvPr>
+          <p:cNvSpPr/>
+          <p:nvPr/>
+        </p:nvSpPr>
+        <p:spPr>
+          <a:xfrm>
+            <a:off x="10119919" y="2225880"/>
+            <a:ext cx="1065402" cy="419449"/>
+          </a:xfrm>
+          <a:prstGeom prst="rect">
+            <a:avLst/>
+          </a:prstGeom>
+        </p:spPr>
+        <p:style>
+          <a:lnRef idx="2">
+            <a:schemeClr val="accent1">
+              <a:shade val="50000"/>
+            </a:schemeClr>
+          </a:lnRef>
+          <a:fillRef idx="1">
+            <a:schemeClr val="accent1"/>
+          </a:fillRef>
+          <a:effectRef idx="0">
+            <a:schemeClr val="accent1"/>
+          </a:effectRef>
+          <a:fontRef idx="minor">
+            <a:schemeClr val="lt1"/>
+          </a:fontRef>
+        </p:style>
+        <p:txBody>
+          <a:bodyPr rtlCol="0" anchor="ctr"/>
+          <a:lstStyle/>
+          <a:p>
+            <a:pPr algn="ctr"/>
+            <a:r>
+              <a:rPr lang="en-001"/>
+              <a:t>1</a:t>
+            </a:r>
+            <a:endParaRPr lang="fr-FR"/>
+          </a:p>
+        </p:txBody>
+      </p:sp>
+      <p:sp>
+        <p:nvSpPr>
+          <p:cNvPr id="26" name="Rectangle 25">
+            <a:extLst>
+              <a:ext uri="{FF2B5EF4-FFF2-40B4-BE49-F238E27FC236}">
+                <a16:creationId xmlns:a16="http://schemas.microsoft.com/office/drawing/2014/main" id="{6AD44A99-30FD-44ED-8556-73E2F3EA9333}"/>
+              </a:ext>
+            </a:extLst>
+          </p:cNvPr>
+          <p:cNvSpPr/>
+          <p:nvPr/>
+        </p:nvSpPr>
+        <p:spPr>
+          <a:xfrm>
+            <a:off x="10121317" y="2848064"/>
+            <a:ext cx="1065402" cy="419449"/>
+          </a:xfrm>
+          <a:prstGeom prst="rect">
+            <a:avLst/>
+          </a:prstGeom>
+        </p:spPr>
+        <p:style>
+          <a:lnRef idx="2">
+            <a:schemeClr val="accent1">
+              <a:shade val="50000"/>
+            </a:schemeClr>
+          </a:lnRef>
+          <a:fillRef idx="1">
+            <a:schemeClr val="accent1"/>
+          </a:fillRef>
+          <a:effectRef idx="0">
+            <a:schemeClr val="accent1"/>
+          </a:effectRef>
+          <a:fontRef idx="minor">
+            <a:schemeClr val="lt1"/>
+          </a:fontRef>
+        </p:style>
+        <p:txBody>
+          <a:bodyPr rtlCol="0" anchor="ctr"/>
+          <a:lstStyle/>
+          <a:p>
+            <a:pPr algn="ctr"/>
+            <a:r>
+              <a:rPr lang="en-001"/>
+              <a:t>0</a:t>
+            </a:r>
+            <a:endParaRPr lang="fr-FR"/>
+          </a:p>
+        </p:txBody>
+      </p:sp>
+      <p:sp>
+        <p:nvSpPr>
+          <p:cNvPr id="28" name="ZoneTexte 27">
+            <a:extLst>
+              <a:ext uri="{FF2B5EF4-FFF2-40B4-BE49-F238E27FC236}">
+                <a16:creationId xmlns:a16="http://schemas.microsoft.com/office/drawing/2014/main" id="{1B627259-9264-4637-8617-85945955ED56}"/>
+              </a:ext>
+            </a:extLst>
+          </p:cNvPr>
+          <p:cNvSpPr txBox="1"/>
+          <p:nvPr/>
+        </p:nvSpPr>
+        <p:spPr>
+          <a:xfrm>
+            <a:off x="9034943" y="973122"/>
+            <a:ext cx="1066318" cy="369332"/>
+          </a:xfrm>
+          <a:prstGeom prst="rect">
+            <a:avLst/>
+          </a:prstGeom>
+          <a:noFill/>
+        </p:spPr>
+        <p:txBody>
+          <a:bodyPr wrap="none" rtlCol="0">
+            <a:spAutoFit/>
+          </a:bodyPr>
+          <a:lstStyle/>
+          <a:p>
+            <a:r>
+              <a:rPr lang="en-001"/>
+              <a:t>B</a:t>
+            </a:r>
+            <a:r>
+              <a:rPr lang="fr-FR"/>
+              <a:t>i</a:t>
+            </a:r>
+            <a:r>
+              <a:rPr lang="en-001"/>
+              <a:t>e</a:t>
+            </a:r>
+            <a:r>
+              <a:rPr lang="fr-FR"/>
+              <a:t>n</a:t>
+            </a:r>
+            <a:r>
+              <a:rPr lang="en-001"/>
+              <a:t> </a:t>
+            </a:r>
+            <a:r>
+              <a:rPr lang="fr-FR"/>
+              <a:t>j</a:t>
+            </a:r>
+            <a:r>
+              <a:rPr lang="en-001"/>
+              <a:t>o</a:t>
+            </a:r>
+            <a:r>
+              <a:rPr lang="fr-FR"/>
+              <a:t>u</a:t>
+            </a:r>
+            <a:r>
+              <a:rPr lang="en-001"/>
+              <a:t>é</a:t>
+            </a:r>
+            <a:endParaRPr lang="fr-FR"/>
+          </a:p>
+        </p:txBody>
+      </p:sp>
+      <p:sp>
+        <p:nvSpPr>
+          <p:cNvPr id="29" name="ZoneTexte 28">
+            <a:extLst>
+              <a:ext uri="{FF2B5EF4-FFF2-40B4-BE49-F238E27FC236}">
+                <a16:creationId xmlns:a16="http://schemas.microsoft.com/office/drawing/2014/main" id="{AD22B13F-00BB-443D-A20F-DD618AF022FC}"/>
+              </a:ext>
+            </a:extLst>
+          </p:cNvPr>
+          <p:cNvSpPr txBox="1"/>
+          <p:nvPr/>
+        </p:nvSpPr>
+        <p:spPr>
+          <a:xfrm>
+            <a:off x="9346733" y="3868722"/>
+            <a:ext cx="608052" cy="369332"/>
+          </a:xfrm>
+          <a:prstGeom prst="rect">
+            <a:avLst/>
+          </a:prstGeom>
+          <a:noFill/>
+        </p:spPr>
+        <p:txBody>
+          <a:bodyPr wrap="none" rtlCol="0">
+            <a:spAutoFit/>
+          </a:bodyPr>
+          <a:lstStyle/>
+          <a:p>
+            <a:r>
+              <a:rPr lang="fr-FR"/>
+              <a:t>R</a:t>
+            </a:r>
+            <a:r>
+              <a:rPr lang="en-001"/>
+              <a:t>a</a:t>
+            </a:r>
+            <a:r>
+              <a:rPr lang="fr-FR"/>
+              <a:t>t</a:t>
+            </a:r>
+            <a:r>
+              <a:rPr lang="en-001"/>
+              <a:t>é</a:t>
+            </a:r>
+            <a:endParaRPr lang="fr-FR"/>
+          </a:p>
+        </p:txBody>
+      </p:sp>
+      <p:sp>
+        <p:nvSpPr>
+          <p:cNvPr id="30" name="Flèche : droite 29">
+            <a:extLst>
+              <a:ext uri="{FF2B5EF4-FFF2-40B4-BE49-F238E27FC236}">
+                <a16:creationId xmlns:a16="http://schemas.microsoft.com/office/drawing/2014/main" id="{DDB4617B-FDE7-4A41-B3AC-73C474D8B604}"/>
+              </a:ext>
+            </a:extLst>
+          </p:cNvPr>
+          <p:cNvSpPr/>
+          <p:nvPr/>
+        </p:nvSpPr>
+        <p:spPr>
+          <a:xfrm>
+            <a:off x="6115575" y="2869034"/>
+            <a:ext cx="1006679" cy="276837"/>
+          </a:xfrm>
+          <a:prstGeom prst="rightArrow">
+            <a:avLst/>
+          </a:prstGeom>
+        </p:spPr>
+        <p:style>
+          <a:lnRef idx="2">
+            <a:schemeClr val="accent1">
+              <a:shade val="50000"/>
+            </a:schemeClr>
+          </a:lnRef>
+          <a:fillRef idx="1">
+            <a:schemeClr val="accent1"/>
+          </a:fillRef>
+          <a:effectRef idx="0">
+            <a:schemeClr val="accent1"/>
+          </a:effectRef>
+          <a:fontRef idx="minor">
+            <a:schemeClr val="lt1"/>
+          </a:fontRef>
+        </p:style>
+        <p:txBody>
+          <a:bodyPr rtlCol="0" anchor="ctr"/>
+          <a:lstStyle/>
+          <a:p>
+            <a:pPr algn="ctr"/>
+            <a:endParaRPr lang="fr-FR"/>
+          </a:p>
+        </p:txBody>
+      </p:sp>
+      <p:sp>
+        <p:nvSpPr>
+          <p:cNvPr id="31" name="Flèche : droite 30">
+            <a:extLst>
+              <a:ext uri="{FF2B5EF4-FFF2-40B4-BE49-F238E27FC236}">
+                <a16:creationId xmlns:a16="http://schemas.microsoft.com/office/drawing/2014/main" id="{1E6DCBF5-939D-4114-AAC0-526EDF849C34}"/>
+              </a:ext>
+            </a:extLst>
+          </p:cNvPr>
+          <p:cNvSpPr/>
+          <p:nvPr/>
+        </p:nvSpPr>
+        <p:spPr>
+          <a:xfrm>
+            <a:off x="6192475" y="5420685"/>
+            <a:ext cx="1006679" cy="276837"/>
+          </a:xfrm>
+          <a:prstGeom prst="rightArrow">
+            <a:avLst/>
+          </a:prstGeom>
+        </p:spPr>
+        <p:style>
+          <a:lnRef idx="2">
+            <a:schemeClr val="accent1">
+              <a:shade val="50000"/>
+            </a:schemeClr>
+          </a:lnRef>
+          <a:fillRef idx="1">
+            <a:schemeClr val="accent1"/>
+          </a:fillRef>
+          <a:effectRef idx="0">
+            <a:schemeClr val="accent1"/>
+          </a:effectRef>
+          <a:fontRef idx="minor">
+            <a:schemeClr val="lt1"/>
+          </a:fontRef>
+        </p:style>
+        <p:txBody>
+          <a:bodyPr rtlCol="0" anchor="ctr"/>
+          <a:lstStyle/>
+          <a:p>
+            <a:pPr algn="ctr"/>
+            <a:endParaRPr lang="fr-FR"/>
+          </a:p>
+        </p:txBody>
+      </p:sp>
+      <p:sp>
+        <p:nvSpPr>
+          <p:cNvPr id="32" name="Rectangle 31">
+            <a:extLst>
+              <a:ext uri="{FF2B5EF4-FFF2-40B4-BE49-F238E27FC236}">
+                <a16:creationId xmlns:a16="http://schemas.microsoft.com/office/drawing/2014/main" id="{498580DA-920D-4D96-8837-6C56E698F236}"/>
+              </a:ext>
+            </a:extLst>
+          </p:cNvPr>
+          <p:cNvSpPr/>
+          <p:nvPr/>
+        </p:nvSpPr>
+        <p:spPr>
+          <a:xfrm>
+            <a:off x="0" y="0"/>
+            <a:ext cx="12192000" cy="679508"/>
+          </a:xfrm>
+          <a:prstGeom prst="rect">
+            <a:avLst/>
+          </a:prstGeom>
+          <a:gradFill flip="none" rotWithShape="1">
+            <a:gsLst>
+              <a:gs pos="0">
+                <a:srgbClr val="00B0F0"/>
+              </a:gs>
+              <a:gs pos="100000">
+                <a:srgbClr val="A6E4FA"/>
+              </a:gs>
+            </a:gsLst>
+            <a:lin ang="5400000" scaled="1"/>
+            <a:tileRect/>
+          </a:gradFill>
+          <a:ln>
+            <a:noFill/>
+          </a:ln>
+        </p:spPr>
+        <p:style>
+          <a:lnRef idx="2">
+            <a:schemeClr val="accent1">
+              <a:shade val="50000"/>
+            </a:schemeClr>
+          </a:lnRef>
+          <a:fillRef idx="1">
+            <a:schemeClr val="accent1"/>
+          </a:fillRef>
+          <a:effectRef idx="0">
+            <a:schemeClr val="accent1"/>
+          </a:effectRef>
+          <a:fontRef idx="minor">
+            <a:schemeClr val="lt1"/>
+          </a:fontRef>
+        </p:style>
+        <p:txBody>
+          <a:bodyPr rtlCol="0" anchor="ctr"/>
+          <a:lstStyle/>
+          <a:p>
+            <a:pPr algn="ctr"/>
+            <a:r>
+              <a:rPr lang="en-001"/>
+              <a:t>F</a:t>
+            </a:r>
+            <a:r>
+              <a:rPr lang="fr-FR"/>
+              <a:t>o</a:t>
+            </a:r>
+            <a:r>
+              <a:rPr lang="en-001"/>
+              <a:t>n</a:t>
+            </a:r>
+            <a:r>
+              <a:rPr lang="fr-FR"/>
+              <a:t>c</a:t>
+            </a:r>
+            <a:r>
+              <a:rPr lang="en-001"/>
+              <a:t>t</a:t>
+            </a:r>
+            <a:r>
+              <a:rPr lang="fr-FR"/>
+              <a:t>i</a:t>
+            </a:r>
+            <a:r>
+              <a:rPr lang="en-001"/>
+              <a:t>o</a:t>
+            </a:r>
+            <a:r>
+              <a:rPr lang="fr-FR"/>
+              <a:t>n</a:t>
+            </a:r>
+            <a:r>
+              <a:rPr lang="en-001"/>
+              <a:t> </a:t>
+            </a:r>
+            <a:r>
+              <a:rPr lang="fr-FR"/>
+              <a:t>d</a:t>
+            </a:r>
+            <a:r>
+              <a:rPr lang="en-001"/>
+              <a:t>e </a:t>
+            </a:r>
+            <a:r>
+              <a:rPr lang="fr-FR"/>
+              <a:t>c</a:t>
+            </a:r>
+            <a:r>
+              <a:rPr lang="en-001"/>
+              <a:t>oût – cross entropy</a:t>
+            </a:r>
+            <a:endParaRPr lang="fr-FR"/>
+          </a:p>
+        </p:txBody>
+      </p:sp>
+    </p:spTree>
+    <p:extLst>
+      <p:ext uri="{BB962C8B-B14F-4D97-AF65-F5344CB8AC3E}">
+        <p14:creationId xmlns:p14="http://schemas.microsoft.com/office/powerpoint/2010/main" val="1135903538"/>
       </p:ext>
     </p:extLst>
   </p:cSld>

--- a/Docs/Draft/Draft_Struct.pptx
+++ b/Docs/Draft/Draft_Struct.pptx
@@ -4431,7 +4431,7 @@
         </p:blipFill>
         <p:spPr>
           <a:xfrm>
-            <a:off x="556426" y="2111842"/>
+            <a:off x="178922" y="828326"/>
             <a:ext cx="4619625" cy="2533650"/>
           </a:xfrm>
           <a:prstGeom prst="rect">
@@ -4453,8 +4453,8 @@
         </p:nvSpPr>
         <p:spPr>
           <a:xfrm>
-            <a:off x="5889071" y="3011648"/>
-            <a:ext cx="5843779" cy="923330"/>
+            <a:off x="5075339" y="1031846"/>
+            <a:ext cx="7161384" cy="2031325"/>
           </a:xfrm>
           <a:prstGeom prst="rect">
             <a:avLst/>
@@ -4651,6 +4651,352 @@
               <a:rPr lang="en-001"/>
               <a:t>Cela permet de regler le probleme de biais-variance.</a:t>
             </a:r>
+          </a:p>
+          <a:p>
+            <a:endParaRPr lang="en-001"/>
+          </a:p>
+          <a:p>
+            <a:r>
+              <a:rPr lang="en-001"/>
+              <a:t>Cela permet d’avoir un poid modifi</a:t>
+            </a:r>
+            <a:r>
+              <a:rPr lang="fr-FR"/>
+              <a:t>a</a:t>
+            </a:r>
+            <a:r>
+              <a:rPr lang="en-001"/>
+              <a:t>b</a:t>
+            </a:r>
+            <a:r>
+              <a:rPr lang="fr-FR"/>
+              <a:t>l</a:t>
+            </a:r>
+            <a:r>
+              <a:rPr lang="en-001"/>
+              <a:t>e </a:t>
+            </a:r>
+            <a:r>
+              <a:rPr lang="fr-FR"/>
+              <a:t>q</a:t>
+            </a:r>
+            <a:r>
+              <a:rPr lang="en-001"/>
+              <a:t>u</a:t>
+            </a:r>
+            <a:r>
+              <a:rPr lang="fr-FR"/>
+              <a:t>i</a:t>
+            </a:r>
+            <a:r>
+              <a:rPr lang="en-001"/>
+              <a:t> </a:t>
+            </a:r>
+            <a:r>
+              <a:rPr lang="fr-FR"/>
+              <a:t>g</a:t>
+            </a:r>
+            <a:r>
+              <a:rPr lang="en-001"/>
+              <a:t>a</a:t>
+            </a:r>
+            <a:r>
+              <a:rPr lang="fr-FR"/>
+              <a:t>r</a:t>
+            </a:r>
+            <a:r>
+              <a:rPr lang="en-001"/>
+              <a:t>d</a:t>
+            </a:r>
+            <a:r>
+              <a:rPr lang="fr-FR"/>
+              <a:t>e</a:t>
+            </a:r>
+            <a:r>
+              <a:rPr lang="en-001"/>
+              <a:t> </a:t>
+            </a:r>
+            <a:r>
+              <a:rPr lang="fr-FR"/>
+              <a:t>s</a:t>
+            </a:r>
+            <a:r>
+              <a:rPr lang="en-001"/>
+              <a:t>a </a:t>
+            </a:r>
+            <a:r>
+              <a:rPr lang="fr-FR"/>
+              <a:t>v</a:t>
+            </a:r>
+            <a:r>
+              <a:rPr lang="en-001"/>
+              <a:t>a</a:t>
+            </a:r>
+            <a:r>
+              <a:rPr lang="fr-FR"/>
+              <a:t>l</a:t>
+            </a:r>
+            <a:r>
+              <a:rPr lang="en-001"/>
+              <a:t>e</a:t>
+            </a:r>
+            <a:r>
+              <a:rPr lang="fr-FR"/>
+              <a:t>u</a:t>
+            </a:r>
+            <a:r>
+              <a:rPr lang="en-001"/>
+              <a:t>r </a:t>
+            </a:r>
+            <a:r>
+              <a:rPr lang="fr-FR"/>
+              <a:t>p</a:t>
+            </a:r>
+            <a:r>
+              <a:rPr lang="en-001"/>
+              <a:t>o</a:t>
+            </a:r>
+            <a:r>
+              <a:rPr lang="fr-FR"/>
+              <a:t>u</a:t>
+            </a:r>
+            <a:r>
+              <a:rPr lang="en-001"/>
+              <a:t>r </a:t>
+            </a:r>
+            <a:r>
+              <a:rPr lang="fr-FR"/>
+              <a:t>e</a:t>
+            </a:r>
+            <a:r>
+              <a:rPr lang="en-001"/>
+              <a:t>m</a:t>
+            </a:r>
+            <a:r>
+              <a:rPr lang="fr-FR"/>
+              <a:t>p</a:t>
+            </a:r>
+            <a:r>
+              <a:rPr lang="en-001"/>
+              <a:t>e</a:t>
+            </a:r>
+            <a:r>
+              <a:rPr lang="fr-FR"/>
+              <a:t>c</a:t>
+            </a:r>
+            <a:r>
+              <a:rPr lang="en-001"/>
+              <a:t>h</a:t>
+            </a:r>
+            <a:r>
+              <a:rPr lang="fr-FR"/>
+              <a:t>e</a:t>
+            </a:r>
+            <a:r>
+              <a:rPr lang="en-001"/>
+              <a:t>r</a:t>
+            </a:r>
+          </a:p>
+          <a:p>
+            <a:r>
+              <a:rPr lang="en-001"/>
+              <a:t>la courbure de la sigmoid mais plutot favoriser son déplacements.</a:t>
+            </a:r>
+          </a:p>
+          <a:p>
+            <a:r>
+              <a:rPr lang="en-001"/>
+              <a:t>En gros, comme le b dans ax+b d’une fonction affine</a:t>
+            </a:r>
+            <a:endParaRPr lang="fr-FR"/>
+          </a:p>
+        </p:txBody>
+      </p:sp>
+      <p:sp>
+        <p:nvSpPr>
+          <p:cNvPr id="4" name="Rectangle 3">
+            <a:extLst>
+              <a:ext uri="{FF2B5EF4-FFF2-40B4-BE49-F238E27FC236}">
+                <a16:creationId xmlns:a16="http://schemas.microsoft.com/office/drawing/2014/main" id="{625C39CD-1BBC-4E68-BC17-C2A29D9A19BD}"/>
+              </a:ext>
+            </a:extLst>
+          </p:cNvPr>
+          <p:cNvSpPr/>
+          <p:nvPr/>
+        </p:nvSpPr>
+        <p:spPr>
+          <a:xfrm>
+            <a:off x="0" y="0"/>
+            <a:ext cx="12192000" cy="679508"/>
+          </a:xfrm>
+          <a:prstGeom prst="rect">
+            <a:avLst/>
+          </a:prstGeom>
+          <a:gradFill flip="none" rotWithShape="1">
+            <a:gsLst>
+              <a:gs pos="0">
+                <a:srgbClr val="00B0F0"/>
+              </a:gs>
+              <a:gs pos="100000">
+                <a:srgbClr val="A6E4FA"/>
+              </a:gs>
+            </a:gsLst>
+            <a:lin ang="5400000" scaled="1"/>
+            <a:tileRect/>
+          </a:gradFill>
+          <a:ln>
+            <a:noFill/>
+          </a:ln>
+        </p:spPr>
+        <p:style>
+          <a:lnRef idx="2">
+            <a:schemeClr val="accent1">
+              <a:shade val="50000"/>
+            </a:schemeClr>
+          </a:lnRef>
+          <a:fillRef idx="1">
+            <a:schemeClr val="accent1"/>
+          </a:fillRef>
+          <a:effectRef idx="0">
+            <a:schemeClr val="accent1"/>
+          </a:effectRef>
+          <a:fontRef idx="minor">
+            <a:schemeClr val="lt1"/>
+          </a:fontRef>
+        </p:style>
+        <p:txBody>
+          <a:bodyPr rtlCol="0" anchor="ctr"/>
+          <a:lstStyle/>
+          <a:p>
+            <a:pPr algn="ctr"/>
+            <a:r>
+              <a:rPr lang="fr-FR"/>
+              <a:t>B</a:t>
+            </a:r>
+            <a:r>
+              <a:rPr lang="en-001"/>
+              <a:t>i</a:t>
+            </a:r>
+            <a:r>
+              <a:rPr lang="fr-FR"/>
+              <a:t>a</a:t>
+            </a:r>
+            <a:r>
+              <a:rPr lang="en-001"/>
+              <a:t>s</a:t>
+            </a:r>
+            <a:endParaRPr lang="fr-FR"/>
+          </a:p>
+        </p:txBody>
+      </p:sp>
+      <p:pic>
+        <p:nvPicPr>
+          <p:cNvPr id="2" name="Image 1">
+            <a:extLst>
+              <a:ext uri="{FF2B5EF4-FFF2-40B4-BE49-F238E27FC236}">
+                <a16:creationId xmlns:a16="http://schemas.microsoft.com/office/drawing/2014/main" id="{7D8682B9-C419-47FF-8D7F-D45AD3106D22}"/>
+              </a:ext>
+            </a:extLst>
+          </p:cNvPr>
+          <p:cNvPicPr>
+            <a:picLocks noChangeAspect="1"/>
+          </p:cNvPicPr>
+          <p:nvPr/>
+        </p:nvPicPr>
+        <p:blipFill>
+          <a:blip r:embed="rId3"/>
+          <a:stretch>
+            <a:fillRect/>
+          </a:stretch>
+        </p:blipFill>
+        <p:spPr>
+          <a:xfrm>
+            <a:off x="327694" y="4121760"/>
+            <a:ext cx="3380239" cy="2482691"/>
+          </a:xfrm>
+          <a:prstGeom prst="rect">
+            <a:avLst/>
+          </a:prstGeom>
+        </p:spPr>
+      </p:pic>
+      <p:pic>
+        <p:nvPicPr>
+          <p:cNvPr id="6" name="Image 5">
+            <a:extLst>
+              <a:ext uri="{FF2B5EF4-FFF2-40B4-BE49-F238E27FC236}">
+                <a16:creationId xmlns:a16="http://schemas.microsoft.com/office/drawing/2014/main" id="{5BA04E84-BA3D-4F51-B380-DEC8B3C29B14}"/>
+              </a:ext>
+            </a:extLst>
+          </p:cNvPr>
+          <p:cNvPicPr>
+            <a:picLocks noChangeAspect="1"/>
+          </p:cNvPicPr>
+          <p:nvPr/>
+        </p:nvPicPr>
+        <p:blipFill>
+          <a:blip r:embed="rId4">
+            <a:extLst>
+              <a:ext uri="{28A0092B-C50C-407E-A947-70E740481C1C}">
+                <a14:useLocalDpi xmlns:a14="http://schemas.microsoft.com/office/drawing/2010/main" val="0"/>
+              </a:ext>
+            </a:extLst>
+          </a:blip>
+          <a:stretch>
+            <a:fillRect/>
+          </a:stretch>
+        </p:blipFill>
+        <p:spPr>
+          <a:xfrm>
+            <a:off x="4818076" y="4213370"/>
+            <a:ext cx="3336023" cy="2502017"/>
+          </a:xfrm>
+          <a:prstGeom prst="rect">
+            <a:avLst/>
+          </a:prstGeom>
+        </p:spPr>
+      </p:pic>
+      <p:sp>
+        <p:nvSpPr>
+          <p:cNvPr id="8" name="Flèche : droite 7">
+            <a:extLst>
+              <a:ext uri="{FF2B5EF4-FFF2-40B4-BE49-F238E27FC236}">
+                <a16:creationId xmlns:a16="http://schemas.microsoft.com/office/drawing/2014/main" id="{6AB34A9E-7A0B-4164-9012-B8085A5A7CF0}"/>
+              </a:ext>
+            </a:extLst>
+          </p:cNvPr>
+          <p:cNvSpPr/>
+          <p:nvPr/>
+        </p:nvSpPr>
+        <p:spPr>
+          <a:xfrm>
+            <a:off x="3951215" y="5142451"/>
+            <a:ext cx="503339" cy="243281"/>
+          </a:xfrm>
+          <a:prstGeom prst="rightArrow">
+            <a:avLst/>
+          </a:prstGeom>
+        </p:spPr>
+        <p:style>
+          <a:lnRef idx="2">
+            <a:schemeClr val="accent1">
+              <a:shade val="50000"/>
+            </a:schemeClr>
+          </a:lnRef>
+          <a:fillRef idx="1">
+            <a:schemeClr val="accent1"/>
+          </a:fillRef>
+          <a:effectRef idx="0">
+            <a:schemeClr val="accent1"/>
+          </a:effectRef>
+          <a:fontRef idx="minor">
+            <a:schemeClr val="lt1"/>
+          </a:fontRef>
+        </p:style>
+        <p:txBody>
+          <a:bodyPr rtlCol="0" anchor="ctr"/>
+          <a:lstStyle/>
+          <a:p>
+            <a:pPr algn="ctr"/>
             <a:endParaRPr lang="fr-FR"/>
           </a:p>
         </p:txBody>

--- a/Docs/Draft/Draft_Struct.pptx
+++ b/Docs/Draft/Draft_Struct.pptx
@@ -16,6 +16,7 @@
     <p:sldId id="259" r:id="rId10"/>
     <p:sldId id="264" r:id="rId11"/>
     <p:sldId id="265" r:id="rId12"/>
+    <p:sldId id="267" r:id="rId13"/>
   </p:sldIdLst>
   <p:sldSz cx="12192000" cy="6858000"/>
   <p:notesSz cx="6858000" cy="9144000"/>
@@ -134,6 +135,7 @@
             <p14:sldId id="259"/>
             <p14:sldId id="264"/>
             <p14:sldId id="265"/>
+            <p14:sldId id="267"/>
           </p14:sldIdLst>
         </p14:section>
       </p14:sectionLst>
@@ -292,7 +294,7 @@
           <a:p>
             <a:fld id="{1E852E34-5808-411D-82B1-F5678CCA79B1}" type="datetimeFigureOut">
               <a:rPr lang="fr-FR" smtClean="0"/>
-              <a:t>23/08/2019</a:t>
+              <a:t>24/08/2019</a:t>
             </a:fld>
             <a:endParaRPr lang="fr-FR"/>
           </a:p>
@@ -490,7 +492,7 @@
           <a:p>
             <a:fld id="{1E852E34-5808-411D-82B1-F5678CCA79B1}" type="datetimeFigureOut">
               <a:rPr lang="fr-FR" smtClean="0"/>
-              <a:t>23/08/2019</a:t>
+              <a:t>24/08/2019</a:t>
             </a:fld>
             <a:endParaRPr lang="fr-FR"/>
           </a:p>
@@ -698,7 +700,7 @@
           <a:p>
             <a:fld id="{1E852E34-5808-411D-82B1-F5678CCA79B1}" type="datetimeFigureOut">
               <a:rPr lang="fr-FR" smtClean="0"/>
-              <a:t>23/08/2019</a:t>
+              <a:t>24/08/2019</a:t>
             </a:fld>
             <a:endParaRPr lang="fr-FR"/>
           </a:p>
@@ -896,7 +898,7 @@
           <a:p>
             <a:fld id="{1E852E34-5808-411D-82B1-F5678CCA79B1}" type="datetimeFigureOut">
               <a:rPr lang="fr-FR" smtClean="0"/>
-              <a:t>23/08/2019</a:t>
+              <a:t>24/08/2019</a:t>
             </a:fld>
             <a:endParaRPr lang="fr-FR"/>
           </a:p>
@@ -1171,7 +1173,7 @@
           <a:p>
             <a:fld id="{1E852E34-5808-411D-82B1-F5678CCA79B1}" type="datetimeFigureOut">
               <a:rPr lang="fr-FR" smtClean="0"/>
-              <a:t>23/08/2019</a:t>
+              <a:t>24/08/2019</a:t>
             </a:fld>
             <a:endParaRPr lang="fr-FR"/>
           </a:p>
@@ -1436,7 +1438,7 @@
           <a:p>
             <a:fld id="{1E852E34-5808-411D-82B1-F5678CCA79B1}" type="datetimeFigureOut">
               <a:rPr lang="fr-FR" smtClean="0"/>
-              <a:t>23/08/2019</a:t>
+              <a:t>24/08/2019</a:t>
             </a:fld>
             <a:endParaRPr lang="fr-FR"/>
           </a:p>
@@ -1848,7 +1850,7 @@
           <a:p>
             <a:fld id="{1E852E34-5808-411D-82B1-F5678CCA79B1}" type="datetimeFigureOut">
               <a:rPr lang="fr-FR" smtClean="0"/>
-              <a:t>23/08/2019</a:t>
+              <a:t>24/08/2019</a:t>
             </a:fld>
             <a:endParaRPr lang="fr-FR"/>
           </a:p>
@@ -1989,7 +1991,7 @@
           <a:p>
             <a:fld id="{1E852E34-5808-411D-82B1-F5678CCA79B1}" type="datetimeFigureOut">
               <a:rPr lang="fr-FR" smtClean="0"/>
-              <a:t>23/08/2019</a:t>
+              <a:t>24/08/2019</a:t>
             </a:fld>
             <a:endParaRPr lang="fr-FR"/>
           </a:p>
@@ -2102,7 +2104,7 @@
           <a:p>
             <a:fld id="{1E852E34-5808-411D-82B1-F5678CCA79B1}" type="datetimeFigureOut">
               <a:rPr lang="fr-FR" smtClean="0"/>
-              <a:t>23/08/2019</a:t>
+              <a:t>24/08/2019</a:t>
             </a:fld>
             <a:endParaRPr lang="fr-FR"/>
           </a:p>
@@ -2413,7 +2415,7 @@
           <a:p>
             <a:fld id="{1E852E34-5808-411D-82B1-F5678CCA79B1}" type="datetimeFigureOut">
               <a:rPr lang="fr-FR" smtClean="0"/>
-              <a:t>23/08/2019</a:t>
+              <a:t>24/08/2019</a:t>
             </a:fld>
             <a:endParaRPr lang="fr-FR"/>
           </a:p>
@@ -2701,7 +2703,7 @@
           <a:p>
             <a:fld id="{1E852E34-5808-411D-82B1-F5678CCA79B1}" type="datetimeFigureOut">
               <a:rPr lang="fr-FR" smtClean="0"/>
-              <a:t>23/08/2019</a:t>
+              <a:t>24/08/2019</a:t>
             </a:fld>
             <a:endParaRPr lang="fr-FR"/>
           </a:p>
@@ -2942,7 +2944,7 @@
           <a:p>
             <a:fld id="{1E852E34-5808-411D-82B1-F5678CCA79B1}" type="datetimeFigureOut">
               <a:rPr lang="fr-FR" smtClean="0"/>
-              <a:t>23/08/2019</a:t>
+              <a:t>24/08/2019</a:t>
             </a:fld>
             <a:endParaRPr lang="fr-FR"/>
           </a:p>
@@ -6985,6 +6987,741 @@
 </p:sld>
 </file>
 
+<file path=ppt/slides/slide12.xml><?xml version="1.0" encoding="utf-8"?>
+<p:sld xmlns:a="http://schemas.openxmlformats.org/drawingml/2006/main" xmlns:r="http://schemas.openxmlformats.org/officeDocument/2006/relationships" xmlns:p="http://schemas.openxmlformats.org/presentationml/2006/main">
+  <p:cSld>
+    <p:spTree>
+      <p:nvGrpSpPr>
+        <p:cNvPr id="1" name=""/>
+        <p:cNvGrpSpPr/>
+        <p:nvPr/>
+      </p:nvGrpSpPr>
+      <p:grpSpPr>
+        <a:xfrm>
+          <a:off x="0" y="0"/>
+          <a:ext cx="0" cy="0"/>
+          <a:chOff x="0" y="0"/>
+          <a:chExt cx="0" cy="0"/>
+        </a:xfrm>
+      </p:grpSpPr>
+      <p:sp>
+        <p:nvSpPr>
+          <p:cNvPr id="4" name="Rectangle 3">
+            <a:extLst>
+              <a:ext uri="{FF2B5EF4-FFF2-40B4-BE49-F238E27FC236}">
+                <a16:creationId xmlns:a16="http://schemas.microsoft.com/office/drawing/2014/main" id="{B8B81676-A876-4BC4-92BE-34125DAF11EA}"/>
+              </a:ext>
+            </a:extLst>
+          </p:cNvPr>
+          <p:cNvSpPr/>
+          <p:nvPr/>
+        </p:nvSpPr>
+        <p:spPr>
+          <a:xfrm>
+            <a:off x="0" y="0"/>
+            <a:ext cx="12192000" cy="679508"/>
+          </a:xfrm>
+          <a:prstGeom prst="rect">
+            <a:avLst/>
+          </a:prstGeom>
+          <a:gradFill flip="none" rotWithShape="1">
+            <a:gsLst>
+              <a:gs pos="0">
+                <a:srgbClr val="00B0F0"/>
+              </a:gs>
+              <a:gs pos="100000">
+                <a:srgbClr val="A6E4FA"/>
+              </a:gs>
+            </a:gsLst>
+            <a:lin ang="5400000" scaled="1"/>
+            <a:tileRect/>
+          </a:gradFill>
+          <a:ln>
+            <a:noFill/>
+          </a:ln>
+        </p:spPr>
+        <p:style>
+          <a:lnRef idx="2">
+            <a:schemeClr val="accent1">
+              <a:shade val="50000"/>
+            </a:schemeClr>
+          </a:lnRef>
+          <a:fillRef idx="1">
+            <a:schemeClr val="accent1"/>
+          </a:fillRef>
+          <a:effectRef idx="0">
+            <a:schemeClr val="accent1"/>
+          </a:effectRef>
+          <a:fontRef idx="minor">
+            <a:schemeClr val="lt1"/>
+          </a:fontRef>
+        </p:style>
+        <p:txBody>
+          <a:bodyPr rtlCol="0" anchor="ctr"/>
+          <a:lstStyle/>
+          <a:p>
+            <a:pPr algn="ctr"/>
+            <a:r>
+              <a:rPr lang="fr-FR"/>
+              <a:t>S</a:t>
+            </a:r>
+            <a:r>
+              <a:rPr lang="en-001"/>
+              <a:t>t</a:t>
+            </a:r>
+            <a:r>
+              <a:rPr lang="fr-FR"/>
+              <a:t>a</a:t>
+            </a:r>
+            <a:r>
+              <a:rPr lang="en-001"/>
+              <a:t>n</a:t>
+            </a:r>
+            <a:r>
+              <a:rPr lang="fr-FR"/>
+              <a:t>d</a:t>
+            </a:r>
+            <a:r>
+              <a:rPr lang="en-001"/>
+              <a:t>a</a:t>
+            </a:r>
+            <a:r>
+              <a:rPr lang="fr-FR"/>
+              <a:t>r</a:t>
+            </a:r>
+            <a:r>
+              <a:rPr lang="en-001"/>
+              <a:t>d</a:t>
+            </a:r>
+            <a:r>
+              <a:rPr lang="fr-FR"/>
+              <a:t>i</a:t>
+            </a:r>
+            <a:r>
+              <a:rPr lang="en-001"/>
+              <a:t>s</a:t>
+            </a:r>
+            <a:r>
+              <a:rPr lang="fr-FR"/>
+              <a:t>a</a:t>
+            </a:r>
+            <a:r>
+              <a:rPr lang="en-001"/>
+              <a:t>t</a:t>
+            </a:r>
+            <a:r>
+              <a:rPr lang="fr-FR"/>
+              <a:t>i</a:t>
+            </a:r>
+            <a:r>
+              <a:rPr lang="en-001"/>
+              <a:t>o</a:t>
+            </a:r>
+            <a:r>
+              <a:rPr lang="fr-FR"/>
+              <a:t>n</a:t>
+            </a:r>
+          </a:p>
+        </p:txBody>
+      </p:sp>
+      <p:pic>
+        <p:nvPicPr>
+          <p:cNvPr id="11" name="Image 10">
+            <a:extLst>
+              <a:ext uri="{FF2B5EF4-FFF2-40B4-BE49-F238E27FC236}">
+                <a16:creationId xmlns:a16="http://schemas.microsoft.com/office/drawing/2014/main" id="{77BD5E8E-79DE-4ACB-9739-DD873F8FF71D}"/>
+              </a:ext>
+            </a:extLst>
+          </p:cNvPr>
+          <p:cNvPicPr>
+            <a:picLocks noChangeAspect="1"/>
+          </p:cNvPicPr>
+          <p:nvPr/>
+        </p:nvPicPr>
+        <p:blipFill>
+          <a:blip r:embed="rId2"/>
+          <a:stretch>
+            <a:fillRect/>
+          </a:stretch>
+        </p:blipFill>
+        <p:spPr>
+          <a:xfrm>
+            <a:off x="274279" y="1518407"/>
+            <a:ext cx="3191523" cy="3010219"/>
+          </a:xfrm>
+          <a:prstGeom prst="rect">
+            <a:avLst/>
+          </a:prstGeom>
+        </p:spPr>
+      </p:pic>
+      <p:sp>
+        <p:nvSpPr>
+          <p:cNvPr id="12" name="ZoneTexte 11">
+            <a:extLst>
+              <a:ext uri="{FF2B5EF4-FFF2-40B4-BE49-F238E27FC236}">
+                <a16:creationId xmlns:a16="http://schemas.microsoft.com/office/drawing/2014/main" id="{D728C803-6F99-4D4A-A919-689D2F66D450}"/>
+              </a:ext>
+            </a:extLst>
+          </p:cNvPr>
+          <p:cNvSpPr txBox="1"/>
+          <p:nvPr/>
+        </p:nvSpPr>
+        <p:spPr>
+          <a:xfrm>
+            <a:off x="4295163" y="1308683"/>
+            <a:ext cx="8016618" cy="2308324"/>
+          </a:xfrm>
+          <a:prstGeom prst="rect">
+            <a:avLst/>
+          </a:prstGeom>
+          <a:noFill/>
+        </p:spPr>
+        <p:txBody>
+          <a:bodyPr wrap="none" rtlCol="0">
+            <a:spAutoFit/>
+          </a:bodyPr>
+          <a:lstStyle/>
+          <a:p>
+            <a:r>
+              <a:rPr lang="en-001"/>
+              <a:t>x </a:t>
+            </a:r>
+            <a:r>
+              <a:rPr lang="fr-FR"/>
+              <a:t>e</a:t>
+            </a:r>
+            <a:r>
+              <a:rPr lang="en-001"/>
+              <a:t>s</a:t>
+            </a:r>
+            <a:r>
+              <a:rPr lang="fr-FR"/>
+              <a:t>t</a:t>
+            </a:r>
+            <a:r>
+              <a:rPr lang="en-001"/>
+              <a:t> </a:t>
+            </a:r>
+            <a:r>
+              <a:rPr lang="fr-FR"/>
+              <a:t>u</a:t>
+            </a:r>
+            <a:r>
+              <a:rPr lang="en-001"/>
+              <a:t>n</a:t>
+            </a:r>
+            <a:r>
+              <a:rPr lang="fr-FR"/>
+              <a:t>e</a:t>
+            </a:r>
+            <a:r>
+              <a:rPr lang="en-001"/>
+              <a:t> </a:t>
+            </a:r>
+            <a:r>
+              <a:rPr lang="fr-FR"/>
+              <a:t>l</a:t>
+            </a:r>
+            <a:r>
+              <a:rPr lang="en-001"/>
+              <a:t>i</a:t>
+            </a:r>
+            <a:r>
+              <a:rPr lang="fr-FR"/>
+              <a:t>s</a:t>
+            </a:r>
+            <a:r>
+              <a:rPr lang="en-001"/>
+              <a:t>t</a:t>
+            </a:r>
+            <a:r>
+              <a:rPr lang="fr-FR"/>
+              <a:t>e</a:t>
+            </a:r>
+            <a:r>
+              <a:rPr lang="en-001"/>
+              <a:t> </a:t>
+            </a:r>
+            <a:r>
+              <a:rPr lang="fr-FR"/>
+              <a:t>d</a:t>
+            </a:r>
+            <a:r>
+              <a:rPr lang="en-001"/>
+              <a:t>e </a:t>
+            </a:r>
+            <a:r>
+              <a:rPr lang="fr-FR"/>
+              <a:t>d</a:t>
+            </a:r>
+            <a:r>
+              <a:rPr lang="en-001"/>
+              <a:t>o</a:t>
+            </a:r>
+            <a:r>
+              <a:rPr lang="fr-FR"/>
+              <a:t>n</a:t>
+            </a:r>
+            <a:r>
+              <a:rPr lang="en-001"/>
+              <a:t>née com</a:t>
+            </a:r>
+            <a:r>
+              <a:rPr lang="fr-FR"/>
+              <a:t>m</a:t>
+            </a:r>
+            <a:r>
+              <a:rPr lang="en-001"/>
+              <a:t>e </a:t>
+            </a:r>
+            <a:r>
+              <a:rPr lang="fr-FR"/>
+              <a:t>d</a:t>
+            </a:r>
+            <a:r>
+              <a:rPr lang="en-001"/>
+              <a:t>e</a:t>
+            </a:r>
+            <a:r>
+              <a:rPr lang="fr-FR"/>
+              <a:t>s</a:t>
+            </a:r>
+            <a:r>
+              <a:rPr lang="en-001"/>
+              <a:t> </a:t>
+            </a:r>
+            <a:r>
+              <a:rPr lang="fr-FR"/>
+              <a:t>a</a:t>
+            </a:r>
+            <a:r>
+              <a:rPr lang="en-001"/>
+              <a:t>g</a:t>
+            </a:r>
+            <a:r>
+              <a:rPr lang="fr-FR"/>
+              <a:t>e</a:t>
+            </a:r>
+            <a:r>
+              <a:rPr lang="en-001"/>
+              <a:t>s </a:t>
+            </a:r>
+            <a:r>
+              <a:rPr lang="fr-FR"/>
+              <a:t>p</a:t>
+            </a:r>
+            <a:r>
+              <a:rPr lang="en-001"/>
+              <a:t>a</a:t>
+            </a:r>
+            <a:r>
+              <a:rPr lang="fr-FR"/>
+              <a:t>r</a:t>
+            </a:r>
+            <a:r>
+              <a:rPr lang="en-001"/>
+              <a:t> </a:t>
+            </a:r>
+            <a:r>
+              <a:rPr lang="fr-FR"/>
+              <a:t>e</a:t>
+            </a:r>
+            <a:r>
+              <a:rPr lang="en-001"/>
+              <a:t>x</a:t>
+            </a:r>
+            <a:r>
+              <a:rPr lang="fr-FR"/>
+              <a:t>e</a:t>
+            </a:r>
+            <a:r>
+              <a:rPr lang="en-001"/>
+              <a:t>m</a:t>
+            </a:r>
+            <a:r>
+              <a:rPr lang="fr-FR"/>
+              <a:t>p</a:t>
+            </a:r>
+            <a:r>
+              <a:rPr lang="en-001"/>
+              <a:t>l</a:t>
+            </a:r>
+            <a:r>
+              <a:rPr lang="fr-FR"/>
+              <a:t>e</a:t>
+            </a:r>
+            <a:r>
+              <a:rPr lang="en-001"/>
+              <a:t>.</a:t>
+            </a:r>
+          </a:p>
+          <a:p>
+            <a:r>
+              <a:rPr lang="en-001"/>
+              <a:t>Au debut, on appliquer un Min-Max scaling (</a:t>
+            </a:r>
+            <a:r>
+              <a:rPr lang="fr-FR"/>
+              <a:t>n</a:t>
+            </a:r>
+            <a:r>
+              <a:rPr lang="en-001"/>
+              <a:t>o</a:t>
+            </a:r>
+            <a:r>
+              <a:rPr lang="fr-FR"/>
+              <a:t>r</a:t>
+            </a:r>
+            <a:r>
+              <a:rPr lang="en-001"/>
+              <a:t>m</a:t>
+            </a:r>
+            <a:r>
+              <a:rPr lang="fr-FR"/>
+              <a:t>a</a:t>
+            </a:r>
+            <a:r>
+              <a:rPr lang="en-001"/>
+              <a:t>l</a:t>
+            </a:r>
+            <a:r>
+              <a:rPr lang="fr-FR"/>
+              <a:t>i</a:t>
+            </a:r>
+            <a:r>
+              <a:rPr lang="en-001"/>
+              <a:t>s</a:t>
+            </a:r>
+            <a:r>
+              <a:rPr lang="fr-FR"/>
+              <a:t>a</a:t>
+            </a:r>
+            <a:r>
+              <a:rPr lang="en-001"/>
+              <a:t>t</a:t>
+            </a:r>
+            <a:r>
+              <a:rPr lang="fr-FR"/>
+              <a:t>i</a:t>
+            </a:r>
+            <a:r>
+              <a:rPr lang="en-001"/>
+              <a:t>o</a:t>
+            </a:r>
+            <a:r>
+              <a:rPr lang="fr-FR"/>
+              <a:t>n</a:t>
+            </a:r>
+            <a:r>
+              <a:rPr lang="en-001"/>
+              <a:t>)</a:t>
+            </a:r>
+          </a:p>
+          <a:p>
+            <a:r>
+              <a:rPr lang="en-001"/>
+              <a:t>sur la liste pour met</a:t>
+            </a:r>
+            <a:r>
+              <a:rPr lang="fr-FR"/>
+              <a:t>t</a:t>
+            </a:r>
+            <a:r>
+              <a:rPr lang="en-001"/>
+              <a:t>re les donné</a:t>
+            </a:r>
+            <a:r>
+              <a:rPr lang="fr-FR"/>
+              <a:t>e</a:t>
+            </a:r>
+            <a:r>
+              <a:rPr lang="en-001"/>
+              <a:t>s entre 0 et 1 donc</a:t>
+            </a:r>
+          </a:p>
+          <a:p>
+            <a:r>
+              <a:rPr lang="en-001"/>
+              <a:t>pour chaque x, on le remplace par son x_norm[</a:t>
+            </a:r>
+            <a:r>
+              <a:rPr lang="fr-FR"/>
+              <a:t>i</a:t>
+            </a:r>
+            <a:r>
+              <a:rPr lang="en-001"/>
+              <a:t>] = (</a:t>
+            </a:r>
+            <a:r>
+              <a:rPr lang="fr-FR"/>
+              <a:t>x</a:t>
+            </a:r>
+            <a:r>
+              <a:rPr lang="en-001"/>
+              <a:t>[</a:t>
+            </a:r>
+            <a:r>
+              <a:rPr lang="fr-FR"/>
+              <a:t>i</a:t>
+            </a:r>
+            <a:r>
+              <a:rPr lang="en-001"/>
+              <a:t>] – min(x)) / (max(x) – min(x))</a:t>
+            </a:r>
+          </a:p>
+          <a:p>
+            <a:endParaRPr lang="en-001"/>
+          </a:p>
+          <a:p>
+            <a:r>
+              <a:rPr lang="en-001"/>
+              <a:t>On se retrouve avec une nouvelle liste x_norm</a:t>
+            </a:r>
+          </a:p>
+          <a:p>
+            <a:r>
+              <a:rPr lang="en-001"/>
+              <a:t>Pour obtenir la liste x_stdr on remp</a:t>
+            </a:r>
+            <a:r>
+              <a:rPr lang="fr-FR"/>
+              <a:t>l</a:t>
+            </a:r>
+            <a:r>
+              <a:rPr lang="en-001"/>
+              <a:t>a</a:t>
+            </a:r>
+            <a:r>
+              <a:rPr lang="fr-FR"/>
+              <a:t>c</a:t>
+            </a:r>
+            <a:r>
+              <a:rPr lang="en-001"/>
+              <a:t>e le x_norm[i] par</a:t>
+            </a:r>
+          </a:p>
+          <a:p>
+            <a:r>
+              <a:rPr lang="en-001"/>
+              <a:t>x_st</a:t>
+            </a:r>
+            <a:r>
+              <a:rPr lang="fr-FR"/>
+              <a:t>d</a:t>
+            </a:r>
+            <a:r>
+              <a:rPr lang="en-001"/>
+              <a:t>r[</a:t>
+            </a:r>
+            <a:r>
+              <a:rPr lang="fr-FR"/>
+              <a:t>i</a:t>
+            </a:r>
+            <a:r>
+              <a:rPr lang="en-001"/>
+              <a:t>] = (</a:t>
+            </a:r>
+            <a:r>
+              <a:rPr lang="fr-FR"/>
+              <a:t>x</a:t>
+            </a:r>
+            <a:r>
+              <a:rPr lang="en-001"/>
+              <a:t>_</a:t>
+            </a:r>
+            <a:r>
+              <a:rPr lang="fr-FR"/>
+              <a:t>n</a:t>
+            </a:r>
+            <a:r>
+              <a:rPr lang="en-001"/>
+              <a:t>o</a:t>
+            </a:r>
+            <a:r>
+              <a:rPr lang="fr-FR"/>
+              <a:t>r</a:t>
+            </a:r>
+            <a:r>
+              <a:rPr lang="en-001"/>
+              <a:t>m[</a:t>
+            </a:r>
+            <a:r>
+              <a:rPr lang="fr-FR"/>
+              <a:t>i</a:t>
+            </a:r>
+            <a:r>
+              <a:rPr lang="en-001"/>
+              <a:t>] – </a:t>
+            </a:r>
+            <a:r>
+              <a:rPr lang="fr-FR"/>
+              <a:t>M</a:t>
+            </a:r>
+            <a:r>
+              <a:rPr lang="en-001"/>
+              <a:t>o</a:t>
+            </a:r>
+            <a:r>
+              <a:rPr lang="fr-FR"/>
+              <a:t>y</a:t>
+            </a:r>
+            <a:r>
+              <a:rPr lang="en-001"/>
+              <a:t>e</a:t>
+            </a:r>
+            <a:r>
+              <a:rPr lang="fr-FR"/>
+              <a:t>n</a:t>
+            </a:r>
+            <a:r>
+              <a:rPr lang="en-001"/>
+              <a:t>n</a:t>
+            </a:r>
+            <a:r>
+              <a:rPr lang="fr-FR"/>
+              <a:t>e</a:t>
+            </a:r>
+            <a:r>
+              <a:rPr lang="en-001"/>
+              <a:t>(</a:t>
+            </a:r>
+            <a:r>
+              <a:rPr lang="fr-FR"/>
+              <a:t>x</a:t>
+            </a:r>
+            <a:r>
+              <a:rPr lang="en-001"/>
+              <a:t>_</a:t>
+            </a:r>
+            <a:r>
+              <a:rPr lang="fr-FR"/>
+              <a:t>n</a:t>
+            </a:r>
+            <a:r>
+              <a:rPr lang="en-001"/>
+              <a:t>o</a:t>
+            </a:r>
+            <a:r>
+              <a:rPr lang="fr-FR"/>
+              <a:t>r</a:t>
+            </a:r>
+            <a:r>
+              <a:rPr lang="en-001"/>
+              <a:t>m)) / </a:t>
+            </a:r>
+            <a:r>
+              <a:rPr lang="fr-FR"/>
+              <a:t>s</a:t>
+            </a:r>
+            <a:r>
+              <a:rPr lang="en-001"/>
+              <a:t>t</a:t>
+            </a:r>
+            <a:r>
+              <a:rPr lang="fr-FR"/>
+              <a:t>a</a:t>
+            </a:r>
+            <a:r>
+              <a:rPr lang="en-001"/>
+              <a:t>n</a:t>
+            </a:r>
+            <a:r>
+              <a:rPr lang="fr-FR"/>
+              <a:t>d</a:t>
+            </a:r>
+            <a:r>
+              <a:rPr lang="en-001"/>
+              <a:t>a</a:t>
+            </a:r>
+            <a:r>
+              <a:rPr lang="fr-FR"/>
+              <a:t>r</a:t>
+            </a:r>
+            <a:r>
+              <a:rPr lang="en-001"/>
+              <a:t>t_</a:t>
+            </a:r>
+            <a:r>
+              <a:rPr lang="fr-FR"/>
+              <a:t>d</a:t>
+            </a:r>
+            <a:r>
+              <a:rPr lang="en-001"/>
+              <a:t>e</a:t>
+            </a:r>
+            <a:r>
+              <a:rPr lang="fr-FR"/>
+              <a:t>v</a:t>
+            </a:r>
+            <a:r>
+              <a:rPr lang="en-001"/>
+              <a:t>i</a:t>
+            </a:r>
+            <a:r>
+              <a:rPr lang="fr-FR"/>
+              <a:t>a</a:t>
+            </a:r>
+            <a:r>
+              <a:rPr lang="en-001"/>
+              <a:t>t</a:t>
+            </a:r>
+            <a:r>
+              <a:rPr lang="fr-FR"/>
+              <a:t>i</a:t>
+            </a:r>
+            <a:r>
+              <a:rPr lang="en-001"/>
+              <a:t>o</a:t>
+            </a:r>
+            <a:r>
+              <a:rPr lang="fr-FR"/>
+              <a:t>n</a:t>
+            </a:r>
+            <a:r>
+              <a:rPr lang="en-001"/>
+              <a:t>(</a:t>
+            </a:r>
+            <a:r>
+              <a:rPr lang="fr-FR"/>
+              <a:t>x</a:t>
+            </a:r>
+            <a:r>
+              <a:rPr lang="en-001"/>
+              <a:t>_</a:t>
+            </a:r>
+            <a:r>
+              <a:rPr lang="fr-FR"/>
+              <a:t>n</a:t>
+            </a:r>
+            <a:r>
+              <a:rPr lang="en-001"/>
+              <a:t>o</a:t>
+            </a:r>
+            <a:r>
+              <a:rPr lang="fr-FR"/>
+              <a:t>r</a:t>
+            </a:r>
+            <a:r>
+              <a:rPr lang="en-001"/>
+              <a:t>m)</a:t>
+            </a:r>
+            <a:endParaRPr lang="fr-FR"/>
+          </a:p>
+        </p:txBody>
+      </p:sp>
+    </p:spTree>
+    <p:extLst>
+      <p:ext uri="{BB962C8B-B14F-4D97-AF65-F5344CB8AC3E}">
+        <p14:creationId xmlns:p14="http://schemas.microsoft.com/office/powerpoint/2010/main" val="95063548"/>
+      </p:ext>
+    </p:extLst>
+  </p:cSld>
+  <p:clrMapOvr>
+    <a:masterClrMapping/>
+  </p:clrMapOvr>
+</p:sld>
+</file>
+
 <file path=ppt/slides/slide2.xml><?xml version="1.0" encoding="utf-8"?>
 <p:sld xmlns:a="http://schemas.openxmlformats.org/drawingml/2006/main" xmlns:r="http://schemas.openxmlformats.org/officeDocument/2006/relationships" xmlns:p="http://schemas.openxmlformats.org/presentationml/2006/main" show="0">
   <p:cSld>

--- a/Docs/Draft/Draft_Struct.pptx
+++ b/Docs/Draft/Draft_Struct.pptx
@@ -16,7 +16,8 @@
     <p:sldId id="259" r:id="rId10"/>
     <p:sldId id="264" r:id="rId11"/>
     <p:sldId id="265" r:id="rId12"/>
-    <p:sldId id="267" r:id="rId13"/>
+    <p:sldId id="268" r:id="rId13"/>
+    <p:sldId id="267" r:id="rId14"/>
   </p:sldIdLst>
   <p:sldSz cx="12192000" cy="6858000"/>
   <p:notesSz cx="6858000" cy="9144000"/>
@@ -135,6 +136,11 @@
             <p14:sldId id="259"/>
             <p14:sldId id="264"/>
             <p14:sldId id="265"/>
+          </p14:sldIdLst>
+        </p14:section>
+        <p14:section name="Encodage de la dataset" id="{184BE4F6-35B4-4FAF-AB9C-4B5EAD8AD16F}">
+          <p14:sldIdLst>
+            <p14:sldId id="268"/>
             <p14:sldId id="267"/>
           </p14:sldIdLst>
         </p14:section>
@@ -294,7 +300,7 @@
           <a:p>
             <a:fld id="{1E852E34-5808-411D-82B1-F5678CCA79B1}" type="datetimeFigureOut">
               <a:rPr lang="fr-FR" smtClean="0"/>
-              <a:t>24/08/2019</a:t>
+              <a:t>25/08/2019</a:t>
             </a:fld>
             <a:endParaRPr lang="fr-FR"/>
           </a:p>
@@ -492,7 +498,7 @@
           <a:p>
             <a:fld id="{1E852E34-5808-411D-82B1-F5678CCA79B1}" type="datetimeFigureOut">
               <a:rPr lang="fr-FR" smtClean="0"/>
-              <a:t>24/08/2019</a:t>
+              <a:t>25/08/2019</a:t>
             </a:fld>
             <a:endParaRPr lang="fr-FR"/>
           </a:p>
@@ -700,7 +706,7 @@
           <a:p>
             <a:fld id="{1E852E34-5808-411D-82B1-F5678CCA79B1}" type="datetimeFigureOut">
               <a:rPr lang="fr-FR" smtClean="0"/>
-              <a:t>24/08/2019</a:t>
+              <a:t>25/08/2019</a:t>
             </a:fld>
             <a:endParaRPr lang="fr-FR"/>
           </a:p>
@@ -898,7 +904,7 @@
           <a:p>
             <a:fld id="{1E852E34-5808-411D-82B1-F5678CCA79B1}" type="datetimeFigureOut">
               <a:rPr lang="fr-FR" smtClean="0"/>
-              <a:t>24/08/2019</a:t>
+              <a:t>25/08/2019</a:t>
             </a:fld>
             <a:endParaRPr lang="fr-FR"/>
           </a:p>
@@ -1173,7 +1179,7 @@
           <a:p>
             <a:fld id="{1E852E34-5808-411D-82B1-F5678CCA79B1}" type="datetimeFigureOut">
               <a:rPr lang="fr-FR" smtClean="0"/>
-              <a:t>24/08/2019</a:t>
+              <a:t>25/08/2019</a:t>
             </a:fld>
             <a:endParaRPr lang="fr-FR"/>
           </a:p>
@@ -1438,7 +1444,7 @@
           <a:p>
             <a:fld id="{1E852E34-5808-411D-82B1-F5678CCA79B1}" type="datetimeFigureOut">
               <a:rPr lang="fr-FR" smtClean="0"/>
-              <a:t>24/08/2019</a:t>
+              <a:t>25/08/2019</a:t>
             </a:fld>
             <a:endParaRPr lang="fr-FR"/>
           </a:p>
@@ -1850,7 +1856,7 @@
           <a:p>
             <a:fld id="{1E852E34-5808-411D-82B1-F5678CCA79B1}" type="datetimeFigureOut">
               <a:rPr lang="fr-FR" smtClean="0"/>
-              <a:t>24/08/2019</a:t>
+              <a:t>25/08/2019</a:t>
             </a:fld>
             <a:endParaRPr lang="fr-FR"/>
           </a:p>
@@ -1991,7 +1997,7 @@
           <a:p>
             <a:fld id="{1E852E34-5808-411D-82B1-F5678CCA79B1}" type="datetimeFigureOut">
               <a:rPr lang="fr-FR" smtClean="0"/>
-              <a:t>24/08/2019</a:t>
+              <a:t>25/08/2019</a:t>
             </a:fld>
             <a:endParaRPr lang="fr-FR"/>
           </a:p>
@@ -2104,7 +2110,7 @@
           <a:p>
             <a:fld id="{1E852E34-5808-411D-82B1-F5678CCA79B1}" type="datetimeFigureOut">
               <a:rPr lang="fr-FR" smtClean="0"/>
-              <a:t>24/08/2019</a:t>
+              <a:t>25/08/2019</a:t>
             </a:fld>
             <a:endParaRPr lang="fr-FR"/>
           </a:p>
@@ -2415,7 +2421,7 @@
           <a:p>
             <a:fld id="{1E852E34-5808-411D-82B1-F5678CCA79B1}" type="datetimeFigureOut">
               <a:rPr lang="fr-FR" smtClean="0"/>
-              <a:t>24/08/2019</a:t>
+              <a:t>25/08/2019</a:t>
             </a:fld>
             <a:endParaRPr lang="fr-FR"/>
           </a:p>
@@ -2703,7 +2709,7 @@
           <a:p>
             <a:fld id="{1E852E34-5808-411D-82B1-F5678CCA79B1}" type="datetimeFigureOut">
               <a:rPr lang="fr-FR" smtClean="0"/>
-              <a:t>24/08/2019</a:t>
+              <a:t>25/08/2019</a:t>
             </a:fld>
             <a:endParaRPr lang="fr-FR"/>
           </a:p>
@@ -2944,7 +2950,7 @@
           <a:p>
             <a:fld id="{1E852E34-5808-411D-82B1-F5678CCA79B1}" type="datetimeFigureOut">
               <a:rPr lang="fr-FR" smtClean="0"/>
-              <a:t>24/08/2019</a:t>
+              <a:t>25/08/2019</a:t>
             </a:fld>
             <a:endParaRPr lang="fr-FR"/>
           </a:p>
@@ -7009,6 +7015,790 @@
           <p:cNvPr id="4" name="Rectangle 3">
             <a:extLst>
               <a:ext uri="{FF2B5EF4-FFF2-40B4-BE49-F238E27FC236}">
+                <a16:creationId xmlns:a16="http://schemas.microsoft.com/office/drawing/2014/main" id="{716D026D-D603-4A88-B387-110BD9D178B0}"/>
+              </a:ext>
+            </a:extLst>
+          </p:cNvPr>
+          <p:cNvSpPr/>
+          <p:nvPr/>
+        </p:nvSpPr>
+        <p:spPr>
+          <a:xfrm>
+            <a:off x="0" y="0"/>
+            <a:ext cx="12192000" cy="679508"/>
+          </a:xfrm>
+          <a:prstGeom prst="rect">
+            <a:avLst/>
+          </a:prstGeom>
+          <a:gradFill flip="none" rotWithShape="1">
+            <a:gsLst>
+              <a:gs pos="0">
+                <a:srgbClr val="00B0F0"/>
+              </a:gs>
+              <a:gs pos="100000">
+                <a:srgbClr val="A6E4FA"/>
+              </a:gs>
+            </a:gsLst>
+            <a:lin ang="5400000" scaled="1"/>
+            <a:tileRect/>
+          </a:gradFill>
+          <a:ln>
+            <a:noFill/>
+          </a:ln>
+        </p:spPr>
+        <p:style>
+          <a:lnRef idx="2">
+            <a:schemeClr val="accent1">
+              <a:shade val="50000"/>
+            </a:schemeClr>
+          </a:lnRef>
+          <a:fillRef idx="1">
+            <a:schemeClr val="accent1"/>
+          </a:fillRef>
+          <a:effectRef idx="0">
+            <a:schemeClr val="accent1"/>
+          </a:effectRef>
+          <a:fontRef idx="minor">
+            <a:schemeClr val="lt1"/>
+          </a:fontRef>
+        </p:style>
+        <p:txBody>
+          <a:bodyPr rtlCol="0" anchor="ctr"/>
+          <a:lstStyle/>
+          <a:p>
+            <a:pPr algn="ctr"/>
+            <a:r>
+              <a:rPr lang="fr-FR"/>
+              <a:t>E</a:t>
+            </a:r>
+            <a:r>
+              <a:rPr lang="en-001"/>
+              <a:t>ncod</a:t>
+            </a:r>
+            <a:r>
+              <a:rPr lang="fr-FR"/>
+              <a:t>a</a:t>
+            </a:r>
+            <a:r>
+              <a:rPr lang="en-001"/>
+              <a:t>g</a:t>
+            </a:r>
+            <a:r>
+              <a:rPr lang="fr-FR"/>
+              <a:t>e</a:t>
+            </a:r>
+            <a:r>
+              <a:rPr lang="en-001"/>
+              <a:t> </a:t>
+            </a:r>
+            <a:r>
+              <a:rPr lang="fr-FR"/>
+              <a:t>d</a:t>
+            </a:r>
+            <a:r>
+              <a:rPr lang="en-001"/>
+              <a:t>e </a:t>
+            </a:r>
+            <a:r>
+              <a:rPr lang="fr-FR"/>
+              <a:t>l</a:t>
+            </a:r>
+            <a:r>
+              <a:rPr lang="en-001"/>
+              <a:t>a </a:t>
+            </a:r>
+            <a:r>
+              <a:rPr lang="fr-FR"/>
+              <a:t>d</a:t>
+            </a:r>
+            <a:r>
+              <a:rPr lang="en-001"/>
+              <a:t>a</a:t>
+            </a:r>
+            <a:r>
+              <a:rPr lang="fr-FR"/>
+              <a:t>t</a:t>
+            </a:r>
+            <a:r>
+              <a:rPr lang="en-001"/>
+              <a:t>a</a:t>
+            </a:r>
+            <a:r>
+              <a:rPr lang="fr-FR"/>
+              <a:t>s</a:t>
+            </a:r>
+            <a:r>
+              <a:rPr lang="en-001"/>
+              <a:t>e</a:t>
+            </a:r>
+            <a:r>
+              <a:rPr lang="fr-FR"/>
+              <a:t>t</a:t>
+            </a:r>
+          </a:p>
+        </p:txBody>
+      </p:sp>
+      <p:graphicFrame>
+        <p:nvGraphicFramePr>
+          <p:cNvPr id="5" name="Tableau 4">
+            <a:extLst>
+              <a:ext uri="{FF2B5EF4-FFF2-40B4-BE49-F238E27FC236}">
+                <a16:creationId xmlns:a16="http://schemas.microsoft.com/office/drawing/2014/main" id="{14B5D34B-4C18-4DFE-8D48-25F98A6612CE}"/>
+              </a:ext>
+            </a:extLst>
+          </p:cNvPr>
+          <p:cNvGraphicFramePr>
+            <a:graphicFrameLocks noGrp="1"/>
+          </p:cNvGraphicFramePr>
+          <p:nvPr>
+            <p:extLst>
+              <p:ext uri="{D42A27DB-BD31-4B8C-83A1-F6EECF244321}">
+                <p14:modId xmlns:p14="http://schemas.microsoft.com/office/powerpoint/2010/main" val="3692664308"/>
+              </p:ext>
+            </p:extLst>
+          </p:nvPr>
+        </p:nvGraphicFramePr>
+        <p:xfrm>
+          <a:off x="5962650" y="988906"/>
+          <a:ext cx="4197348" cy="1463040"/>
+        </p:xfrm>
+        <a:graphic>
+          <a:graphicData uri="http://schemas.openxmlformats.org/drawingml/2006/table">
+            <a:tbl>
+              <a:tblPr firstRow="1" bandRow="1">
+                <a:tableStyleId>{5C22544A-7EE6-4342-B048-85BDC9FD1C3A}</a:tableStyleId>
+              </a:tblPr>
+              <a:tblGrid>
+                <a:gridCol w="1399116">
+                  <a:extLst>
+                    <a:ext uri="{9D8B030D-6E8A-4147-A177-3AD203B41FA5}">
+                      <a16:colId xmlns:a16="http://schemas.microsoft.com/office/drawing/2014/main" val="1546896552"/>
+                    </a:ext>
+                  </a:extLst>
+                </a:gridCol>
+                <a:gridCol w="1399116">
+                  <a:extLst>
+                    <a:ext uri="{9D8B030D-6E8A-4147-A177-3AD203B41FA5}">
+                      <a16:colId xmlns:a16="http://schemas.microsoft.com/office/drawing/2014/main" val="4199953745"/>
+                    </a:ext>
+                  </a:extLst>
+                </a:gridCol>
+                <a:gridCol w="1399116">
+                  <a:extLst>
+                    <a:ext uri="{9D8B030D-6E8A-4147-A177-3AD203B41FA5}">
+                      <a16:colId xmlns:a16="http://schemas.microsoft.com/office/drawing/2014/main" val="1432344795"/>
+                    </a:ext>
+                  </a:extLst>
+                </a:gridCol>
+              </a:tblGrid>
+              <a:tr h="0">
+                <a:tc>
+                  <a:txBody>
+                    <a:bodyPr/>
+                    <a:lstStyle/>
+                    <a:p>
+                      <a:r>
+                        <a:rPr lang="en-001"/>
+                        <a:t>U</a:t>
+                      </a:r>
+                      <a:r>
+                        <a:rPr lang="fr-FR"/>
+                        <a:t>s</a:t>
+                      </a:r>
+                      <a:r>
+                        <a:rPr lang="en-001"/>
+                        <a:t>e</a:t>
+                      </a:r>
+                      <a:r>
+                        <a:rPr lang="fr-FR"/>
+                        <a:t>r</a:t>
+                      </a:r>
+                      <a:r>
+                        <a:rPr lang="en-001"/>
+                        <a:t> </a:t>
+                      </a:r>
+                      <a:r>
+                        <a:rPr lang="fr-FR"/>
+                        <a:t>i</a:t>
+                      </a:r>
+                      <a:r>
+                        <a:rPr lang="en-001"/>
+                        <a:t>d</a:t>
+                      </a:r>
+                      <a:endParaRPr lang="fr-FR"/>
+                    </a:p>
+                  </a:txBody>
+                  <a:tcPr/>
+                </a:tc>
+                <a:tc>
+                  <a:txBody>
+                    <a:bodyPr/>
+                    <a:lstStyle/>
+                    <a:p>
+                      <a:r>
+                        <a:rPr lang="en-001"/>
+                        <a:t>P</a:t>
+                      </a:r>
+                      <a:r>
+                        <a:rPr lang="fr-FR"/>
+                        <a:t>a</a:t>
+                      </a:r>
+                      <a:r>
+                        <a:rPr lang="en-001"/>
+                        <a:t>y</a:t>
+                      </a:r>
+                      <a:r>
+                        <a:rPr lang="fr-FR"/>
+                        <a:t>s</a:t>
+                      </a:r>
+                    </a:p>
+                  </a:txBody>
+                  <a:tcPr/>
+                </a:tc>
+                <a:tc>
+                  <a:txBody>
+                    <a:bodyPr/>
+                    <a:lstStyle/>
+                    <a:p>
+                      <a:r>
+                        <a:rPr lang="en-001"/>
+                        <a:t>S</a:t>
+                      </a:r>
+                      <a:r>
+                        <a:rPr lang="fr-FR"/>
+                        <a:t>o</a:t>
+                      </a:r>
+                      <a:r>
+                        <a:rPr lang="en-001"/>
+                        <a:t>l</a:t>
+                      </a:r>
+                      <a:r>
+                        <a:rPr lang="fr-FR"/>
+                        <a:t>d</a:t>
+                      </a:r>
+                      <a:r>
+                        <a:rPr lang="en-001"/>
+                        <a:t>e</a:t>
+                      </a:r>
+                      <a:endParaRPr lang="fr-FR"/>
+                    </a:p>
+                  </a:txBody>
+                  <a:tcPr/>
+                </a:tc>
+                <a:extLst>
+                  <a:ext uri="{0D108BD9-81ED-4DB2-BD59-A6C34878D82A}">
+                    <a16:rowId xmlns:a16="http://schemas.microsoft.com/office/drawing/2014/main" val="346512244"/>
+                  </a:ext>
+                </a:extLst>
+              </a:tr>
+              <a:tr h="284057">
+                <a:tc>
+                  <a:txBody>
+                    <a:bodyPr/>
+                    <a:lstStyle/>
+                    <a:p>
+                      <a:r>
+                        <a:rPr lang="en-001"/>
+                        <a:t>215151</a:t>
+                      </a:r>
+                      <a:endParaRPr lang="fr-FR"/>
+                    </a:p>
+                  </a:txBody>
+                  <a:tcPr/>
+                </a:tc>
+                <a:tc>
+                  <a:txBody>
+                    <a:bodyPr/>
+                    <a:lstStyle/>
+                    <a:p>
+                      <a:r>
+                        <a:rPr lang="en-001"/>
+                        <a:t>F</a:t>
+                      </a:r>
+                      <a:r>
+                        <a:rPr lang="fr-FR"/>
+                        <a:t>r</a:t>
+                      </a:r>
+                      <a:r>
+                        <a:rPr lang="en-001"/>
+                        <a:t>a</a:t>
+                      </a:r>
+                      <a:r>
+                        <a:rPr lang="fr-FR"/>
+                        <a:t>n</a:t>
+                      </a:r>
+                      <a:r>
+                        <a:rPr lang="en-001"/>
+                        <a:t>c</a:t>
+                      </a:r>
+                      <a:r>
+                        <a:rPr lang="fr-FR"/>
+                        <a:t>e</a:t>
+                      </a:r>
+                    </a:p>
+                  </a:txBody>
+                  <a:tcPr/>
+                </a:tc>
+                <a:tc>
+                  <a:txBody>
+                    <a:bodyPr/>
+                    <a:lstStyle/>
+                    <a:p>
+                      <a:r>
+                        <a:rPr lang="en-001"/>
+                        <a:t>100</a:t>
+                      </a:r>
+                      <a:endParaRPr lang="fr-FR"/>
+                    </a:p>
+                  </a:txBody>
+                  <a:tcPr/>
+                </a:tc>
+                <a:extLst>
+                  <a:ext uri="{0D108BD9-81ED-4DB2-BD59-A6C34878D82A}">
+                    <a16:rowId xmlns:a16="http://schemas.microsoft.com/office/drawing/2014/main" val="3594222315"/>
+                  </a:ext>
+                </a:extLst>
+              </a:tr>
+              <a:tr h="284057">
+                <a:tc>
+                  <a:txBody>
+                    <a:bodyPr/>
+                    <a:lstStyle/>
+                    <a:p>
+                      <a:r>
+                        <a:rPr lang="en-001"/>
+                        <a:t>584655</a:t>
+                      </a:r>
+                      <a:endParaRPr lang="fr-FR"/>
+                    </a:p>
+                  </a:txBody>
+                  <a:tcPr/>
+                </a:tc>
+                <a:tc>
+                  <a:txBody>
+                    <a:bodyPr/>
+                    <a:lstStyle/>
+                    <a:p>
+                      <a:r>
+                        <a:rPr lang="en-001"/>
+                        <a:t>A</a:t>
+                      </a:r>
+                      <a:r>
+                        <a:rPr lang="fr-FR"/>
+                        <a:t>l</a:t>
+                      </a:r>
+                      <a:r>
+                        <a:rPr lang="en-001"/>
+                        <a:t>l</a:t>
+                      </a:r>
+                      <a:r>
+                        <a:rPr lang="fr-FR"/>
+                        <a:t>e</a:t>
+                      </a:r>
+                      <a:r>
+                        <a:rPr lang="en-001"/>
+                        <a:t>m</a:t>
+                      </a:r>
+                      <a:r>
+                        <a:rPr lang="fr-FR"/>
+                        <a:t>a</a:t>
+                      </a:r>
+                      <a:r>
+                        <a:rPr lang="en-001"/>
+                        <a:t>g</a:t>
+                      </a:r>
+                      <a:r>
+                        <a:rPr lang="fr-FR"/>
+                        <a:t>n</a:t>
+                      </a:r>
+                      <a:r>
+                        <a:rPr lang="en-001"/>
+                        <a:t>e</a:t>
+                      </a:r>
+                      <a:endParaRPr lang="fr-FR"/>
+                    </a:p>
+                  </a:txBody>
+                  <a:tcPr/>
+                </a:tc>
+                <a:tc>
+                  <a:txBody>
+                    <a:bodyPr/>
+                    <a:lstStyle/>
+                    <a:p>
+                      <a:r>
+                        <a:rPr lang="en-001"/>
+                        <a:t>-500</a:t>
+                      </a:r>
+                      <a:endParaRPr lang="fr-FR"/>
+                    </a:p>
+                  </a:txBody>
+                  <a:tcPr/>
+                </a:tc>
+                <a:extLst>
+                  <a:ext uri="{0D108BD9-81ED-4DB2-BD59-A6C34878D82A}">
+                    <a16:rowId xmlns:a16="http://schemas.microsoft.com/office/drawing/2014/main" val="1506345362"/>
+                  </a:ext>
+                </a:extLst>
+              </a:tr>
+              <a:tr h="284057">
+                <a:tc>
+                  <a:txBody>
+                    <a:bodyPr/>
+                    <a:lstStyle/>
+                    <a:p>
+                      <a:r>
+                        <a:rPr lang="en-001"/>
+                        <a:t>666777</a:t>
+                      </a:r>
+                      <a:endParaRPr lang="fr-FR"/>
+                    </a:p>
+                  </a:txBody>
+                  <a:tcPr/>
+                </a:tc>
+                <a:tc>
+                  <a:txBody>
+                    <a:bodyPr/>
+                    <a:lstStyle/>
+                    <a:p>
+                      <a:r>
+                        <a:rPr lang="fr-FR"/>
+                        <a:t>E</a:t>
+                      </a:r>
+                      <a:r>
+                        <a:rPr lang="en-001"/>
+                        <a:t>s</a:t>
+                      </a:r>
+                      <a:r>
+                        <a:rPr lang="fr-FR"/>
+                        <a:t>p</a:t>
+                      </a:r>
+                      <a:r>
+                        <a:rPr lang="en-001"/>
+                        <a:t>a</a:t>
+                      </a:r>
+                      <a:r>
+                        <a:rPr lang="fr-FR"/>
+                        <a:t>g</a:t>
+                      </a:r>
+                      <a:r>
+                        <a:rPr lang="en-001"/>
+                        <a:t>n</a:t>
+                      </a:r>
+                      <a:r>
+                        <a:rPr lang="fr-FR"/>
+                        <a:t>e</a:t>
+                      </a:r>
+                    </a:p>
+                  </a:txBody>
+                  <a:tcPr/>
+                </a:tc>
+                <a:tc>
+                  <a:txBody>
+                    <a:bodyPr/>
+                    <a:lstStyle/>
+                    <a:p>
+                      <a:r>
+                        <a:rPr lang="en-001"/>
+                        <a:t>1</a:t>
+                      </a:r>
+                      <a:endParaRPr lang="fr-FR"/>
+                    </a:p>
+                  </a:txBody>
+                  <a:tcPr/>
+                </a:tc>
+                <a:extLst>
+                  <a:ext uri="{0D108BD9-81ED-4DB2-BD59-A6C34878D82A}">
+                    <a16:rowId xmlns:a16="http://schemas.microsoft.com/office/drawing/2014/main" val="1918282509"/>
+                  </a:ext>
+                </a:extLst>
+              </a:tr>
+            </a:tbl>
+          </a:graphicData>
+        </a:graphic>
+      </p:graphicFrame>
+      <p:sp>
+        <p:nvSpPr>
+          <p:cNvPr id="6" name="ZoneTexte 5">
+            <a:extLst>
+              <a:ext uri="{FF2B5EF4-FFF2-40B4-BE49-F238E27FC236}">
+                <a16:creationId xmlns:a16="http://schemas.microsoft.com/office/drawing/2014/main" id="{659976B4-93A7-49D5-96E1-1261963EDB6C}"/>
+              </a:ext>
+            </a:extLst>
+          </p:cNvPr>
+          <p:cNvSpPr txBox="1"/>
+          <p:nvPr/>
+        </p:nvSpPr>
+        <p:spPr>
+          <a:xfrm>
+            <a:off x="923925" y="1352550"/>
+            <a:ext cx="6100260" cy="2585323"/>
+          </a:xfrm>
+          <a:prstGeom prst="rect">
+            <a:avLst/>
+          </a:prstGeom>
+          <a:noFill/>
+        </p:spPr>
+        <p:txBody>
+          <a:bodyPr wrap="none" rtlCol="0">
+            <a:spAutoFit/>
+          </a:bodyPr>
+          <a:lstStyle/>
+          <a:p>
+            <a:r>
+              <a:rPr lang="en-001"/>
+              <a:t>1 </a:t>
+            </a:r>
+            <a:r>
+              <a:rPr lang="fr-FR"/>
+              <a:t>R</a:t>
+            </a:r>
+            <a:r>
+              <a:rPr lang="en-001"/>
+              <a:t>e</a:t>
+            </a:r>
+            <a:r>
+              <a:rPr lang="fr-FR"/>
+              <a:t>a</a:t>
+            </a:r>
+            <a:r>
+              <a:rPr lang="en-001"/>
+              <a:t>d_</a:t>
+            </a:r>
+            <a:r>
+              <a:rPr lang="fr-FR"/>
+              <a:t>c</a:t>
+            </a:r>
+            <a:r>
+              <a:rPr lang="en-001"/>
+              <a:t>s</a:t>
+            </a:r>
+            <a:r>
+              <a:rPr lang="fr-FR"/>
+              <a:t>v</a:t>
+            </a:r>
+            <a:r>
+              <a:rPr lang="en-001"/>
+              <a:t> </a:t>
+            </a:r>
+            <a:r>
+              <a:rPr lang="fr-FR"/>
+              <a:t>e</a:t>
+            </a:r>
+            <a:r>
+              <a:rPr lang="en-001"/>
+              <a:t>n </a:t>
+            </a:r>
+            <a:r>
+              <a:rPr lang="fr-FR"/>
+              <a:t>g</a:t>
+            </a:r>
+            <a:r>
+              <a:rPr lang="en-001"/>
+              <a:t>ardant tout en string</a:t>
+            </a:r>
+          </a:p>
+          <a:p>
+            <a:endParaRPr lang="en-001"/>
+          </a:p>
+          <a:p>
+            <a:r>
+              <a:rPr lang="en-001"/>
+              <a:t>2 Optio</a:t>
+            </a:r>
+            <a:r>
+              <a:rPr lang="fr-FR"/>
+              <a:t>n</a:t>
+            </a:r>
+            <a:r>
+              <a:rPr lang="en-001"/>
+              <a:t>e</a:t>
+            </a:r>
+            <a:r>
+              <a:rPr lang="fr-FR"/>
+              <a:t>l</a:t>
+            </a:r>
+            <a:r>
+              <a:rPr lang="en-001"/>
+              <a:t> </a:t>
+            </a:r>
+            <a:r>
+              <a:rPr lang="fr-FR"/>
+              <a:t>o</a:t>
+            </a:r>
+            <a:r>
+              <a:rPr lang="en-001"/>
+              <a:t>n </a:t>
+            </a:r>
+            <a:r>
+              <a:rPr lang="fr-FR"/>
+              <a:t>p</a:t>
+            </a:r>
+            <a:r>
+              <a:rPr lang="en-001"/>
+              <a:t>a</a:t>
+            </a:r>
+            <a:r>
+              <a:rPr lang="fr-FR"/>
+              <a:t>s</a:t>
+            </a:r>
+            <a:r>
+              <a:rPr lang="en-001"/>
+              <a:t>s</a:t>
+            </a:r>
+            <a:r>
+              <a:rPr lang="fr-FR"/>
+              <a:t>e</a:t>
+            </a:r>
+            <a:r>
+              <a:rPr lang="en-001"/>
+              <a:t> </a:t>
+            </a:r>
+            <a:r>
+              <a:rPr lang="fr-FR"/>
+              <a:t>d</a:t>
+            </a:r>
+            <a:r>
+              <a:rPr lang="en-001"/>
+              <a:t>e</a:t>
+            </a:r>
+            <a:r>
+              <a:rPr lang="fr-FR"/>
+              <a:t>s</a:t>
+            </a:r>
+            <a:r>
+              <a:rPr lang="en-001"/>
+              <a:t> </a:t>
+            </a:r>
+            <a:r>
+              <a:rPr lang="fr-FR"/>
+              <a:t>c</a:t>
+            </a:r>
+            <a:r>
+              <a:rPr lang="en-001"/>
+              <a:t>o</a:t>
+            </a:r>
+            <a:r>
+              <a:rPr lang="fr-FR"/>
+              <a:t>l</a:t>
+            </a:r>
+            <a:r>
+              <a:rPr lang="en-001"/>
+              <a:t>l</a:t>
+            </a:r>
+            <a:r>
+              <a:rPr lang="fr-FR"/>
+              <a:t>o</a:t>
+            </a:r>
+            <a:r>
+              <a:rPr lang="en-001"/>
+              <a:t>n</a:t>
+            </a:r>
+            <a:r>
+              <a:rPr lang="fr-FR"/>
+              <a:t>e</a:t>
+            </a:r>
+            <a:r>
+              <a:rPr lang="en-001"/>
+              <a:t>s </a:t>
+            </a:r>
+            <a:r>
+              <a:rPr lang="fr-FR"/>
+              <a:t>d</a:t>
+            </a:r>
+            <a:r>
+              <a:rPr lang="en-001"/>
+              <a:t>a</a:t>
+            </a:r>
+            <a:r>
+              <a:rPr lang="fr-FR"/>
+              <a:t>n</a:t>
+            </a:r>
+            <a:r>
+              <a:rPr lang="en-001"/>
+              <a:t>s </a:t>
+            </a:r>
+            <a:r>
+              <a:rPr lang="fr-FR"/>
+              <a:t>l</a:t>
+            </a:r>
+            <a:r>
+              <a:rPr lang="en-001"/>
+              <a:t>e</a:t>
+            </a:r>
+          </a:p>
+          <a:p>
+            <a:r>
+              <a:rPr lang="en-001"/>
+              <a:t>one_hot_encoder qui va les transformer en</a:t>
+            </a:r>
+          </a:p>
+          <a:p>
+            <a:r>
+              <a:rPr lang="en-001"/>
+              <a:t>type binaire</a:t>
+            </a:r>
+          </a:p>
+          <a:p>
+            <a:endParaRPr lang="en-001"/>
+          </a:p>
+          <a:p>
+            <a:r>
+              <a:rPr lang="en-001"/>
+              <a:t>3 On definit les types des collones sauf celles  one_hot_encod</a:t>
+            </a:r>
+            <a:r>
+              <a:rPr lang="fr-FR"/>
+              <a:t>e</a:t>
+            </a:r>
+            <a:endParaRPr lang="en-001"/>
+          </a:p>
+          <a:p>
+            <a:endParaRPr lang="en-001"/>
+          </a:p>
+          <a:p>
+            <a:r>
+              <a:rPr lang="en-001"/>
+              <a:t>4 On standardise les données des collones</a:t>
+            </a:r>
+            <a:endParaRPr lang="fr-FR"/>
+          </a:p>
+        </p:txBody>
+      </p:sp>
+    </p:spTree>
+    <p:extLst>
+      <p:ext uri="{BB962C8B-B14F-4D97-AF65-F5344CB8AC3E}">
+        <p14:creationId xmlns:p14="http://schemas.microsoft.com/office/powerpoint/2010/main" val="3928713095"/>
+      </p:ext>
+    </p:extLst>
+  </p:cSld>
+  <p:clrMapOvr>
+    <a:masterClrMapping/>
+  </p:clrMapOvr>
+</p:sld>
+</file>
+
+<file path=ppt/slides/slide13.xml><?xml version="1.0" encoding="utf-8"?>
+<p:sld xmlns:a="http://schemas.openxmlformats.org/drawingml/2006/main" xmlns:r="http://schemas.openxmlformats.org/officeDocument/2006/relationships" xmlns:p="http://schemas.openxmlformats.org/presentationml/2006/main">
+  <p:cSld>
+    <p:spTree>
+      <p:nvGrpSpPr>
+        <p:cNvPr id="1" name=""/>
+        <p:cNvGrpSpPr/>
+        <p:nvPr/>
+      </p:nvGrpSpPr>
+      <p:grpSpPr>
+        <a:xfrm>
+          <a:off x="0" y="0"/>
+          <a:ext cx="0" cy="0"/>
+          <a:chOff x="0" y="0"/>
+          <a:chExt cx="0" cy="0"/>
+        </a:xfrm>
+      </p:grpSpPr>
+      <p:sp>
+        <p:nvSpPr>
+          <p:cNvPr id="4" name="Rectangle 3">
+            <a:extLst>
+              <a:ext uri="{FF2B5EF4-FFF2-40B4-BE49-F238E27FC236}">
                 <a16:creationId xmlns:a16="http://schemas.microsoft.com/office/drawing/2014/main" id="{B8B81676-A876-4BC4-92BE-34125DAF11EA}"/>
               </a:ext>
             </a:extLst>

--- a/Docs/Draft/Draft_Struct.pptx
+++ b/Docs/Draft/Draft_Struct.pptx
@@ -16,8 +16,9 @@
     <p:sldId id="259" r:id="rId10"/>
     <p:sldId id="264" r:id="rId11"/>
     <p:sldId id="265" r:id="rId12"/>
-    <p:sldId id="268" r:id="rId13"/>
-    <p:sldId id="267" r:id="rId14"/>
+    <p:sldId id="269" r:id="rId13"/>
+    <p:sldId id="268" r:id="rId14"/>
+    <p:sldId id="267" r:id="rId15"/>
   </p:sldIdLst>
   <p:sldSz cx="12192000" cy="6858000"/>
   <p:notesSz cx="6858000" cy="9144000"/>
@@ -140,6 +141,7 @@
         </p14:section>
         <p14:section name="Encodage de la dataset" id="{184BE4F6-35B4-4FAF-AB9C-4B5EAD8AD16F}">
           <p14:sldIdLst>
+            <p14:sldId id="269"/>
             <p14:sldId id="268"/>
             <p14:sldId id="267"/>
           </p14:sldIdLst>
@@ -6994,6 +6996,618 @@
 </file>
 
 <file path=ppt/slides/slide12.xml><?xml version="1.0" encoding="utf-8"?>
+<p:sld xmlns:a="http://schemas.openxmlformats.org/drawingml/2006/main" xmlns:r="http://schemas.openxmlformats.org/officeDocument/2006/relationships" xmlns:p="http://schemas.openxmlformats.org/presentationml/2006/main">
+  <p:cSld>
+    <p:spTree>
+      <p:nvGrpSpPr>
+        <p:cNvPr id="1" name=""/>
+        <p:cNvGrpSpPr/>
+        <p:nvPr/>
+      </p:nvGrpSpPr>
+      <p:grpSpPr>
+        <a:xfrm>
+          <a:off x="0" y="0"/>
+          <a:ext cx="0" cy="0"/>
+          <a:chOff x="0" y="0"/>
+          <a:chExt cx="0" cy="0"/>
+        </a:xfrm>
+      </p:grpSpPr>
+      <p:sp>
+        <p:nvSpPr>
+          <p:cNvPr id="4" name="Rectangle 3">
+            <a:extLst>
+              <a:ext uri="{FF2B5EF4-FFF2-40B4-BE49-F238E27FC236}">
+                <a16:creationId xmlns:a16="http://schemas.microsoft.com/office/drawing/2014/main" id="{C0C477B1-8B6E-45F8-A583-E1DE01124E23}"/>
+              </a:ext>
+            </a:extLst>
+          </p:cNvPr>
+          <p:cNvSpPr/>
+          <p:nvPr/>
+        </p:nvSpPr>
+        <p:spPr>
+          <a:xfrm>
+            <a:off x="0" y="0"/>
+            <a:ext cx="12192000" cy="679508"/>
+          </a:xfrm>
+          <a:prstGeom prst="rect">
+            <a:avLst/>
+          </a:prstGeom>
+          <a:gradFill flip="none" rotWithShape="1">
+            <a:gsLst>
+              <a:gs pos="0">
+                <a:srgbClr val="00B0F0"/>
+              </a:gs>
+              <a:gs pos="100000">
+                <a:srgbClr val="A6E4FA"/>
+              </a:gs>
+            </a:gsLst>
+            <a:lin ang="5400000" scaled="1"/>
+            <a:tileRect/>
+          </a:gradFill>
+          <a:ln>
+            <a:noFill/>
+          </a:ln>
+        </p:spPr>
+        <p:style>
+          <a:lnRef idx="2">
+            <a:schemeClr val="accent1">
+              <a:shade val="50000"/>
+            </a:schemeClr>
+          </a:lnRef>
+          <a:fillRef idx="1">
+            <a:schemeClr val="accent1"/>
+          </a:fillRef>
+          <a:effectRef idx="0">
+            <a:schemeClr val="accent1"/>
+          </a:effectRef>
+          <a:fontRef idx="minor">
+            <a:schemeClr val="lt1"/>
+          </a:fontRef>
+        </p:style>
+        <p:txBody>
+          <a:bodyPr rtlCol="0" anchor="ctr"/>
+          <a:lstStyle/>
+          <a:p>
+            <a:pPr algn="ctr"/>
+            <a:r>
+              <a:rPr lang="fr-FR"/>
+              <a:t>E</a:t>
+            </a:r>
+            <a:r>
+              <a:rPr lang="en-001"/>
+              <a:t>ncod</a:t>
+            </a:r>
+            <a:r>
+              <a:rPr lang="fr-FR"/>
+              <a:t>a</a:t>
+            </a:r>
+            <a:r>
+              <a:rPr lang="en-001"/>
+              <a:t>g</a:t>
+            </a:r>
+            <a:r>
+              <a:rPr lang="fr-FR"/>
+              <a:t>e</a:t>
+            </a:r>
+            <a:r>
+              <a:rPr lang="en-001"/>
+              <a:t> </a:t>
+            </a:r>
+            <a:r>
+              <a:rPr lang="fr-FR"/>
+              <a:t>d</a:t>
+            </a:r>
+            <a:r>
+              <a:rPr lang="en-001"/>
+              <a:t>e </a:t>
+            </a:r>
+            <a:r>
+              <a:rPr lang="fr-FR"/>
+              <a:t>l</a:t>
+            </a:r>
+            <a:r>
+              <a:rPr lang="en-001"/>
+              <a:t>a </a:t>
+            </a:r>
+            <a:r>
+              <a:rPr lang="fr-FR"/>
+              <a:t>d</a:t>
+            </a:r>
+            <a:r>
+              <a:rPr lang="en-001"/>
+              <a:t>a</a:t>
+            </a:r>
+            <a:r>
+              <a:rPr lang="fr-FR"/>
+              <a:t>t</a:t>
+            </a:r>
+            <a:r>
+              <a:rPr lang="en-001"/>
+              <a:t>a</a:t>
+            </a:r>
+            <a:r>
+              <a:rPr lang="fr-FR"/>
+              <a:t>s</a:t>
+            </a:r>
+            <a:r>
+              <a:rPr lang="en-001"/>
+              <a:t>e</a:t>
+            </a:r>
+            <a:r>
+              <a:rPr lang="fr-FR"/>
+              <a:t>t</a:t>
+            </a:r>
+          </a:p>
+        </p:txBody>
+      </p:sp>
+      <p:sp>
+        <p:nvSpPr>
+          <p:cNvPr id="5" name="Rectangle 4">
+            <a:extLst>
+              <a:ext uri="{FF2B5EF4-FFF2-40B4-BE49-F238E27FC236}">
+                <a16:creationId xmlns:a16="http://schemas.microsoft.com/office/drawing/2014/main" id="{28665EF1-4B3B-477B-A9C5-F27EC7C8EFFE}"/>
+              </a:ext>
+            </a:extLst>
+          </p:cNvPr>
+          <p:cNvSpPr/>
+          <p:nvPr/>
+        </p:nvSpPr>
+        <p:spPr>
+          <a:xfrm>
+            <a:off x="206816" y="969956"/>
+            <a:ext cx="2239860" cy="2365695"/>
+          </a:xfrm>
+          <a:prstGeom prst="rect">
+            <a:avLst/>
+          </a:prstGeom>
+          <a:noFill/>
+        </p:spPr>
+        <p:style>
+          <a:lnRef idx="2">
+            <a:schemeClr val="accent1">
+              <a:shade val="50000"/>
+            </a:schemeClr>
+          </a:lnRef>
+          <a:fillRef idx="1">
+            <a:schemeClr val="accent1"/>
+          </a:fillRef>
+          <a:effectRef idx="0">
+            <a:schemeClr val="accent1"/>
+          </a:effectRef>
+          <a:fontRef idx="minor">
+            <a:schemeClr val="lt1"/>
+          </a:fontRef>
+        </p:style>
+        <p:txBody>
+          <a:bodyPr rtlCol="0" anchor="t"/>
+          <a:lstStyle/>
+          <a:p>
+            <a:r>
+              <a:rPr lang="fr-FR">
+                <a:solidFill>
+                  <a:schemeClr val="tx1"/>
+                </a:solidFill>
+              </a:rPr>
+              <a:t>t</a:t>
+            </a:r>
+            <a:r>
+              <a:rPr lang="en-001">
+                <a:solidFill>
+                  <a:schemeClr val="tx1"/>
+                </a:solidFill>
+              </a:rPr>
+              <a:t>_</a:t>
+            </a:r>
+            <a:r>
+              <a:rPr lang="fr-FR">
+                <a:solidFill>
+                  <a:schemeClr val="tx1"/>
+                </a:solidFill>
+              </a:rPr>
+              <a:t>c</a:t>
+            </a:r>
+            <a:r>
+              <a:rPr lang="en-001">
+                <a:solidFill>
+                  <a:schemeClr val="tx1"/>
+                </a:solidFill>
+              </a:rPr>
+              <a:t>s</a:t>
+            </a:r>
+            <a:r>
+              <a:rPr lang="fr-FR">
+                <a:solidFill>
+                  <a:schemeClr val="tx1"/>
+                </a:solidFill>
+              </a:rPr>
+              <a:t>v</a:t>
+            </a:r>
+            <a:r>
+              <a:rPr lang="en-001">
+                <a:solidFill>
+                  <a:schemeClr val="tx1"/>
+                </a:solidFill>
+              </a:rPr>
+              <a:t>_</a:t>
+            </a:r>
+            <a:r>
+              <a:rPr lang="fr-FR">
+                <a:solidFill>
+                  <a:schemeClr val="tx1"/>
+                </a:solidFill>
+              </a:rPr>
+              <a:t>c</a:t>
+            </a:r>
+            <a:r>
+              <a:rPr lang="en-001">
+                <a:solidFill>
+                  <a:schemeClr val="tx1"/>
+                </a:solidFill>
+              </a:rPr>
+              <a:t>o</a:t>
+            </a:r>
+            <a:r>
+              <a:rPr lang="fr-FR">
+                <a:solidFill>
+                  <a:schemeClr val="tx1"/>
+                </a:solidFill>
+              </a:rPr>
+              <a:t>l</a:t>
+            </a:r>
+            <a:endParaRPr lang="en-001">
+              <a:solidFill>
+                <a:schemeClr val="tx1"/>
+              </a:solidFill>
+            </a:endParaRPr>
+          </a:p>
+          <a:p>
+            <a:r>
+              <a:rPr lang="en-001" sz="1400">
+                <a:solidFill>
+                  <a:schemeClr val="tx1"/>
+                </a:solidFill>
+              </a:rPr>
+              <a:t>void *</a:t>
+            </a:r>
+            <a:r>
+              <a:rPr lang="fr-FR" sz="1400">
+                <a:solidFill>
+                  <a:schemeClr val="tx1"/>
+                </a:solidFill>
+              </a:rPr>
+              <a:t>c</a:t>
+            </a:r>
+            <a:r>
+              <a:rPr lang="en-001" sz="1400">
+                <a:solidFill>
+                  <a:schemeClr val="tx1"/>
+                </a:solidFill>
+              </a:rPr>
+              <a:t>o</a:t>
+            </a:r>
+            <a:r>
+              <a:rPr lang="fr-FR" sz="1400">
+                <a:solidFill>
+                  <a:schemeClr val="tx1"/>
+                </a:solidFill>
+              </a:rPr>
+              <a:t>l</a:t>
+            </a:r>
+            <a:r>
+              <a:rPr lang="en-001" sz="1400">
+                <a:solidFill>
+                  <a:schemeClr val="tx1"/>
+                </a:solidFill>
+              </a:rPr>
+              <a:t>umns</a:t>
+            </a:r>
+          </a:p>
+          <a:p>
+            <a:r>
+              <a:rPr lang="en-001" sz="1400">
+                <a:solidFill>
+                  <a:schemeClr val="tx1"/>
+                </a:solidFill>
+              </a:rPr>
+              <a:t>char *name</a:t>
+            </a:r>
+          </a:p>
+          <a:p>
+            <a:r>
+              <a:rPr lang="fr-FR" sz="1400">
+                <a:solidFill>
+                  <a:schemeClr val="tx1"/>
+                </a:solidFill>
+              </a:rPr>
+              <a:t>t</a:t>
+            </a:r>
+            <a:r>
+              <a:rPr lang="en-001" sz="1400">
+                <a:solidFill>
+                  <a:schemeClr val="tx1"/>
+                </a:solidFill>
+              </a:rPr>
+              <a:t>_</a:t>
+            </a:r>
+            <a:r>
+              <a:rPr lang="fr-FR" sz="1400">
+                <a:solidFill>
+                  <a:schemeClr val="tx1"/>
+                </a:solidFill>
+              </a:rPr>
+              <a:t>c</a:t>
+            </a:r>
+            <a:r>
+              <a:rPr lang="en-001" sz="1400">
+                <a:solidFill>
+                  <a:schemeClr val="tx1"/>
+                </a:solidFill>
+              </a:rPr>
+              <a:t>s</a:t>
+            </a:r>
+            <a:r>
+              <a:rPr lang="fr-FR" sz="1400">
+                <a:solidFill>
+                  <a:schemeClr val="tx1"/>
+                </a:solidFill>
+              </a:rPr>
+              <a:t>v</a:t>
+            </a:r>
+            <a:r>
+              <a:rPr lang="en-001" sz="1400">
+                <a:solidFill>
+                  <a:schemeClr val="tx1"/>
+                </a:solidFill>
+              </a:rPr>
+              <a:t>_</a:t>
+            </a:r>
+            <a:r>
+              <a:rPr lang="fr-FR" sz="1400">
+                <a:solidFill>
+                  <a:schemeClr val="tx1"/>
+                </a:solidFill>
+              </a:rPr>
+              <a:t>c</a:t>
+            </a:r>
+            <a:r>
+              <a:rPr lang="en-001" sz="1400">
+                <a:solidFill>
+                  <a:schemeClr val="tx1"/>
+                </a:solidFill>
+              </a:rPr>
+              <a:t>o</a:t>
+            </a:r>
+            <a:r>
+              <a:rPr lang="fr-FR" sz="1400">
+                <a:solidFill>
+                  <a:schemeClr val="tx1"/>
+                </a:solidFill>
+              </a:rPr>
+              <a:t>l</a:t>
+            </a:r>
+            <a:r>
+              <a:rPr lang="en-001" sz="1400">
+                <a:solidFill>
+                  <a:schemeClr val="tx1"/>
+                </a:solidFill>
+              </a:rPr>
+              <a:t> *</a:t>
+            </a:r>
+            <a:r>
+              <a:rPr lang="fr-FR" sz="1400">
+                <a:solidFill>
+                  <a:schemeClr val="tx1"/>
+                </a:solidFill>
+              </a:rPr>
+              <a:t>n</a:t>
+            </a:r>
+            <a:r>
+              <a:rPr lang="en-001" sz="1400">
+                <a:solidFill>
+                  <a:schemeClr val="tx1"/>
+                </a:solidFill>
+              </a:rPr>
+              <a:t>e</a:t>
+            </a:r>
+            <a:r>
+              <a:rPr lang="fr-FR" sz="1400">
+                <a:solidFill>
+                  <a:schemeClr val="tx1"/>
+                </a:solidFill>
+              </a:rPr>
+              <a:t>x</a:t>
+            </a:r>
+            <a:r>
+              <a:rPr lang="en-001" sz="1400">
+                <a:solidFill>
+                  <a:schemeClr val="tx1"/>
+                </a:solidFill>
+              </a:rPr>
+              <a:t>t</a:t>
+            </a:r>
+          </a:p>
+        </p:txBody>
+      </p:sp>
+      <p:sp>
+        <p:nvSpPr>
+          <p:cNvPr id="6" name="Rectangle 5">
+            <a:extLst>
+              <a:ext uri="{FF2B5EF4-FFF2-40B4-BE49-F238E27FC236}">
+                <a16:creationId xmlns:a16="http://schemas.microsoft.com/office/drawing/2014/main" id="{5026E86B-358B-4E00-A1A5-C5CFEFC204D2}"/>
+              </a:ext>
+            </a:extLst>
+          </p:cNvPr>
+          <p:cNvSpPr/>
+          <p:nvPr/>
+        </p:nvSpPr>
+        <p:spPr>
+          <a:xfrm>
+            <a:off x="3261807" y="988132"/>
+            <a:ext cx="2239860" cy="2365695"/>
+          </a:xfrm>
+          <a:prstGeom prst="rect">
+            <a:avLst/>
+          </a:prstGeom>
+          <a:noFill/>
+        </p:spPr>
+        <p:style>
+          <a:lnRef idx="2">
+            <a:schemeClr val="accent1">
+              <a:shade val="50000"/>
+            </a:schemeClr>
+          </a:lnRef>
+          <a:fillRef idx="1">
+            <a:schemeClr val="accent1"/>
+          </a:fillRef>
+          <a:effectRef idx="0">
+            <a:schemeClr val="accent1"/>
+          </a:effectRef>
+          <a:fontRef idx="minor">
+            <a:schemeClr val="lt1"/>
+          </a:fontRef>
+        </p:style>
+        <p:txBody>
+          <a:bodyPr rtlCol="0" anchor="t"/>
+          <a:lstStyle/>
+          <a:p>
+            <a:r>
+              <a:rPr lang="fr-FR">
+                <a:solidFill>
+                  <a:schemeClr val="tx1"/>
+                </a:solidFill>
+              </a:rPr>
+              <a:t>c</a:t>
+            </a:r>
+            <a:r>
+              <a:rPr lang="en-001">
+                <a:solidFill>
+                  <a:schemeClr val="tx1"/>
+                </a:solidFill>
+              </a:rPr>
+              <a:t>s</a:t>
+            </a:r>
+            <a:r>
+              <a:rPr lang="fr-FR">
+                <a:solidFill>
+                  <a:schemeClr val="tx1"/>
+                </a:solidFill>
+              </a:rPr>
+              <a:t>v</a:t>
+            </a:r>
+            <a:r>
+              <a:rPr lang="en-001">
+                <a:solidFill>
+                  <a:schemeClr val="tx1"/>
+                </a:solidFill>
+              </a:rPr>
+              <a:t>_char_col</a:t>
+            </a:r>
+          </a:p>
+          <a:p>
+            <a:r>
+              <a:rPr lang="fr-FR" sz="1400">
+                <a:solidFill>
+                  <a:schemeClr val="tx1"/>
+                </a:solidFill>
+              </a:rPr>
+              <a:t>t</a:t>
+            </a:r>
+            <a:r>
+              <a:rPr lang="en-001" sz="1400">
+                <a:solidFill>
+                  <a:schemeClr val="tx1"/>
+                </a:solidFill>
+              </a:rPr>
+              <a:t>_</a:t>
+            </a:r>
+            <a:r>
+              <a:rPr lang="fr-FR" sz="1400">
+                <a:solidFill>
+                  <a:schemeClr val="tx1"/>
+                </a:solidFill>
+              </a:rPr>
+              <a:t>c</a:t>
+            </a:r>
+            <a:r>
+              <a:rPr lang="en-001" sz="1400">
+                <a:solidFill>
+                  <a:schemeClr val="tx1"/>
+                </a:solidFill>
+              </a:rPr>
+              <a:t>a</a:t>
+            </a:r>
+            <a:r>
+              <a:rPr lang="fr-FR" sz="1400">
+                <a:solidFill>
+                  <a:schemeClr val="tx1"/>
+                </a:solidFill>
+              </a:rPr>
+              <a:t>r</a:t>
+            </a:r>
+            <a:r>
+              <a:rPr lang="en-001" sz="1400">
+                <a:solidFill>
+                  <a:schemeClr val="tx1"/>
+                </a:solidFill>
+              </a:rPr>
+              <a:t>r </a:t>
+            </a:r>
+            <a:r>
+              <a:rPr lang="fr-FR" sz="1400">
+                <a:solidFill>
+                  <a:schemeClr val="tx1"/>
+                </a:solidFill>
+              </a:rPr>
+              <a:t>a</a:t>
+            </a:r>
+            <a:r>
+              <a:rPr lang="en-001" sz="1400">
+                <a:solidFill>
+                  <a:schemeClr val="tx1"/>
+                </a:solidFill>
+              </a:rPr>
+              <a:t>r</a:t>
+            </a:r>
+            <a:r>
+              <a:rPr lang="fr-FR" sz="1400">
+                <a:solidFill>
+                  <a:schemeClr val="tx1"/>
+                </a:solidFill>
+              </a:rPr>
+              <a:t>r</a:t>
+            </a:r>
+            <a:endParaRPr lang="en-001" sz="1400">
+              <a:solidFill>
+                <a:schemeClr val="tx1"/>
+              </a:solidFill>
+            </a:endParaRPr>
+          </a:p>
+          <a:p>
+            <a:r>
+              <a:rPr lang="en-001" sz="1400">
+                <a:solidFill>
+                  <a:schemeClr val="tx1"/>
+                </a:solidFill>
+              </a:rPr>
+              <a:t>int type CSV_CHAR</a:t>
+            </a:r>
+          </a:p>
+        </p:txBody>
+      </p:sp>
+    </p:spTree>
+    <p:extLst>
+      <p:ext uri="{BB962C8B-B14F-4D97-AF65-F5344CB8AC3E}">
+        <p14:creationId xmlns:p14="http://schemas.microsoft.com/office/powerpoint/2010/main" val="3027490132"/>
+      </p:ext>
+    </p:extLst>
+  </p:cSld>
+  <p:clrMapOvr>
+    <a:masterClrMapping/>
+  </p:clrMapOvr>
+</p:sld>
+</file>
+
+<file path=ppt/slides/slide13.xml><?xml version="1.0" encoding="utf-8"?>
 <p:sld xmlns:a="http://schemas.openxmlformats.org/drawingml/2006/main" xmlns:r="http://schemas.openxmlformats.org/officeDocument/2006/relationships" xmlns:p="http://schemas.openxmlformats.org/presentationml/2006/main">
   <p:cSld>
     <p:spTree>
@@ -7777,7 +8391,7 @@
 </p:sld>
 </file>
 
-<file path=ppt/slides/slide13.xml><?xml version="1.0" encoding="utf-8"?>
+<file path=ppt/slides/slide14.xml><?xml version="1.0" encoding="utf-8"?>
 <p:sld xmlns:a="http://schemas.openxmlformats.org/drawingml/2006/main" xmlns:r="http://schemas.openxmlformats.org/officeDocument/2006/relationships" xmlns:p="http://schemas.openxmlformats.org/presentationml/2006/main">
   <p:cSld>
     <p:spTree>

--- a/Docs/Draft/Draft_Struct.pptx
+++ b/Docs/Draft/Draft_Struct.pptx
@@ -302,7 +302,7 @@
           <a:p>
             <a:fld id="{1E852E34-5808-411D-82B1-F5678CCA79B1}" type="datetimeFigureOut">
               <a:rPr lang="fr-FR" smtClean="0"/>
-              <a:t>25/08/2019</a:t>
+              <a:t>26/08/2019</a:t>
             </a:fld>
             <a:endParaRPr lang="fr-FR"/>
           </a:p>
@@ -500,7 +500,7 @@
           <a:p>
             <a:fld id="{1E852E34-5808-411D-82B1-F5678CCA79B1}" type="datetimeFigureOut">
               <a:rPr lang="fr-FR" smtClean="0"/>
-              <a:t>25/08/2019</a:t>
+              <a:t>26/08/2019</a:t>
             </a:fld>
             <a:endParaRPr lang="fr-FR"/>
           </a:p>
@@ -708,7 +708,7 @@
           <a:p>
             <a:fld id="{1E852E34-5808-411D-82B1-F5678CCA79B1}" type="datetimeFigureOut">
               <a:rPr lang="fr-FR" smtClean="0"/>
-              <a:t>25/08/2019</a:t>
+              <a:t>26/08/2019</a:t>
             </a:fld>
             <a:endParaRPr lang="fr-FR"/>
           </a:p>
@@ -906,7 +906,7 @@
           <a:p>
             <a:fld id="{1E852E34-5808-411D-82B1-F5678CCA79B1}" type="datetimeFigureOut">
               <a:rPr lang="fr-FR" smtClean="0"/>
-              <a:t>25/08/2019</a:t>
+              <a:t>26/08/2019</a:t>
             </a:fld>
             <a:endParaRPr lang="fr-FR"/>
           </a:p>
@@ -1181,7 +1181,7 @@
           <a:p>
             <a:fld id="{1E852E34-5808-411D-82B1-F5678CCA79B1}" type="datetimeFigureOut">
               <a:rPr lang="fr-FR" smtClean="0"/>
-              <a:t>25/08/2019</a:t>
+              <a:t>26/08/2019</a:t>
             </a:fld>
             <a:endParaRPr lang="fr-FR"/>
           </a:p>
@@ -1446,7 +1446,7 @@
           <a:p>
             <a:fld id="{1E852E34-5808-411D-82B1-F5678CCA79B1}" type="datetimeFigureOut">
               <a:rPr lang="fr-FR" smtClean="0"/>
-              <a:t>25/08/2019</a:t>
+              <a:t>26/08/2019</a:t>
             </a:fld>
             <a:endParaRPr lang="fr-FR"/>
           </a:p>
@@ -1858,7 +1858,7 @@
           <a:p>
             <a:fld id="{1E852E34-5808-411D-82B1-F5678CCA79B1}" type="datetimeFigureOut">
               <a:rPr lang="fr-FR" smtClean="0"/>
-              <a:t>25/08/2019</a:t>
+              <a:t>26/08/2019</a:t>
             </a:fld>
             <a:endParaRPr lang="fr-FR"/>
           </a:p>
@@ -1999,7 +1999,7 @@
           <a:p>
             <a:fld id="{1E852E34-5808-411D-82B1-F5678CCA79B1}" type="datetimeFigureOut">
               <a:rPr lang="fr-FR" smtClean="0"/>
-              <a:t>25/08/2019</a:t>
+              <a:t>26/08/2019</a:t>
             </a:fld>
             <a:endParaRPr lang="fr-FR"/>
           </a:p>
@@ -2112,7 +2112,7 @@
           <a:p>
             <a:fld id="{1E852E34-5808-411D-82B1-F5678CCA79B1}" type="datetimeFigureOut">
               <a:rPr lang="fr-FR" smtClean="0"/>
-              <a:t>25/08/2019</a:t>
+              <a:t>26/08/2019</a:t>
             </a:fld>
             <a:endParaRPr lang="fr-FR"/>
           </a:p>
@@ -2423,7 +2423,7 @@
           <a:p>
             <a:fld id="{1E852E34-5808-411D-82B1-F5678CCA79B1}" type="datetimeFigureOut">
               <a:rPr lang="fr-FR" smtClean="0"/>
-              <a:t>25/08/2019</a:t>
+              <a:t>26/08/2019</a:t>
             </a:fld>
             <a:endParaRPr lang="fr-FR"/>
           </a:p>
@@ -2711,7 +2711,7 @@
           <a:p>
             <a:fld id="{1E852E34-5808-411D-82B1-F5678CCA79B1}" type="datetimeFigureOut">
               <a:rPr lang="fr-FR" smtClean="0"/>
-              <a:t>25/08/2019</a:t>
+              <a:t>26/08/2019</a:t>
             </a:fld>
             <a:endParaRPr lang="fr-FR"/>
           </a:p>
@@ -2952,7 +2952,7 @@
           <a:p>
             <a:fld id="{1E852E34-5808-411D-82B1-F5678CCA79B1}" type="datetimeFigureOut">
               <a:rPr lang="fr-FR" smtClean="0"/>
-              <a:t>25/08/2019</a:t>
+              <a:t>26/08/2019</a:t>
             </a:fld>
             <a:endParaRPr lang="fr-FR"/>
           </a:p>
@@ -21549,7 +21549,7 @@
         <p:spPr>
           <a:xfrm>
             <a:off x="243281" y="1342239"/>
-            <a:ext cx="5998502" cy="2308324"/>
+            <a:ext cx="5998502" cy="2585323"/>
           </a:xfrm>
           <a:prstGeom prst="rect">
             <a:avLst/>
@@ -21857,218 +21857,254 @@
           </a:p>
           <a:p>
             <a:r>
+              <a:rPr lang="fr-FR">
+                <a:hlinkClick r:id="rId6"/>
+              </a:rPr>
+              <a:t>V</a:t>
+            </a:r>
+            <a:r>
               <a:rPr lang="en-001">
                 <a:hlinkClick r:id="rId6"/>
               </a:rPr>
-              <a:t>Descente de gradi</a:t>
+              <a:t>i</a:t>
             </a:r>
             <a:r>
               <a:rPr lang="fr-FR">
                 <a:hlinkClick r:id="rId6"/>
               </a:rPr>
-              <a:t>e</a:t>
+              <a:t>d</a:t>
             </a:r>
             <a:r>
               <a:rPr lang="en-001">
                 <a:hlinkClick r:id="rId6"/>
               </a:rPr>
-              <a:t>n</a:t>
+              <a:t>e</a:t>
             </a:r>
             <a:r>
               <a:rPr lang="fr-FR">
                 <a:hlinkClick r:id="rId6"/>
               </a:rPr>
-              <a:t>t</a:t>
-            </a:r>
-            <a:r>
-              <a:rPr lang="en-001">
-                <a:hlinkClick r:id="rId6"/>
-              </a:rPr>
+              <a:t>o</a:t>
+            </a:r>
+            <a:r>
+              <a:rPr lang="en-001"/>
               <a:t> </a:t>
             </a:r>
             <a:r>
-              <a:rPr lang="fr-FR">
-                <a:hlinkClick r:id="rId6"/>
-              </a:rPr>
-              <a:t>s</a:t>
-            </a:r>
-            <a:r>
-              <a:rPr lang="en-001">
-                <a:hlinkClick r:id="rId6"/>
-              </a:rPr>
-              <a:t>t</a:t>
-            </a:r>
-            <a:r>
-              <a:rPr lang="fr-FR">
-                <a:hlinkClick r:id="rId6"/>
-              </a:rPr>
-              <a:t>o</a:t>
-            </a:r>
-            <a:r>
-              <a:rPr lang="en-001">
-                <a:hlinkClick r:id="rId6"/>
-              </a:rPr>
-              <a:t>c</a:t>
-            </a:r>
-            <a:r>
-              <a:rPr lang="fr-FR">
-                <a:hlinkClick r:id="rId6"/>
-              </a:rPr>
-              <a:t>h</a:t>
-            </a:r>
-            <a:r>
-              <a:rPr lang="en-001">
-                <a:hlinkClick r:id="rId6"/>
-              </a:rPr>
-              <a:t>a</a:t>
-            </a:r>
-            <a:r>
-              <a:rPr lang="fr-FR">
-                <a:hlinkClick r:id="rId6"/>
-              </a:rPr>
-              <a:t>s</a:t>
-            </a:r>
-            <a:r>
-              <a:rPr lang="en-001">
-                <a:hlinkClick r:id="rId6"/>
-              </a:rPr>
-              <a:t>t</a:t>
-            </a:r>
-            <a:r>
-              <a:rPr lang="fr-FR">
-                <a:hlinkClick r:id="rId6"/>
-              </a:rPr>
-              <a:t>i</a:t>
-            </a:r>
-            <a:r>
-              <a:rPr lang="en-001">
-                <a:hlinkClick r:id="rId6"/>
-              </a:rPr>
-              <a:t>q</a:t>
-            </a:r>
-            <a:r>
-              <a:rPr lang="fr-FR">
-                <a:hlinkClick r:id="rId6"/>
-              </a:rPr>
-              <a:t>u</a:t>
-            </a:r>
-            <a:r>
-              <a:rPr lang="en-001">
-                <a:hlinkClick r:id="rId6"/>
-              </a:rPr>
-              <a:t>e Adam</a:t>
-            </a:r>
-            <a:r>
-              <a:rPr lang="en-001"/>
-              <a:t> + </a:t>
+              <a:rPr lang="fr-FR"/>
+              <a:t>e</a:t>
+            </a:r>
+            <a:r>
+              <a:rPr lang="en-001"/>
+              <a:t>t </a:t>
             </a:r>
             <a:r>
               <a:rPr lang="en-001">
                 <a:hlinkClick r:id="rId7"/>
               </a:rPr>
-              <a:t>do</a:t>
-            </a:r>
-            <a:r>
-              <a:rPr lang="fr-FR">
-                <a:hlinkClick r:id="rId7"/>
-              </a:rPr>
-              <a:t>c</a:t>
-            </a:r>
-            <a:r>
-              <a:rPr lang="en-001">
-                <a:hlinkClick r:id="rId7"/>
-              </a:rPr>
-              <a:t>u</a:t>
-            </a:r>
-            <a:r>
-              <a:rPr lang="fr-FR">
-                <a:hlinkClick r:id="rId7"/>
-              </a:rPr>
-              <a:t>m</a:t>
-            </a:r>
-            <a:r>
-              <a:rPr lang="en-001">
-                <a:hlinkClick r:id="rId7"/>
-              </a:rPr>
-              <a:t>e</a:t>
-            </a:r>
-            <a:r>
-              <a:rPr lang="fr-FR">
-                <a:hlinkClick r:id="rId7"/>
-              </a:rPr>
-              <a:t>n</a:t>
-            </a:r>
-            <a:r>
-              <a:rPr lang="en-001">
-                <a:hlinkClick r:id="rId7"/>
-              </a:rPr>
-              <a:t>t </a:t>
-            </a:r>
-            <a:r>
-              <a:rPr lang="fr-FR">
-                <a:hlinkClick r:id="rId7"/>
-              </a:rPr>
-              <a:t>o</a:t>
-            </a:r>
-            <a:r>
-              <a:rPr lang="en-001">
-                <a:hlinkClick r:id="rId7"/>
-              </a:rPr>
-              <a:t>f</a:t>
-            </a:r>
-            <a:r>
-              <a:rPr lang="fr-FR">
-                <a:hlinkClick r:id="rId7"/>
-              </a:rPr>
-              <a:t>f</a:t>
-            </a:r>
-            <a:r>
-              <a:rPr lang="en-001">
-                <a:hlinkClick r:id="rId7"/>
-              </a:rPr>
-              <a:t>i</a:t>
-            </a:r>
-            <a:r>
-              <a:rPr lang="fr-FR">
-                <a:hlinkClick r:id="rId7"/>
-              </a:rPr>
-              <a:t>c</a:t>
-            </a:r>
-            <a:r>
-              <a:rPr lang="en-001">
-                <a:hlinkClick r:id="rId7"/>
-              </a:rPr>
-              <a:t>i</a:t>
-            </a:r>
-            <a:r>
-              <a:rPr lang="fr-FR">
-                <a:hlinkClick r:id="rId7"/>
-              </a:rPr>
-              <a:t>a</a:t>
-            </a:r>
-            <a:r>
-              <a:rPr lang="en-001">
-                <a:hlinkClick r:id="rId7"/>
-              </a:rPr>
-              <a:t>l</a:t>
-            </a:r>
-            <a:endParaRPr lang="en-001"/>
+              <a:t>Cours</a:t>
+            </a:r>
+            <a:r>
+              <a:rPr lang="en-001"/>
+              <a:t> pas mal sur le RNN LSTM</a:t>
+            </a:r>
           </a:p>
           <a:p>
             <a:r>
               <a:rPr lang="en-001">
                 <a:hlinkClick r:id="rId8"/>
               </a:rPr>
-              <a:t>Implementation bias</a:t>
-            </a:r>
-            <a:endParaRPr lang="en-001"/>
-          </a:p>
-          <a:p>
+              <a:t>Descente de gradi</a:t>
+            </a:r>
+            <a:r>
+              <a:rPr lang="fr-FR">
+                <a:hlinkClick r:id="rId8"/>
+              </a:rPr>
+              <a:t>e</a:t>
+            </a:r>
+            <a:r>
+              <a:rPr lang="en-001">
+                <a:hlinkClick r:id="rId8"/>
+              </a:rPr>
+              <a:t>n</a:t>
+            </a:r>
+            <a:r>
+              <a:rPr lang="fr-FR">
+                <a:hlinkClick r:id="rId8"/>
+              </a:rPr>
+              <a:t>t</a:t>
+            </a:r>
+            <a:r>
+              <a:rPr lang="en-001">
+                <a:hlinkClick r:id="rId8"/>
+              </a:rPr>
+              <a:t> </a:t>
+            </a:r>
+            <a:r>
+              <a:rPr lang="fr-FR">
+                <a:hlinkClick r:id="rId8"/>
+              </a:rPr>
+              <a:t>s</a:t>
+            </a:r>
+            <a:r>
+              <a:rPr lang="en-001">
+                <a:hlinkClick r:id="rId8"/>
+              </a:rPr>
+              <a:t>t</a:t>
+            </a:r>
+            <a:r>
+              <a:rPr lang="fr-FR">
+                <a:hlinkClick r:id="rId8"/>
+              </a:rPr>
+              <a:t>o</a:t>
+            </a:r>
+            <a:r>
+              <a:rPr lang="en-001">
+                <a:hlinkClick r:id="rId8"/>
+              </a:rPr>
+              <a:t>c</a:t>
+            </a:r>
+            <a:r>
+              <a:rPr lang="fr-FR">
+                <a:hlinkClick r:id="rId8"/>
+              </a:rPr>
+              <a:t>h</a:t>
+            </a:r>
+            <a:r>
+              <a:rPr lang="en-001">
+                <a:hlinkClick r:id="rId8"/>
+              </a:rPr>
+              <a:t>a</a:t>
+            </a:r>
+            <a:r>
+              <a:rPr lang="fr-FR">
+                <a:hlinkClick r:id="rId8"/>
+              </a:rPr>
+              <a:t>s</a:t>
+            </a:r>
+            <a:r>
+              <a:rPr lang="en-001">
+                <a:hlinkClick r:id="rId8"/>
+              </a:rPr>
+              <a:t>t</a:t>
+            </a:r>
+            <a:r>
+              <a:rPr lang="fr-FR">
+                <a:hlinkClick r:id="rId8"/>
+              </a:rPr>
+              <a:t>i</a:t>
+            </a:r>
+            <a:r>
+              <a:rPr lang="en-001">
+                <a:hlinkClick r:id="rId8"/>
+              </a:rPr>
+              <a:t>q</a:t>
+            </a:r>
+            <a:r>
+              <a:rPr lang="fr-FR">
+                <a:hlinkClick r:id="rId8"/>
+              </a:rPr>
+              <a:t>u</a:t>
+            </a:r>
+            <a:r>
+              <a:rPr lang="en-001">
+                <a:hlinkClick r:id="rId8"/>
+              </a:rPr>
+              <a:t>e Adam</a:t>
+            </a:r>
+            <a:r>
+              <a:rPr lang="en-001"/>
+              <a:t> + </a:t>
+            </a:r>
             <a:r>
               <a:rPr lang="en-001">
                 <a:hlinkClick r:id="rId9"/>
               </a:rPr>
-              <a:t>Fonction exponentielle super rapide</a:t>
+              <a:t>do</a:t>
+            </a:r>
+            <a:r>
+              <a:rPr lang="fr-FR">
+                <a:hlinkClick r:id="rId9"/>
+              </a:rPr>
+              <a:t>c</a:t>
+            </a:r>
+            <a:r>
+              <a:rPr lang="en-001">
+                <a:hlinkClick r:id="rId9"/>
+              </a:rPr>
+              <a:t>u</a:t>
+            </a:r>
+            <a:r>
+              <a:rPr lang="fr-FR">
+                <a:hlinkClick r:id="rId9"/>
+              </a:rPr>
+              <a:t>m</a:t>
+            </a:r>
+            <a:r>
+              <a:rPr lang="en-001">
+                <a:hlinkClick r:id="rId9"/>
+              </a:rPr>
+              <a:t>e</a:t>
+            </a:r>
+            <a:r>
+              <a:rPr lang="fr-FR">
+                <a:hlinkClick r:id="rId9"/>
+              </a:rPr>
+              <a:t>n</a:t>
+            </a:r>
+            <a:r>
+              <a:rPr lang="en-001">
+                <a:hlinkClick r:id="rId9"/>
+              </a:rPr>
+              <a:t>t </a:t>
+            </a:r>
+            <a:r>
+              <a:rPr lang="fr-FR">
+                <a:hlinkClick r:id="rId9"/>
+              </a:rPr>
+              <a:t>o</a:t>
+            </a:r>
+            <a:r>
+              <a:rPr lang="en-001">
+                <a:hlinkClick r:id="rId9"/>
+              </a:rPr>
+              <a:t>f</a:t>
+            </a:r>
+            <a:r>
+              <a:rPr lang="fr-FR">
+                <a:hlinkClick r:id="rId9"/>
+              </a:rPr>
+              <a:t>f</a:t>
+            </a:r>
+            <a:r>
+              <a:rPr lang="en-001">
+                <a:hlinkClick r:id="rId9"/>
+              </a:rPr>
+              <a:t>i</a:t>
+            </a:r>
+            <a:r>
+              <a:rPr lang="fr-FR">
+                <a:hlinkClick r:id="rId9"/>
+              </a:rPr>
+              <a:t>c</a:t>
+            </a:r>
+            <a:r>
+              <a:rPr lang="en-001">
+                <a:hlinkClick r:id="rId9"/>
+              </a:rPr>
+              <a:t>i</a:t>
+            </a:r>
+            <a:r>
+              <a:rPr lang="fr-FR">
+                <a:hlinkClick r:id="rId9"/>
+              </a:rPr>
+              <a:t>a</a:t>
+            </a:r>
+            <a:r>
+              <a:rPr lang="en-001">
+                <a:hlinkClick r:id="rId9"/>
+              </a:rPr>
+              <a:t>l</a:t>
             </a:r>
             <a:endParaRPr lang="en-001"/>
           </a:p>
@@ -22076,6 +22112,24 @@
             <a:r>
               <a:rPr lang="en-001">
                 <a:hlinkClick r:id="rId10"/>
+              </a:rPr>
+              <a:t>Implementation bias</a:t>
+            </a:r>
+            <a:endParaRPr lang="en-001"/>
+          </a:p>
+          <a:p>
+            <a:r>
+              <a:rPr lang="en-001">
+                <a:hlinkClick r:id="rId11"/>
+              </a:rPr>
+              <a:t>Fonction exponentielle super rapide</a:t>
+            </a:r>
+            <a:endParaRPr lang="en-001"/>
+          </a:p>
+          <a:p>
+            <a:r>
+              <a:rPr lang="en-001">
+                <a:hlinkClick r:id="rId12"/>
               </a:rPr>
               <a:t>Normalize data</a:t>
             </a:r>

--- a/Docs/Draft/Draft_Struct.pptx
+++ b/Docs/Draft/Draft_Struct.pptx
@@ -17,8 +17,9 @@
     <p:sldId id="264" r:id="rId11"/>
     <p:sldId id="265" r:id="rId12"/>
     <p:sldId id="269" r:id="rId13"/>
-    <p:sldId id="268" r:id="rId14"/>
-    <p:sldId id="267" r:id="rId15"/>
+    <p:sldId id="270" r:id="rId14"/>
+    <p:sldId id="268" r:id="rId15"/>
+    <p:sldId id="267" r:id="rId16"/>
   </p:sldIdLst>
   <p:sldSz cx="12192000" cy="6858000"/>
   <p:notesSz cx="6858000" cy="9144000"/>
@@ -142,6 +143,7 @@
         <p14:section name="Encodage de la dataset" id="{184BE4F6-35B4-4FAF-AB9C-4B5EAD8AD16F}">
           <p14:sldIdLst>
             <p14:sldId id="269"/>
+            <p14:sldId id="270"/>
             <p14:sldId id="268"/>
             <p14:sldId id="267"/>
           </p14:sldIdLst>
@@ -302,7 +304,7 @@
           <a:p>
             <a:fld id="{1E852E34-5808-411D-82B1-F5678CCA79B1}" type="datetimeFigureOut">
               <a:rPr lang="fr-FR" smtClean="0"/>
-              <a:t>26/08/2019</a:t>
+              <a:t>27/08/2019</a:t>
             </a:fld>
             <a:endParaRPr lang="fr-FR"/>
           </a:p>
@@ -500,7 +502,7 @@
           <a:p>
             <a:fld id="{1E852E34-5808-411D-82B1-F5678CCA79B1}" type="datetimeFigureOut">
               <a:rPr lang="fr-FR" smtClean="0"/>
-              <a:t>26/08/2019</a:t>
+              <a:t>27/08/2019</a:t>
             </a:fld>
             <a:endParaRPr lang="fr-FR"/>
           </a:p>
@@ -708,7 +710,7 @@
           <a:p>
             <a:fld id="{1E852E34-5808-411D-82B1-F5678CCA79B1}" type="datetimeFigureOut">
               <a:rPr lang="fr-FR" smtClean="0"/>
-              <a:t>26/08/2019</a:t>
+              <a:t>27/08/2019</a:t>
             </a:fld>
             <a:endParaRPr lang="fr-FR"/>
           </a:p>
@@ -906,7 +908,7 @@
           <a:p>
             <a:fld id="{1E852E34-5808-411D-82B1-F5678CCA79B1}" type="datetimeFigureOut">
               <a:rPr lang="fr-FR" smtClean="0"/>
-              <a:t>26/08/2019</a:t>
+              <a:t>27/08/2019</a:t>
             </a:fld>
             <a:endParaRPr lang="fr-FR"/>
           </a:p>
@@ -1181,7 +1183,7 @@
           <a:p>
             <a:fld id="{1E852E34-5808-411D-82B1-F5678CCA79B1}" type="datetimeFigureOut">
               <a:rPr lang="fr-FR" smtClean="0"/>
-              <a:t>26/08/2019</a:t>
+              <a:t>27/08/2019</a:t>
             </a:fld>
             <a:endParaRPr lang="fr-FR"/>
           </a:p>
@@ -1446,7 +1448,7 @@
           <a:p>
             <a:fld id="{1E852E34-5808-411D-82B1-F5678CCA79B1}" type="datetimeFigureOut">
               <a:rPr lang="fr-FR" smtClean="0"/>
-              <a:t>26/08/2019</a:t>
+              <a:t>27/08/2019</a:t>
             </a:fld>
             <a:endParaRPr lang="fr-FR"/>
           </a:p>
@@ -1858,7 +1860,7 @@
           <a:p>
             <a:fld id="{1E852E34-5808-411D-82B1-F5678CCA79B1}" type="datetimeFigureOut">
               <a:rPr lang="fr-FR" smtClean="0"/>
-              <a:t>26/08/2019</a:t>
+              <a:t>27/08/2019</a:t>
             </a:fld>
             <a:endParaRPr lang="fr-FR"/>
           </a:p>
@@ -1999,7 +2001,7 @@
           <a:p>
             <a:fld id="{1E852E34-5808-411D-82B1-F5678CCA79B1}" type="datetimeFigureOut">
               <a:rPr lang="fr-FR" smtClean="0"/>
-              <a:t>26/08/2019</a:t>
+              <a:t>27/08/2019</a:t>
             </a:fld>
             <a:endParaRPr lang="fr-FR"/>
           </a:p>
@@ -2112,7 +2114,7 @@
           <a:p>
             <a:fld id="{1E852E34-5808-411D-82B1-F5678CCA79B1}" type="datetimeFigureOut">
               <a:rPr lang="fr-FR" smtClean="0"/>
-              <a:t>26/08/2019</a:t>
+              <a:t>27/08/2019</a:t>
             </a:fld>
             <a:endParaRPr lang="fr-FR"/>
           </a:p>
@@ -2423,7 +2425,7 @@
           <a:p>
             <a:fld id="{1E852E34-5808-411D-82B1-F5678CCA79B1}" type="datetimeFigureOut">
               <a:rPr lang="fr-FR" smtClean="0"/>
-              <a:t>26/08/2019</a:t>
+              <a:t>27/08/2019</a:t>
             </a:fld>
             <a:endParaRPr lang="fr-FR"/>
           </a:p>
@@ -2711,7 +2713,7 @@
           <a:p>
             <a:fld id="{1E852E34-5808-411D-82B1-F5678CCA79B1}" type="datetimeFigureOut">
               <a:rPr lang="fr-FR" smtClean="0"/>
-              <a:t>26/08/2019</a:t>
+              <a:t>27/08/2019</a:t>
             </a:fld>
             <a:endParaRPr lang="fr-FR"/>
           </a:p>
@@ -2952,7 +2954,7 @@
           <a:p>
             <a:fld id="{1E852E34-5808-411D-82B1-F5678CCA79B1}" type="datetimeFigureOut">
               <a:rPr lang="fr-FR" smtClean="0"/>
-              <a:t>26/08/2019</a:t>
+              <a:t>27/08/2019</a:t>
             </a:fld>
             <a:endParaRPr lang="fr-FR"/>
           </a:p>
@@ -7608,6 +7610,1481 @@
 </file>
 
 <file path=ppt/slides/slide13.xml><?xml version="1.0" encoding="utf-8"?>
+<p:sld xmlns:a="http://schemas.openxmlformats.org/drawingml/2006/main" xmlns:r="http://schemas.openxmlformats.org/officeDocument/2006/relationships" xmlns:p="http://schemas.openxmlformats.org/presentationml/2006/main">
+  <p:cSld>
+    <p:spTree>
+      <p:nvGrpSpPr>
+        <p:cNvPr id="1" name=""/>
+        <p:cNvGrpSpPr/>
+        <p:nvPr/>
+      </p:nvGrpSpPr>
+      <p:grpSpPr>
+        <a:xfrm>
+          <a:off x="0" y="0"/>
+          <a:ext cx="0" cy="0"/>
+          <a:chOff x="0" y="0"/>
+          <a:chExt cx="0" cy="0"/>
+        </a:xfrm>
+      </p:grpSpPr>
+      <p:sp>
+        <p:nvSpPr>
+          <p:cNvPr id="4" name="Rectangle 3">
+            <a:extLst>
+              <a:ext uri="{FF2B5EF4-FFF2-40B4-BE49-F238E27FC236}">
+                <a16:creationId xmlns:a16="http://schemas.microsoft.com/office/drawing/2014/main" id="{C0C477B1-8B6E-45F8-A583-E1DE01124E23}"/>
+              </a:ext>
+            </a:extLst>
+          </p:cNvPr>
+          <p:cNvSpPr/>
+          <p:nvPr/>
+        </p:nvSpPr>
+        <p:spPr>
+          <a:xfrm>
+            <a:off x="0" y="0"/>
+            <a:ext cx="12192000" cy="679508"/>
+          </a:xfrm>
+          <a:prstGeom prst="rect">
+            <a:avLst/>
+          </a:prstGeom>
+          <a:gradFill flip="none" rotWithShape="1">
+            <a:gsLst>
+              <a:gs pos="0">
+                <a:srgbClr val="00B0F0"/>
+              </a:gs>
+              <a:gs pos="100000">
+                <a:srgbClr val="A6E4FA"/>
+              </a:gs>
+            </a:gsLst>
+            <a:lin ang="5400000" scaled="1"/>
+            <a:tileRect/>
+          </a:gradFill>
+          <a:ln>
+            <a:noFill/>
+          </a:ln>
+        </p:spPr>
+        <p:style>
+          <a:lnRef idx="2">
+            <a:schemeClr val="accent1">
+              <a:shade val="50000"/>
+            </a:schemeClr>
+          </a:lnRef>
+          <a:fillRef idx="1">
+            <a:schemeClr val="accent1"/>
+          </a:fillRef>
+          <a:effectRef idx="0">
+            <a:schemeClr val="accent1"/>
+          </a:effectRef>
+          <a:fontRef idx="minor">
+            <a:schemeClr val="lt1"/>
+          </a:fontRef>
+        </p:style>
+        <p:txBody>
+          <a:bodyPr rtlCol="0" anchor="ctr"/>
+          <a:lstStyle/>
+          <a:p>
+            <a:pPr algn="ctr"/>
+            <a:r>
+              <a:rPr lang="en-001"/>
+              <a:t>N</a:t>
+            </a:r>
+            <a:r>
+              <a:rPr lang="fr-FR"/>
+              <a:t>e</a:t>
+            </a:r>
+            <a:r>
+              <a:rPr lang="en-001"/>
+              <a:t>w </a:t>
+            </a:r>
+            <a:r>
+              <a:rPr lang="fr-FR"/>
+              <a:t>E</a:t>
+            </a:r>
+            <a:r>
+              <a:rPr lang="en-001"/>
+              <a:t>ncod</a:t>
+            </a:r>
+            <a:r>
+              <a:rPr lang="fr-FR"/>
+              <a:t>a</a:t>
+            </a:r>
+            <a:r>
+              <a:rPr lang="en-001"/>
+              <a:t>g</a:t>
+            </a:r>
+            <a:r>
+              <a:rPr lang="fr-FR"/>
+              <a:t>e</a:t>
+            </a:r>
+            <a:r>
+              <a:rPr lang="en-001"/>
+              <a:t> </a:t>
+            </a:r>
+            <a:r>
+              <a:rPr lang="fr-FR"/>
+              <a:t>d</a:t>
+            </a:r>
+            <a:r>
+              <a:rPr lang="en-001"/>
+              <a:t>e </a:t>
+            </a:r>
+            <a:r>
+              <a:rPr lang="fr-FR"/>
+              <a:t>l</a:t>
+            </a:r>
+            <a:r>
+              <a:rPr lang="en-001"/>
+              <a:t>a </a:t>
+            </a:r>
+            <a:r>
+              <a:rPr lang="fr-FR"/>
+              <a:t>d</a:t>
+            </a:r>
+            <a:r>
+              <a:rPr lang="en-001"/>
+              <a:t>a</a:t>
+            </a:r>
+            <a:r>
+              <a:rPr lang="fr-FR"/>
+              <a:t>t</a:t>
+            </a:r>
+            <a:r>
+              <a:rPr lang="en-001"/>
+              <a:t>a</a:t>
+            </a:r>
+            <a:r>
+              <a:rPr lang="fr-FR"/>
+              <a:t>s</a:t>
+            </a:r>
+            <a:r>
+              <a:rPr lang="en-001"/>
+              <a:t>e</a:t>
+            </a:r>
+            <a:r>
+              <a:rPr lang="fr-FR"/>
+              <a:t>t</a:t>
+            </a:r>
+          </a:p>
+        </p:txBody>
+      </p:sp>
+      <p:sp>
+        <p:nvSpPr>
+          <p:cNvPr id="5" name="Rectangle 4">
+            <a:extLst>
+              <a:ext uri="{FF2B5EF4-FFF2-40B4-BE49-F238E27FC236}">
+                <a16:creationId xmlns:a16="http://schemas.microsoft.com/office/drawing/2014/main" id="{28665EF1-4B3B-477B-A9C5-F27EC7C8EFFE}"/>
+              </a:ext>
+            </a:extLst>
+          </p:cNvPr>
+          <p:cNvSpPr/>
+          <p:nvPr/>
+        </p:nvSpPr>
+        <p:spPr>
+          <a:xfrm>
+            <a:off x="206816" y="969956"/>
+            <a:ext cx="2239860" cy="2365695"/>
+          </a:xfrm>
+          <a:prstGeom prst="rect">
+            <a:avLst/>
+          </a:prstGeom>
+          <a:noFill/>
+        </p:spPr>
+        <p:style>
+          <a:lnRef idx="2">
+            <a:schemeClr val="accent1">
+              <a:shade val="50000"/>
+            </a:schemeClr>
+          </a:lnRef>
+          <a:fillRef idx="1">
+            <a:schemeClr val="accent1"/>
+          </a:fillRef>
+          <a:effectRef idx="0">
+            <a:schemeClr val="accent1"/>
+          </a:effectRef>
+          <a:fontRef idx="minor">
+            <a:schemeClr val="lt1"/>
+          </a:fontRef>
+        </p:style>
+        <p:txBody>
+          <a:bodyPr rtlCol="0" anchor="t"/>
+          <a:lstStyle/>
+          <a:p>
+            <a:r>
+              <a:rPr lang="fr-FR">
+                <a:solidFill>
+                  <a:schemeClr val="tx1"/>
+                </a:solidFill>
+              </a:rPr>
+              <a:t>t</a:t>
+            </a:r>
+            <a:r>
+              <a:rPr lang="en-001">
+                <a:solidFill>
+                  <a:schemeClr val="tx1"/>
+                </a:solidFill>
+              </a:rPr>
+              <a:t>_</a:t>
+            </a:r>
+            <a:r>
+              <a:rPr lang="fr-FR">
+                <a:solidFill>
+                  <a:schemeClr val="tx1"/>
+                </a:solidFill>
+              </a:rPr>
+              <a:t>c</a:t>
+            </a:r>
+            <a:r>
+              <a:rPr lang="en-001">
+                <a:solidFill>
+                  <a:schemeClr val="tx1"/>
+                </a:solidFill>
+              </a:rPr>
+              <a:t>s</a:t>
+            </a:r>
+            <a:r>
+              <a:rPr lang="fr-FR">
+                <a:solidFill>
+                  <a:schemeClr val="tx1"/>
+                </a:solidFill>
+              </a:rPr>
+              <a:t>v</a:t>
+            </a:r>
+            <a:r>
+              <a:rPr lang="en-001">
+                <a:solidFill>
+                  <a:schemeClr val="tx1"/>
+                </a:solidFill>
+              </a:rPr>
+              <a:t>_</a:t>
+            </a:r>
+            <a:r>
+              <a:rPr lang="fr-FR">
+                <a:solidFill>
+                  <a:schemeClr val="tx1"/>
+                </a:solidFill>
+              </a:rPr>
+              <a:t>c</a:t>
+            </a:r>
+            <a:r>
+              <a:rPr lang="en-001">
+                <a:solidFill>
+                  <a:schemeClr val="tx1"/>
+                </a:solidFill>
+              </a:rPr>
+              <a:t>o</a:t>
+            </a:r>
+            <a:r>
+              <a:rPr lang="fr-FR">
+                <a:solidFill>
+                  <a:schemeClr val="tx1"/>
+                </a:solidFill>
+              </a:rPr>
+              <a:t>l</a:t>
+            </a:r>
+            <a:endParaRPr lang="en-001">
+              <a:solidFill>
+                <a:schemeClr val="tx1"/>
+              </a:solidFill>
+            </a:endParaRPr>
+          </a:p>
+          <a:p>
+            <a:r>
+              <a:rPr lang="fr-FR" sz="1400">
+                <a:solidFill>
+                  <a:schemeClr val="tx1"/>
+                </a:solidFill>
+              </a:rPr>
+              <a:t>t</a:t>
+            </a:r>
+            <a:r>
+              <a:rPr lang="en-001" sz="1400">
+                <a:solidFill>
+                  <a:schemeClr val="tx1"/>
+                </a:solidFill>
+              </a:rPr>
+              <a:t>_</a:t>
+            </a:r>
+            <a:r>
+              <a:rPr lang="fr-FR" sz="1400">
+                <a:solidFill>
+                  <a:schemeClr val="tx1"/>
+                </a:solidFill>
+              </a:rPr>
+              <a:t>a</a:t>
+            </a:r>
+            <a:r>
+              <a:rPr lang="en-001" sz="1400">
+                <a:solidFill>
+                  <a:schemeClr val="tx1"/>
+                </a:solidFill>
+              </a:rPr>
+              <a:t>r</a:t>
+            </a:r>
+            <a:r>
+              <a:rPr lang="fr-FR" sz="1400">
+                <a:solidFill>
+                  <a:schemeClr val="tx1"/>
+                </a:solidFill>
+              </a:rPr>
+              <a:t>r</a:t>
+            </a:r>
+            <a:r>
+              <a:rPr lang="en-001" sz="1400">
+                <a:solidFill>
+                  <a:schemeClr val="tx1"/>
+                </a:solidFill>
+              </a:rPr>
+              <a:t> </a:t>
+            </a:r>
+            <a:r>
+              <a:rPr lang="fr-FR" sz="1400">
+                <a:solidFill>
+                  <a:schemeClr val="tx1"/>
+                </a:solidFill>
+              </a:rPr>
+              <a:t>c</a:t>
+            </a:r>
+            <a:r>
+              <a:rPr lang="en-001" sz="1400">
+                <a:solidFill>
+                  <a:schemeClr val="tx1"/>
+                </a:solidFill>
+              </a:rPr>
+              <a:t>o</a:t>
+            </a:r>
+            <a:r>
+              <a:rPr lang="fr-FR" sz="1400">
+                <a:solidFill>
+                  <a:schemeClr val="tx1"/>
+                </a:solidFill>
+              </a:rPr>
+              <a:t>l</a:t>
+            </a:r>
+            <a:r>
+              <a:rPr lang="en-001" sz="1400">
+                <a:solidFill>
+                  <a:schemeClr val="tx1"/>
+                </a:solidFill>
+              </a:rPr>
+              <a:t>umns</a:t>
+            </a:r>
+          </a:p>
+          <a:p>
+            <a:r>
+              <a:rPr lang="en-001" sz="1400">
+                <a:solidFill>
+                  <a:schemeClr val="tx1"/>
+                </a:solidFill>
+              </a:rPr>
+              <a:t>char *name</a:t>
+            </a:r>
+          </a:p>
+          <a:p>
+            <a:r>
+              <a:rPr lang="fr-FR" sz="1400">
+                <a:solidFill>
+                  <a:schemeClr val="tx1"/>
+                </a:solidFill>
+              </a:rPr>
+              <a:t>t</a:t>
+            </a:r>
+            <a:r>
+              <a:rPr lang="en-001" sz="1400">
+                <a:solidFill>
+                  <a:schemeClr val="tx1"/>
+                </a:solidFill>
+              </a:rPr>
+              <a:t>_</a:t>
+            </a:r>
+            <a:r>
+              <a:rPr lang="fr-FR" sz="1400">
+                <a:solidFill>
+                  <a:schemeClr val="tx1"/>
+                </a:solidFill>
+              </a:rPr>
+              <a:t>c</a:t>
+            </a:r>
+            <a:r>
+              <a:rPr lang="en-001" sz="1400">
+                <a:solidFill>
+                  <a:schemeClr val="tx1"/>
+                </a:solidFill>
+              </a:rPr>
+              <a:t>s</a:t>
+            </a:r>
+            <a:r>
+              <a:rPr lang="fr-FR" sz="1400">
+                <a:solidFill>
+                  <a:schemeClr val="tx1"/>
+                </a:solidFill>
+              </a:rPr>
+              <a:t>v</a:t>
+            </a:r>
+            <a:r>
+              <a:rPr lang="en-001" sz="1400">
+                <a:solidFill>
+                  <a:schemeClr val="tx1"/>
+                </a:solidFill>
+              </a:rPr>
+              <a:t>_</a:t>
+            </a:r>
+            <a:r>
+              <a:rPr lang="fr-FR" sz="1400">
+                <a:solidFill>
+                  <a:schemeClr val="tx1"/>
+                </a:solidFill>
+              </a:rPr>
+              <a:t>c</a:t>
+            </a:r>
+            <a:r>
+              <a:rPr lang="en-001" sz="1400">
+                <a:solidFill>
+                  <a:schemeClr val="tx1"/>
+                </a:solidFill>
+              </a:rPr>
+              <a:t>o</a:t>
+            </a:r>
+            <a:r>
+              <a:rPr lang="fr-FR" sz="1400">
+                <a:solidFill>
+                  <a:schemeClr val="tx1"/>
+                </a:solidFill>
+              </a:rPr>
+              <a:t>l</a:t>
+            </a:r>
+            <a:r>
+              <a:rPr lang="en-001" sz="1400">
+                <a:solidFill>
+                  <a:schemeClr val="tx1"/>
+                </a:solidFill>
+              </a:rPr>
+              <a:t> *</a:t>
+            </a:r>
+            <a:r>
+              <a:rPr lang="fr-FR" sz="1400">
+                <a:solidFill>
+                  <a:schemeClr val="tx1"/>
+                </a:solidFill>
+              </a:rPr>
+              <a:t>n</a:t>
+            </a:r>
+            <a:r>
+              <a:rPr lang="en-001" sz="1400">
+                <a:solidFill>
+                  <a:schemeClr val="tx1"/>
+                </a:solidFill>
+              </a:rPr>
+              <a:t>e</a:t>
+            </a:r>
+            <a:r>
+              <a:rPr lang="fr-FR" sz="1400">
+                <a:solidFill>
+                  <a:schemeClr val="tx1"/>
+                </a:solidFill>
+              </a:rPr>
+              <a:t>x</a:t>
+            </a:r>
+            <a:r>
+              <a:rPr lang="en-001" sz="1400">
+                <a:solidFill>
+                  <a:schemeClr val="tx1"/>
+                </a:solidFill>
+              </a:rPr>
+              <a:t>t</a:t>
+            </a:r>
+          </a:p>
+        </p:txBody>
+      </p:sp>
+      <p:sp>
+        <p:nvSpPr>
+          <p:cNvPr id="6" name="Rectangle 5">
+            <a:extLst>
+              <a:ext uri="{FF2B5EF4-FFF2-40B4-BE49-F238E27FC236}">
+                <a16:creationId xmlns:a16="http://schemas.microsoft.com/office/drawing/2014/main" id="{5026E86B-358B-4E00-A1A5-C5CFEFC204D2}"/>
+              </a:ext>
+            </a:extLst>
+          </p:cNvPr>
+          <p:cNvSpPr/>
+          <p:nvPr/>
+        </p:nvSpPr>
+        <p:spPr>
+          <a:xfrm>
+            <a:off x="2859135" y="979743"/>
+            <a:ext cx="2239860" cy="2365695"/>
+          </a:xfrm>
+          <a:prstGeom prst="rect">
+            <a:avLst/>
+          </a:prstGeom>
+          <a:noFill/>
+        </p:spPr>
+        <p:style>
+          <a:lnRef idx="2">
+            <a:schemeClr val="accent1">
+              <a:shade val="50000"/>
+            </a:schemeClr>
+          </a:lnRef>
+          <a:fillRef idx="1">
+            <a:schemeClr val="accent1"/>
+          </a:fillRef>
+          <a:effectRef idx="0">
+            <a:schemeClr val="accent1"/>
+          </a:effectRef>
+          <a:fontRef idx="minor">
+            <a:schemeClr val="lt1"/>
+          </a:fontRef>
+        </p:style>
+        <p:txBody>
+          <a:bodyPr rtlCol="0" anchor="t"/>
+          <a:lstStyle/>
+          <a:p>
+            <a:r>
+              <a:rPr lang="fr-FR">
+                <a:solidFill>
+                  <a:schemeClr val="tx1"/>
+                </a:solidFill>
+              </a:rPr>
+              <a:t>t</a:t>
+            </a:r>
+            <a:r>
+              <a:rPr lang="en-001">
+                <a:solidFill>
+                  <a:schemeClr val="tx1"/>
+                </a:solidFill>
+              </a:rPr>
+              <a:t>_</a:t>
+            </a:r>
+            <a:r>
+              <a:rPr lang="fr-FR">
+                <a:solidFill>
+                  <a:schemeClr val="tx1"/>
+                </a:solidFill>
+              </a:rPr>
+              <a:t>a</a:t>
+            </a:r>
+            <a:r>
+              <a:rPr lang="en-001">
+                <a:solidFill>
+                  <a:schemeClr val="tx1"/>
+                </a:solidFill>
+              </a:rPr>
+              <a:t>r</a:t>
+            </a:r>
+            <a:r>
+              <a:rPr lang="fr-FR">
+                <a:solidFill>
+                  <a:schemeClr val="tx1"/>
+                </a:solidFill>
+              </a:rPr>
+              <a:t>r</a:t>
+            </a:r>
+            <a:endParaRPr lang="en-001">
+              <a:solidFill>
+                <a:schemeClr val="tx1"/>
+              </a:solidFill>
+            </a:endParaRPr>
+          </a:p>
+          <a:p>
+            <a:r>
+              <a:rPr lang="en-001" sz="1400">
+                <a:solidFill>
+                  <a:schemeClr val="tx1"/>
+                </a:solidFill>
+              </a:rPr>
+              <a:t>type </a:t>
+            </a:r>
+            <a:r>
+              <a:rPr lang="fr-FR" sz="1400">
+                <a:solidFill>
+                  <a:schemeClr val="tx1"/>
+                </a:solidFill>
+              </a:rPr>
+              <a:t>t</a:t>
+            </a:r>
+            <a:r>
+              <a:rPr lang="en-001" sz="1400">
+                <a:solidFill>
+                  <a:schemeClr val="tx1"/>
+                </a:solidFill>
+              </a:rPr>
+              <a:t>y</a:t>
+            </a:r>
+            <a:r>
+              <a:rPr lang="fr-FR" sz="1400">
+                <a:solidFill>
+                  <a:schemeClr val="tx1"/>
+                </a:solidFill>
+              </a:rPr>
+              <a:t>p</a:t>
+            </a:r>
+            <a:r>
+              <a:rPr lang="en-001" sz="1400">
+                <a:solidFill>
+                  <a:schemeClr val="tx1"/>
+                </a:solidFill>
+              </a:rPr>
+              <a:t>e</a:t>
+            </a:r>
+          </a:p>
+          <a:p>
+            <a:r>
+              <a:rPr lang="en-001" sz="1400">
+                <a:solidFill>
+                  <a:schemeClr val="tx1"/>
+                </a:solidFill>
+              </a:rPr>
+              <a:t>size_t len</a:t>
+            </a:r>
+          </a:p>
+          <a:p>
+            <a:r>
+              <a:rPr lang="en-001" sz="1400">
+                <a:solidFill>
+                  <a:schemeClr val="tx1"/>
+                </a:solidFill>
+              </a:rPr>
+              <a:t>void *arr</a:t>
+            </a:r>
+          </a:p>
+          <a:p>
+            <a:endParaRPr lang="en-001" sz="1400">
+              <a:solidFill>
+                <a:schemeClr val="tx1"/>
+              </a:solidFill>
+            </a:endParaRPr>
+          </a:p>
+        </p:txBody>
+      </p:sp>
+      <p:sp>
+        <p:nvSpPr>
+          <p:cNvPr id="2" name="ZoneTexte 1">
+            <a:extLst>
+              <a:ext uri="{FF2B5EF4-FFF2-40B4-BE49-F238E27FC236}">
+                <a16:creationId xmlns:a16="http://schemas.microsoft.com/office/drawing/2014/main" id="{B02F6EDB-5B8B-489C-BE12-A137B5D99BC7}"/>
+              </a:ext>
+            </a:extLst>
+          </p:cNvPr>
+          <p:cNvSpPr txBox="1"/>
+          <p:nvPr/>
+        </p:nvSpPr>
+        <p:spPr>
+          <a:xfrm>
+            <a:off x="159392" y="3473042"/>
+            <a:ext cx="6267165" cy="923330"/>
+          </a:xfrm>
+          <a:prstGeom prst="rect">
+            <a:avLst/>
+          </a:prstGeom>
+          <a:noFill/>
+        </p:spPr>
+        <p:txBody>
+          <a:bodyPr wrap="none" rtlCol="0">
+            <a:spAutoFit/>
+          </a:bodyPr>
+          <a:lstStyle/>
+          <a:p>
+            <a:r>
+              <a:rPr lang="en-001"/>
+              <a:t>t</a:t>
+            </a:r>
+            <a:r>
+              <a:rPr lang="fr-FR"/>
+              <a:t>e</a:t>
+            </a:r>
+            <a:r>
+              <a:rPr lang="en-001"/>
+              <a:t>s</a:t>
+            </a:r>
+            <a:r>
+              <a:rPr lang="fr-FR"/>
+              <a:t>t</a:t>
+            </a:r>
+            <a:r>
+              <a:rPr lang="en-001"/>
+              <a:t>-&gt;</a:t>
+            </a:r>
+            <a:r>
+              <a:rPr lang="fr-FR"/>
+              <a:t>c</a:t>
+            </a:r>
+            <a:r>
+              <a:rPr lang="en-001"/>
+              <a:t>olumns = d</a:t>
+            </a:r>
+            <a:r>
+              <a:rPr lang="fr-FR"/>
+              <a:t>a</a:t>
+            </a:r>
+            <a:r>
+              <a:rPr lang="en-001"/>
+              <a:t>s</a:t>
+            </a:r>
+            <a:r>
+              <a:rPr lang="fr-FR"/>
+              <a:t>t</a:t>
+            </a:r>
+            <a:r>
+              <a:rPr lang="en-001"/>
+              <a:t>_init_</a:t>
+            </a:r>
+            <a:r>
+              <a:rPr lang="fr-FR"/>
+              <a:t>a</a:t>
+            </a:r>
+            <a:r>
+              <a:rPr lang="en-001"/>
+              <a:t>r</a:t>
+            </a:r>
+            <a:r>
+              <a:rPr lang="fr-FR"/>
+              <a:t>r</a:t>
+            </a:r>
+            <a:r>
+              <a:rPr lang="en-001"/>
+              <a:t>(</a:t>
+            </a:r>
+            <a:r>
+              <a:rPr lang="fr-FR"/>
+              <a:t>T</a:t>
+            </a:r>
+            <a:r>
+              <a:rPr lang="en-001"/>
+              <a:t>_</a:t>
+            </a:r>
+            <a:r>
+              <a:rPr lang="fr-FR"/>
+              <a:t>F</a:t>
+            </a:r>
+            <a:r>
+              <a:rPr lang="en-001"/>
+              <a:t>L</a:t>
+            </a:r>
+            <a:r>
+              <a:rPr lang="fr-FR"/>
+              <a:t>O</a:t>
+            </a:r>
+            <a:r>
+              <a:rPr lang="en-001"/>
+              <a:t>AT, 60)</a:t>
+            </a:r>
+          </a:p>
+          <a:p>
+            <a:r>
+              <a:rPr lang="en-001"/>
+              <a:t>test-&gt;columns = </a:t>
+            </a:r>
+            <a:r>
+              <a:rPr lang="fr-FR"/>
+              <a:t>d</a:t>
+            </a:r>
+            <a:r>
+              <a:rPr lang="en-001"/>
+              <a:t>a</a:t>
+            </a:r>
+            <a:r>
+              <a:rPr lang="fr-FR"/>
+              <a:t>s</a:t>
+            </a:r>
+            <a:r>
+              <a:rPr lang="en-001"/>
+              <a:t>t_</a:t>
+            </a:r>
+            <a:r>
+              <a:rPr lang="fr-FR"/>
+              <a:t>n</a:t>
+            </a:r>
+            <a:r>
+              <a:rPr lang="en-001"/>
+              <a:t>e</a:t>
+            </a:r>
+            <a:r>
+              <a:rPr lang="fr-FR"/>
+              <a:t>w</a:t>
+            </a:r>
+            <a:r>
+              <a:rPr lang="en-001"/>
+              <a:t>_</a:t>
+            </a:r>
+            <a:r>
+              <a:rPr lang="fr-FR"/>
+              <a:t>a</a:t>
+            </a:r>
+            <a:r>
+              <a:rPr lang="en-001"/>
+              <a:t>r</a:t>
+            </a:r>
+            <a:r>
+              <a:rPr lang="fr-FR"/>
+              <a:t>r</a:t>
+            </a:r>
+            <a:r>
+              <a:rPr lang="en-001"/>
+              <a:t>(</a:t>
+            </a:r>
+            <a:r>
+              <a:rPr lang="fr-FR"/>
+              <a:t>T</a:t>
+            </a:r>
+            <a:r>
+              <a:rPr lang="en-001"/>
+              <a:t>_</a:t>
+            </a:r>
+            <a:r>
+              <a:rPr lang="fr-FR"/>
+              <a:t>F</a:t>
+            </a:r>
+            <a:r>
+              <a:rPr lang="en-001"/>
+              <a:t>LO</a:t>
+            </a:r>
+            <a:r>
+              <a:rPr lang="fr-FR"/>
+              <a:t>A</a:t>
+            </a:r>
+            <a:r>
+              <a:rPr lang="en-001"/>
+              <a:t>T, 60, </a:t>
+            </a:r>
+            <a:r>
+              <a:rPr lang="fr-FR"/>
+              <a:t>f</a:t>
+            </a:r>
+            <a:r>
+              <a:rPr lang="en-001"/>
+              <a:t>l</a:t>
+            </a:r>
+            <a:r>
+              <a:rPr lang="fr-FR"/>
+              <a:t>o</a:t>
+            </a:r>
+            <a:r>
+              <a:rPr lang="en-001"/>
+              <a:t>a</a:t>
+            </a:r>
+            <a:r>
+              <a:rPr lang="fr-FR"/>
+              <a:t>t</a:t>
+            </a:r>
+            <a:r>
+              <a:rPr lang="en-001"/>
+              <a:t>_</a:t>
+            </a:r>
+            <a:r>
+              <a:rPr lang="fr-FR"/>
+              <a:t>a</a:t>
+            </a:r>
+            <a:r>
+              <a:rPr lang="en-001"/>
+              <a:t>r</a:t>
+            </a:r>
+            <a:r>
+              <a:rPr lang="fr-FR"/>
+              <a:t>r</a:t>
+            </a:r>
+            <a:r>
+              <a:rPr lang="en-001"/>
+              <a:t>a</a:t>
+            </a:r>
+            <a:r>
+              <a:rPr lang="fr-FR"/>
+              <a:t>y</a:t>
+            </a:r>
+            <a:r>
+              <a:rPr lang="en-001"/>
+              <a:t>)</a:t>
+            </a:r>
+          </a:p>
+          <a:p>
+            <a:r>
+              <a:rPr lang="en-001"/>
+              <a:t>test-&gt;</a:t>
+            </a:r>
+            <a:r>
+              <a:rPr lang="fr-FR"/>
+              <a:t>c</a:t>
+            </a:r>
+            <a:r>
+              <a:rPr lang="en-001"/>
+              <a:t>o</a:t>
+            </a:r>
+            <a:r>
+              <a:rPr lang="fr-FR"/>
+              <a:t>l</a:t>
+            </a:r>
+            <a:r>
+              <a:rPr lang="en-001"/>
+              <a:t>u</a:t>
+            </a:r>
+            <a:r>
+              <a:rPr lang="fr-FR"/>
+              <a:t>m</a:t>
+            </a:r>
+            <a:r>
+              <a:rPr lang="en-001"/>
+              <a:t>n</a:t>
+            </a:r>
+            <a:r>
+              <a:rPr lang="fr-FR"/>
+              <a:t>s</a:t>
+            </a:r>
+            <a:r>
+              <a:rPr lang="en-001"/>
+              <a:t> = </a:t>
+            </a:r>
+            <a:r>
+              <a:rPr lang="fr-FR"/>
+              <a:t>d</a:t>
+            </a:r>
+            <a:r>
+              <a:rPr lang="en-001"/>
+              <a:t>a</a:t>
+            </a:r>
+            <a:r>
+              <a:rPr lang="fr-FR"/>
+              <a:t>s</a:t>
+            </a:r>
+            <a:r>
+              <a:rPr lang="en-001"/>
+              <a:t>t_</a:t>
+            </a:r>
+            <a:r>
+              <a:rPr lang="fr-FR"/>
+              <a:t>n</a:t>
+            </a:r>
+            <a:r>
+              <a:rPr lang="en-001"/>
+              <a:t>e</a:t>
+            </a:r>
+            <a:r>
+              <a:rPr lang="fr-FR"/>
+              <a:t>w</a:t>
+            </a:r>
+            <a:r>
+              <a:rPr lang="en-001"/>
+              <a:t>_</a:t>
+            </a:r>
+            <a:r>
+              <a:rPr lang="fr-FR"/>
+              <a:t>s</a:t>
+            </a:r>
+            <a:r>
+              <a:rPr lang="en-001"/>
+              <a:t>_</a:t>
+            </a:r>
+            <a:r>
+              <a:rPr lang="fr-FR"/>
+              <a:t>a</a:t>
+            </a:r>
+            <a:r>
+              <a:rPr lang="en-001"/>
+              <a:t>r</a:t>
+            </a:r>
+            <a:r>
+              <a:rPr lang="fr-FR"/>
+              <a:t>r</a:t>
+            </a:r>
+            <a:r>
+              <a:rPr lang="en-001"/>
+              <a:t>(T_FL</a:t>
+            </a:r>
+            <a:r>
+              <a:rPr lang="fr-FR"/>
+              <a:t>O</a:t>
+            </a:r>
+            <a:r>
+              <a:rPr lang="en-001"/>
+              <a:t>A</a:t>
+            </a:r>
+            <a:r>
+              <a:rPr lang="fr-FR"/>
+              <a:t>T</a:t>
+            </a:r>
+            <a:r>
+              <a:rPr lang="en-001"/>
+              <a:t>, 60, float_static_array)</a:t>
+            </a:r>
+            <a:endParaRPr lang="fr-FR"/>
+          </a:p>
+        </p:txBody>
+      </p:sp>
+      <p:sp>
+        <p:nvSpPr>
+          <p:cNvPr id="3" name="ZoneTexte 2">
+            <a:extLst>
+              <a:ext uri="{FF2B5EF4-FFF2-40B4-BE49-F238E27FC236}">
+                <a16:creationId xmlns:a16="http://schemas.microsoft.com/office/drawing/2014/main" id="{6F2EA5DF-CE91-485D-933C-352180DD3B3A}"/>
+              </a:ext>
+            </a:extLst>
+          </p:cNvPr>
+          <p:cNvSpPr txBox="1"/>
+          <p:nvPr/>
+        </p:nvSpPr>
+        <p:spPr>
+          <a:xfrm>
+            <a:off x="6694415" y="1107347"/>
+            <a:ext cx="4149919" cy="2862322"/>
+          </a:xfrm>
+          <a:prstGeom prst="rect">
+            <a:avLst/>
+          </a:prstGeom>
+          <a:noFill/>
+        </p:spPr>
+        <p:txBody>
+          <a:bodyPr wrap="none" rtlCol="0">
+            <a:spAutoFit/>
+          </a:bodyPr>
+          <a:lstStyle/>
+          <a:p>
+            <a:r>
+              <a:rPr lang="en-001"/>
+              <a:t>f</a:t>
+            </a:r>
+            <a:r>
+              <a:rPr lang="fr-FR"/>
+              <a:t>l</a:t>
+            </a:r>
+            <a:r>
+              <a:rPr lang="en-001"/>
+              <a:t>o</a:t>
+            </a:r>
+            <a:r>
+              <a:rPr lang="fr-FR"/>
+              <a:t>a</a:t>
+            </a:r>
+            <a:r>
+              <a:rPr lang="en-001"/>
+              <a:t>t </a:t>
+            </a:r>
+            <a:r>
+              <a:rPr lang="fr-FR"/>
+              <a:t>m</a:t>
+            </a:r>
+            <a:r>
+              <a:rPr lang="en-001"/>
+              <a:t>a</a:t>
+            </a:r>
+            <a:r>
+              <a:rPr lang="fr-FR"/>
+              <a:t>t</a:t>
+            </a:r>
+            <a:r>
+              <a:rPr lang="en-001"/>
+              <a:t>h_</a:t>
+            </a:r>
+            <a:r>
+              <a:rPr lang="fr-FR"/>
+              <a:t>s</a:t>
+            </a:r>
+            <a:r>
+              <a:rPr lang="en-001"/>
+              <a:t>u</a:t>
+            </a:r>
+            <a:r>
+              <a:rPr lang="fr-FR"/>
+              <a:t>m</a:t>
+            </a:r>
+            <a:r>
+              <a:rPr lang="en-001"/>
+              <a:t>(</a:t>
+            </a:r>
+            <a:r>
+              <a:rPr lang="fr-FR"/>
+              <a:t>t</a:t>
+            </a:r>
+            <a:r>
+              <a:rPr lang="en-001"/>
+              <a:t>_</a:t>
+            </a:r>
+            <a:r>
+              <a:rPr lang="fr-FR"/>
+              <a:t>a</a:t>
+            </a:r>
+            <a:r>
+              <a:rPr lang="en-001"/>
+              <a:t>r</a:t>
+            </a:r>
+            <a:r>
+              <a:rPr lang="fr-FR"/>
+              <a:t>r</a:t>
+            </a:r>
+            <a:r>
+              <a:rPr lang="en-001"/>
+              <a:t> </a:t>
+            </a:r>
+            <a:r>
+              <a:rPr lang="fr-FR"/>
+              <a:t>a</a:t>
+            </a:r>
+            <a:r>
+              <a:rPr lang="en-001"/>
+              <a:t>r</a:t>
+            </a:r>
+            <a:r>
+              <a:rPr lang="fr-FR"/>
+              <a:t>r</a:t>
+            </a:r>
+            <a:r>
+              <a:rPr lang="en-001"/>
+              <a:t>a</a:t>
+            </a:r>
+            <a:r>
+              <a:rPr lang="fr-FR"/>
+              <a:t>y</a:t>
+            </a:r>
+            <a:r>
+              <a:rPr lang="en-001"/>
+              <a:t>)</a:t>
+            </a:r>
+          </a:p>
+          <a:p>
+            <a:r>
+              <a:rPr lang="en-001"/>
+              <a:t>{</a:t>
+            </a:r>
+          </a:p>
+          <a:p>
+            <a:r>
+              <a:rPr lang="en-001"/>
+              <a:t>	</a:t>
+            </a:r>
+            <a:r>
+              <a:rPr lang="fr-FR"/>
+              <a:t>i</a:t>
+            </a:r>
+            <a:r>
+              <a:rPr lang="en-001"/>
+              <a:t>f (</a:t>
+            </a:r>
+            <a:r>
+              <a:rPr lang="fr-FR"/>
+              <a:t>a</a:t>
+            </a:r>
+            <a:r>
+              <a:rPr lang="en-001"/>
+              <a:t>r</a:t>
+            </a:r>
+            <a:r>
+              <a:rPr lang="fr-FR"/>
+              <a:t>r</a:t>
+            </a:r>
+            <a:r>
+              <a:rPr lang="en-001"/>
+              <a:t>a</a:t>
+            </a:r>
+            <a:r>
+              <a:rPr lang="fr-FR"/>
+              <a:t>y</a:t>
+            </a:r>
+            <a:r>
+              <a:rPr lang="en-001"/>
+              <a:t>.</a:t>
+            </a:r>
+            <a:r>
+              <a:rPr lang="fr-FR"/>
+              <a:t>t</a:t>
+            </a:r>
+            <a:r>
+              <a:rPr lang="en-001"/>
+              <a:t>y</a:t>
+            </a:r>
+            <a:r>
+              <a:rPr lang="fr-FR"/>
+              <a:t>p</a:t>
+            </a:r>
+            <a:r>
+              <a:rPr lang="en-001"/>
+              <a:t>e != </a:t>
+            </a:r>
+            <a:r>
+              <a:rPr lang="fr-FR"/>
+              <a:t>T</a:t>
+            </a:r>
+            <a:r>
+              <a:rPr lang="en-001"/>
+              <a:t>_</a:t>
+            </a:r>
+            <a:r>
+              <a:rPr lang="fr-FR"/>
+              <a:t>F</a:t>
+            </a:r>
+            <a:r>
+              <a:rPr lang="en-001"/>
+              <a:t>L</a:t>
+            </a:r>
+            <a:r>
+              <a:rPr lang="fr-FR"/>
+              <a:t>O</a:t>
+            </a:r>
+            <a:r>
+              <a:rPr lang="en-001"/>
+              <a:t>A</a:t>
+            </a:r>
+            <a:r>
+              <a:rPr lang="fr-FR"/>
+              <a:t>T</a:t>
+            </a:r>
+            <a:r>
+              <a:rPr lang="en-001"/>
+              <a:t>)</a:t>
+            </a:r>
+          </a:p>
+          <a:p>
+            <a:r>
+              <a:rPr lang="en-001"/>
+              <a:t>		return (</a:t>
+            </a:r>
+            <a:r>
+              <a:rPr lang="fr-FR"/>
+              <a:t>e</a:t>
+            </a:r>
+            <a:r>
+              <a:rPr lang="en-001"/>
+              <a:t>r</a:t>
+            </a:r>
+            <a:r>
+              <a:rPr lang="fr-FR"/>
+              <a:t>r</a:t>
+            </a:r>
+            <a:r>
+              <a:rPr lang="en-001"/>
+              <a:t>o</a:t>
+            </a:r>
+            <a:r>
+              <a:rPr lang="fr-FR"/>
+              <a:t>r</a:t>
+            </a:r>
+            <a:r>
+              <a:rPr lang="en-001"/>
+              <a:t>)</a:t>
+            </a:r>
+          </a:p>
+          <a:p>
+            <a:r>
+              <a:rPr lang="en-001"/>
+              <a:t>	float *carray = (float*)array.arr</a:t>
+            </a:r>
+          </a:p>
+          <a:p>
+            <a:r>
+              <a:rPr lang="en-001"/>
+              <a:t>	</a:t>
+            </a:r>
+            <a:r>
+              <a:rPr lang="fr-FR"/>
+              <a:t>f</a:t>
+            </a:r>
+            <a:r>
+              <a:rPr lang="en-001"/>
+              <a:t>l</a:t>
+            </a:r>
+            <a:r>
+              <a:rPr lang="fr-FR"/>
+              <a:t>o</a:t>
+            </a:r>
+            <a:r>
+              <a:rPr lang="en-001"/>
+              <a:t>a</a:t>
+            </a:r>
+            <a:r>
+              <a:rPr lang="fr-FR"/>
+              <a:t>t</a:t>
+            </a:r>
+            <a:r>
+              <a:rPr lang="en-001"/>
+              <a:t> </a:t>
+            </a:r>
+            <a:r>
+              <a:rPr lang="fr-FR"/>
+              <a:t>s</a:t>
+            </a:r>
+            <a:r>
+              <a:rPr lang="en-001"/>
+              <a:t>u</a:t>
+            </a:r>
+            <a:r>
+              <a:rPr lang="fr-FR"/>
+              <a:t>m</a:t>
+            </a:r>
+            <a:r>
+              <a:rPr lang="en-001"/>
+              <a:t> = 0;	</a:t>
+            </a:r>
+          </a:p>
+          <a:p>
+            <a:r>
+              <a:rPr lang="en-001"/>
+              <a:t>	for (</a:t>
+            </a:r>
+            <a:r>
+              <a:rPr lang="fr-FR"/>
+              <a:t>s</a:t>
+            </a:r>
+            <a:r>
+              <a:rPr lang="en-001"/>
+              <a:t>i</a:t>
+            </a:r>
+            <a:r>
+              <a:rPr lang="fr-FR"/>
+              <a:t>z</a:t>
+            </a:r>
+            <a:r>
+              <a:rPr lang="en-001"/>
+              <a:t>e_</a:t>
+            </a:r>
+            <a:r>
+              <a:rPr lang="fr-FR"/>
+              <a:t>t</a:t>
+            </a:r>
+            <a:r>
+              <a:rPr lang="en-001"/>
+              <a:t> </a:t>
+            </a:r>
+            <a:r>
+              <a:rPr lang="fr-FR"/>
+              <a:t>i</a:t>
+            </a:r>
+            <a:r>
+              <a:rPr lang="en-001"/>
+              <a:t> = 0; </a:t>
+            </a:r>
+            <a:r>
+              <a:rPr lang="fr-FR"/>
+              <a:t>i</a:t>
+            </a:r>
+            <a:r>
+              <a:rPr lang="en-001"/>
+              <a:t> &lt; </a:t>
+            </a:r>
+            <a:r>
+              <a:rPr lang="fr-FR"/>
+              <a:t>a</a:t>
+            </a:r>
+            <a:r>
+              <a:rPr lang="en-001"/>
+              <a:t>r</a:t>
+            </a:r>
+            <a:r>
+              <a:rPr lang="fr-FR"/>
+              <a:t>r</a:t>
+            </a:r>
+            <a:r>
+              <a:rPr lang="en-001"/>
+              <a:t>a</a:t>
+            </a:r>
+            <a:r>
+              <a:rPr lang="fr-FR"/>
+              <a:t>y</a:t>
+            </a:r>
+            <a:r>
+              <a:rPr lang="en-001"/>
+              <a:t>.</a:t>
+            </a:r>
+            <a:r>
+              <a:rPr lang="fr-FR"/>
+              <a:t>l</a:t>
+            </a:r>
+            <a:r>
+              <a:rPr lang="en-001"/>
+              <a:t>e</a:t>
+            </a:r>
+            <a:r>
+              <a:rPr lang="fr-FR"/>
+              <a:t>n</a:t>
+            </a:r>
+            <a:r>
+              <a:rPr lang="en-001"/>
+              <a:t>; </a:t>
+            </a:r>
+            <a:r>
+              <a:rPr lang="fr-FR"/>
+              <a:t>i</a:t>
+            </a:r>
+            <a:r>
+              <a:rPr lang="en-001"/>
+              <a:t>++)</a:t>
+            </a:r>
+          </a:p>
+          <a:p>
+            <a:r>
+              <a:rPr lang="en-001"/>
+              <a:t>		</a:t>
+            </a:r>
+            <a:r>
+              <a:rPr lang="fr-FR"/>
+              <a:t>s</a:t>
+            </a:r>
+            <a:r>
+              <a:rPr lang="en-001"/>
+              <a:t>u</a:t>
+            </a:r>
+            <a:r>
+              <a:rPr lang="fr-FR"/>
+              <a:t>m</a:t>
+            </a:r>
+            <a:r>
+              <a:rPr lang="en-001"/>
+              <a:t> += </a:t>
+            </a:r>
+            <a:r>
+              <a:rPr lang="fr-FR"/>
+              <a:t>c</a:t>
+            </a:r>
+            <a:r>
+              <a:rPr lang="en-001"/>
+              <a:t>a</a:t>
+            </a:r>
+            <a:r>
+              <a:rPr lang="fr-FR"/>
+              <a:t>r</a:t>
+            </a:r>
+            <a:r>
+              <a:rPr lang="en-001"/>
+              <a:t>r</a:t>
+            </a:r>
+            <a:r>
+              <a:rPr lang="fr-FR"/>
+              <a:t>a</a:t>
+            </a:r>
+            <a:r>
+              <a:rPr lang="en-001"/>
+              <a:t>y[</a:t>
+            </a:r>
+            <a:r>
+              <a:rPr lang="fr-FR"/>
+              <a:t>i</a:t>
+            </a:r>
+            <a:r>
+              <a:rPr lang="en-001"/>
+              <a:t>];</a:t>
+            </a:r>
+          </a:p>
+          <a:p>
+            <a:r>
+              <a:rPr lang="en-001"/>
+              <a:t>	return (sum)</a:t>
+            </a:r>
+          </a:p>
+          <a:p>
+            <a:r>
+              <a:rPr lang="en-001"/>
+              <a:t>}</a:t>
+            </a:r>
+            <a:endParaRPr lang="fr-FR"/>
+          </a:p>
+        </p:txBody>
+      </p:sp>
+    </p:spTree>
+    <p:extLst>
+      <p:ext uri="{BB962C8B-B14F-4D97-AF65-F5344CB8AC3E}">
+        <p14:creationId xmlns:p14="http://schemas.microsoft.com/office/powerpoint/2010/main" val="3813250472"/>
+      </p:ext>
+    </p:extLst>
+  </p:cSld>
+  <p:clrMapOvr>
+    <a:masterClrMapping/>
+  </p:clrMapOvr>
+</p:sld>
+</file>
+
+<file path=ppt/slides/slide14.xml><?xml version="1.0" encoding="utf-8"?>
 <p:sld xmlns:a="http://schemas.openxmlformats.org/drawingml/2006/main" xmlns:r="http://schemas.openxmlformats.org/officeDocument/2006/relationships" xmlns:p="http://schemas.openxmlformats.org/presentationml/2006/main">
   <p:cSld>
     <p:spTree>
@@ -8391,7 +9868,7 @@
 </p:sld>
 </file>
 
-<file path=ppt/slides/slide14.xml><?xml version="1.0" encoding="utf-8"?>
+<file path=ppt/slides/slide15.xml><?xml version="1.0" encoding="utf-8"?>
 <p:sld xmlns:a="http://schemas.openxmlformats.org/drawingml/2006/main" xmlns:r="http://schemas.openxmlformats.org/officeDocument/2006/relationships" xmlns:p="http://schemas.openxmlformats.org/presentationml/2006/main">
   <p:cSld>
     <p:spTree>

--- a/Docs/Draft/Draft_Struct.pptx
+++ b/Docs/Draft/Draft_Struct.pptx
@@ -7,19 +7,20 @@
   <p:sldIdLst>
     <p:sldId id="257" r:id="rId2"/>
     <p:sldId id="256" r:id="rId3"/>
-    <p:sldId id="266" r:id="rId4"/>
-    <p:sldId id="262" r:id="rId5"/>
-    <p:sldId id="261" r:id="rId6"/>
-    <p:sldId id="263" r:id="rId7"/>
-    <p:sldId id="258" r:id="rId8"/>
-    <p:sldId id="260" r:id="rId9"/>
-    <p:sldId id="259" r:id="rId10"/>
-    <p:sldId id="264" r:id="rId11"/>
-    <p:sldId id="265" r:id="rId12"/>
-    <p:sldId id="269" r:id="rId13"/>
-    <p:sldId id="270" r:id="rId14"/>
-    <p:sldId id="268" r:id="rId15"/>
-    <p:sldId id="267" r:id="rId16"/>
+    <p:sldId id="261" r:id="rId4"/>
+    <p:sldId id="266" r:id="rId5"/>
+    <p:sldId id="262" r:id="rId6"/>
+    <p:sldId id="271" r:id="rId7"/>
+    <p:sldId id="263" r:id="rId8"/>
+    <p:sldId id="258" r:id="rId9"/>
+    <p:sldId id="260" r:id="rId10"/>
+    <p:sldId id="259" r:id="rId11"/>
+    <p:sldId id="264" r:id="rId12"/>
+    <p:sldId id="265" r:id="rId13"/>
+    <p:sldId id="269" r:id="rId14"/>
+    <p:sldId id="270" r:id="rId15"/>
+    <p:sldId id="268" r:id="rId16"/>
+    <p:sldId id="267" r:id="rId17"/>
   </p:sldIdLst>
   <p:sldSz cx="12192000" cy="6858000"/>
   <p:notesSz cx="6858000" cy="9144000"/>
@@ -125,13 +126,14 @@
           <p14:sldIdLst>
             <p14:sldId id="257"/>
             <p14:sldId id="256"/>
+            <p14:sldId id="261"/>
           </p14:sldIdLst>
         </p14:section>
         <p14:section name="Recent" id="{A3E6F98D-0166-4CE0-A915-CA19B6D4B32E}">
           <p14:sldIdLst>
             <p14:sldId id="266"/>
             <p14:sldId id="262"/>
-            <p14:sldId id="261"/>
+            <p14:sldId id="271"/>
             <p14:sldId id="263"/>
             <p14:sldId id="258"/>
             <p14:sldId id="260"/>
@@ -304,7 +306,7 @@
           <a:p>
             <a:fld id="{1E852E34-5808-411D-82B1-F5678CCA79B1}" type="datetimeFigureOut">
               <a:rPr lang="fr-FR" smtClean="0"/>
-              <a:t>27/08/2019</a:t>
+              <a:t>01/09/2019</a:t>
             </a:fld>
             <a:endParaRPr lang="fr-FR"/>
           </a:p>
@@ -502,7 +504,7 @@
           <a:p>
             <a:fld id="{1E852E34-5808-411D-82B1-F5678CCA79B1}" type="datetimeFigureOut">
               <a:rPr lang="fr-FR" smtClean="0"/>
-              <a:t>27/08/2019</a:t>
+              <a:t>01/09/2019</a:t>
             </a:fld>
             <a:endParaRPr lang="fr-FR"/>
           </a:p>
@@ -710,7 +712,7 @@
           <a:p>
             <a:fld id="{1E852E34-5808-411D-82B1-F5678CCA79B1}" type="datetimeFigureOut">
               <a:rPr lang="fr-FR" smtClean="0"/>
-              <a:t>27/08/2019</a:t>
+              <a:t>01/09/2019</a:t>
             </a:fld>
             <a:endParaRPr lang="fr-FR"/>
           </a:p>
@@ -908,7 +910,7 @@
           <a:p>
             <a:fld id="{1E852E34-5808-411D-82B1-F5678CCA79B1}" type="datetimeFigureOut">
               <a:rPr lang="fr-FR" smtClean="0"/>
-              <a:t>27/08/2019</a:t>
+              <a:t>01/09/2019</a:t>
             </a:fld>
             <a:endParaRPr lang="fr-FR"/>
           </a:p>
@@ -1183,7 +1185,7 @@
           <a:p>
             <a:fld id="{1E852E34-5808-411D-82B1-F5678CCA79B1}" type="datetimeFigureOut">
               <a:rPr lang="fr-FR" smtClean="0"/>
-              <a:t>27/08/2019</a:t>
+              <a:t>01/09/2019</a:t>
             </a:fld>
             <a:endParaRPr lang="fr-FR"/>
           </a:p>
@@ -1448,7 +1450,7 @@
           <a:p>
             <a:fld id="{1E852E34-5808-411D-82B1-F5678CCA79B1}" type="datetimeFigureOut">
               <a:rPr lang="fr-FR" smtClean="0"/>
-              <a:t>27/08/2019</a:t>
+              <a:t>01/09/2019</a:t>
             </a:fld>
             <a:endParaRPr lang="fr-FR"/>
           </a:p>
@@ -1860,7 +1862,7 @@
           <a:p>
             <a:fld id="{1E852E34-5808-411D-82B1-F5678CCA79B1}" type="datetimeFigureOut">
               <a:rPr lang="fr-FR" smtClean="0"/>
-              <a:t>27/08/2019</a:t>
+              <a:t>01/09/2019</a:t>
             </a:fld>
             <a:endParaRPr lang="fr-FR"/>
           </a:p>
@@ -2001,7 +2003,7 @@
           <a:p>
             <a:fld id="{1E852E34-5808-411D-82B1-F5678CCA79B1}" type="datetimeFigureOut">
               <a:rPr lang="fr-FR" smtClean="0"/>
-              <a:t>27/08/2019</a:t>
+              <a:t>01/09/2019</a:t>
             </a:fld>
             <a:endParaRPr lang="fr-FR"/>
           </a:p>
@@ -2114,7 +2116,7 @@
           <a:p>
             <a:fld id="{1E852E34-5808-411D-82B1-F5678CCA79B1}" type="datetimeFigureOut">
               <a:rPr lang="fr-FR" smtClean="0"/>
-              <a:t>27/08/2019</a:t>
+              <a:t>01/09/2019</a:t>
             </a:fld>
             <a:endParaRPr lang="fr-FR"/>
           </a:p>
@@ -2425,7 +2427,7 @@
           <a:p>
             <a:fld id="{1E852E34-5808-411D-82B1-F5678CCA79B1}" type="datetimeFigureOut">
               <a:rPr lang="fr-FR" smtClean="0"/>
-              <a:t>27/08/2019</a:t>
+              <a:t>01/09/2019</a:t>
             </a:fld>
             <a:endParaRPr lang="fr-FR"/>
           </a:p>
@@ -2713,7 +2715,7 @@
           <a:p>
             <a:fld id="{1E852E34-5808-411D-82B1-F5678CCA79B1}" type="datetimeFigureOut">
               <a:rPr lang="fr-FR" smtClean="0"/>
-              <a:t>27/08/2019</a:t>
+              <a:t>01/09/2019</a:t>
             </a:fld>
             <a:endParaRPr lang="fr-FR"/>
           </a:p>
@@ -2954,7 +2956,7 @@
           <a:p>
             <a:fld id="{1E852E34-5808-411D-82B1-F5678CCA79B1}" type="datetimeFigureOut">
               <a:rPr lang="fr-FR" smtClean="0"/>
-              <a:t>27/08/2019</a:t>
+              <a:t>01/09/2019</a:t>
             </a:fld>
             <a:endParaRPr lang="fr-FR"/>
           </a:p>
@@ -4422,6 +4424,759 @@
           <p:cNvPr id="4" name="ZoneTexte 3">
             <a:extLst>
               <a:ext uri="{FF2B5EF4-FFF2-40B4-BE49-F238E27FC236}">
+                <a16:creationId xmlns:a16="http://schemas.microsoft.com/office/drawing/2014/main" id="{9E9BE472-23E3-40F5-8BEC-DBCB60AF95B8}"/>
+              </a:ext>
+            </a:extLst>
+          </p:cNvPr>
+          <p:cNvSpPr txBox="1"/>
+          <p:nvPr/>
+        </p:nvSpPr>
+        <p:spPr>
+          <a:xfrm>
+            <a:off x="243281" y="1342239"/>
+            <a:ext cx="5998502" cy="2585323"/>
+          </a:xfrm>
+          <a:prstGeom prst="rect">
+            <a:avLst/>
+          </a:prstGeom>
+          <a:noFill/>
+        </p:spPr>
+        <p:txBody>
+          <a:bodyPr wrap="none" rtlCol="0">
+            <a:spAutoFit/>
+          </a:bodyPr>
+          <a:lstStyle/>
+          <a:p>
+            <a:r>
+              <a:rPr lang="en-001">
+                <a:hlinkClick r:id="rId2"/>
+              </a:rPr>
+              <a:t>Retropro</a:t>
+            </a:r>
+            <a:r>
+              <a:rPr lang="fr-FR">
+                <a:hlinkClick r:id="rId2"/>
+              </a:rPr>
+              <a:t>p</a:t>
+            </a:r>
+            <a:r>
+              <a:rPr lang="en-001">
+                <a:hlinkClick r:id="rId2"/>
+              </a:rPr>
+              <a:t>a</a:t>
+            </a:r>
+            <a:r>
+              <a:rPr lang="fr-FR">
+                <a:hlinkClick r:id="rId2"/>
+              </a:rPr>
+              <a:t>g</a:t>
+            </a:r>
+            <a:r>
+              <a:rPr lang="en-001">
+                <a:hlinkClick r:id="rId2"/>
+              </a:rPr>
+              <a:t>a</a:t>
+            </a:r>
+            <a:r>
+              <a:rPr lang="fr-FR">
+                <a:hlinkClick r:id="rId2"/>
+              </a:rPr>
+              <a:t>t</a:t>
+            </a:r>
+            <a:r>
+              <a:rPr lang="en-001">
+                <a:hlinkClick r:id="rId2"/>
+              </a:rPr>
+              <a:t>i</a:t>
+            </a:r>
+            <a:r>
+              <a:rPr lang="fr-FR">
+                <a:hlinkClick r:id="rId2"/>
+              </a:rPr>
+              <a:t>o</a:t>
+            </a:r>
+            <a:r>
+              <a:rPr lang="en-001">
+                <a:hlinkClick r:id="rId2"/>
+              </a:rPr>
+              <a:t>n </a:t>
+            </a:r>
+            <a:r>
+              <a:rPr lang="fr-FR">
+                <a:hlinkClick r:id="rId2"/>
+              </a:rPr>
+              <a:t>d</a:t>
+            </a:r>
+            <a:r>
+              <a:rPr lang="en-001">
+                <a:hlinkClick r:id="rId2"/>
+              </a:rPr>
+              <a:t>a</a:t>
+            </a:r>
+            <a:r>
+              <a:rPr lang="fr-FR">
+                <a:hlinkClick r:id="rId2"/>
+              </a:rPr>
+              <a:t>n</a:t>
+            </a:r>
+            <a:r>
+              <a:rPr lang="en-001">
+                <a:hlinkClick r:id="rId2"/>
+              </a:rPr>
+              <a:t>s </a:t>
+            </a:r>
+            <a:r>
+              <a:rPr lang="fr-FR">
+                <a:hlinkClick r:id="rId2"/>
+              </a:rPr>
+              <a:t>c</a:t>
+            </a:r>
+            <a:r>
+              <a:rPr lang="en-001">
+                <a:hlinkClick r:id="rId2"/>
+              </a:rPr>
+              <a:t>o</a:t>
+            </a:r>
+            <a:r>
+              <a:rPr lang="fr-FR">
+                <a:hlinkClick r:id="rId2"/>
+              </a:rPr>
+              <a:t>u</a:t>
+            </a:r>
+            <a:r>
+              <a:rPr lang="en-001">
+                <a:hlinkClick r:id="rId2"/>
+              </a:rPr>
+              <a:t>c</a:t>
+            </a:r>
+            <a:r>
+              <a:rPr lang="fr-FR">
+                <a:hlinkClick r:id="rId2"/>
+              </a:rPr>
+              <a:t>h</a:t>
+            </a:r>
+            <a:r>
+              <a:rPr lang="en-001">
+                <a:hlinkClick r:id="rId2"/>
+              </a:rPr>
+              <a:t>e </a:t>
+            </a:r>
+            <a:r>
+              <a:rPr lang="fr-FR">
+                <a:hlinkClick r:id="rId2"/>
+              </a:rPr>
+              <a:t>d</a:t>
+            </a:r>
+            <a:r>
+              <a:rPr lang="en-001">
+                <a:hlinkClick r:id="rId2"/>
+              </a:rPr>
+              <a:t>e convolution</a:t>
+            </a:r>
+            <a:endParaRPr lang="en-001"/>
+          </a:p>
+          <a:p>
+            <a:r>
+              <a:rPr lang="en-001">
+                <a:hlinkClick r:id="rId3"/>
+              </a:rPr>
+              <a:t>Retro</a:t>
+            </a:r>
+            <a:r>
+              <a:rPr lang="fr-FR">
+                <a:hlinkClick r:id="rId3"/>
+              </a:rPr>
+              <a:t>p</a:t>
+            </a:r>
+            <a:r>
+              <a:rPr lang="en-001">
+                <a:hlinkClick r:id="rId3"/>
+              </a:rPr>
+              <a:t>r</a:t>
+            </a:r>
+            <a:r>
+              <a:rPr lang="fr-FR">
+                <a:hlinkClick r:id="rId3"/>
+              </a:rPr>
+              <a:t>o</a:t>
+            </a:r>
+            <a:r>
+              <a:rPr lang="en-001">
+                <a:hlinkClick r:id="rId3"/>
+              </a:rPr>
+              <a:t>p</a:t>
+            </a:r>
+            <a:r>
+              <a:rPr lang="fr-FR">
+                <a:hlinkClick r:id="rId3"/>
+              </a:rPr>
+              <a:t>a</a:t>
+            </a:r>
+            <a:r>
+              <a:rPr lang="en-001">
+                <a:hlinkClick r:id="rId3"/>
+              </a:rPr>
+              <a:t>g</a:t>
+            </a:r>
+            <a:r>
+              <a:rPr lang="fr-FR">
+                <a:hlinkClick r:id="rId3"/>
+              </a:rPr>
+              <a:t>a</a:t>
+            </a:r>
+            <a:r>
+              <a:rPr lang="en-001">
+                <a:hlinkClick r:id="rId3"/>
+              </a:rPr>
+              <a:t>tion dans couche de convolution avec des maths</a:t>
+            </a:r>
+            <a:endParaRPr lang="en-001"/>
+          </a:p>
+          <a:p>
+            <a:r>
+              <a:rPr lang="fr-FR">
+                <a:hlinkClick r:id="rId4"/>
+              </a:rPr>
+              <a:t>V</a:t>
+            </a:r>
+            <a:r>
+              <a:rPr lang="en-001">
+                <a:hlinkClick r:id="rId4"/>
+              </a:rPr>
+              <a:t>i</a:t>
+            </a:r>
+            <a:r>
+              <a:rPr lang="fr-FR">
+                <a:hlinkClick r:id="rId4"/>
+              </a:rPr>
+              <a:t>s</a:t>
+            </a:r>
+            <a:r>
+              <a:rPr lang="en-001">
+                <a:hlinkClick r:id="rId4"/>
+              </a:rPr>
+              <a:t>u</a:t>
+            </a:r>
+            <a:r>
+              <a:rPr lang="fr-FR">
+                <a:hlinkClick r:id="rId4"/>
+              </a:rPr>
+              <a:t>a</a:t>
+            </a:r>
+            <a:r>
+              <a:rPr lang="en-001">
+                <a:hlinkClick r:id="rId4"/>
+              </a:rPr>
+              <a:t>l</a:t>
+            </a:r>
+            <a:r>
+              <a:rPr lang="fr-FR">
+                <a:hlinkClick r:id="rId4"/>
+              </a:rPr>
+              <a:t>i</a:t>
+            </a:r>
+            <a:r>
+              <a:rPr lang="en-001">
+                <a:hlinkClick r:id="rId4"/>
+              </a:rPr>
+              <a:t>s</a:t>
+            </a:r>
+            <a:r>
+              <a:rPr lang="fr-FR">
+                <a:hlinkClick r:id="rId4"/>
+              </a:rPr>
+              <a:t>e</a:t>
+            </a:r>
+            <a:r>
+              <a:rPr lang="en-001">
+                <a:hlinkClick r:id="rId4"/>
+              </a:rPr>
+              <a:t>u</a:t>
+            </a:r>
+            <a:r>
+              <a:rPr lang="fr-FR">
+                <a:hlinkClick r:id="rId4"/>
+              </a:rPr>
+              <a:t>r</a:t>
+            </a:r>
+            <a:r>
+              <a:rPr lang="en-001">
+                <a:hlinkClick r:id="rId4"/>
+              </a:rPr>
+              <a:t> CNN classifieur chif</a:t>
+            </a:r>
+            <a:r>
+              <a:rPr lang="fr-FR">
+                <a:hlinkClick r:id="rId4"/>
+              </a:rPr>
+              <a:t>f</a:t>
+            </a:r>
+            <a:r>
+              <a:rPr lang="en-001">
+                <a:hlinkClick r:id="rId4"/>
+              </a:rPr>
+              <a:t>r</a:t>
+            </a:r>
+            <a:r>
+              <a:rPr lang="fr-FR">
+                <a:hlinkClick r:id="rId4"/>
+              </a:rPr>
+              <a:t>e</a:t>
+            </a:r>
+            <a:r>
+              <a:rPr lang="en-001">
+                <a:hlinkClick r:id="rId4"/>
+              </a:rPr>
+              <a:t>s</a:t>
+            </a:r>
+            <a:endParaRPr lang="en-001"/>
+          </a:p>
+          <a:p>
+            <a:r>
+              <a:rPr lang="en-001">
+                <a:hlinkClick r:id="rId5"/>
+              </a:rPr>
+              <a:t>Cours pas mal sur le CNN</a:t>
+            </a:r>
+            <a:endParaRPr lang="en-001"/>
+          </a:p>
+          <a:p>
+            <a:r>
+              <a:rPr lang="fr-FR">
+                <a:hlinkClick r:id="rId6"/>
+              </a:rPr>
+              <a:t>V</a:t>
+            </a:r>
+            <a:r>
+              <a:rPr lang="en-001">
+                <a:hlinkClick r:id="rId6"/>
+              </a:rPr>
+              <a:t>i</a:t>
+            </a:r>
+            <a:r>
+              <a:rPr lang="fr-FR">
+                <a:hlinkClick r:id="rId6"/>
+              </a:rPr>
+              <a:t>d</a:t>
+            </a:r>
+            <a:r>
+              <a:rPr lang="en-001">
+                <a:hlinkClick r:id="rId6"/>
+              </a:rPr>
+              <a:t>e</a:t>
+            </a:r>
+            <a:r>
+              <a:rPr lang="fr-FR">
+                <a:hlinkClick r:id="rId6"/>
+              </a:rPr>
+              <a:t>o</a:t>
+            </a:r>
+            <a:r>
+              <a:rPr lang="en-001"/>
+              <a:t> </a:t>
+            </a:r>
+            <a:r>
+              <a:rPr lang="fr-FR"/>
+              <a:t>e</a:t>
+            </a:r>
+            <a:r>
+              <a:rPr lang="en-001"/>
+              <a:t>t </a:t>
+            </a:r>
+            <a:r>
+              <a:rPr lang="en-001">
+                <a:hlinkClick r:id="rId7"/>
+              </a:rPr>
+              <a:t>Cours</a:t>
+            </a:r>
+            <a:r>
+              <a:rPr lang="en-001"/>
+              <a:t> pas mal sur le RNN LSTM</a:t>
+            </a:r>
+          </a:p>
+          <a:p>
+            <a:r>
+              <a:rPr lang="en-001">
+                <a:hlinkClick r:id="rId8"/>
+              </a:rPr>
+              <a:t>Descente de gradi</a:t>
+            </a:r>
+            <a:r>
+              <a:rPr lang="fr-FR">
+                <a:hlinkClick r:id="rId8"/>
+              </a:rPr>
+              <a:t>e</a:t>
+            </a:r>
+            <a:r>
+              <a:rPr lang="en-001">
+                <a:hlinkClick r:id="rId8"/>
+              </a:rPr>
+              <a:t>n</a:t>
+            </a:r>
+            <a:r>
+              <a:rPr lang="fr-FR">
+                <a:hlinkClick r:id="rId8"/>
+              </a:rPr>
+              <a:t>t</a:t>
+            </a:r>
+            <a:r>
+              <a:rPr lang="en-001">
+                <a:hlinkClick r:id="rId8"/>
+              </a:rPr>
+              <a:t> </a:t>
+            </a:r>
+            <a:r>
+              <a:rPr lang="fr-FR">
+                <a:hlinkClick r:id="rId8"/>
+              </a:rPr>
+              <a:t>s</a:t>
+            </a:r>
+            <a:r>
+              <a:rPr lang="en-001">
+                <a:hlinkClick r:id="rId8"/>
+              </a:rPr>
+              <a:t>t</a:t>
+            </a:r>
+            <a:r>
+              <a:rPr lang="fr-FR">
+                <a:hlinkClick r:id="rId8"/>
+              </a:rPr>
+              <a:t>o</a:t>
+            </a:r>
+            <a:r>
+              <a:rPr lang="en-001">
+                <a:hlinkClick r:id="rId8"/>
+              </a:rPr>
+              <a:t>c</a:t>
+            </a:r>
+            <a:r>
+              <a:rPr lang="fr-FR">
+                <a:hlinkClick r:id="rId8"/>
+              </a:rPr>
+              <a:t>h</a:t>
+            </a:r>
+            <a:r>
+              <a:rPr lang="en-001">
+                <a:hlinkClick r:id="rId8"/>
+              </a:rPr>
+              <a:t>a</a:t>
+            </a:r>
+            <a:r>
+              <a:rPr lang="fr-FR">
+                <a:hlinkClick r:id="rId8"/>
+              </a:rPr>
+              <a:t>s</a:t>
+            </a:r>
+            <a:r>
+              <a:rPr lang="en-001">
+                <a:hlinkClick r:id="rId8"/>
+              </a:rPr>
+              <a:t>t</a:t>
+            </a:r>
+            <a:r>
+              <a:rPr lang="fr-FR">
+                <a:hlinkClick r:id="rId8"/>
+              </a:rPr>
+              <a:t>i</a:t>
+            </a:r>
+            <a:r>
+              <a:rPr lang="en-001">
+                <a:hlinkClick r:id="rId8"/>
+              </a:rPr>
+              <a:t>q</a:t>
+            </a:r>
+            <a:r>
+              <a:rPr lang="fr-FR">
+                <a:hlinkClick r:id="rId8"/>
+              </a:rPr>
+              <a:t>u</a:t>
+            </a:r>
+            <a:r>
+              <a:rPr lang="en-001">
+                <a:hlinkClick r:id="rId8"/>
+              </a:rPr>
+              <a:t>e Adam</a:t>
+            </a:r>
+            <a:r>
+              <a:rPr lang="en-001"/>
+              <a:t> + </a:t>
+            </a:r>
+            <a:r>
+              <a:rPr lang="en-001">
+                <a:hlinkClick r:id="rId9"/>
+              </a:rPr>
+              <a:t>do</a:t>
+            </a:r>
+            <a:r>
+              <a:rPr lang="fr-FR">
+                <a:hlinkClick r:id="rId9"/>
+              </a:rPr>
+              <a:t>c</a:t>
+            </a:r>
+            <a:r>
+              <a:rPr lang="en-001">
+                <a:hlinkClick r:id="rId9"/>
+              </a:rPr>
+              <a:t>u</a:t>
+            </a:r>
+            <a:r>
+              <a:rPr lang="fr-FR">
+                <a:hlinkClick r:id="rId9"/>
+              </a:rPr>
+              <a:t>m</a:t>
+            </a:r>
+            <a:r>
+              <a:rPr lang="en-001">
+                <a:hlinkClick r:id="rId9"/>
+              </a:rPr>
+              <a:t>e</a:t>
+            </a:r>
+            <a:r>
+              <a:rPr lang="fr-FR">
+                <a:hlinkClick r:id="rId9"/>
+              </a:rPr>
+              <a:t>n</a:t>
+            </a:r>
+            <a:r>
+              <a:rPr lang="en-001">
+                <a:hlinkClick r:id="rId9"/>
+              </a:rPr>
+              <a:t>t </a:t>
+            </a:r>
+            <a:r>
+              <a:rPr lang="fr-FR">
+                <a:hlinkClick r:id="rId9"/>
+              </a:rPr>
+              <a:t>o</a:t>
+            </a:r>
+            <a:r>
+              <a:rPr lang="en-001">
+                <a:hlinkClick r:id="rId9"/>
+              </a:rPr>
+              <a:t>f</a:t>
+            </a:r>
+            <a:r>
+              <a:rPr lang="fr-FR">
+                <a:hlinkClick r:id="rId9"/>
+              </a:rPr>
+              <a:t>f</a:t>
+            </a:r>
+            <a:r>
+              <a:rPr lang="en-001">
+                <a:hlinkClick r:id="rId9"/>
+              </a:rPr>
+              <a:t>i</a:t>
+            </a:r>
+            <a:r>
+              <a:rPr lang="fr-FR">
+                <a:hlinkClick r:id="rId9"/>
+              </a:rPr>
+              <a:t>c</a:t>
+            </a:r>
+            <a:r>
+              <a:rPr lang="en-001">
+                <a:hlinkClick r:id="rId9"/>
+              </a:rPr>
+              <a:t>i</a:t>
+            </a:r>
+            <a:r>
+              <a:rPr lang="fr-FR">
+                <a:hlinkClick r:id="rId9"/>
+              </a:rPr>
+              <a:t>a</a:t>
+            </a:r>
+            <a:r>
+              <a:rPr lang="en-001">
+                <a:hlinkClick r:id="rId9"/>
+              </a:rPr>
+              <a:t>l</a:t>
+            </a:r>
+            <a:endParaRPr lang="en-001"/>
+          </a:p>
+          <a:p>
+            <a:r>
+              <a:rPr lang="en-001">
+                <a:hlinkClick r:id="rId10"/>
+              </a:rPr>
+              <a:t>Implementation bias</a:t>
+            </a:r>
+            <a:endParaRPr lang="en-001"/>
+          </a:p>
+          <a:p>
+            <a:r>
+              <a:rPr lang="en-001">
+                <a:hlinkClick r:id="rId11"/>
+              </a:rPr>
+              <a:t>Fonction exponentielle super rapide</a:t>
+            </a:r>
+            <a:endParaRPr lang="en-001"/>
+          </a:p>
+          <a:p>
+            <a:r>
+              <a:rPr lang="en-001">
+                <a:hlinkClick r:id="rId12"/>
+              </a:rPr>
+              <a:t>Normalize data</a:t>
+            </a:r>
+            <a:endParaRPr lang="fr-FR"/>
+          </a:p>
+        </p:txBody>
+      </p:sp>
+      <p:sp>
+        <p:nvSpPr>
+          <p:cNvPr id="3" name="Rectangle 2">
+            <a:extLst>
+              <a:ext uri="{FF2B5EF4-FFF2-40B4-BE49-F238E27FC236}">
+                <a16:creationId xmlns:a16="http://schemas.microsoft.com/office/drawing/2014/main" id="{326B1D7A-8503-4A21-AC06-4B6130542C6F}"/>
+              </a:ext>
+            </a:extLst>
+          </p:cNvPr>
+          <p:cNvSpPr/>
+          <p:nvPr/>
+        </p:nvSpPr>
+        <p:spPr>
+          <a:xfrm>
+            <a:off x="0" y="0"/>
+            <a:ext cx="12192000" cy="679508"/>
+          </a:xfrm>
+          <a:prstGeom prst="rect">
+            <a:avLst/>
+          </a:prstGeom>
+          <a:gradFill flip="none" rotWithShape="1">
+            <a:gsLst>
+              <a:gs pos="0">
+                <a:srgbClr val="00B0F0"/>
+              </a:gs>
+              <a:gs pos="100000">
+                <a:srgbClr val="A6E4FA"/>
+              </a:gs>
+            </a:gsLst>
+            <a:lin ang="5400000" scaled="1"/>
+            <a:tileRect/>
+          </a:gradFill>
+          <a:ln>
+            <a:noFill/>
+          </a:ln>
+        </p:spPr>
+        <p:style>
+          <a:lnRef idx="2">
+            <a:schemeClr val="accent1">
+              <a:shade val="50000"/>
+            </a:schemeClr>
+          </a:lnRef>
+          <a:fillRef idx="1">
+            <a:schemeClr val="accent1"/>
+          </a:fillRef>
+          <a:effectRef idx="0">
+            <a:schemeClr val="accent1"/>
+          </a:effectRef>
+          <a:fontRef idx="minor">
+            <a:schemeClr val="lt1"/>
+          </a:fontRef>
+        </p:style>
+        <p:txBody>
+          <a:bodyPr rtlCol="0" anchor="ctr"/>
+          <a:lstStyle/>
+          <a:p>
+            <a:pPr algn="ctr"/>
+            <a:r>
+              <a:rPr lang="fr-FR"/>
+              <a:t>L</a:t>
+            </a:r>
+            <a:r>
+              <a:rPr lang="en-001"/>
+              <a:t>i</a:t>
+            </a:r>
+            <a:r>
+              <a:rPr lang="fr-FR"/>
+              <a:t>e</a:t>
+            </a:r>
+            <a:r>
+              <a:rPr lang="en-001"/>
+              <a:t>n</a:t>
+            </a:r>
+            <a:r>
+              <a:rPr lang="fr-FR"/>
+              <a:t>s</a:t>
+            </a:r>
+            <a:r>
+              <a:rPr lang="en-001"/>
+              <a:t> </a:t>
+            </a:r>
+            <a:r>
+              <a:rPr lang="fr-FR"/>
+              <a:t>p</a:t>
+            </a:r>
+            <a:r>
+              <a:rPr lang="en-001"/>
+              <a:t>r</a:t>
+            </a:r>
+            <a:r>
+              <a:rPr lang="fr-FR"/>
+              <a:t>a</a:t>
+            </a:r>
+            <a:r>
+              <a:rPr lang="en-001"/>
+              <a:t>t</a:t>
+            </a:r>
+            <a:r>
+              <a:rPr lang="fr-FR"/>
+              <a:t>i</a:t>
+            </a:r>
+            <a:r>
+              <a:rPr lang="en-001"/>
+              <a:t>q</a:t>
+            </a:r>
+            <a:r>
+              <a:rPr lang="fr-FR"/>
+              <a:t>u</a:t>
+            </a:r>
+            <a:r>
+              <a:rPr lang="en-001"/>
+              <a:t>e</a:t>
+            </a:r>
+            <a:r>
+              <a:rPr lang="fr-FR"/>
+              <a:t>s</a:t>
+            </a:r>
+          </a:p>
+        </p:txBody>
+      </p:sp>
+    </p:spTree>
+    <p:extLst>
+      <p:ext uri="{BB962C8B-B14F-4D97-AF65-F5344CB8AC3E}">
+        <p14:creationId xmlns:p14="http://schemas.microsoft.com/office/powerpoint/2010/main" val="766188251"/>
+      </p:ext>
+    </p:extLst>
+  </p:cSld>
+  <p:clrMapOvr>
+    <a:masterClrMapping/>
+  </p:clrMapOvr>
+</p:sld>
+</file>
+
+<file path=ppt/slides/slide11.xml><?xml version="1.0" encoding="utf-8"?>
+<p:sld xmlns:a="http://schemas.openxmlformats.org/drawingml/2006/main" xmlns:r="http://schemas.openxmlformats.org/officeDocument/2006/relationships" xmlns:p="http://schemas.openxmlformats.org/presentationml/2006/main">
+  <p:cSld>
+    <p:spTree>
+      <p:nvGrpSpPr>
+        <p:cNvPr id="1" name=""/>
+        <p:cNvGrpSpPr/>
+        <p:nvPr/>
+      </p:nvGrpSpPr>
+      <p:grpSpPr>
+        <a:xfrm>
+          <a:off x="0" y="0"/>
+          <a:ext cx="0" cy="0"/>
+          <a:chOff x="0" y="0"/>
+          <a:chExt cx="0" cy="0"/>
+        </a:xfrm>
+      </p:grpSpPr>
+      <p:sp>
+        <p:nvSpPr>
+          <p:cNvPr id="4" name="ZoneTexte 3">
+            <a:extLst>
+              <a:ext uri="{FF2B5EF4-FFF2-40B4-BE49-F238E27FC236}">
                 <a16:creationId xmlns:a16="http://schemas.microsoft.com/office/drawing/2014/main" id="{988D3086-F348-4662-8A01-18444BB8FDA7}"/>
               </a:ext>
             </a:extLst>
@@ -6369,7 +7124,7 @@
 </p:sld>
 </file>
 
-<file path=ppt/slides/slide11.xml><?xml version="1.0" encoding="utf-8"?>
+<file path=ppt/slides/slide12.xml><?xml version="1.0" encoding="utf-8"?>
 <p:sld xmlns:a="http://schemas.openxmlformats.org/drawingml/2006/main" xmlns:r="http://schemas.openxmlformats.org/officeDocument/2006/relationships" xmlns:p="http://schemas.openxmlformats.org/presentationml/2006/main">
   <p:cSld>
     <p:spTree>
@@ -6997,618 +7752,6 @@
 </p:sld>
 </file>
 
-<file path=ppt/slides/slide12.xml><?xml version="1.0" encoding="utf-8"?>
-<p:sld xmlns:a="http://schemas.openxmlformats.org/drawingml/2006/main" xmlns:r="http://schemas.openxmlformats.org/officeDocument/2006/relationships" xmlns:p="http://schemas.openxmlformats.org/presentationml/2006/main">
-  <p:cSld>
-    <p:spTree>
-      <p:nvGrpSpPr>
-        <p:cNvPr id="1" name=""/>
-        <p:cNvGrpSpPr/>
-        <p:nvPr/>
-      </p:nvGrpSpPr>
-      <p:grpSpPr>
-        <a:xfrm>
-          <a:off x="0" y="0"/>
-          <a:ext cx="0" cy="0"/>
-          <a:chOff x="0" y="0"/>
-          <a:chExt cx="0" cy="0"/>
-        </a:xfrm>
-      </p:grpSpPr>
-      <p:sp>
-        <p:nvSpPr>
-          <p:cNvPr id="4" name="Rectangle 3">
-            <a:extLst>
-              <a:ext uri="{FF2B5EF4-FFF2-40B4-BE49-F238E27FC236}">
-                <a16:creationId xmlns:a16="http://schemas.microsoft.com/office/drawing/2014/main" id="{C0C477B1-8B6E-45F8-A583-E1DE01124E23}"/>
-              </a:ext>
-            </a:extLst>
-          </p:cNvPr>
-          <p:cNvSpPr/>
-          <p:nvPr/>
-        </p:nvSpPr>
-        <p:spPr>
-          <a:xfrm>
-            <a:off x="0" y="0"/>
-            <a:ext cx="12192000" cy="679508"/>
-          </a:xfrm>
-          <a:prstGeom prst="rect">
-            <a:avLst/>
-          </a:prstGeom>
-          <a:gradFill flip="none" rotWithShape="1">
-            <a:gsLst>
-              <a:gs pos="0">
-                <a:srgbClr val="00B0F0"/>
-              </a:gs>
-              <a:gs pos="100000">
-                <a:srgbClr val="A6E4FA"/>
-              </a:gs>
-            </a:gsLst>
-            <a:lin ang="5400000" scaled="1"/>
-            <a:tileRect/>
-          </a:gradFill>
-          <a:ln>
-            <a:noFill/>
-          </a:ln>
-        </p:spPr>
-        <p:style>
-          <a:lnRef idx="2">
-            <a:schemeClr val="accent1">
-              <a:shade val="50000"/>
-            </a:schemeClr>
-          </a:lnRef>
-          <a:fillRef idx="1">
-            <a:schemeClr val="accent1"/>
-          </a:fillRef>
-          <a:effectRef idx="0">
-            <a:schemeClr val="accent1"/>
-          </a:effectRef>
-          <a:fontRef idx="minor">
-            <a:schemeClr val="lt1"/>
-          </a:fontRef>
-        </p:style>
-        <p:txBody>
-          <a:bodyPr rtlCol="0" anchor="ctr"/>
-          <a:lstStyle/>
-          <a:p>
-            <a:pPr algn="ctr"/>
-            <a:r>
-              <a:rPr lang="fr-FR"/>
-              <a:t>E</a:t>
-            </a:r>
-            <a:r>
-              <a:rPr lang="en-001"/>
-              <a:t>ncod</a:t>
-            </a:r>
-            <a:r>
-              <a:rPr lang="fr-FR"/>
-              <a:t>a</a:t>
-            </a:r>
-            <a:r>
-              <a:rPr lang="en-001"/>
-              <a:t>g</a:t>
-            </a:r>
-            <a:r>
-              <a:rPr lang="fr-FR"/>
-              <a:t>e</a:t>
-            </a:r>
-            <a:r>
-              <a:rPr lang="en-001"/>
-              <a:t> </a:t>
-            </a:r>
-            <a:r>
-              <a:rPr lang="fr-FR"/>
-              <a:t>d</a:t>
-            </a:r>
-            <a:r>
-              <a:rPr lang="en-001"/>
-              <a:t>e </a:t>
-            </a:r>
-            <a:r>
-              <a:rPr lang="fr-FR"/>
-              <a:t>l</a:t>
-            </a:r>
-            <a:r>
-              <a:rPr lang="en-001"/>
-              <a:t>a </a:t>
-            </a:r>
-            <a:r>
-              <a:rPr lang="fr-FR"/>
-              <a:t>d</a:t>
-            </a:r>
-            <a:r>
-              <a:rPr lang="en-001"/>
-              <a:t>a</a:t>
-            </a:r>
-            <a:r>
-              <a:rPr lang="fr-FR"/>
-              <a:t>t</a:t>
-            </a:r>
-            <a:r>
-              <a:rPr lang="en-001"/>
-              <a:t>a</a:t>
-            </a:r>
-            <a:r>
-              <a:rPr lang="fr-FR"/>
-              <a:t>s</a:t>
-            </a:r>
-            <a:r>
-              <a:rPr lang="en-001"/>
-              <a:t>e</a:t>
-            </a:r>
-            <a:r>
-              <a:rPr lang="fr-FR"/>
-              <a:t>t</a:t>
-            </a:r>
-          </a:p>
-        </p:txBody>
-      </p:sp>
-      <p:sp>
-        <p:nvSpPr>
-          <p:cNvPr id="5" name="Rectangle 4">
-            <a:extLst>
-              <a:ext uri="{FF2B5EF4-FFF2-40B4-BE49-F238E27FC236}">
-                <a16:creationId xmlns:a16="http://schemas.microsoft.com/office/drawing/2014/main" id="{28665EF1-4B3B-477B-A9C5-F27EC7C8EFFE}"/>
-              </a:ext>
-            </a:extLst>
-          </p:cNvPr>
-          <p:cNvSpPr/>
-          <p:nvPr/>
-        </p:nvSpPr>
-        <p:spPr>
-          <a:xfrm>
-            <a:off x="206816" y="969956"/>
-            <a:ext cx="2239860" cy="2365695"/>
-          </a:xfrm>
-          <a:prstGeom prst="rect">
-            <a:avLst/>
-          </a:prstGeom>
-          <a:noFill/>
-        </p:spPr>
-        <p:style>
-          <a:lnRef idx="2">
-            <a:schemeClr val="accent1">
-              <a:shade val="50000"/>
-            </a:schemeClr>
-          </a:lnRef>
-          <a:fillRef idx="1">
-            <a:schemeClr val="accent1"/>
-          </a:fillRef>
-          <a:effectRef idx="0">
-            <a:schemeClr val="accent1"/>
-          </a:effectRef>
-          <a:fontRef idx="minor">
-            <a:schemeClr val="lt1"/>
-          </a:fontRef>
-        </p:style>
-        <p:txBody>
-          <a:bodyPr rtlCol="0" anchor="t"/>
-          <a:lstStyle/>
-          <a:p>
-            <a:r>
-              <a:rPr lang="fr-FR">
-                <a:solidFill>
-                  <a:schemeClr val="tx1"/>
-                </a:solidFill>
-              </a:rPr>
-              <a:t>t</a:t>
-            </a:r>
-            <a:r>
-              <a:rPr lang="en-001">
-                <a:solidFill>
-                  <a:schemeClr val="tx1"/>
-                </a:solidFill>
-              </a:rPr>
-              <a:t>_</a:t>
-            </a:r>
-            <a:r>
-              <a:rPr lang="fr-FR">
-                <a:solidFill>
-                  <a:schemeClr val="tx1"/>
-                </a:solidFill>
-              </a:rPr>
-              <a:t>c</a:t>
-            </a:r>
-            <a:r>
-              <a:rPr lang="en-001">
-                <a:solidFill>
-                  <a:schemeClr val="tx1"/>
-                </a:solidFill>
-              </a:rPr>
-              <a:t>s</a:t>
-            </a:r>
-            <a:r>
-              <a:rPr lang="fr-FR">
-                <a:solidFill>
-                  <a:schemeClr val="tx1"/>
-                </a:solidFill>
-              </a:rPr>
-              <a:t>v</a:t>
-            </a:r>
-            <a:r>
-              <a:rPr lang="en-001">
-                <a:solidFill>
-                  <a:schemeClr val="tx1"/>
-                </a:solidFill>
-              </a:rPr>
-              <a:t>_</a:t>
-            </a:r>
-            <a:r>
-              <a:rPr lang="fr-FR">
-                <a:solidFill>
-                  <a:schemeClr val="tx1"/>
-                </a:solidFill>
-              </a:rPr>
-              <a:t>c</a:t>
-            </a:r>
-            <a:r>
-              <a:rPr lang="en-001">
-                <a:solidFill>
-                  <a:schemeClr val="tx1"/>
-                </a:solidFill>
-              </a:rPr>
-              <a:t>o</a:t>
-            </a:r>
-            <a:r>
-              <a:rPr lang="fr-FR">
-                <a:solidFill>
-                  <a:schemeClr val="tx1"/>
-                </a:solidFill>
-              </a:rPr>
-              <a:t>l</a:t>
-            </a:r>
-            <a:endParaRPr lang="en-001">
-              <a:solidFill>
-                <a:schemeClr val="tx1"/>
-              </a:solidFill>
-            </a:endParaRPr>
-          </a:p>
-          <a:p>
-            <a:r>
-              <a:rPr lang="en-001" sz="1400">
-                <a:solidFill>
-                  <a:schemeClr val="tx1"/>
-                </a:solidFill>
-              </a:rPr>
-              <a:t>void *</a:t>
-            </a:r>
-            <a:r>
-              <a:rPr lang="fr-FR" sz="1400">
-                <a:solidFill>
-                  <a:schemeClr val="tx1"/>
-                </a:solidFill>
-              </a:rPr>
-              <a:t>c</a:t>
-            </a:r>
-            <a:r>
-              <a:rPr lang="en-001" sz="1400">
-                <a:solidFill>
-                  <a:schemeClr val="tx1"/>
-                </a:solidFill>
-              </a:rPr>
-              <a:t>o</a:t>
-            </a:r>
-            <a:r>
-              <a:rPr lang="fr-FR" sz="1400">
-                <a:solidFill>
-                  <a:schemeClr val="tx1"/>
-                </a:solidFill>
-              </a:rPr>
-              <a:t>l</a:t>
-            </a:r>
-            <a:r>
-              <a:rPr lang="en-001" sz="1400">
-                <a:solidFill>
-                  <a:schemeClr val="tx1"/>
-                </a:solidFill>
-              </a:rPr>
-              <a:t>umns</a:t>
-            </a:r>
-          </a:p>
-          <a:p>
-            <a:r>
-              <a:rPr lang="en-001" sz="1400">
-                <a:solidFill>
-                  <a:schemeClr val="tx1"/>
-                </a:solidFill>
-              </a:rPr>
-              <a:t>char *name</a:t>
-            </a:r>
-          </a:p>
-          <a:p>
-            <a:r>
-              <a:rPr lang="fr-FR" sz="1400">
-                <a:solidFill>
-                  <a:schemeClr val="tx1"/>
-                </a:solidFill>
-              </a:rPr>
-              <a:t>t</a:t>
-            </a:r>
-            <a:r>
-              <a:rPr lang="en-001" sz="1400">
-                <a:solidFill>
-                  <a:schemeClr val="tx1"/>
-                </a:solidFill>
-              </a:rPr>
-              <a:t>_</a:t>
-            </a:r>
-            <a:r>
-              <a:rPr lang="fr-FR" sz="1400">
-                <a:solidFill>
-                  <a:schemeClr val="tx1"/>
-                </a:solidFill>
-              </a:rPr>
-              <a:t>c</a:t>
-            </a:r>
-            <a:r>
-              <a:rPr lang="en-001" sz="1400">
-                <a:solidFill>
-                  <a:schemeClr val="tx1"/>
-                </a:solidFill>
-              </a:rPr>
-              <a:t>s</a:t>
-            </a:r>
-            <a:r>
-              <a:rPr lang="fr-FR" sz="1400">
-                <a:solidFill>
-                  <a:schemeClr val="tx1"/>
-                </a:solidFill>
-              </a:rPr>
-              <a:t>v</a:t>
-            </a:r>
-            <a:r>
-              <a:rPr lang="en-001" sz="1400">
-                <a:solidFill>
-                  <a:schemeClr val="tx1"/>
-                </a:solidFill>
-              </a:rPr>
-              <a:t>_</a:t>
-            </a:r>
-            <a:r>
-              <a:rPr lang="fr-FR" sz="1400">
-                <a:solidFill>
-                  <a:schemeClr val="tx1"/>
-                </a:solidFill>
-              </a:rPr>
-              <a:t>c</a:t>
-            </a:r>
-            <a:r>
-              <a:rPr lang="en-001" sz="1400">
-                <a:solidFill>
-                  <a:schemeClr val="tx1"/>
-                </a:solidFill>
-              </a:rPr>
-              <a:t>o</a:t>
-            </a:r>
-            <a:r>
-              <a:rPr lang="fr-FR" sz="1400">
-                <a:solidFill>
-                  <a:schemeClr val="tx1"/>
-                </a:solidFill>
-              </a:rPr>
-              <a:t>l</a:t>
-            </a:r>
-            <a:r>
-              <a:rPr lang="en-001" sz="1400">
-                <a:solidFill>
-                  <a:schemeClr val="tx1"/>
-                </a:solidFill>
-              </a:rPr>
-              <a:t> *</a:t>
-            </a:r>
-            <a:r>
-              <a:rPr lang="fr-FR" sz="1400">
-                <a:solidFill>
-                  <a:schemeClr val="tx1"/>
-                </a:solidFill>
-              </a:rPr>
-              <a:t>n</a:t>
-            </a:r>
-            <a:r>
-              <a:rPr lang="en-001" sz="1400">
-                <a:solidFill>
-                  <a:schemeClr val="tx1"/>
-                </a:solidFill>
-              </a:rPr>
-              <a:t>e</a:t>
-            </a:r>
-            <a:r>
-              <a:rPr lang="fr-FR" sz="1400">
-                <a:solidFill>
-                  <a:schemeClr val="tx1"/>
-                </a:solidFill>
-              </a:rPr>
-              <a:t>x</a:t>
-            </a:r>
-            <a:r>
-              <a:rPr lang="en-001" sz="1400">
-                <a:solidFill>
-                  <a:schemeClr val="tx1"/>
-                </a:solidFill>
-              </a:rPr>
-              <a:t>t</a:t>
-            </a:r>
-          </a:p>
-        </p:txBody>
-      </p:sp>
-      <p:sp>
-        <p:nvSpPr>
-          <p:cNvPr id="6" name="Rectangle 5">
-            <a:extLst>
-              <a:ext uri="{FF2B5EF4-FFF2-40B4-BE49-F238E27FC236}">
-                <a16:creationId xmlns:a16="http://schemas.microsoft.com/office/drawing/2014/main" id="{5026E86B-358B-4E00-A1A5-C5CFEFC204D2}"/>
-              </a:ext>
-            </a:extLst>
-          </p:cNvPr>
-          <p:cNvSpPr/>
-          <p:nvPr/>
-        </p:nvSpPr>
-        <p:spPr>
-          <a:xfrm>
-            <a:off x="3261807" y="988132"/>
-            <a:ext cx="2239860" cy="2365695"/>
-          </a:xfrm>
-          <a:prstGeom prst="rect">
-            <a:avLst/>
-          </a:prstGeom>
-          <a:noFill/>
-        </p:spPr>
-        <p:style>
-          <a:lnRef idx="2">
-            <a:schemeClr val="accent1">
-              <a:shade val="50000"/>
-            </a:schemeClr>
-          </a:lnRef>
-          <a:fillRef idx="1">
-            <a:schemeClr val="accent1"/>
-          </a:fillRef>
-          <a:effectRef idx="0">
-            <a:schemeClr val="accent1"/>
-          </a:effectRef>
-          <a:fontRef idx="minor">
-            <a:schemeClr val="lt1"/>
-          </a:fontRef>
-        </p:style>
-        <p:txBody>
-          <a:bodyPr rtlCol="0" anchor="t"/>
-          <a:lstStyle/>
-          <a:p>
-            <a:r>
-              <a:rPr lang="fr-FR">
-                <a:solidFill>
-                  <a:schemeClr val="tx1"/>
-                </a:solidFill>
-              </a:rPr>
-              <a:t>c</a:t>
-            </a:r>
-            <a:r>
-              <a:rPr lang="en-001">
-                <a:solidFill>
-                  <a:schemeClr val="tx1"/>
-                </a:solidFill>
-              </a:rPr>
-              <a:t>s</a:t>
-            </a:r>
-            <a:r>
-              <a:rPr lang="fr-FR">
-                <a:solidFill>
-                  <a:schemeClr val="tx1"/>
-                </a:solidFill>
-              </a:rPr>
-              <a:t>v</a:t>
-            </a:r>
-            <a:r>
-              <a:rPr lang="en-001">
-                <a:solidFill>
-                  <a:schemeClr val="tx1"/>
-                </a:solidFill>
-              </a:rPr>
-              <a:t>_char_col</a:t>
-            </a:r>
-          </a:p>
-          <a:p>
-            <a:r>
-              <a:rPr lang="fr-FR" sz="1400">
-                <a:solidFill>
-                  <a:schemeClr val="tx1"/>
-                </a:solidFill>
-              </a:rPr>
-              <a:t>t</a:t>
-            </a:r>
-            <a:r>
-              <a:rPr lang="en-001" sz="1400">
-                <a:solidFill>
-                  <a:schemeClr val="tx1"/>
-                </a:solidFill>
-              </a:rPr>
-              <a:t>_</a:t>
-            </a:r>
-            <a:r>
-              <a:rPr lang="fr-FR" sz="1400">
-                <a:solidFill>
-                  <a:schemeClr val="tx1"/>
-                </a:solidFill>
-              </a:rPr>
-              <a:t>c</a:t>
-            </a:r>
-            <a:r>
-              <a:rPr lang="en-001" sz="1400">
-                <a:solidFill>
-                  <a:schemeClr val="tx1"/>
-                </a:solidFill>
-              </a:rPr>
-              <a:t>a</a:t>
-            </a:r>
-            <a:r>
-              <a:rPr lang="fr-FR" sz="1400">
-                <a:solidFill>
-                  <a:schemeClr val="tx1"/>
-                </a:solidFill>
-              </a:rPr>
-              <a:t>r</a:t>
-            </a:r>
-            <a:r>
-              <a:rPr lang="en-001" sz="1400">
-                <a:solidFill>
-                  <a:schemeClr val="tx1"/>
-                </a:solidFill>
-              </a:rPr>
-              <a:t>r </a:t>
-            </a:r>
-            <a:r>
-              <a:rPr lang="fr-FR" sz="1400">
-                <a:solidFill>
-                  <a:schemeClr val="tx1"/>
-                </a:solidFill>
-              </a:rPr>
-              <a:t>a</a:t>
-            </a:r>
-            <a:r>
-              <a:rPr lang="en-001" sz="1400">
-                <a:solidFill>
-                  <a:schemeClr val="tx1"/>
-                </a:solidFill>
-              </a:rPr>
-              <a:t>r</a:t>
-            </a:r>
-            <a:r>
-              <a:rPr lang="fr-FR" sz="1400">
-                <a:solidFill>
-                  <a:schemeClr val="tx1"/>
-                </a:solidFill>
-              </a:rPr>
-              <a:t>r</a:t>
-            </a:r>
-            <a:endParaRPr lang="en-001" sz="1400">
-              <a:solidFill>
-                <a:schemeClr val="tx1"/>
-              </a:solidFill>
-            </a:endParaRPr>
-          </a:p>
-          <a:p>
-            <a:r>
-              <a:rPr lang="en-001" sz="1400">
-                <a:solidFill>
-                  <a:schemeClr val="tx1"/>
-                </a:solidFill>
-              </a:rPr>
-              <a:t>int type CSV_CHAR</a:t>
-            </a:r>
-          </a:p>
-        </p:txBody>
-      </p:sp>
-    </p:spTree>
-    <p:extLst>
-      <p:ext uri="{BB962C8B-B14F-4D97-AF65-F5344CB8AC3E}">
-        <p14:creationId xmlns:p14="http://schemas.microsoft.com/office/powerpoint/2010/main" val="3027490132"/>
-      </p:ext>
-    </p:extLst>
-  </p:cSld>
-  <p:clrMapOvr>
-    <a:masterClrMapping/>
-  </p:clrMapOvr>
-</p:sld>
-</file>
-
 <file path=ppt/slides/slide13.xml><?xml version="1.0" encoding="utf-8"?>
 <p:sld xmlns:a="http://schemas.openxmlformats.org/drawingml/2006/main" xmlns:r="http://schemas.openxmlformats.org/officeDocument/2006/relationships" xmlns:p="http://schemas.openxmlformats.org/presentationml/2006/main">
   <p:cSld>
@@ -7684,18 +7827,6 @@
           <a:p>
             <a:pPr algn="ctr"/>
             <a:r>
-              <a:rPr lang="en-001"/>
-              <a:t>N</a:t>
-            </a:r>
-            <a:r>
-              <a:rPr lang="fr-FR"/>
-              <a:t>e</a:t>
-            </a:r>
-            <a:r>
-              <a:rPr lang="en-001"/>
-              <a:t>w </a:t>
-            </a:r>
-            <a:r>
               <a:rPr lang="fr-FR"/>
               <a:t>E</a:t>
             </a:r>
@@ -7888,6 +8019,630 @@
           </a:p>
           <a:p>
             <a:r>
+              <a:rPr lang="en-001" sz="1400">
+                <a:solidFill>
+                  <a:schemeClr val="tx1"/>
+                </a:solidFill>
+              </a:rPr>
+              <a:t>void *</a:t>
+            </a:r>
+            <a:r>
+              <a:rPr lang="fr-FR" sz="1400">
+                <a:solidFill>
+                  <a:schemeClr val="tx1"/>
+                </a:solidFill>
+              </a:rPr>
+              <a:t>c</a:t>
+            </a:r>
+            <a:r>
+              <a:rPr lang="en-001" sz="1400">
+                <a:solidFill>
+                  <a:schemeClr val="tx1"/>
+                </a:solidFill>
+              </a:rPr>
+              <a:t>o</a:t>
+            </a:r>
+            <a:r>
+              <a:rPr lang="fr-FR" sz="1400">
+                <a:solidFill>
+                  <a:schemeClr val="tx1"/>
+                </a:solidFill>
+              </a:rPr>
+              <a:t>l</a:t>
+            </a:r>
+            <a:r>
+              <a:rPr lang="en-001" sz="1400">
+                <a:solidFill>
+                  <a:schemeClr val="tx1"/>
+                </a:solidFill>
+              </a:rPr>
+              <a:t>umns</a:t>
+            </a:r>
+          </a:p>
+          <a:p>
+            <a:r>
+              <a:rPr lang="en-001" sz="1400">
+                <a:solidFill>
+                  <a:schemeClr val="tx1"/>
+                </a:solidFill>
+              </a:rPr>
+              <a:t>char *name</a:t>
+            </a:r>
+          </a:p>
+          <a:p>
+            <a:r>
+              <a:rPr lang="fr-FR" sz="1400">
+                <a:solidFill>
+                  <a:schemeClr val="tx1"/>
+                </a:solidFill>
+              </a:rPr>
+              <a:t>t</a:t>
+            </a:r>
+            <a:r>
+              <a:rPr lang="en-001" sz="1400">
+                <a:solidFill>
+                  <a:schemeClr val="tx1"/>
+                </a:solidFill>
+              </a:rPr>
+              <a:t>_</a:t>
+            </a:r>
+            <a:r>
+              <a:rPr lang="fr-FR" sz="1400">
+                <a:solidFill>
+                  <a:schemeClr val="tx1"/>
+                </a:solidFill>
+              </a:rPr>
+              <a:t>c</a:t>
+            </a:r>
+            <a:r>
+              <a:rPr lang="en-001" sz="1400">
+                <a:solidFill>
+                  <a:schemeClr val="tx1"/>
+                </a:solidFill>
+              </a:rPr>
+              <a:t>s</a:t>
+            </a:r>
+            <a:r>
+              <a:rPr lang="fr-FR" sz="1400">
+                <a:solidFill>
+                  <a:schemeClr val="tx1"/>
+                </a:solidFill>
+              </a:rPr>
+              <a:t>v</a:t>
+            </a:r>
+            <a:r>
+              <a:rPr lang="en-001" sz="1400">
+                <a:solidFill>
+                  <a:schemeClr val="tx1"/>
+                </a:solidFill>
+              </a:rPr>
+              <a:t>_</a:t>
+            </a:r>
+            <a:r>
+              <a:rPr lang="fr-FR" sz="1400">
+                <a:solidFill>
+                  <a:schemeClr val="tx1"/>
+                </a:solidFill>
+              </a:rPr>
+              <a:t>c</a:t>
+            </a:r>
+            <a:r>
+              <a:rPr lang="en-001" sz="1400">
+                <a:solidFill>
+                  <a:schemeClr val="tx1"/>
+                </a:solidFill>
+              </a:rPr>
+              <a:t>o</a:t>
+            </a:r>
+            <a:r>
+              <a:rPr lang="fr-FR" sz="1400">
+                <a:solidFill>
+                  <a:schemeClr val="tx1"/>
+                </a:solidFill>
+              </a:rPr>
+              <a:t>l</a:t>
+            </a:r>
+            <a:r>
+              <a:rPr lang="en-001" sz="1400">
+                <a:solidFill>
+                  <a:schemeClr val="tx1"/>
+                </a:solidFill>
+              </a:rPr>
+              <a:t> *</a:t>
+            </a:r>
+            <a:r>
+              <a:rPr lang="fr-FR" sz="1400">
+                <a:solidFill>
+                  <a:schemeClr val="tx1"/>
+                </a:solidFill>
+              </a:rPr>
+              <a:t>n</a:t>
+            </a:r>
+            <a:r>
+              <a:rPr lang="en-001" sz="1400">
+                <a:solidFill>
+                  <a:schemeClr val="tx1"/>
+                </a:solidFill>
+              </a:rPr>
+              <a:t>e</a:t>
+            </a:r>
+            <a:r>
+              <a:rPr lang="fr-FR" sz="1400">
+                <a:solidFill>
+                  <a:schemeClr val="tx1"/>
+                </a:solidFill>
+              </a:rPr>
+              <a:t>x</a:t>
+            </a:r>
+            <a:r>
+              <a:rPr lang="en-001" sz="1400">
+                <a:solidFill>
+                  <a:schemeClr val="tx1"/>
+                </a:solidFill>
+              </a:rPr>
+              <a:t>t</a:t>
+            </a:r>
+          </a:p>
+        </p:txBody>
+      </p:sp>
+      <p:sp>
+        <p:nvSpPr>
+          <p:cNvPr id="6" name="Rectangle 5">
+            <a:extLst>
+              <a:ext uri="{FF2B5EF4-FFF2-40B4-BE49-F238E27FC236}">
+                <a16:creationId xmlns:a16="http://schemas.microsoft.com/office/drawing/2014/main" id="{5026E86B-358B-4E00-A1A5-C5CFEFC204D2}"/>
+              </a:ext>
+            </a:extLst>
+          </p:cNvPr>
+          <p:cNvSpPr/>
+          <p:nvPr/>
+        </p:nvSpPr>
+        <p:spPr>
+          <a:xfrm>
+            <a:off x="3261807" y="988132"/>
+            <a:ext cx="2239860" cy="2365695"/>
+          </a:xfrm>
+          <a:prstGeom prst="rect">
+            <a:avLst/>
+          </a:prstGeom>
+          <a:noFill/>
+        </p:spPr>
+        <p:style>
+          <a:lnRef idx="2">
+            <a:schemeClr val="accent1">
+              <a:shade val="50000"/>
+            </a:schemeClr>
+          </a:lnRef>
+          <a:fillRef idx="1">
+            <a:schemeClr val="accent1"/>
+          </a:fillRef>
+          <a:effectRef idx="0">
+            <a:schemeClr val="accent1"/>
+          </a:effectRef>
+          <a:fontRef idx="minor">
+            <a:schemeClr val="lt1"/>
+          </a:fontRef>
+        </p:style>
+        <p:txBody>
+          <a:bodyPr rtlCol="0" anchor="t"/>
+          <a:lstStyle/>
+          <a:p>
+            <a:r>
+              <a:rPr lang="fr-FR">
+                <a:solidFill>
+                  <a:schemeClr val="tx1"/>
+                </a:solidFill>
+              </a:rPr>
+              <a:t>c</a:t>
+            </a:r>
+            <a:r>
+              <a:rPr lang="en-001">
+                <a:solidFill>
+                  <a:schemeClr val="tx1"/>
+                </a:solidFill>
+              </a:rPr>
+              <a:t>s</a:t>
+            </a:r>
+            <a:r>
+              <a:rPr lang="fr-FR">
+                <a:solidFill>
+                  <a:schemeClr val="tx1"/>
+                </a:solidFill>
+              </a:rPr>
+              <a:t>v</a:t>
+            </a:r>
+            <a:r>
+              <a:rPr lang="en-001">
+                <a:solidFill>
+                  <a:schemeClr val="tx1"/>
+                </a:solidFill>
+              </a:rPr>
+              <a:t>_char_col</a:t>
+            </a:r>
+          </a:p>
+          <a:p>
+            <a:r>
+              <a:rPr lang="fr-FR" sz="1400">
+                <a:solidFill>
+                  <a:schemeClr val="tx1"/>
+                </a:solidFill>
+              </a:rPr>
+              <a:t>t</a:t>
+            </a:r>
+            <a:r>
+              <a:rPr lang="en-001" sz="1400">
+                <a:solidFill>
+                  <a:schemeClr val="tx1"/>
+                </a:solidFill>
+              </a:rPr>
+              <a:t>_</a:t>
+            </a:r>
+            <a:r>
+              <a:rPr lang="fr-FR" sz="1400">
+                <a:solidFill>
+                  <a:schemeClr val="tx1"/>
+                </a:solidFill>
+              </a:rPr>
+              <a:t>c</a:t>
+            </a:r>
+            <a:r>
+              <a:rPr lang="en-001" sz="1400">
+                <a:solidFill>
+                  <a:schemeClr val="tx1"/>
+                </a:solidFill>
+              </a:rPr>
+              <a:t>a</a:t>
+            </a:r>
+            <a:r>
+              <a:rPr lang="fr-FR" sz="1400">
+                <a:solidFill>
+                  <a:schemeClr val="tx1"/>
+                </a:solidFill>
+              </a:rPr>
+              <a:t>r</a:t>
+            </a:r>
+            <a:r>
+              <a:rPr lang="en-001" sz="1400">
+                <a:solidFill>
+                  <a:schemeClr val="tx1"/>
+                </a:solidFill>
+              </a:rPr>
+              <a:t>r </a:t>
+            </a:r>
+            <a:r>
+              <a:rPr lang="fr-FR" sz="1400">
+                <a:solidFill>
+                  <a:schemeClr val="tx1"/>
+                </a:solidFill>
+              </a:rPr>
+              <a:t>a</a:t>
+            </a:r>
+            <a:r>
+              <a:rPr lang="en-001" sz="1400">
+                <a:solidFill>
+                  <a:schemeClr val="tx1"/>
+                </a:solidFill>
+              </a:rPr>
+              <a:t>r</a:t>
+            </a:r>
+            <a:r>
+              <a:rPr lang="fr-FR" sz="1400">
+                <a:solidFill>
+                  <a:schemeClr val="tx1"/>
+                </a:solidFill>
+              </a:rPr>
+              <a:t>r</a:t>
+            </a:r>
+            <a:endParaRPr lang="en-001" sz="1400">
+              <a:solidFill>
+                <a:schemeClr val="tx1"/>
+              </a:solidFill>
+            </a:endParaRPr>
+          </a:p>
+          <a:p>
+            <a:r>
+              <a:rPr lang="en-001" sz="1400">
+                <a:solidFill>
+                  <a:schemeClr val="tx1"/>
+                </a:solidFill>
+              </a:rPr>
+              <a:t>int type CSV_CHAR</a:t>
+            </a:r>
+          </a:p>
+        </p:txBody>
+      </p:sp>
+    </p:spTree>
+    <p:extLst>
+      <p:ext uri="{BB962C8B-B14F-4D97-AF65-F5344CB8AC3E}">
+        <p14:creationId xmlns:p14="http://schemas.microsoft.com/office/powerpoint/2010/main" val="3027490132"/>
+      </p:ext>
+    </p:extLst>
+  </p:cSld>
+  <p:clrMapOvr>
+    <a:masterClrMapping/>
+  </p:clrMapOvr>
+</p:sld>
+</file>
+
+<file path=ppt/slides/slide14.xml><?xml version="1.0" encoding="utf-8"?>
+<p:sld xmlns:a="http://schemas.openxmlformats.org/drawingml/2006/main" xmlns:r="http://schemas.openxmlformats.org/officeDocument/2006/relationships" xmlns:p="http://schemas.openxmlformats.org/presentationml/2006/main">
+  <p:cSld>
+    <p:spTree>
+      <p:nvGrpSpPr>
+        <p:cNvPr id="1" name=""/>
+        <p:cNvGrpSpPr/>
+        <p:nvPr/>
+      </p:nvGrpSpPr>
+      <p:grpSpPr>
+        <a:xfrm>
+          <a:off x="0" y="0"/>
+          <a:ext cx="0" cy="0"/>
+          <a:chOff x="0" y="0"/>
+          <a:chExt cx="0" cy="0"/>
+        </a:xfrm>
+      </p:grpSpPr>
+      <p:sp>
+        <p:nvSpPr>
+          <p:cNvPr id="4" name="Rectangle 3">
+            <a:extLst>
+              <a:ext uri="{FF2B5EF4-FFF2-40B4-BE49-F238E27FC236}">
+                <a16:creationId xmlns:a16="http://schemas.microsoft.com/office/drawing/2014/main" id="{C0C477B1-8B6E-45F8-A583-E1DE01124E23}"/>
+              </a:ext>
+            </a:extLst>
+          </p:cNvPr>
+          <p:cNvSpPr/>
+          <p:nvPr/>
+        </p:nvSpPr>
+        <p:spPr>
+          <a:xfrm>
+            <a:off x="0" y="0"/>
+            <a:ext cx="12192000" cy="679508"/>
+          </a:xfrm>
+          <a:prstGeom prst="rect">
+            <a:avLst/>
+          </a:prstGeom>
+          <a:gradFill flip="none" rotWithShape="1">
+            <a:gsLst>
+              <a:gs pos="0">
+                <a:srgbClr val="00B0F0"/>
+              </a:gs>
+              <a:gs pos="100000">
+                <a:srgbClr val="A6E4FA"/>
+              </a:gs>
+            </a:gsLst>
+            <a:lin ang="5400000" scaled="1"/>
+            <a:tileRect/>
+          </a:gradFill>
+          <a:ln>
+            <a:noFill/>
+          </a:ln>
+        </p:spPr>
+        <p:style>
+          <a:lnRef idx="2">
+            <a:schemeClr val="accent1">
+              <a:shade val="50000"/>
+            </a:schemeClr>
+          </a:lnRef>
+          <a:fillRef idx="1">
+            <a:schemeClr val="accent1"/>
+          </a:fillRef>
+          <a:effectRef idx="0">
+            <a:schemeClr val="accent1"/>
+          </a:effectRef>
+          <a:fontRef idx="minor">
+            <a:schemeClr val="lt1"/>
+          </a:fontRef>
+        </p:style>
+        <p:txBody>
+          <a:bodyPr rtlCol="0" anchor="ctr"/>
+          <a:lstStyle/>
+          <a:p>
+            <a:pPr algn="ctr"/>
+            <a:r>
+              <a:rPr lang="en-001"/>
+              <a:t>N</a:t>
+            </a:r>
+            <a:r>
+              <a:rPr lang="fr-FR"/>
+              <a:t>e</a:t>
+            </a:r>
+            <a:r>
+              <a:rPr lang="en-001"/>
+              <a:t>w </a:t>
+            </a:r>
+            <a:r>
+              <a:rPr lang="fr-FR"/>
+              <a:t>E</a:t>
+            </a:r>
+            <a:r>
+              <a:rPr lang="en-001"/>
+              <a:t>ncod</a:t>
+            </a:r>
+            <a:r>
+              <a:rPr lang="fr-FR"/>
+              <a:t>a</a:t>
+            </a:r>
+            <a:r>
+              <a:rPr lang="en-001"/>
+              <a:t>g</a:t>
+            </a:r>
+            <a:r>
+              <a:rPr lang="fr-FR"/>
+              <a:t>e</a:t>
+            </a:r>
+            <a:r>
+              <a:rPr lang="en-001"/>
+              <a:t> </a:t>
+            </a:r>
+            <a:r>
+              <a:rPr lang="fr-FR"/>
+              <a:t>d</a:t>
+            </a:r>
+            <a:r>
+              <a:rPr lang="en-001"/>
+              <a:t>e </a:t>
+            </a:r>
+            <a:r>
+              <a:rPr lang="fr-FR"/>
+              <a:t>l</a:t>
+            </a:r>
+            <a:r>
+              <a:rPr lang="en-001"/>
+              <a:t>a </a:t>
+            </a:r>
+            <a:r>
+              <a:rPr lang="fr-FR"/>
+              <a:t>d</a:t>
+            </a:r>
+            <a:r>
+              <a:rPr lang="en-001"/>
+              <a:t>a</a:t>
+            </a:r>
+            <a:r>
+              <a:rPr lang="fr-FR"/>
+              <a:t>t</a:t>
+            </a:r>
+            <a:r>
+              <a:rPr lang="en-001"/>
+              <a:t>a</a:t>
+            </a:r>
+            <a:r>
+              <a:rPr lang="fr-FR"/>
+              <a:t>s</a:t>
+            </a:r>
+            <a:r>
+              <a:rPr lang="en-001"/>
+              <a:t>e</a:t>
+            </a:r>
+            <a:r>
+              <a:rPr lang="fr-FR"/>
+              <a:t>t</a:t>
+            </a:r>
+          </a:p>
+        </p:txBody>
+      </p:sp>
+      <p:sp>
+        <p:nvSpPr>
+          <p:cNvPr id="5" name="Rectangle 4">
+            <a:extLst>
+              <a:ext uri="{FF2B5EF4-FFF2-40B4-BE49-F238E27FC236}">
+                <a16:creationId xmlns:a16="http://schemas.microsoft.com/office/drawing/2014/main" id="{28665EF1-4B3B-477B-A9C5-F27EC7C8EFFE}"/>
+              </a:ext>
+            </a:extLst>
+          </p:cNvPr>
+          <p:cNvSpPr/>
+          <p:nvPr/>
+        </p:nvSpPr>
+        <p:spPr>
+          <a:xfrm>
+            <a:off x="206816" y="969956"/>
+            <a:ext cx="2239860" cy="2365695"/>
+          </a:xfrm>
+          <a:prstGeom prst="rect">
+            <a:avLst/>
+          </a:prstGeom>
+          <a:noFill/>
+        </p:spPr>
+        <p:style>
+          <a:lnRef idx="2">
+            <a:schemeClr val="accent1">
+              <a:shade val="50000"/>
+            </a:schemeClr>
+          </a:lnRef>
+          <a:fillRef idx="1">
+            <a:schemeClr val="accent1"/>
+          </a:fillRef>
+          <a:effectRef idx="0">
+            <a:schemeClr val="accent1"/>
+          </a:effectRef>
+          <a:fontRef idx="minor">
+            <a:schemeClr val="lt1"/>
+          </a:fontRef>
+        </p:style>
+        <p:txBody>
+          <a:bodyPr rtlCol="0" anchor="t"/>
+          <a:lstStyle/>
+          <a:p>
+            <a:r>
+              <a:rPr lang="fr-FR">
+                <a:solidFill>
+                  <a:schemeClr val="tx1"/>
+                </a:solidFill>
+              </a:rPr>
+              <a:t>t</a:t>
+            </a:r>
+            <a:r>
+              <a:rPr lang="en-001">
+                <a:solidFill>
+                  <a:schemeClr val="tx1"/>
+                </a:solidFill>
+              </a:rPr>
+              <a:t>_</a:t>
+            </a:r>
+            <a:r>
+              <a:rPr lang="fr-FR">
+                <a:solidFill>
+                  <a:schemeClr val="tx1"/>
+                </a:solidFill>
+              </a:rPr>
+              <a:t>c</a:t>
+            </a:r>
+            <a:r>
+              <a:rPr lang="en-001">
+                <a:solidFill>
+                  <a:schemeClr val="tx1"/>
+                </a:solidFill>
+              </a:rPr>
+              <a:t>s</a:t>
+            </a:r>
+            <a:r>
+              <a:rPr lang="fr-FR">
+                <a:solidFill>
+                  <a:schemeClr val="tx1"/>
+                </a:solidFill>
+              </a:rPr>
+              <a:t>v</a:t>
+            </a:r>
+            <a:r>
+              <a:rPr lang="en-001">
+                <a:solidFill>
+                  <a:schemeClr val="tx1"/>
+                </a:solidFill>
+              </a:rPr>
+              <a:t>_</a:t>
+            </a:r>
+            <a:r>
+              <a:rPr lang="fr-FR">
+                <a:solidFill>
+                  <a:schemeClr val="tx1"/>
+                </a:solidFill>
+              </a:rPr>
+              <a:t>c</a:t>
+            </a:r>
+            <a:r>
+              <a:rPr lang="en-001">
+                <a:solidFill>
+                  <a:schemeClr val="tx1"/>
+                </a:solidFill>
+              </a:rPr>
+              <a:t>o</a:t>
+            </a:r>
+            <a:r>
+              <a:rPr lang="fr-FR">
+                <a:solidFill>
+                  <a:schemeClr val="tx1"/>
+                </a:solidFill>
+              </a:rPr>
+              <a:t>l</a:t>
+            </a:r>
+            <a:endParaRPr lang="en-001">
+              <a:solidFill>
+                <a:schemeClr val="tx1"/>
+              </a:solidFill>
+            </a:endParaRPr>
+          </a:p>
+          <a:p>
+            <a:r>
               <a:rPr lang="fr-FR" sz="1400">
                 <a:solidFill>
                   <a:schemeClr val="tx1"/>
@@ -9084,7 +9839,7 @@
 </p:sld>
 </file>
 
-<file path=ppt/slides/slide14.xml><?xml version="1.0" encoding="utf-8"?>
+<file path=ppt/slides/slide15.xml><?xml version="1.0" encoding="utf-8"?>
 <p:sld xmlns:a="http://schemas.openxmlformats.org/drawingml/2006/main" xmlns:r="http://schemas.openxmlformats.org/officeDocument/2006/relationships" xmlns:p="http://schemas.openxmlformats.org/presentationml/2006/main">
   <p:cSld>
     <p:spTree>
@@ -9868,7 +10623,7 @@
 </p:sld>
 </file>
 
-<file path=ppt/slides/slide15.xml><?xml version="1.0" encoding="utf-8"?>
+<file path=ppt/slides/slide16.xml><?xml version="1.0" encoding="utf-8"?>
 <p:sld xmlns:a="http://schemas.openxmlformats.org/drawingml/2006/main" xmlns:r="http://schemas.openxmlformats.org/officeDocument/2006/relationships" xmlns:p="http://schemas.openxmlformats.org/presentationml/2006/main">
   <p:cSld>
     <p:spTree>
@@ -13998,6 +14753,1450 @@
 </file>
 
 <file path=ppt/slides/slide3.xml><?xml version="1.0" encoding="utf-8"?>
+<p:sld xmlns:a="http://schemas.openxmlformats.org/drawingml/2006/main" xmlns:r="http://schemas.openxmlformats.org/officeDocument/2006/relationships" xmlns:p="http://schemas.openxmlformats.org/presentationml/2006/main" show="0">
+  <p:cSld>
+    <p:spTree>
+      <p:nvGrpSpPr>
+        <p:cNvPr id="1" name=""/>
+        <p:cNvGrpSpPr/>
+        <p:nvPr/>
+      </p:nvGrpSpPr>
+      <p:grpSpPr>
+        <a:xfrm>
+          <a:off x="0" y="0"/>
+          <a:ext cx="0" cy="0"/>
+          <a:chOff x="0" y="0"/>
+          <a:chExt cx="0" cy="0"/>
+        </a:xfrm>
+      </p:grpSpPr>
+      <p:sp>
+        <p:nvSpPr>
+          <p:cNvPr id="4" name="ZoneTexte 3">
+            <a:extLst>
+              <a:ext uri="{FF2B5EF4-FFF2-40B4-BE49-F238E27FC236}">
+                <a16:creationId xmlns:a16="http://schemas.microsoft.com/office/drawing/2014/main" id="{4E17A0A3-F505-44B6-971C-3C4CE07F7356}"/>
+              </a:ext>
+            </a:extLst>
+          </p:cNvPr>
+          <p:cNvSpPr txBox="1"/>
+          <p:nvPr/>
+        </p:nvSpPr>
+        <p:spPr>
+          <a:xfrm>
+            <a:off x="135080" y="717345"/>
+            <a:ext cx="9862187" cy="4308872"/>
+          </a:xfrm>
+          <a:prstGeom prst="rect">
+            <a:avLst/>
+          </a:prstGeom>
+          <a:noFill/>
+        </p:spPr>
+        <p:txBody>
+          <a:bodyPr wrap="none" rtlCol="0">
+            <a:spAutoFit/>
+          </a:bodyPr>
+          <a:lstStyle/>
+          <a:p>
+            <a:r>
+              <a:rPr lang="en-001"/>
+              <a:t>t_</a:t>
+            </a:r>
+            <a:r>
+              <a:rPr lang="fr-FR"/>
+              <a:t>n</a:t>
+            </a:r>
+            <a:r>
+              <a:rPr lang="en-001"/>
+              <a:t>e</a:t>
+            </a:r>
+            <a:r>
+              <a:rPr lang="fr-FR"/>
+              <a:t>t</a:t>
+            </a:r>
+            <a:r>
+              <a:rPr lang="en-001"/>
+              <a:t>w</a:t>
+            </a:r>
+            <a:r>
+              <a:rPr lang="fr-FR"/>
+              <a:t>o</a:t>
+            </a:r>
+            <a:r>
+              <a:rPr lang="en-001"/>
+              <a:t>r</a:t>
+            </a:r>
+            <a:r>
+              <a:rPr lang="fr-FR"/>
+              <a:t>k</a:t>
+            </a:r>
+            <a:r>
+              <a:rPr lang="en-001"/>
+              <a:t> *p</a:t>
+            </a:r>
+            <a:r>
+              <a:rPr lang="fr-FR"/>
+              <a:t>d</a:t>
+            </a:r>
+            <a:r>
+              <a:rPr lang="en-001"/>
+              <a:t>_</a:t>
+            </a:r>
+            <a:r>
+              <a:rPr lang="fr-FR"/>
+              <a:t>i</a:t>
+            </a:r>
+            <a:r>
+              <a:rPr lang="en-001"/>
+              <a:t>n</a:t>
+            </a:r>
+            <a:r>
+              <a:rPr lang="fr-FR"/>
+              <a:t>i</a:t>
+            </a:r>
+            <a:r>
+              <a:rPr lang="en-001"/>
+              <a:t>t(</a:t>
+            </a:r>
+            <a:r>
+              <a:rPr lang="fr-FR"/>
+              <a:t>t</a:t>
+            </a:r>
+            <a:r>
+              <a:rPr lang="en-001"/>
+              <a:t>_</a:t>
+            </a:r>
+            <a:r>
+              <a:rPr lang="fr-FR"/>
+              <a:t>a</a:t>
+            </a:r>
+            <a:r>
+              <a:rPr lang="en-001"/>
+              <a:t>r</a:t>
+            </a:r>
+            <a:r>
+              <a:rPr lang="fr-FR"/>
+              <a:t>r</a:t>
+            </a:r>
+            <a:r>
+              <a:rPr lang="en-001"/>
+              <a:t>a</a:t>
+            </a:r>
+            <a:r>
+              <a:rPr lang="fr-FR"/>
+              <a:t>y</a:t>
+            </a:r>
+            <a:r>
+              <a:rPr lang="en-001"/>
+              <a:t> input_shape, </a:t>
+            </a:r>
+            <a:r>
+              <a:rPr lang="fr-FR"/>
+              <a:t>c</a:t>
+            </a:r>
+            <a:r>
+              <a:rPr lang="en-001"/>
+              <a:t>h</a:t>
+            </a:r>
+            <a:r>
+              <a:rPr lang="fr-FR"/>
+              <a:t>a</a:t>
+            </a:r>
+            <a:r>
+              <a:rPr lang="en-001"/>
+              <a:t>r *</a:t>
+            </a:r>
+            <a:r>
+              <a:rPr lang="fr-FR"/>
+              <a:t>o</a:t>
+            </a:r>
+            <a:r>
+              <a:rPr lang="en-001"/>
+              <a:t>ptimizer, char *loss, char *metri</a:t>
+            </a:r>
+            <a:r>
+              <a:rPr lang="fr-FR"/>
+              <a:t>c</a:t>
+            </a:r>
+            <a:r>
+              <a:rPr lang="en-001"/>
+              <a:t>s, </a:t>
+            </a:r>
+            <a:r>
+              <a:rPr lang="fr-FR"/>
+              <a:t>f</a:t>
+            </a:r>
+            <a:r>
+              <a:rPr lang="en-001"/>
+              <a:t>loa</a:t>
+            </a:r>
+            <a:r>
+              <a:rPr lang="fr-FR"/>
+              <a:t>t</a:t>
+            </a:r>
+            <a:r>
+              <a:rPr lang="en-001"/>
+              <a:t> </a:t>
+            </a:r>
+            <a:r>
+              <a:rPr lang="fr-FR"/>
+              <a:t>l</a:t>
+            </a:r>
+            <a:r>
+              <a:rPr lang="en-001"/>
+              <a:t>e</a:t>
+            </a:r>
+            <a:r>
+              <a:rPr lang="fr-FR"/>
+              <a:t>a</a:t>
+            </a:r>
+            <a:r>
+              <a:rPr lang="en-001"/>
+              <a:t>r</a:t>
+            </a:r>
+            <a:r>
+              <a:rPr lang="fr-FR"/>
+              <a:t>n</a:t>
+            </a:r>
+            <a:r>
+              <a:rPr lang="en-001"/>
+              <a:t>i</a:t>
+            </a:r>
+            <a:r>
+              <a:rPr lang="fr-FR"/>
+              <a:t>n</a:t>
+            </a:r>
+            <a:r>
+              <a:rPr lang="en-001"/>
+              <a:t>g_</a:t>
+            </a:r>
+            <a:r>
+              <a:rPr lang="fr-FR"/>
+              <a:t>r</a:t>
+            </a:r>
+            <a:r>
+              <a:rPr lang="en-001"/>
+              <a:t>a</a:t>
+            </a:r>
+            <a:r>
+              <a:rPr lang="fr-FR"/>
+              <a:t>t</a:t>
+            </a:r>
+            <a:r>
+              <a:rPr lang="en-001"/>
+              <a:t>e)</a:t>
+            </a:r>
+          </a:p>
+          <a:p>
+            <a:r>
+              <a:rPr lang="fr-FR" sz="1600"/>
+              <a:t>n</a:t>
+            </a:r>
+            <a:r>
+              <a:rPr lang="en-001" sz="1600"/>
+              <a:t>e</a:t>
+            </a:r>
+            <a:r>
+              <a:rPr lang="fr-FR" sz="1600"/>
+              <a:t>t</a:t>
+            </a:r>
+            <a:r>
+              <a:rPr lang="en-001" sz="1600"/>
+              <a:t>w</a:t>
+            </a:r>
+            <a:r>
+              <a:rPr lang="fr-FR" sz="1600"/>
+              <a:t>o</a:t>
+            </a:r>
+            <a:r>
+              <a:rPr lang="en-001" sz="1600"/>
+              <a:t>r</a:t>
+            </a:r>
+            <a:r>
+              <a:rPr lang="fr-FR" sz="1600"/>
+              <a:t>k</a:t>
+            </a:r>
+            <a:r>
+              <a:rPr lang="en-001" sz="1600"/>
+              <a:t> = p</a:t>
+            </a:r>
+            <a:r>
+              <a:rPr lang="fr-FR" sz="1600"/>
+              <a:t>d</a:t>
+            </a:r>
+            <a:r>
+              <a:rPr lang="en-001" sz="1600"/>
+              <a:t>_init([128, 128, 3] , “</a:t>
+            </a:r>
+            <a:r>
+              <a:rPr lang="fr-FR" sz="1600"/>
+              <a:t>a</a:t>
+            </a:r>
+            <a:r>
+              <a:rPr lang="en-001" sz="1600"/>
+              <a:t>d</a:t>
+            </a:r>
+            <a:r>
+              <a:rPr lang="fr-FR" sz="1600"/>
+              <a:t>a</a:t>
+            </a:r>
+            <a:r>
+              <a:rPr lang="en-001" sz="1600"/>
+              <a:t>m”, “</a:t>
+            </a:r>
+            <a:r>
+              <a:rPr lang="fr-FR" sz="1600"/>
+              <a:t>b</a:t>
+            </a:r>
+            <a:r>
+              <a:rPr lang="en-001" sz="1600"/>
+              <a:t>i</a:t>
+            </a:r>
+            <a:r>
+              <a:rPr lang="fr-FR" sz="1600"/>
+              <a:t>n</a:t>
+            </a:r>
+            <a:r>
+              <a:rPr lang="en-001" sz="1600"/>
+              <a:t>a</a:t>
+            </a:r>
+            <a:r>
+              <a:rPr lang="fr-FR" sz="1600"/>
+              <a:t>r</a:t>
+            </a:r>
+            <a:r>
+              <a:rPr lang="en-001" sz="1600"/>
+              <a:t>y_cr</a:t>
+            </a:r>
+            <a:r>
+              <a:rPr lang="fr-FR" sz="1600"/>
+              <a:t>o</a:t>
+            </a:r>
+            <a:r>
+              <a:rPr lang="en-001" sz="1600"/>
+              <a:t>s</a:t>
+            </a:r>
+            <a:r>
+              <a:rPr lang="fr-FR" sz="1600"/>
+              <a:t>s</a:t>
+            </a:r>
+            <a:r>
+              <a:rPr lang="en-001" sz="1600"/>
+              <a:t>e</a:t>
+            </a:r>
+            <a:r>
+              <a:rPr lang="fr-FR" sz="1600"/>
+              <a:t>n</a:t>
+            </a:r>
+            <a:r>
+              <a:rPr lang="en-001" sz="1600"/>
+              <a:t>t</a:t>
+            </a:r>
+            <a:r>
+              <a:rPr lang="fr-FR" sz="1600"/>
+              <a:t>r</a:t>
+            </a:r>
+            <a:r>
+              <a:rPr lang="en-001" sz="1600"/>
+              <a:t>opy”, “</a:t>
+            </a:r>
+            <a:r>
+              <a:rPr lang="fr-FR" sz="1600"/>
+              <a:t>a</a:t>
+            </a:r>
+            <a:r>
+              <a:rPr lang="en-001" sz="1600"/>
+              <a:t>c</a:t>
+            </a:r>
+            <a:r>
+              <a:rPr lang="fr-FR" sz="1600"/>
+              <a:t>c</a:t>
+            </a:r>
+            <a:r>
+              <a:rPr lang="en-001" sz="1600"/>
+              <a:t>u</a:t>
+            </a:r>
+            <a:r>
+              <a:rPr lang="fr-FR" sz="1600"/>
+              <a:t>r</a:t>
+            </a:r>
+            <a:r>
+              <a:rPr lang="en-001" sz="1600"/>
+              <a:t>a</a:t>
+            </a:r>
+            <a:r>
+              <a:rPr lang="fr-FR" sz="1600"/>
+              <a:t>c</a:t>
+            </a:r>
+            <a:r>
+              <a:rPr lang="en-001" sz="1600"/>
+              <a:t>y”, 0,001)</a:t>
+            </a:r>
+          </a:p>
+          <a:p>
+            <a:r>
+              <a:rPr lang="en-001" sz="1400"/>
+              <a:t>1 – </a:t>
+            </a:r>
+            <a:r>
+              <a:rPr lang="fr-FR" sz="1400"/>
+              <a:t>F</a:t>
+            </a:r>
+            <a:r>
+              <a:rPr lang="en-001" sz="1400"/>
+              <a:t>o</a:t>
+            </a:r>
+            <a:r>
+              <a:rPr lang="fr-FR" sz="1400"/>
+              <a:t>r</a:t>
+            </a:r>
+            <a:r>
+              <a:rPr lang="en-001" sz="1400"/>
+              <a:t>m</a:t>
+            </a:r>
+            <a:r>
+              <a:rPr lang="fr-FR" sz="1400"/>
+              <a:t>e</a:t>
+            </a:r>
+            <a:r>
+              <a:rPr lang="en-001" sz="1400"/>
+              <a:t> des inputs (Nbr dimensions et tailles) </a:t>
+            </a:r>
+            <a:r>
+              <a:rPr lang="fr-FR" sz="1400"/>
+              <a:t>e</a:t>
+            </a:r>
+            <a:r>
+              <a:rPr lang="en-001" sz="1400"/>
+              <a:t>x</a:t>
+            </a:r>
+            <a:r>
+              <a:rPr lang="fr-FR" sz="1400"/>
+              <a:t>e</a:t>
+            </a:r>
+            <a:r>
+              <a:rPr lang="en-001" sz="1400"/>
+              <a:t>m</a:t>
+            </a:r>
+            <a:r>
+              <a:rPr lang="fr-FR" sz="1400"/>
+              <a:t>p</a:t>
+            </a:r>
+            <a:r>
+              <a:rPr lang="en-001" sz="1400"/>
+              <a:t>l</a:t>
+            </a:r>
+            <a:r>
+              <a:rPr lang="fr-FR" sz="1400"/>
+              <a:t>e</a:t>
+            </a:r>
+            <a:r>
+              <a:rPr lang="en-001" sz="1400"/>
+              <a:t> :[128, 128, 3] -&gt; </a:t>
+            </a:r>
+            <a:r>
+              <a:rPr lang="fr-FR" sz="1400"/>
+              <a:t>t</a:t>
+            </a:r>
+            <a:r>
+              <a:rPr lang="en-001" sz="1400"/>
+              <a:t>a</a:t>
+            </a:r>
+            <a:r>
+              <a:rPr lang="fr-FR" sz="1400"/>
+              <a:t>b</a:t>
+            </a:r>
+            <a:r>
+              <a:rPr lang="en-001" sz="1400"/>
+              <a:t>l</a:t>
+            </a:r>
+            <a:r>
+              <a:rPr lang="fr-FR" sz="1400"/>
+              <a:t>e</a:t>
+            </a:r>
+            <a:r>
+              <a:rPr lang="en-001" sz="1400"/>
+              <a:t>a</a:t>
+            </a:r>
+            <a:r>
+              <a:rPr lang="fr-FR" sz="1400"/>
+              <a:t>u</a:t>
+            </a:r>
+            <a:r>
+              <a:rPr lang="en-001" sz="1400"/>
+              <a:t> 3</a:t>
+            </a:r>
+            <a:r>
+              <a:rPr lang="fr-FR" sz="1400"/>
+              <a:t>D</a:t>
+            </a:r>
+            <a:r>
+              <a:rPr lang="en-001" sz="1400"/>
+              <a:t> </a:t>
+            </a:r>
+            <a:r>
+              <a:rPr lang="fr-FR" sz="1400"/>
+              <a:t>a</a:t>
+            </a:r>
+            <a:r>
+              <a:rPr lang="en-001" sz="1400"/>
+              <a:t>v</a:t>
+            </a:r>
+            <a:r>
+              <a:rPr lang="fr-FR" sz="1400"/>
+              <a:t>e</a:t>
+            </a:r>
+            <a:r>
+              <a:rPr lang="en-001" sz="1400"/>
+              <a:t>c les tail</a:t>
+            </a:r>
+            <a:r>
+              <a:rPr lang="fr-FR" sz="1400"/>
+              <a:t>l</a:t>
+            </a:r>
+            <a:r>
+              <a:rPr lang="en-001" sz="1400"/>
+              <a:t>e</a:t>
+            </a:r>
+            <a:r>
+              <a:rPr lang="fr-FR" sz="1400"/>
+              <a:t>s</a:t>
+            </a:r>
+            <a:r>
+              <a:rPr lang="en-001" sz="1400"/>
+              <a:t> x, y, </a:t>
+            </a:r>
+            <a:r>
+              <a:rPr lang="fr-FR" sz="1400"/>
+              <a:t>z</a:t>
+            </a:r>
+            <a:r>
+              <a:rPr lang="en-001" sz="1400"/>
+              <a:t> </a:t>
+            </a:r>
+            <a:endParaRPr lang="fr-FR" sz="1400"/>
+          </a:p>
+          <a:p>
+            <a:r>
+              <a:rPr lang="en-001" sz="1400"/>
+              <a:t>2 – </a:t>
+            </a:r>
+            <a:r>
+              <a:rPr lang="fr-FR" sz="1400"/>
+              <a:t>o</a:t>
+            </a:r>
+            <a:r>
+              <a:rPr lang="en-001" sz="1400"/>
+              <a:t>p</a:t>
+            </a:r>
+            <a:r>
+              <a:rPr lang="fr-FR" sz="1400"/>
+              <a:t>t</a:t>
+            </a:r>
+            <a:r>
+              <a:rPr lang="en-001" sz="1400"/>
+              <a:t>i</a:t>
+            </a:r>
+            <a:r>
+              <a:rPr lang="fr-FR" sz="1400"/>
+              <a:t>m</a:t>
+            </a:r>
+            <a:r>
+              <a:rPr lang="en-001" sz="1400"/>
+              <a:t>i</a:t>
+            </a:r>
+            <a:r>
+              <a:rPr lang="fr-FR" sz="1400"/>
+              <a:t>z</a:t>
+            </a:r>
+            <a:r>
+              <a:rPr lang="en-001" sz="1400"/>
+              <a:t>e</a:t>
+            </a:r>
+            <a:r>
+              <a:rPr lang="fr-FR" sz="1400"/>
+              <a:t>r</a:t>
+            </a:r>
+            <a:r>
+              <a:rPr lang="en-001" sz="1400"/>
+              <a:t> (</a:t>
+            </a:r>
+            <a:r>
+              <a:rPr lang="fr-FR" sz="1400"/>
+              <a:t>P</a:t>
+            </a:r>
+            <a:r>
+              <a:rPr lang="en-001" sz="1400"/>
+              <a:t>a</a:t>
+            </a:r>
+            <a:r>
+              <a:rPr lang="fr-FR" sz="1400"/>
+              <a:t>r</a:t>
+            </a:r>
+            <a:r>
+              <a:rPr lang="en-001" sz="1400"/>
+              <a:t> </a:t>
+            </a:r>
+            <a:r>
+              <a:rPr lang="fr-FR" sz="1400"/>
+              <a:t>e</a:t>
+            </a:r>
+            <a:r>
+              <a:rPr lang="en-001" sz="1400"/>
+              <a:t>x</a:t>
+            </a:r>
+            <a:r>
+              <a:rPr lang="fr-FR" sz="1400"/>
+              <a:t>e</a:t>
+            </a:r>
+            <a:r>
+              <a:rPr lang="en-001" sz="1400"/>
+              <a:t>m</a:t>
+            </a:r>
+            <a:r>
+              <a:rPr lang="fr-FR" sz="1400"/>
+              <a:t>p</a:t>
+            </a:r>
+            <a:r>
+              <a:rPr lang="en-001" sz="1400"/>
+              <a:t>l</a:t>
+            </a:r>
+            <a:r>
+              <a:rPr lang="fr-FR" sz="1400"/>
+              <a:t>e</a:t>
+            </a:r>
+            <a:r>
+              <a:rPr lang="en-001" sz="1400"/>
+              <a:t> </a:t>
+            </a:r>
+            <a:r>
+              <a:rPr lang="fr-FR" sz="1400"/>
+              <a:t>g</a:t>
+            </a:r>
+            <a:r>
+              <a:rPr lang="en-001" sz="1400"/>
+              <a:t>r</a:t>
+            </a:r>
+            <a:r>
+              <a:rPr lang="fr-FR" sz="1400"/>
+              <a:t>a</a:t>
+            </a:r>
+            <a:r>
+              <a:rPr lang="en-001" sz="1400"/>
+              <a:t>d</a:t>
+            </a:r>
+            <a:r>
+              <a:rPr lang="fr-FR" sz="1400"/>
+              <a:t>i</a:t>
+            </a:r>
+            <a:r>
+              <a:rPr lang="en-001" sz="1400"/>
+              <a:t>e</a:t>
+            </a:r>
+            <a:r>
+              <a:rPr lang="fr-FR" sz="1400"/>
+              <a:t>n</a:t>
+            </a:r>
+            <a:r>
+              <a:rPr lang="en-001" sz="1400"/>
+              <a:t>t </a:t>
+            </a:r>
+            <a:r>
+              <a:rPr lang="fr-FR" sz="1400"/>
+              <a:t>s</a:t>
+            </a:r>
+            <a:r>
+              <a:rPr lang="en-001" sz="1400"/>
+              <a:t>t</a:t>
+            </a:r>
+            <a:r>
+              <a:rPr lang="fr-FR" sz="1400"/>
+              <a:t>o</a:t>
+            </a:r>
+            <a:r>
+              <a:rPr lang="en-001" sz="1400"/>
+              <a:t>c</a:t>
+            </a:r>
+            <a:r>
+              <a:rPr lang="fr-FR" sz="1400"/>
+              <a:t>h</a:t>
+            </a:r>
+            <a:r>
+              <a:rPr lang="en-001" sz="1400"/>
+              <a:t>a</a:t>
+            </a:r>
+            <a:r>
+              <a:rPr lang="fr-FR" sz="1400"/>
+              <a:t>s</a:t>
+            </a:r>
+            <a:r>
+              <a:rPr lang="en-001" sz="1400"/>
+              <a:t>t</a:t>
+            </a:r>
+            <a:r>
+              <a:rPr lang="fr-FR" sz="1400"/>
+              <a:t>i</a:t>
+            </a:r>
+            <a:r>
+              <a:rPr lang="en-001" sz="1400"/>
+              <a:t>q</a:t>
+            </a:r>
+            <a:r>
+              <a:rPr lang="fr-FR" sz="1400"/>
+              <a:t>u</a:t>
+            </a:r>
+            <a:r>
+              <a:rPr lang="en-001" sz="1400"/>
+              <a:t>e)</a:t>
+            </a:r>
+          </a:p>
+          <a:p>
+            <a:r>
+              <a:rPr lang="en-001" sz="1400"/>
+              <a:t>3 – fonction de co</a:t>
+            </a:r>
+            <a:r>
+              <a:rPr lang="fr-FR" sz="1400"/>
+              <a:t>û</a:t>
+            </a:r>
+            <a:r>
+              <a:rPr lang="en-001" sz="1400"/>
+              <a:t>t</a:t>
+            </a:r>
+          </a:p>
+          <a:p>
+            <a:r>
+              <a:rPr lang="en-001" sz="1400"/>
+              <a:t>4 – metrics (Ce qu’on cherche à ame</a:t>
+            </a:r>
+            <a:r>
+              <a:rPr lang="fr-FR" sz="1400"/>
+              <a:t>l</a:t>
+            </a:r>
+            <a:r>
+              <a:rPr lang="en-001" sz="1400"/>
+              <a:t>i</a:t>
+            </a:r>
+            <a:r>
+              <a:rPr lang="fr-FR" sz="1400"/>
+              <a:t>o</a:t>
+            </a:r>
+            <a:r>
+              <a:rPr lang="en-001" sz="1400"/>
+              <a:t>r</a:t>
+            </a:r>
+            <a:r>
+              <a:rPr lang="fr-FR" sz="1400"/>
+              <a:t>e</a:t>
+            </a:r>
+            <a:r>
+              <a:rPr lang="en-001" sz="1400"/>
+              <a:t>r)</a:t>
+            </a:r>
+          </a:p>
+          <a:p>
+            <a:endParaRPr lang="en-001"/>
+          </a:p>
+          <a:p>
+            <a:r>
+              <a:rPr lang="fr-FR"/>
+              <a:t>v</a:t>
+            </a:r>
+            <a:r>
+              <a:rPr lang="en-001"/>
+              <a:t>o</a:t>
+            </a:r>
+            <a:r>
+              <a:rPr lang="fr-FR"/>
+              <a:t>i</a:t>
+            </a:r>
+            <a:r>
+              <a:rPr lang="en-001"/>
+              <a:t>d p</a:t>
+            </a:r>
+            <a:r>
+              <a:rPr lang="fr-FR"/>
+              <a:t>d</a:t>
+            </a:r>
+            <a:r>
+              <a:rPr lang="en-001"/>
+              <a:t>_</a:t>
+            </a:r>
+            <a:r>
+              <a:rPr lang="fr-FR"/>
+              <a:t>a</a:t>
+            </a:r>
+            <a:r>
+              <a:rPr lang="en-001"/>
+              <a:t>d</a:t>
+            </a:r>
+            <a:r>
+              <a:rPr lang="fr-FR"/>
+              <a:t>d</a:t>
+            </a:r>
+            <a:r>
+              <a:rPr lang="en-001"/>
+              <a:t>(</a:t>
+            </a:r>
+            <a:r>
+              <a:rPr lang="fr-FR"/>
+              <a:t>t</a:t>
+            </a:r>
+            <a:r>
+              <a:rPr lang="en-001"/>
+              <a:t>_network *network, </a:t>
+            </a:r>
+            <a:r>
+              <a:rPr lang="fr-FR"/>
+              <a:t>v</a:t>
+            </a:r>
+            <a:r>
+              <a:rPr lang="en-001"/>
+              <a:t>o</a:t>
+            </a:r>
+            <a:r>
+              <a:rPr lang="fr-FR"/>
+              <a:t>i</a:t>
+            </a:r>
+            <a:r>
+              <a:rPr lang="en-001"/>
+              <a:t>d *</a:t>
+            </a:r>
+            <a:r>
+              <a:rPr lang="fr-FR"/>
+              <a:t>t</a:t>
+            </a:r>
+            <a:r>
+              <a:rPr lang="en-001"/>
+              <a:t>_</a:t>
+            </a:r>
+            <a:r>
+              <a:rPr lang="fr-FR"/>
+              <a:t>s</a:t>
+            </a:r>
+            <a:r>
+              <a:rPr lang="en-001"/>
+              <a:t>p</a:t>
+            </a:r>
+            <a:r>
+              <a:rPr lang="fr-FR"/>
+              <a:t>e</a:t>
+            </a:r>
+            <a:r>
+              <a:rPr lang="en-001"/>
+              <a:t>c_</a:t>
+            </a:r>
+            <a:r>
+              <a:rPr lang="fr-FR"/>
+              <a:t>l</a:t>
+            </a:r>
+            <a:r>
+              <a:rPr lang="en-001"/>
+              <a:t>a</a:t>
+            </a:r>
+            <a:r>
+              <a:rPr lang="fr-FR"/>
+              <a:t>y</a:t>
+            </a:r>
+            <a:r>
+              <a:rPr lang="en-001"/>
+              <a:t>e</a:t>
+            </a:r>
+            <a:r>
+              <a:rPr lang="fr-FR"/>
+              <a:t>r</a:t>
+            </a:r>
+            <a:r>
+              <a:rPr lang="en-001"/>
+              <a:t>)</a:t>
+            </a:r>
+          </a:p>
+          <a:p>
+            <a:r>
+              <a:rPr lang="en-001" sz="1600"/>
+              <a:t>p</a:t>
+            </a:r>
+            <a:r>
+              <a:rPr lang="fr-FR" sz="1600"/>
+              <a:t>d</a:t>
+            </a:r>
+            <a:r>
+              <a:rPr lang="en-001" sz="1600"/>
+              <a:t>_</a:t>
+            </a:r>
+            <a:r>
+              <a:rPr lang="fr-FR" sz="1600"/>
+              <a:t>a</a:t>
+            </a:r>
+            <a:r>
+              <a:rPr lang="en-001" sz="1600"/>
+              <a:t>d</a:t>
+            </a:r>
+            <a:r>
+              <a:rPr lang="fr-FR" sz="1600"/>
+              <a:t>d</a:t>
+            </a:r>
+            <a:r>
+              <a:rPr lang="en-001" sz="1600"/>
+              <a:t>(</a:t>
+            </a:r>
+            <a:r>
+              <a:rPr lang="fr-FR" sz="1600"/>
+              <a:t>n</a:t>
+            </a:r>
+            <a:r>
+              <a:rPr lang="en-001" sz="1600"/>
+              <a:t>e</a:t>
+            </a:r>
+            <a:r>
+              <a:rPr lang="fr-FR" sz="1600"/>
+              <a:t>t</a:t>
+            </a:r>
+            <a:r>
+              <a:rPr lang="en-001" sz="1600"/>
+              <a:t>w</a:t>
+            </a:r>
+            <a:r>
+              <a:rPr lang="fr-FR" sz="1600"/>
+              <a:t>o</a:t>
+            </a:r>
+            <a:r>
+              <a:rPr lang="en-001" sz="1600"/>
+              <a:t>r</a:t>
+            </a:r>
+            <a:r>
+              <a:rPr lang="fr-FR" sz="1600"/>
+              <a:t>k</a:t>
+            </a:r>
+            <a:r>
+              <a:rPr lang="en-001" sz="1600"/>
+              <a:t>, </a:t>
+            </a:r>
+            <a:r>
+              <a:rPr lang="fr-FR" sz="1600"/>
+              <a:t>C</a:t>
+            </a:r>
+            <a:r>
+              <a:rPr lang="en-001" sz="1600"/>
+              <a:t>o</a:t>
+            </a:r>
+            <a:r>
+              <a:rPr lang="fr-FR" sz="1600"/>
+              <a:t>n</a:t>
+            </a:r>
+            <a:r>
+              <a:rPr lang="en-001" sz="1600"/>
+              <a:t>v</a:t>
+            </a:r>
+            <a:r>
+              <a:rPr lang="fr-FR" sz="1600"/>
+              <a:t>o</a:t>
+            </a:r>
+            <a:r>
+              <a:rPr lang="en-001" sz="1600"/>
+              <a:t>l</a:t>
+            </a:r>
+            <a:r>
+              <a:rPr lang="fr-FR" sz="1600"/>
+              <a:t>u</a:t>
+            </a:r>
+            <a:r>
+              <a:rPr lang="en-001" sz="1600"/>
+              <a:t>t</a:t>
+            </a:r>
+            <a:r>
+              <a:rPr lang="fr-FR" sz="1600"/>
+              <a:t>i</a:t>
+            </a:r>
+            <a:r>
+              <a:rPr lang="en-001" sz="1600"/>
+              <a:t>o</a:t>
+            </a:r>
+            <a:r>
+              <a:rPr lang="fr-FR" sz="1600"/>
+              <a:t>n</a:t>
+            </a:r>
+            <a:r>
+              <a:rPr lang="en-001" sz="1600"/>
+              <a:t>2</a:t>
+            </a:r>
+            <a:r>
+              <a:rPr lang="fr-FR" sz="1600"/>
+              <a:t>D</a:t>
+            </a:r>
+            <a:r>
+              <a:rPr lang="en-001" sz="1600"/>
+              <a:t>(32, 3, 1, “</a:t>
+            </a:r>
+            <a:r>
+              <a:rPr lang="fr-FR" sz="1600"/>
+              <a:t>r</a:t>
+            </a:r>
+            <a:r>
+              <a:rPr lang="en-001" sz="1600"/>
+              <a:t>e</a:t>
+            </a:r>
+            <a:r>
+              <a:rPr lang="fr-FR" sz="1600"/>
+              <a:t>l</a:t>
+            </a:r>
+            <a:r>
+              <a:rPr lang="en-001" sz="1600"/>
+              <a:t>u”))</a:t>
+            </a:r>
+          </a:p>
+          <a:p>
+            <a:endParaRPr lang="en-001" sz="1600"/>
+          </a:p>
+          <a:p>
+            <a:r>
+              <a:rPr lang="fr-FR"/>
+              <a:t>v</a:t>
+            </a:r>
+            <a:r>
+              <a:rPr lang="en-001"/>
+              <a:t>o</a:t>
+            </a:r>
+            <a:r>
+              <a:rPr lang="fr-FR"/>
+              <a:t>i</a:t>
+            </a:r>
+            <a:r>
+              <a:rPr lang="en-001"/>
+              <a:t>d </a:t>
+            </a:r>
+            <a:r>
+              <a:rPr lang="fr-FR"/>
+              <a:t>p</a:t>
+            </a:r>
+            <a:r>
+              <a:rPr lang="en-001"/>
+              <a:t>d_</a:t>
+            </a:r>
+            <a:r>
+              <a:rPr lang="fr-FR"/>
+              <a:t>t</a:t>
+            </a:r>
+            <a:r>
+              <a:rPr lang="en-001"/>
+              <a:t>r</a:t>
+            </a:r>
+            <a:r>
+              <a:rPr lang="fr-FR"/>
+              <a:t>a</a:t>
+            </a:r>
+            <a:r>
+              <a:rPr lang="en-001"/>
+              <a:t>i</a:t>
+            </a:r>
+            <a:r>
+              <a:rPr lang="fr-FR"/>
+              <a:t>n</a:t>
+            </a:r>
+            <a:r>
+              <a:rPr lang="en-001"/>
+              <a:t>(</a:t>
+            </a:r>
+            <a:r>
+              <a:rPr lang="fr-FR"/>
+              <a:t>t</a:t>
+            </a:r>
+            <a:r>
+              <a:rPr lang="en-001"/>
+              <a:t>_network *network, </a:t>
+            </a:r>
+            <a:r>
+              <a:rPr lang="fr-FR"/>
+              <a:t>v</a:t>
+            </a:r>
+            <a:r>
+              <a:rPr lang="en-001"/>
+              <a:t>o</a:t>
+            </a:r>
+            <a:r>
+              <a:rPr lang="fr-FR"/>
+              <a:t>i</a:t>
+            </a:r>
+            <a:r>
+              <a:rPr lang="en-001"/>
+              <a:t>d *</a:t>
+            </a:r>
+            <a:r>
+              <a:rPr lang="fr-FR"/>
+              <a:t>x</a:t>
+            </a:r>
+            <a:r>
+              <a:rPr lang="en-001"/>
+              <a:t>, </a:t>
+            </a:r>
+            <a:r>
+              <a:rPr lang="fr-FR"/>
+              <a:t>v</a:t>
+            </a:r>
+            <a:r>
+              <a:rPr lang="en-001"/>
+              <a:t>o</a:t>
+            </a:r>
+            <a:r>
+              <a:rPr lang="fr-FR"/>
+              <a:t>i</a:t>
+            </a:r>
+            <a:r>
+              <a:rPr lang="en-001"/>
+              <a:t>d *</a:t>
+            </a:r>
+            <a:r>
+              <a:rPr lang="fr-FR"/>
+              <a:t>y</a:t>
+            </a:r>
+            <a:r>
+              <a:rPr lang="en-001"/>
+              <a:t>, </a:t>
+            </a:r>
+            <a:r>
+              <a:rPr lang="fr-FR"/>
+              <a:t>i</a:t>
+            </a:r>
+            <a:r>
+              <a:rPr lang="en-001"/>
+              <a:t>nt epoch, </a:t>
+            </a:r>
+            <a:r>
+              <a:rPr lang="fr-FR"/>
+              <a:t>i</a:t>
+            </a:r>
+            <a:r>
+              <a:rPr lang="en-001"/>
+              <a:t>n</a:t>
+            </a:r>
+            <a:r>
+              <a:rPr lang="fr-FR"/>
+              <a:t>t</a:t>
+            </a:r>
+            <a:r>
+              <a:rPr lang="en-001"/>
+              <a:t> </a:t>
+            </a:r>
+            <a:r>
+              <a:rPr lang="fr-FR"/>
+              <a:t>b</a:t>
+            </a:r>
+            <a:r>
+              <a:rPr lang="en-001"/>
+              <a:t>a</a:t>
+            </a:r>
+            <a:r>
+              <a:rPr lang="fr-FR"/>
+              <a:t>t</a:t>
+            </a:r>
+            <a:r>
+              <a:rPr lang="en-001"/>
+              <a:t>c</a:t>
+            </a:r>
+            <a:r>
+              <a:rPr lang="fr-FR"/>
+              <a:t>h</a:t>
+            </a:r>
+            <a:r>
+              <a:rPr lang="en-001"/>
+              <a:t>_</a:t>
+            </a:r>
+            <a:r>
+              <a:rPr lang="fr-FR"/>
+              <a:t>s</a:t>
+            </a:r>
+            <a:r>
+              <a:rPr lang="en-001"/>
+              <a:t>i</a:t>
+            </a:r>
+            <a:r>
+              <a:rPr lang="fr-FR"/>
+              <a:t>z</a:t>
+            </a:r>
+            <a:r>
+              <a:rPr lang="en-001"/>
+              <a:t>e)</a:t>
+            </a:r>
+          </a:p>
+          <a:p>
+            <a:r>
+              <a:rPr lang="en-001" sz="1600"/>
+              <a:t>pd_train(</a:t>
+            </a:r>
+            <a:r>
+              <a:rPr lang="fr-FR" sz="1600"/>
+              <a:t>n</a:t>
+            </a:r>
+            <a:r>
+              <a:rPr lang="en-001" sz="1600"/>
+              <a:t>e</a:t>
+            </a:r>
+            <a:r>
+              <a:rPr lang="fr-FR" sz="1600"/>
+              <a:t>t</a:t>
+            </a:r>
+            <a:r>
+              <a:rPr lang="en-001" sz="1600"/>
+              <a:t>work, x_</a:t>
+            </a:r>
+            <a:r>
+              <a:rPr lang="fr-FR" sz="1600"/>
+              <a:t>d</a:t>
+            </a:r>
+            <a:r>
+              <a:rPr lang="en-001" sz="1600"/>
+              <a:t>a</a:t>
+            </a:r>
+            <a:r>
+              <a:rPr lang="fr-FR" sz="1600"/>
+              <a:t>t</a:t>
+            </a:r>
+            <a:r>
+              <a:rPr lang="en-001" sz="1600"/>
+              <a:t>a</a:t>
+            </a:r>
+            <a:r>
+              <a:rPr lang="fr-FR" sz="1600"/>
+              <a:t>s</a:t>
+            </a:r>
+            <a:r>
+              <a:rPr lang="en-001" sz="1600"/>
+              <a:t>e</a:t>
+            </a:r>
+            <a:r>
+              <a:rPr lang="fr-FR" sz="1600"/>
+              <a:t>t</a:t>
+            </a:r>
+            <a:r>
+              <a:rPr lang="en-001" sz="1600"/>
+              <a:t>, y_dataset, 100, 10)</a:t>
+            </a:r>
+          </a:p>
+          <a:p>
+            <a:endParaRPr lang="en-001" sz="1600"/>
+          </a:p>
+          <a:p>
+            <a:r>
+              <a:rPr lang="en-001"/>
+              <a:t>void *pd_predi</a:t>
+            </a:r>
+            <a:r>
+              <a:rPr lang="fr-FR"/>
+              <a:t>c</a:t>
+            </a:r>
+            <a:r>
+              <a:rPr lang="en-001"/>
+              <a:t>t(</a:t>
+            </a:r>
+            <a:r>
+              <a:rPr lang="fr-FR"/>
+              <a:t>t</a:t>
+            </a:r>
+            <a:r>
+              <a:rPr lang="en-001"/>
+              <a:t>_</a:t>
+            </a:r>
+            <a:r>
+              <a:rPr lang="fr-FR"/>
+              <a:t>n</a:t>
+            </a:r>
+            <a:r>
+              <a:rPr lang="en-001"/>
+              <a:t>e</a:t>
+            </a:r>
+            <a:r>
+              <a:rPr lang="fr-FR"/>
+              <a:t>t</a:t>
+            </a:r>
+            <a:r>
+              <a:rPr lang="en-001"/>
+              <a:t>w</a:t>
+            </a:r>
+            <a:r>
+              <a:rPr lang="fr-FR"/>
+              <a:t>o</a:t>
+            </a:r>
+            <a:r>
+              <a:rPr lang="en-001"/>
+              <a:t>r</a:t>
+            </a:r>
+            <a:r>
+              <a:rPr lang="fr-FR"/>
+              <a:t>k</a:t>
+            </a:r>
+            <a:r>
+              <a:rPr lang="en-001"/>
+              <a:t> *network, </a:t>
+            </a:r>
+            <a:r>
+              <a:rPr lang="fr-FR"/>
+              <a:t>v</a:t>
+            </a:r>
+            <a:r>
+              <a:rPr lang="en-001"/>
+              <a:t>o</a:t>
+            </a:r>
+            <a:r>
+              <a:rPr lang="fr-FR"/>
+              <a:t>i</a:t>
+            </a:r>
+            <a:r>
+              <a:rPr lang="en-001"/>
+              <a:t>d *</a:t>
+            </a:r>
+            <a:r>
+              <a:rPr lang="fr-FR"/>
+              <a:t>i</a:t>
+            </a:r>
+            <a:r>
+              <a:rPr lang="en-001"/>
+              <a:t>n</a:t>
+            </a:r>
+            <a:r>
+              <a:rPr lang="fr-FR"/>
+              <a:t>p</a:t>
+            </a:r>
+            <a:r>
+              <a:rPr lang="en-001"/>
+              <a:t>u</a:t>
+            </a:r>
+            <a:r>
+              <a:rPr lang="fr-FR"/>
+              <a:t>t</a:t>
+            </a:r>
+            <a:r>
+              <a:rPr lang="en-001"/>
+              <a:t>)</a:t>
+            </a:r>
+          </a:p>
+          <a:p>
+            <a:r>
+              <a:rPr lang="en-001" sz="1600"/>
+              <a:t>result = pd_predict(network, </a:t>
+            </a:r>
+            <a:r>
+              <a:rPr lang="fr-FR" sz="1600"/>
+              <a:t>d</a:t>
+            </a:r>
+            <a:r>
+              <a:rPr lang="en-001" sz="1600"/>
+              <a:t>ataset[6])</a:t>
+            </a:r>
+          </a:p>
+          <a:p>
+            <a:endParaRPr lang="en-001" sz="1600"/>
+          </a:p>
+          <a:p>
+            <a:endParaRPr lang="en-001" sz="1600"/>
+          </a:p>
+        </p:txBody>
+      </p:sp>
+      <p:sp>
+        <p:nvSpPr>
+          <p:cNvPr id="11" name="Rectangle 10">
+            <a:extLst>
+              <a:ext uri="{FF2B5EF4-FFF2-40B4-BE49-F238E27FC236}">
+                <a16:creationId xmlns:a16="http://schemas.microsoft.com/office/drawing/2014/main" id="{4835283F-26EA-4695-8D79-295902B5CE45}"/>
+              </a:ext>
+            </a:extLst>
+          </p:cNvPr>
+          <p:cNvSpPr/>
+          <p:nvPr/>
+        </p:nvSpPr>
+        <p:spPr>
+          <a:xfrm>
+            <a:off x="0" y="0"/>
+            <a:ext cx="12192000" cy="679508"/>
+          </a:xfrm>
+          <a:prstGeom prst="rect">
+            <a:avLst/>
+          </a:prstGeom>
+          <a:gradFill flip="none" rotWithShape="1">
+            <a:gsLst>
+              <a:gs pos="0">
+                <a:srgbClr val="00B0F0"/>
+              </a:gs>
+              <a:gs pos="100000">
+                <a:srgbClr val="A6E4FA"/>
+              </a:gs>
+            </a:gsLst>
+            <a:lin ang="5400000" scaled="1"/>
+            <a:tileRect/>
+          </a:gradFill>
+          <a:ln>
+            <a:noFill/>
+          </a:ln>
+        </p:spPr>
+        <p:style>
+          <a:lnRef idx="2">
+            <a:schemeClr val="accent1">
+              <a:shade val="50000"/>
+            </a:schemeClr>
+          </a:lnRef>
+          <a:fillRef idx="1">
+            <a:schemeClr val="accent1"/>
+          </a:fillRef>
+          <a:effectRef idx="0">
+            <a:schemeClr val="accent1"/>
+          </a:effectRef>
+          <a:fontRef idx="minor">
+            <a:schemeClr val="lt1"/>
+          </a:fontRef>
+        </p:style>
+        <p:txBody>
+          <a:bodyPr rtlCol="0" anchor="ctr"/>
+          <a:lstStyle/>
+          <a:p>
+            <a:pPr algn="ctr"/>
+            <a:r>
+              <a:rPr lang="fr-FR"/>
+              <a:t>L</a:t>
+            </a:r>
+            <a:r>
+              <a:rPr lang="en-001"/>
+              <a:t>i</a:t>
+            </a:r>
+            <a:r>
+              <a:rPr lang="fr-FR"/>
+              <a:t>b</a:t>
+            </a:r>
+            <a:r>
+              <a:rPr lang="en-001"/>
+              <a:t> </a:t>
+            </a:r>
+            <a:r>
+              <a:rPr lang="fr-FR"/>
+              <a:t>P</a:t>
+            </a:r>
+            <a:r>
+              <a:rPr lang="en-001"/>
+              <a:t>r</a:t>
+            </a:r>
+            <a:r>
+              <a:rPr lang="fr-FR"/>
+              <a:t>o</a:t>
+            </a:r>
+            <a:r>
+              <a:rPr lang="en-001"/>
+              <a:t>toDeep</a:t>
+            </a:r>
+            <a:endParaRPr lang="fr-FR"/>
+          </a:p>
+        </p:txBody>
+      </p:sp>
+    </p:spTree>
+    <p:extLst>
+      <p:ext uri="{BB962C8B-B14F-4D97-AF65-F5344CB8AC3E}">
+        <p14:creationId xmlns:p14="http://schemas.microsoft.com/office/powerpoint/2010/main" val="4284050537"/>
+      </p:ext>
+    </p:extLst>
+  </p:cSld>
+  <p:clrMapOvr>
+    <a:masterClrMapping/>
+  </p:clrMapOvr>
+</p:sld>
+</file>
+
+<file path=ppt/slides/slide4.xml><?xml version="1.0" encoding="utf-8"?>
 <p:sld xmlns:a="http://schemas.openxmlformats.org/drawingml/2006/main" xmlns:r="http://schemas.openxmlformats.org/officeDocument/2006/relationships" xmlns:p="http://schemas.openxmlformats.org/presentationml/2006/main">
   <p:cSld>
     <p:spTree>
@@ -14114,7 +16313,7 @@
         <p:spPr>
           <a:xfrm>
             <a:off x="612396" y="1367406"/>
-            <a:ext cx="9339352" cy="1477328"/>
+            <a:ext cx="8886856" cy="923330"/>
           </a:xfrm>
           <a:prstGeom prst="rect">
             <a:avLst/>
@@ -14127,13 +16326,171 @@
           </a:bodyPr>
           <a:lstStyle/>
           <a:p>
+            <a:r>
+              <a:rPr lang="en-001"/>
+              <a:t>-    Comprendre le fonctionnement d</a:t>
+            </a:r>
+            <a:r>
+              <a:rPr lang="fr-FR"/>
+              <a:t>u</a:t>
+            </a:r>
+            <a:r>
+              <a:rPr lang="en-001"/>
+              <a:t> </a:t>
+            </a:r>
+            <a:r>
+              <a:rPr lang="fr-FR"/>
+              <a:t>g</a:t>
+            </a:r>
+            <a:r>
+              <a:rPr lang="en-001"/>
+              <a:t>r</a:t>
+            </a:r>
+            <a:r>
+              <a:rPr lang="fr-FR"/>
+              <a:t>a</a:t>
+            </a:r>
+            <a:r>
+              <a:rPr lang="en-001"/>
+              <a:t>d</a:t>
+            </a:r>
+            <a:r>
+              <a:rPr lang="fr-FR"/>
+              <a:t>i</a:t>
+            </a:r>
+            <a:r>
+              <a:rPr lang="en-001"/>
+              <a:t>a</a:t>
+            </a:r>
+            <a:r>
+              <a:rPr lang="fr-FR"/>
+              <a:t>n</a:t>
+            </a:r>
+            <a:r>
+              <a:rPr lang="en-001"/>
+              <a:t>t </a:t>
+            </a:r>
+            <a:r>
+              <a:rPr lang="fr-FR"/>
+              <a:t>s</a:t>
+            </a:r>
+            <a:r>
+              <a:rPr lang="en-001"/>
+              <a:t>t</a:t>
+            </a:r>
+            <a:r>
+              <a:rPr lang="fr-FR"/>
+              <a:t>o</a:t>
+            </a:r>
+            <a:r>
+              <a:rPr lang="en-001"/>
+              <a:t>c</a:t>
+            </a:r>
+            <a:r>
+              <a:rPr lang="fr-FR"/>
+              <a:t>h</a:t>
+            </a:r>
+            <a:r>
+              <a:rPr lang="en-001"/>
+              <a:t>a</a:t>
+            </a:r>
+            <a:r>
+              <a:rPr lang="fr-FR"/>
+              <a:t>s</a:t>
+            </a:r>
+            <a:r>
+              <a:rPr lang="en-001"/>
+              <a:t>t</a:t>
+            </a:r>
+            <a:r>
+              <a:rPr lang="fr-FR"/>
+              <a:t>i</a:t>
+            </a:r>
+            <a:r>
+              <a:rPr lang="en-001"/>
+              <a:t>q</a:t>
+            </a:r>
+            <a:r>
+              <a:rPr lang="fr-FR"/>
+              <a:t>u</a:t>
+            </a:r>
+            <a:r>
+              <a:rPr lang="en-001"/>
+              <a:t>e </a:t>
+            </a:r>
+            <a:r>
+              <a:rPr lang="fr-FR"/>
+              <a:t>A</a:t>
+            </a:r>
+            <a:r>
+              <a:rPr lang="en-001"/>
+              <a:t>d</a:t>
+            </a:r>
+            <a:r>
+              <a:rPr lang="fr-FR"/>
+              <a:t>a</a:t>
+            </a:r>
+            <a:r>
+              <a:rPr lang="en-001"/>
+              <a:t>m (Voir slide liens p</a:t>
+            </a:r>
+            <a:r>
+              <a:rPr lang="fr-FR"/>
+              <a:t>r</a:t>
+            </a:r>
+            <a:r>
+              <a:rPr lang="en-001"/>
+              <a:t>a</a:t>
+            </a:r>
+            <a:r>
+              <a:rPr lang="fr-FR"/>
+              <a:t>t</a:t>
+            </a:r>
+            <a:r>
+              <a:rPr lang="en-001"/>
+              <a:t>i</a:t>
+            </a:r>
+            <a:r>
+              <a:rPr lang="fr-FR"/>
+              <a:t>q</a:t>
+            </a:r>
+            <a:r>
+              <a:rPr lang="en-001"/>
+              <a:t>u</a:t>
+            </a:r>
+            <a:r>
+              <a:rPr lang="fr-FR"/>
+              <a:t>e</a:t>
+            </a:r>
+            <a:r>
+              <a:rPr lang="en-001"/>
+              <a:t>s)</a:t>
+            </a:r>
+          </a:p>
+          <a:p>
             <a:pPr marL="285750" indent="-285750">
               <a:buFontTx/>
               <a:buChar char="-"/>
             </a:pPr>
             <a:r>
               <a:rPr lang="en-001"/>
-              <a:t>Creer une libra</a:t>
+              <a:t>Comprendre l’adaptation des CNN (Convolution, </a:t>
+            </a:r>
+            <a:r>
+              <a:rPr lang="fr-FR"/>
+              <a:t>P</a:t>
+            </a:r>
+            <a:r>
+              <a:rPr lang="en-001"/>
+              <a:t>o</a:t>
+            </a:r>
+            <a:r>
+              <a:rPr lang="fr-FR"/>
+              <a:t>o</a:t>
+            </a:r>
+            <a:r>
+              <a:rPr lang="en-001"/>
+              <a:t>l</a:t>
             </a:r>
             <a:r>
               <a:rPr lang="fr-FR"/>
@@ -14141,39 +16498,79 @@
             </a:r>
             <a:r>
               <a:rPr lang="en-001"/>
+              <a:t>n</a:t>
+            </a:r>
+            <a:r>
+              <a:rPr lang="fr-FR"/>
+              <a:t>g</a:t>
+            </a:r>
+            <a:r>
+              <a:rPr lang="en-001"/>
+              <a:t>, </a:t>
+            </a:r>
+            <a:r>
+              <a:rPr lang="fr-FR"/>
+              <a:t>F</a:t>
+            </a:r>
+            <a:r>
+              <a:rPr lang="en-001"/>
+              <a:t>l</a:t>
+            </a:r>
+            <a:r>
+              <a:rPr lang="fr-FR"/>
+              <a:t>a</a:t>
+            </a:r>
+            <a:r>
+              <a:rPr lang="en-001"/>
+              <a:t>t</a:t>
+            </a:r>
+            <a:r>
+              <a:rPr lang="fr-FR"/>
+              <a:t>e</a:t>
+            </a:r>
+            <a:r>
+              <a:rPr lang="en-001"/>
+              <a:t>n</a:t>
+            </a:r>
+            <a:r>
+              <a:rPr lang="fr-FR"/>
+              <a:t>i</a:t>
+            </a:r>
+            <a:r>
+              <a:rPr lang="en-001"/>
+              <a:t>n</a:t>
+            </a:r>
+            <a:r>
+              <a:rPr lang="fr-FR"/>
+              <a:t>g</a:t>
+            </a:r>
+            <a:r>
+              <a:rPr lang="en-001"/>
+              <a:t>) </a:t>
+            </a:r>
+            <a:r>
+              <a:rPr lang="fr-FR"/>
+              <a:t>a</a:t>
+            </a:r>
+            <a:r>
+              <a:rPr lang="en-001"/>
+              <a:t>u </a:t>
+            </a:r>
+            <a:r>
+              <a:rPr lang="fr-FR"/>
               <a:t>r</a:t>
             </a:r>
             <a:r>
-              <a:rPr lang="fr-FR"/>
-              <a:t>i</a:t>
-            </a:r>
-            <a:r>
-              <a:rPr lang="en-001"/>
-              <a:t>e </a:t>
-            </a:r>
-            <a:r>
-              <a:rPr lang="fr-FR"/>
-              <a:t>d</a:t>
-            </a:r>
-            <a:r>
-              <a:rPr lang="en-001"/>
-              <a:t>e </a:t>
-            </a:r>
-            <a:r>
-              <a:rPr lang="fr-FR"/>
-              <a:t>n</a:t>
-            </a:r>
-            <a:r>
-              <a:rPr lang="en-001"/>
-              <a:t>o</a:t>
-            </a:r>
-            <a:r>
-              <a:rPr lang="fr-FR"/>
-              <a:t>r</a:t>
-            </a:r>
-            <a:r>
-              <a:rPr lang="en-001"/>
-              <a:t>m</a:t>
+              <a:rPr lang="en-001"/>
+              <a:t>e</a:t>
+            </a:r>
+            <a:r>
+              <a:rPr lang="fr-FR"/>
+              <a:t>s</a:t>
+            </a:r>
+            <a:r>
+              <a:rPr lang="en-001"/>
+              <a:t>e</a:t>
             </a:r>
             <a:r>
               <a:rPr lang="fr-FR"/>
@@ -14181,205 +16578,8 @@
             </a:r>
             <a:r>
               <a:rPr lang="en-001"/>
-              <a:t>l</a:t>
-            </a:r>
-            <a:r>
-              <a:rPr lang="fr-FR"/>
-              <a:t>i</a:t>
-            </a:r>
-            <a:r>
-              <a:rPr lang="en-001"/>
-              <a:t>s</a:t>
-            </a:r>
-            <a:r>
-              <a:rPr lang="fr-FR"/>
-              <a:t>a</a:t>
-            </a:r>
-            <a:r>
-              <a:rPr lang="en-001"/>
-              <a:t>t</a:t>
-            </a:r>
-            <a:r>
-              <a:rPr lang="fr-FR"/>
-              <a:t>i</a:t>
-            </a:r>
-            <a:r>
-              <a:rPr lang="en-001"/>
-              <a:t>on des donn</a:t>
-            </a:r>
-            <a:r>
-              <a:rPr lang="fr-FR"/>
-              <a:t>é</a:t>
-            </a:r>
-            <a:r>
-              <a:rPr lang="en-001"/>
-              <a:t>e</a:t>
-            </a:r>
-            <a:r>
-              <a:rPr lang="fr-FR"/>
-              <a:t>s</a:t>
-            </a:r>
-            <a:r>
-              <a:rPr lang="en-001"/>
-              <a:t> </a:t>
-            </a:r>
-            <a:r>
-              <a:rPr lang="fr-FR"/>
-              <a:t>a</a:t>
-            </a:r>
-            <a:r>
-              <a:rPr lang="en-001"/>
-              <a:t>v</a:t>
-            </a:r>
-            <a:r>
-              <a:rPr lang="fr-FR"/>
-              <a:t>e</a:t>
-            </a:r>
-            <a:r>
-              <a:rPr lang="en-001"/>
-              <a:t>c </a:t>
-            </a:r>
-            <a:r>
-              <a:rPr lang="fr-FR"/>
-              <a:t>e</a:t>
-            </a:r>
-            <a:r>
-              <a:rPr lang="en-001"/>
-              <a:t>c</a:t>
-            </a:r>
-            <a:r>
-              <a:rPr lang="fr-FR"/>
-              <a:t>a</a:t>
-            </a:r>
-            <a:r>
-              <a:rPr lang="en-001"/>
-              <a:t>r</a:t>
-            </a:r>
-            <a:r>
-              <a:rPr lang="fr-FR"/>
-              <a:t>t</a:t>
-            </a:r>
-            <a:r>
-              <a:rPr lang="en-001"/>
-              <a:t> </a:t>
-            </a:r>
-            <a:r>
-              <a:rPr lang="fr-FR"/>
-              <a:t>t</a:t>
-            </a:r>
-            <a:r>
-              <a:rPr lang="en-001"/>
-              <a:t>y</a:t>
-            </a:r>
-            <a:r>
-              <a:rPr lang="fr-FR"/>
-              <a:t>p</a:t>
-            </a:r>
-            <a:r>
-              <a:rPr lang="en-001"/>
-              <a:t>e </a:t>
-            </a:r>
-            <a:r>
-              <a:rPr lang="fr-FR"/>
-              <a:t>e</a:t>
-            </a:r>
-            <a:r>
-              <a:rPr lang="en-001"/>
-              <a:t>t</a:t>
-            </a:r>
-            <a:r>
-              <a:rPr lang="fr-FR"/>
-              <a:t>c</a:t>
-            </a:r>
-            <a:r>
-              <a:rPr lang="en-001"/>
-              <a:t>... </a:t>
-            </a:r>
-            <a:r>
-              <a:rPr lang="fr-FR"/>
-              <a:t>e</a:t>
-            </a:r>
-            <a:r>
-              <a:rPr lang="en-001"/>
-              <a:t>t </a:t>
-            </a:r>
-            <a:r>
-              <a:rPr lang="fr-FR"/>
-              <a:t>p</a:t>
-            </a:r>
-            <a:r>
-              <a:rPr lang="en-001"/>
-              <a:t>o</a:t>
-            </a:r>
-            <a:r>
-              <a:rPr lang="fr-FR"/>
-              <a:t>s</a:t>
-            </a:r>
-            <a:r>
-              <a:rPr lang="en-001"/>
-              <a:t>t </a:t>
-            </a:r>
-            <a:r>
-              <a:rPr lang="fr-FR"/>
-              <a:t>a</a:t>
-            </a:r>
-            <a:r>
-              <a:rPr lang="en-001"/>
-              <a:t>j</a:t>
-            </a:r>
-            <a:r>
-              <a:rPr lang="fr-FR"/>
-              <a:t>o</a:t>
-            </a:r>
-            <a:r>
-              <a:rPr lang="en-001"/>
               <a:t>u</a:t>
             </a:r>
-            <a:r>
-              <a:rPr lang="fr-FR"/>
-              <a:t>t</a:t>
-            </a:r>
-            <a:r>
-              <a:rPr lang="en-001"/>
-              <a:t> </a:t>
-            </a:r>
-            <a:r>
-              <a:rPr lang="fr-FR"/>
-              <a:t>d</a:t>
-            </a:r>
-            <a:r>
-              <a:rPr lang="en-001"/>
-              <a:t>e </a:t>
-            </a:r>
-            <a:r>
-              <a:rPr lang="fr-FR"/>
-              <a:t>d</a:t>
-            </a:r>
-            <a:r>
-              <a:rPr lang="en-001"/>
-              <a:t>o</a:t>
-            </a:r>
-            <a:r>
-              <a:rPr lang="fr-FR"/>
-              <a:t>n</a:t>
-            </a:r>
-            <a:r>
-              <a:rPr lang="en-001"/>
-              <a:t>n</a:t>
-            </a:r>
-            <a:r>
-              <a:rPr lang="fr-FR"/>
-              <a:t>é</a:t>
-            </a:r>
-            <a:r>
-              <a:rPr lang="en-001"/>
-              <a:t>e</a:t>
-            </a:r>
-            <a:r>
-              <a:rPr lang="fr-FR"/>
-              <a:t>s</a:t>
-            </a:r>
-            <a:endParaRPr lang="en-001"/>
           </a:p>
           <a:p>
             <a:pPr marL="285750" indent="-285750">
@@ -14388,7 +16588,207 @@
             </a:pPr>
             <a:r>
               <a:rPr lang="en-001"/>
-              <a:t>Coder la version 1 de l’ANN</a:t>
+              <a:t>Co</a:t>
+            </a:r>
+            <a:r>
+              <a:rPr lang="fr-FR"/>
+              <a:t>m</a:t>
+            </a:r>
+            <a:r>
+              <a:rPr lang="en-001"/>
+              <a:t>p</a:t>
+            </a:r>
+            <a:r>
+              <a:rPr lang="fr-FR"/>
+              <a:t>r</a:t>
+            </a:r>
+            <a:r>
+              <a:rPr lang="en-001"/>
+              <a:t>e</a:t>
+            </a:r>
+            <a:r>
+              <a:rPr lang="fr-FR"/>
+              <a:t>n</a:t>
+            </a:r>
+            <a:r>
+              <a:rPr lang="en-001"/>
+              <a:t>d</a:t>
+            </a:r>
+            <a:r>
+              <a:rPr lang="fr-FR"/>
+              <a:t>r</a:t>
+            </a:r>
+            <a:r>
+              <a:rPr lang="en-001"/>
+              <a:t>e </a:t>
+            </a:r>
+            <a:r>
+              <a:rPr lang="fr-FR"/>
+              <a:t>l</a:t>
+            </a:r>
+            <a:r>
+              <a:rPr lang="en-001"/>
+              <a:t>’</a:t>
+            </a:r>
+            <a:r>
+              <a:rPr lang="fr-FR"/>
+              <a:t>a</a:t>
+            </a:r>
+            <a:r>
+              <a:rPr lang="en-001"/>
+              <a:t>d</a:t>
+            </a:r>
+            <a:r>
+              <a:rPr lang="fr-FR"/>
+              <a:t>a</a:t>
+            </a:r>
+            <a:r>
+              <a:rPr lang="en-001"/>
+              <a:t>p</a:t>
+            </a:r>
+            <a:r>
+              <a:rPr lang="fr-FR"/>
+              <a:t>t</a:t>
+            </a:r>
+            <a:r>
+              <a:rPr lang="en-001"/>
+              <a:t>a</a:t>
+            </a:r>
+            <a:r>
+              <a:rPr lang="fr-FR"/>
+              <a:t>t</a:t>
+            </a:r>
+            <a:r>
+              <a:rPr lang="en-001"/>
+              <a:t>i</a:t>
+            </a:r>
+            <a:r>
+              <a:rPr lang="fr-FR"/>
+              <a:t>o</a:t>
+            </a:r>
+            <a:r>
+              <a:rPr lang="en-001"/>
+              <a:t>n </a:t>
+            </a:r>
+            <a:r>
+              <a:rPr lang="fr-FR"/>
+              <a:t>d</a:t>
+            </a:r>
+            <a:r>
+              <a:rPr lang="en-001"/>
+              <a:t>e</a:t>
+            </a:r>
+            <a:r>
+              <a:rPr lang="fr-FR"/>
+              <a:t>s</a:t>
+            </a:r>
+            <a:r>
+              <a:rPr lang="en-001"/>
+              <a:t> </a:t>
+            </a:r>
+            <a:r>
+              <a:rPr lang="fr-FR"/>
+              <a:t>R</a:t>
+            </a:r>
+            <a:r>
+              <a:rPr lang="en-001"/>
+              <a:t>N</a:t>
+            </a:r>
+            <a:r>
+              <a:rPr lang="fr-FR"/>
+              <a:t>N</a:t>
+            </a:r>
+            <a:r>
+              <a:rPr lang="en-001"/>
+              <a:t> (</a:t>
+            </a:r>
+            <a:r>
+              <a:rPr lang="fr-FR"/>
+              <a:t>L</a:t>
+            </a:r>
+            <a:r>
+              <a:rPr lang="en-001"/>
+              <a:t>S</a:t>
+            </a:r>
+            <a:r>
+              <a:rPr lang="fr-FR"/>
+              <a:t>T</a:t>
+            </a:r>
+            <a:r>
+              <a:rPr lang="en-001"/>
+              <a:t>M) </a:t>
+            </a:r>
+            <a:r>
+              <a:rPr lang="fr-FR"/>
+              <a:t>a</a:t>
+            </a:r>
+            <a:r>
+              <a:rPr lang="en-001"/>
+              <a:t>u </a:t>
+            </a:r>
+            <a:r>
+              <a:rPr lang="fr-FR"/>
+              <a:t>r</a:t>
+            </a:r>
+            <a:r>
+              <a:rPr lang="en-001"/>
+              <a:t>e</a:t>
+            </a:r>
+            <a:r>
+              <a:rPr lang="fr-FR"/>
+              <a:t>s</a:t>
+            </a:r>
+            <a:r>
+              <a:rPr lang="en-001"/>
+              <a:t>e</a:t>
+            </a:r>
+            <a:r>
+              <a:rPr lang="fr-FR"/>
+              <a:t>a</a:t>
+            </a:r>
+            <a:r>
+              <a:rPr lang="en-001"/>
+              <a:t>u</a:t>
+            </a:r>
+            <a:endParaRPr lang="fr-FR"/>
+          </a:p>
+        </p:txBody>
+      </p:sp>
+      <p:sp>
+        <p:nvSpPr>
+          <p:cNvPr id="6" name="ZoneTexte 5">
+            <a:extLst>
+              <a:ext uri="{FF2B5EF4-FFF2-40B4-BE49-F238E27FC236}">
+                <a16:creationId xmlns:a16="http://schemas.microsoft.com/office/drawing/2014/main" id="{0A9C0761-14D3-4271-90E6-0D60FC10282E}"/>
+              </a:ext>
+            </a:extLst>
+          </p:cNvPr>
+          <p:cNvSpPr txBox="1"/>
+          <p:nvPr/>
+        </p:nvSpPr>
+        <p:spPr>
+          <a:xfrm>
+            <a:off x="295275" y="5282181"/>
+            <a:ext cx="5625451" cy="1477328"/>
+          </a:xfrm>
+          <a:prstGeom prst="rect">
+            <a:avLst/>
+          </a:prstGeom>
+          <a:noFill/>
+        </p:spPr>
+        <p:txBody>
+          <a:bodyPr wrap="none" rtlCol="0">
+            <a:spAutoFit/>
+          </a:bodyPr>
+          <a:lstStyle/>
+          <a:p>
+            <a:r>
+              <a:rPr lang="fr-FR"/>
+              <a:t>A</a:t>
+            </a:r>
+            <a:r>
+              <a:rPr lang="en-001"/>
+              <a:t> LA FIN DU PROJET</a:t>
             </a:r>
           </a:p>
           <a:p>
@@ -14398,143 +16798,7 @@
             </a:pPr>
             <a:r>
               <a:rPr lang="en-001"/>
-              <a:t>Comprendre le fonctionnement d</a:t>
-            </a:r>
-            <a:r>
-              <a:rPr lang="fr-FR"/>
-              <a:t>u</a:t>
-            </a:r>
-            <a:r>
-              <a:rPr lang="en-001"/>
-              <a:t> </a:t>
-            </a:r>
-            <a:r>
-              <a:rPr lang="fr-FR"/>
-              <a:t>g</a:t>
-            </a:r>
-            <a:r>
-              <a:rPr lang="en-001"/>
-              <a:t>r</a:t>
-            </a:r>
-            <a:r>
-              <a:rPr lang="fr-FR"/>
-              <a:t>a</a:t>
-            </a:r>
-            <a:r>
-              <a:rPr lang="en-001"/>
-              <a:t>d</a:t>
-            </a:r>
-            <a:r>
-              <a:rPr lang="fr-FR"/>
-              <a:t>i</a:t>
-            </a:r>
-            <a:r>
-              <a:rPr lang="en-001"/>
-              <a:t>a</a:t>
-            </a:r>
-            <a:r>
-              <a:rPr lang="fr-FR"/>
-              <a:t>n</a:t>
-            </a:r>
-            <a:r>
-              <a:rPr lang="en-001"/>
-              <a:t>t </a:t>
-            </a:r>
-            <a:r>
-              <a:rPr lang="fr-FR"/>
-              <a:t>s</a:t>
-            </a:r>
-            <a:r>
-              <a:rPr lang="en-001"/>
-              <a:t>t</a:t>
-            </a:r>
-            <a:r>
-              <a:rPr lang="fr-FR"/>
-              <a:t>o</a:t>
-            </a:r>
-            <a:r>
-              <a:rPr lang="en-001"/>
-              <a:t>c</a:t>
-            </a:r>
-            <a:r>
-              <a:rPr lang="fr-FR"/>
-              <a:t>h</a:t>
-            </a:r>
-            <a:r>
-              <a:rPr lang="en-001"/>
-              <a:t>a</a:t>
-            </a:r>
-            <a:r>
-              <a:rPr lang="fr-FR"/>
-              <a:t>s</a:t>
-            </a:r>
-            <a:r>
-              <a:rPr lang="en-001"/>
-              <a:t>t</a:t>
-            </a:r>
-            <a:r>
-              <a:rPr lang="fr-FR"/>
-              <a:t>i</a:t>
-            </a:r>
-            <a:r>
-              <a:rPr lang="en-001"/>
-              <a:t>q</a:t>
-            </a:r>
-            <a:r>
-              <a:rPr lang="fr-FR"/>
-              <a:t>u</a:t>
-            </a:r>
-            <a:r>
-              <a:rPr lang="en-001"/>
-              <a:t>e </a:t>
-            </a:r>
-            <a:r>
-              <a:rPr lang="fr-FR"/>
-              <a:t>A</a:t>
-            </a:r>
-            <a:r>
-              <a:rPr lang="en-001"/>
-              <a:t>d</a:t>
-            </a:r>
-            <a:r>
-              <a:rPr lang="fr-FR"/>
-              <a:t>a</a:t>
-            </a:r>
-            <a:r>
-              <a:rPr lang="en-001"/>
-              <a:t>m (Voir slide liens p</a:t>
-            </a:r>
-            <a:r>
-              <a:rPr lang="fr-FR"/>
-              <a:t>r</a:t>
-            </a:r>
-            <a:r>
-              <a:rPr lang="en-001"/>
-              <a:t>a</a:t>
-            </a:r>
-            <a:r>
-              <a:rPr lang="fr-FR"/>
-              <a:t>t</a:t>
-            </a:r>
-            <a:r>
-              <a:rPr lang="en-001"/>
-              <a:t>i</a:t>
-            </a:r>
-            <a:r>
-              <a:rPr lang="fr-FR"/>
-              <a:t>q</a:t>
-            </a:r>
-            <a:r>
-              <a:rPr lang="en-001"/>
-              <a:t>u</a:t>
-            </a:r>
-            <a:r>
-              <a:rPr lang="fr-FR"/>
-              <a:t>e</a:t>
-            </a:r>
-            <a:r>
-              <a:rPr lang="en-001"/>
-              <a:t>s)</a:t>
+              <a:t>Mettre les fonctions local en static</a:t>
             </a:r>
           </a:p>
           <a:p>
@@ -14544,11 +16808,35 @@
             </a:pPr>
             <a:r>
               <a:rPr lang="en-001"/>
-              <a:t>Comprendre l’adaptation des CNN (Convolution, </a:t>
-            </a:r>
-            <a:r>
-              <a:rPr lang="fr-FR"/>
-              <a:t>P</a:t>
+              <a:t>Faire </a:t>
+            </a:r>
+            <a:r>
+              <a:rPr lang="fr-FR"/>
+              <a:t>l</a:t>
+            </a:r>
+            <a:r>
+              <a:rPr lang="en-001"/>
+              <a:t>a </a:t>
+            </a:r>
+            <a:r>
+              <a:rPr lang="fr-FR"/>
+              <a:t>g</a:t>
+            </a:r>
+            <a:r>
+              <a:rPr lang="en-001"/>
+              <a:t>e</a:t>
+            </a:r>
+            <a:r>
+              <a:rPr lang="fr-FR"/>
+              <a:t>s</a:t>
+            </a:r>
+            <a:r>
+              <a:rPr lang="en-001"/>
+              <a:t>t</a:t>
+            </a:r>
+            <a:r>
+              <a:rPr lang="fr-FR"/>
+              <a:t>i</a:t>
             </a:r>
             <a:r>
               <a:rPr lang="en-001"/>
@@ -14556,99 +16844,155 @@
             </a:r>
             <a:r>
               <a:rPr lang="fr-FR"/>
-              <a:t>o</a:t>
-            </a:r>
-            <a:r>
-              <a:rPr lang="en-001"/>
+              <a:t>n</a:t>
+            </a:r>
+            <a:r>
+              <a:rPr lang="en-001"/>
+              <a:t> </a:t>
+            </a:r>
+            <a:r>
+              <a:rPr lang="fr-FR"/>
+              <a:t>d</a:t>
+            </a:r>
+            <a:r>
+              <a:rPr lang="en-001"/>
+              <a:t> </a:t>
+            </a:r>
+            <a:r>
+              <a:rPr lang="fr-FR"/>
+              <a:t>e</a:t>
+            </a:r>
+            <a:r>
+              <a:rPr lang="en-001"/>
+              <a:t>r</a:t>
+            </a:r>
+            <a:r>
+              <a:rPr lang="fr-FR"/>
+              <a:t>r</a:t>
+            </a:r>
+            <a:r>
+              <a:rPr lang="en-001"/>
+              <a:t>e</a:t>
+            </a:r>
+            <a:r>
+              <a:rPr lang="fr-FR"/>
+              <a:t>u</a:t>
+            </a:r>
+            <a:r>
+              <a:rPr lang="en-001"/>
+              <a:t>r </a:t>
+            </a:r>
+            <a:r>
+              <a:rPr lang="fr-FR"/>
+              <a:t>q</a:t>
+            </a:r>
+            <a:r>
+              <a:rPr lang="en-001"/>
+              <a:t>u</a:t>
+            </a:r>
+            <a:r>
+              <a:rPr lang="fr-FR"/>
+              <a:t>i</a:t>
+            </a:r>
+            <a:r>
+              <a:rPr lang="en-001"/>
+              <a:t> </a:t>
+            </a:r>
+            <a:r>
+              <a:rPr lang="fr-FR"/>
+              <a:t>d</a:t>
+            </a:r>
+            <a:r>
+              <a:rPr lang="en-001"/>
+              <a:t>i</a:t>
+            </a:r>
+            <a:r>
+              <a:rPr lang="fr-FR"/>
+              <a:t>t</a:t>
+            </a:r>
+            <a:r>
+              <a:rPr lang="en-001"/>
+              <a:t> </a:t>
+            </a:r>
+            <a:r>
+              <a:rPr lang="fr-FR"/>
+              <a:t>d</a:t>
+            </a:r>
+            <a:r>
+              <a:rPr lang="en-001"/>
+              <a:t>e</a:t>
+            </a:r>
+            <a:r>
+              <a:rPr lang="fr-FR"/>
+              <a:t>s</a:t>
+            </a:r>
+            <a:r>
+              <a:rPr lang="en-001"/>
+              <a:t> </a:t>
+            </a:r>
+            <a:r>
+              <a:rPr lang="fr-FR"/>
+              <a:t>t</a:t>
+            </a:r>
+            <a:r>
+              <a:rPr lang="en-001"/>
+              <a:t>r</a:t>
+            </a:r>
+            <a:r>
+              <a:rPr lang="fr-FR"/>
+              <a:t>u</a:t>
+            </a:r>
+            <a:r>
+              <a:rPr lang="en-001"/>
+              <a:t>c</a:t>
+            </a:r>
+            <a:r>
+              <a:rPr lang="fr-FR"/>
+              <a:t>k</a:t>
+            </a:r>
+            <a:r>
+              <a:rPr lang="en-001"/>
+              <a:t>s </a:t>
+            </a:r>
+            <a:r>
+              <a:rPr lang="fr-FR"/>
+              <a:t>a</a:t>
+            </a:r>
+            <a:r>
+              <a:rPr lang="en-001"/>
+              <a:t>v</a:t>
+            </a:r>
+            <a:r>
+              <a:rPr lang="fr-FR"/>
+              <a:t>e</a:t>
+            </a:r>
+            <a:r>
+              <a:rPr lang="en-001"/>
+              <a:t>c </a:t>
+            </a:r>
+            <a:r>
+              <a:rPr lang="fr-FR"/>
               <a:t>l</a:t>
             </a:r>
             <a:r>
+              <a:rPr lang="en-001"/>
+              <a:t>e </a:t>
+            </a:r>
+            <a:r>
+              <a:rPr lang="fr-FR"/>
+              <a:t>p</a:t>
+            </a:r>
+            <a:r>
+              <a:rPr lang="en-001"/>
+              <a:t>r</a:t>
+            </a:r>
+            <a:r>
               <a:rPr lang="fr-FR"/>
               <a:t>i</a:t>
             </a:r>
             <a:r>
               <a:rPr lang="en-001"/>
-              <a:t>n</a:t>
-            </a:r>
-            <a:r>
-              <a:rPr lang="fr-FR"/>
-              <a:t>g</a:t>
-            </a:r>
-            <a:r>
-              <a:rPr lang="en-001"/>
-              <a:t>, </a:t>
-            </a:r>
-            <a:r>
-              <a:rPr lang="fr-FR"/>
-              <a:t>F</a:t>
-            </a:r>
-            <a:r>
-              <a:rPr lang="en-001"/>
-              <a:t>l</a:t>
-            </a:r>
-            <a:r>
-              <a:rPr lang="fr-FR"/>
-              <a:t>a</a:t>
-            </a:r>
-            <a:r>
-              <a:rPr lang="en-001"/>
-              <a:t>t</a:t>
-            </a:r>
-            <a:r>
-              <a:rPr lang="fr-FR"/>
-              <a:t>e</a:t>
-            </a:r>
-            <a:r>
-              <a:rPr lang="en-001"/>
-              <a:t>n</a:t>
-            </a:r>
-            <a:r>
-              <a:rPr lang="fr-FR"/>
-              <a:t>i</a:t>
-            </a:r>
-            <a:r>
-              <a:rPr lang="en-001"/>
-              <a:t>n</a:t>
-            </a:r>
-            <a:r>
-              <a:rPr lang="fr-FR"/>
-              <a:t>g</a:t>
-            </a:r>
-            <a:r>
-              <a:rPr lang="en-001"/>
-              <a:t>) </a:t>
-            </a:r>
-            <a:r>
-              <a:rPr lang="fr-FR"/>
-              <a:t>a</a:t>
-            </a:r>
-            <a:r>
-              <a:rPr lang="en-001"/>
-              <a:t>u </a:t>
-            </a:r>
-            <a:r>
-              <a:rPr lang="fr-FR"/>
-              <a:t>r</a:t>
-            </a:r>
-            <a:r>
-              <a:rPr lang="en-001"/>
-              <a:t>e</a:t>
-            </a:r>
-            <a:r>
-              <a:rPr lang="fr-FR"/>
-              <a:t>s</a:t>
-            </a:r>
-            <a:r>
-              <a:rPr lang="en-001"/>
-              <a:t>e</a:t>
-            </a:r>
-            <a:r>
-              <a:rPr lang="fr-FR"/>
-              <a:t>a</a:t>
-            </a:r>
-            <a:r>
-              <a:rPr lang="en-001"/>
-              <a:t>u</a:t>
+              <a:t>ntf</a:t>
             </a:r>
           </a:p>
           <a:p>
@@ -14658,15 +17002,31 @@
             </a:pPr>
             <a:r>
               <a:rPr lang="en-001"/>
-              <a:t>Co</a:t>
-            </a:r>
-            <a:r>
-              <a:rPr lang="fr-FR"/>
-              <a:t>m</a:t>
-            </a:r>
-            <a:r>
-              <a:rPr lang="en-001"/>
-              <a:t>p</a:t>
+              <a:t>Netoyer les </a:t>
+            </a:r>
+            <a:r>
+              <a:rPr lang="fr-FR"/>
+              <a:t>f</a:t>
+            </a:r>
+            <a:r>
+              <a:rPr lang="en-001"/>
+              <a:t>i</a:t>
+            </a:r>
+            <a:r>
+              <a:rPr lang="fr-FR"/>
+              <a:t>c</a:t>
+            </a:r>
+            <a:r>
+              <a:rPr lang="en-001"/>
+              <a:t>h</a:t>
+            </a:r>
+            <a:r>
+              <a:rPr lang="fr-FR"/>
+              <a:t>i</a:t>
+            </a:r>
+            <a:r>
+              <a:rPr lang="en-001"/>
+              <a:t>e</a:t>
             </a:r>
             <a:r>
               <a:rPr lang="fr-FR"/>
@@ -14674,151 +17034,17 @@
             </a:r>
             <a:r>
               <a:rPr lang="en-001"/>
-              <a:t>e</a:t>
-            </a:r>
-            <a:r>
-              <a:rPr lang="fr-FR"/>
-              <a:t>n</a:t>
-            </a:r>
-            <a:r>
-              <a:rPr lang="en-001"/>
-              <a:t>d</a:t>
-            </a:r>
-            <a:r>
-              <a:rPr lang="fr-FR"/>
-              <a:t>r</a:t>
-            </a:r>
-            <a:r>
-              <a:rPr lang="en-001"/>
-              <a:t>e </a:t>
-            </a:r>
-            <a:r>
-              <a:rPr lang="fr-FR"/>
-              <a:t>l</a:t>
-            </a:r>
-            <a:r>
-              <a:rPr lang="en-001"/>
-              <a:t>’</a:t>
-            </a:r>
-            <a:r>
-              <a:rPr lang="fr-FR"/>
-              <a:t>a</a:t>
-            </a:r>
-            <a:r>
-              <a:rPr lang="en-001"/>
-              <a:t>d</a:t>
-            </a:r>
-            <a:r>
-              <a:rPr lang="fr-FR"/>
-              <a:t>a</a:t>
-            </a:r>
-            <a:r>
-              <a:rPr lang="en-001"/>
-              <a:t>p</a:t>
-            </a:r>
-            <a:r>
-              <a:rPr lang="fr-FR"/>
-              <a:t>t</a:t>
-            </a:r>
-            <a:r>
-              <a:rPr lang="en-001"/>
-              <a:t>a</a:t>
-            </a:r>
-            <a:r>
-              <a:rPr lang="fr-FR"/>
-              <a:t>t</a:t>
-            </a:r>
-            <a:r>
-              <a:rPr lang="en-001"/>
-              <a:t>i</a:t>
-            </a:r>
-            <a:r>
-              <a:rPr lang="fr-FR"/>
-              <a:t>o</a:t>
-            </a:r>
-            <a:r>
-              <a:rPr lang="en-001"/>
-              <a:t>n </a:t>
-            </a:r>
-            <a:r>
-              <a:rPr lang="fr-FR"/>
-              <a:t>d</a:t>
-            </a:r>
-            <a:r>
-              <a:rPr lang="en-001"/>
-              <a:t>e</a:t>
-            </a:r>
-            <a:r>
-              <a:rPr lang="fr-FR"/>
               <a:t>s</a:t>
             </a:r>
-            <a:r>
-              <a:rPr lang="en-001"/>
-              <a:t> </a:t>
-            </a:r>
-            <a:r>
-              <a:rPr lang="fr-FR"/>
-              <a:t>R</a:t>
-            </a:r>
-            <a:r>
-              <a:rPr lang="en-001"/>
-              <a:t>N</a:t>
-            </a:r>
-            <a:r>
-              <a:rPr lang="fr-FR"/>
-              <a:t>N</a:t>
-            </a:r>
-            <a:r>
-              <a:rPr lang="en-001"/>
-              <a:t> (</a:t>
-            </a:r>
-            <a:r>
-              <a:rPr lang="fr-FR"/>
-              <a:t>L</a:t>
-            </a:r>
-            <a:r>
-              <a:rPr lang="en-001"/>
-              <a:t>S</a:t>
-            </a:r>
-            <a:r>
-              <a:rPr lang="fr-FR"/>
-              <a:t>T</a:t>
-            </a:r>
-            <a:r>
-              <a:rPr lang="en-001"/>
-              <a:t>M) </a:t>
-            </a:r>
-            <a:r>
-              <a:rPr lang="fr-FR"/>
-              <a:t>a</a:t>
-            </a:r>
-            <a:r>
-              <a:rPr lang="en-001"/>
-              <a:t>u </a:t>
-            </a:r>
-            <a:r>
-              <a:rPr lang="fr-FR"/>
-              <a:t>r</a:t>
-            </a:r>
-            <a:r>
-              <a:rPr lang="en-001"/>
-              <a:t>e</a:t>
-            </a:r>
-            <a:r>
-              <a:rPr lang="fr-FR"/>
-              <a:t>s</a:t>
-            </a:r>
-            <a:r>
-              <a:rPr lang="en-001"/>
-              <a:t>e</a:t>
-            </a:r>
-            <a:r>
-              <a:rPr lang="fr-FR"/>
-              <a:t>a</a:t>
-            </a:r>
-            <a:r>
-              <a:rPr lang="en-001"/>
-              <a:t>u</a:t>
+          </a:p>
+          <a:p>
+            <a:pPr marL="285750" indent="-285750">
+              <a:buFontTx/>
+              <a:buChar char="-"/>
+            </a:pPr>
+            <a:r>
+              <a:rPr lang="en-001"/>
+              <a:t>LES FOUITES</a:t>
             </a:r>
             <a:endParaRPr lang="fr-FR"/>
           </a:p>
@@ -14837,7 +17063,7 @@
 </p:sld>
 </file>
 
-<file path=ppt/slides/slide4.xml><?xml version="1.0" encoding="utf-8"?>
+<file path=ppt/slides/slide5.xml><?xml version="1.0" encoding="utf-8"?>
 <p:sld xmlns:a="http://schemas.openxmlformats.org/drawingml/2006/main" xmlns:r="http://schemas.openxmlformats.org/officeDocument/2006/relationships" xmlns:p="http://schemas.openxmlformats.org/presentationml/2006/main">
   <p:cSld>
     <p:spTree>
@@ -17865,7 +20091,7 @@
 </p:sld>
 </file>
 
-<file path=ppt/slides/slide5.xml><?xml version="1.0" encoding="utf-8"?>
+<file path=ppt/slides/slide6.xml><?xml version="1.0" encoding="utf-8"?>
 <p:sld xmlns:a="http://schemas.openxmlformats.org/drawingml/2006/main" xmlns:r="http://schemas.openxmlformats.org/officeDocument/2006/relationships" xmlns:p="http://schemas.openxmlformats.org/presentationml/2006/main">
   <p:cSld>
     <p:spTree>
@@ -17897,7 +20123,7 @@
         <p:spPr>
           <a:xfrm>
             <a:off x="135080" y="717345"/>
-            <a:ext cx="9862187" cy="4308872"/>
+            <a:ext cx="7840864" cy="4739759"/>
           </a:xfrm>
           <a:prstGeom prst="rect">
             <a:avLst/>
@@ -17910,9 +20136,24 @@
           </a:bodyPr>
           <a:lstStyle/>
           <a:p>
-            <a:r>
-              <a:rPr lang="en-001"/>
-              <a:t>t_</a:t>
+            <a:endParaRPr lang="en-001"/>
+          </a:p>
+          <a:p>
+            <a:r>
+              <a:rPr lang="fr-FR"/>
+              <a:t>v</a:t>
+            </a:r>
+            <a:r>
+              <a:rPr lang="en-001"/>
+              <a:t>o</a:t>
+            </a:r>
+            <a:r>
+              <a:rPr lang="fr-FR"/>
+              <a:t>i</a:t>
+            </a:r>
+            <a:r>
+              <a:rPr lang="en-001"/>
+              <a:t>d </a:t>
             </a:r>
             <a:r>
               <a:rPr lang="fr-FR"/>
@@ -17920,183 +20161,95 @@
             </a:r>
             <a:r>
               <a:rPr lang="en-001"/>
+              <a:t>n_</a:t>
+            </a:r>
+            <a:r>
+              <a:rPr lang="fr-FR"/>
+              <a:t>a</a:t>
+            </a:r>
+            <a:r>
+              <a:rPr lang="en-001"/>
+              <a:t>d</a:t>
+            </a:r>
+            <a:r>
+              <a:rPr lang="fr-FR"/>
+              <a:t>d</a:t>
+            </a:r>
+            <a:r>
+              <a:rPr lang="en-001"/>
+              <a:t>(</a:t>
+            </a:r>
+            <a:r>
+              <a:rPr lang="fr-FR"/>
+              <a:t>t</a:t>
+            </a:r>
+            <a:r>
+              <a:rPr lang="en-001"/>
+              <a:t>_network *network, </a:t>
+            </a:r>
+            <a:r>
+              <a:rPr lang="fr-FR"/>
+              <a:t>v</a:t>
+            </a:r>
+            <a:r>
+              <a:rPr lang="en-001"/>
+              <a:t>o</a:t>
+            </a:r>
+            <a:r>
+              <a:rPr lang="fr-FR"/>
+              <a:t>i</a:t>
+            </a:r>
+            <a:r>
+              <a:rPr lang="en-001"/>
+              <a:t>d *</a:t>
+            </a:r>
+            <a:r>
+              <a:rPr lang="fr-FR"/>
+              <a:t>t</a:t>
+            </a:r>
+            <a:r>
+              <a:rPr lang="en-001"/>
+              <a:t>_</a:t>
+            </a:r>
+            <a:r>
+              <a:rPr lang="fr-FR"/>
+              <a:t>s</a:t>
+            </a:r>
+            <a:r>
+              <a:rPr lang="en-001"/>
+              <a:t>p</a:t>
+            </a:r>
+            <a:r>
+              <a:rPr lang="fr-FR"/>
               <a:t>e</a:t>
             </a:r>
             <a:r>
-              <a:rPr lang="fr-FR"/>
-              <a:t>t</a:t>
-            </a:r>
-            <a:r>
-              <a:rPr lang="en-001"/>
-              <a:t>w</a:t>
-            </a:r>
-            <a:r>
-              <a:rPr lang="fr-FR"/>
-              <a:t>o</a:t>
-            </a:r>
-            <a:r>
-              <a:rPr lang="en-001"/>
+              <a:rPr lang="en-001"/>
+              <a:t>c_</a:t>
+            </a:r>
+            <a:r>
+              <a:rPr lang="fr-FR"/>
+              <a:t>l</a:t>
+            </a:r>
+            <a:r>
+              <a:rPr lang="en-001"/>
+              <a:t>a</a:t>
+            </a:r>
+            <a:r>
+              <a:rPr lang="fr-FR"/>
+              <a:t>y</a:t>
+            </a:r>
+            <a:r>
+              <a:rPr lang="en-001"/>
+              <a:t>e</a:t>
+            </a:r>
+            <a:r>
+              <a:rPr lang="fr-FR"/>
               <a:t>r</a:t>
             </a:r>
             <a:r>
-              <a:rPr lang="fr-FR"/>
-              <a:t>k</a:t>
-            </a:r>
-            <a:r>
-              <a:rPr lang="en-001"/>
-              <a:t> *p</a:t>
-            </a:r>
-            <a:r>
-              <a:rPr lang="fr-FR"/>
-              <a:t>d</a:t>
-            </a:r>
-            <a:r>
-              <a:rPr lang="en-001"/>
-              <a:t>_</a:t>
-            </a:r>
-            <a:r>
-              <a:rPr lang="fr-FR"/>
-              <a:t>i</a:t>
-            </a:r>
-            <a:r>
-              <a:rPr lang="en-001"/>
-              <a:t>n</a:t>
-            </a:r>
-            <a:r>
-              <a:rPr lang="fr-FR"/>
-              <a:t>i</a:t>
-            </a:r>
-            <a:r>
-              <a:rPr lang="en-001"/>
-              <a:t>t(</a:t>
-            </a:r>
-            <a:r>
-              <a:rPr lang="fr-FR"/>
-              <a:t>t</a:t>
-            </a:r>
-            <a:r>
-              <a:rPr lang="en-001"/>
-              <a:t>_</a:t>
-            </a:r>
-            <a:r>
-              <a:rPr lang="fr-FR"/>
-              <a:t>a</a:t>
-            </a:r>
-            <a:r>
-              <a:rPr lang="en-001"/>
-              <a:t>r</a:t>
-            </a:r>
-            <a:r>
-              <a:rPr lang="fr-FR"/>
-              <a:t>r</a:t>
-            </a:r>
-            <a:r>
-              <a:rPr lang="en-001"/>
-              <a:t>a</a:t>
-            </a:r>
-            <a:r>
-              <a:rPr lang="fr-FR"/>
-              <a:t>y</a:t>
-            </a:r>
-            <a:r>
-              <a:rPr lang="en-001"/>
-              <a:t> input_shape, </a:t>
-            </a:r>
-            <a:r>
-              <a:rPr lang="fr-FR"/>
-              <a:t>c</a:t>
-            </a:r>
-            <a:r>
-              <a:rPr lang="en-001"/>
-              <a:t>h</a:t>
-            </a:r>
-            <a:r>
-              <a:rPr lang="fr-FR"/>
-              <a:t>a</a:t>
-            </a:r>
-            <a:r>
-              <a:rPr lang="en-001"/>
-              <a:t>r *</a:t>
-            </a:r>
-            <a:r>
-              <a:rPr lang="fr-FR"/>
-              <a:t>o</a:t>
-            </a:r>
-            <a:r>
-              <a:rPr lang="en-001"/>
-              <a:t>ptimizer, char *loss, char *metri</a:t>
-            </a:r>
-            <a:r>
-              <a:rPr lang="fr-FR"/>
-              <a:t>c</a:t>
-            </a:r>
-            <a:r>
-              <a:rPr lang="en-001"/>
-              <a:t>s, </a:t>
-            </a:r>
-            <a:r>
-              <a:rPr lang="fr-FR"/>
-              <a:t>f</a:t>
-            </a:r>
-            <a:r>
-              <a:rPr lang="en-001"/>
-              <a:t>loa</a:t>
-            </a:r>
-            <a:r>
-              <a:rPr lang="fr-FR"/>
-              <a:t>t</a:t>
-            </a:r>
-            <a:r>
-              <a:rPr lang="en-001"/>
-              <a:t> </a:t>
-            </a:r>
-            <a:r>
-              <a:rPr lang="fr-FR"/>
-              <a:t>l</a:t>
-            </a:r>
-            <a:r>
-              <a:rPr lang="en-001"/>
-              <a:t>e</a:t>
-            </a:r>
-            <a:r>
-              <a:rPr lang="fr-FR"/>
-              <a:t>a</a:t>
-            </a:r>
-            <a:r>
-              <a:rPr lang="en-001"/>
-              <a:t>r</a:t>
-            </a:r>
-            <a:r>
-              <a:rPr lang="fr-FR"/>
-              <a:t>n</a:t>
-            </a:r>
-            <a:r>
-              <a:rPr lang="en-001"/>
-              <a:t>i</a:t>
-            </a:r>
-            <a:r>
-              <a:rPr lang="fr-FR"/>
-              <a:t>n</a:t>
-            </a:r>
-            <a:r>
-              <a:rPr lang="en-001"/>
-              <a:t>g_</a:t>
-            </a:r>
-            <a:r>
-              <a:rPr lang="fr-FR"/>
-              <a:t>r</a:t>
-            </a:r>
-            <a:r>
-              <a:rPr lang="en-001"/>
-              <a:t>a</a:t>
-            </a:r>
-            <a:r>
-              <a:rPr lang="fr-FR"/>
-              <a:t>t</a:t>
-            </a:r>
-            <a:r>
-              <a:rPr lang="en-001"/>
-              <a:t>e)</a:t>
+              <a:rPr lang="en-001"/>
+              <a:t>, activ activation)</a:t>
             </a:r>
           </a:p>
           <a:p>
@@ -18106,6 +20259,30 @@
             </a:r>
             <a:r>
               <a:rPr lang="en-001" sz="1600"/>
+              <a:t>n_</a:t>
+            </a:r>
+            <a:r>
+              <a:rPr lang="fr-FR" sz="1600"/>
+              <a:t>a</a:t>
+            </a:r>
+            <a:r>
+              <a:rPr lang="en-001" sz="1600"/>
+              <a:t>d</a:t>
+            </a:r>
+            <a:r>
+              <a:rPr lang="fr-FR" sz="1600"/>
+              <a:t>d</a:t>
+            </a:r>
+            <a:r>
+              <a:rPr lang="en-001" sz="1600"/>
+              <a:t>(</a:t>
+            </a:r>
+            <a:r>
+              <a:rPr lang="fr-FR" sz="1600"/>
+              <a:t>n</a:t>
+            </a:r>
+            <a:r>
+              <a:rPr lang="en-001" sz="1600"/>
               <a:t>e</a:t>
             </a:r>
             <a:r>
@@ -18130,15 +20307,115 @@
             </a:r>
             <a:r>
               <a:rPr lang="en-001" sz="1600"/>
-              <a:t> = p</a:t>
+              <a:t>, </a:t>
             </a:r>
             <a:r>
               <a:rPr lang="fr-FR" sz="1600"/>
-              <a:t>d</a:t>
+              <a:t>C</a:t>
             </a:r>
             <a:r>
               <a:rPr lang="en-001" sz="1600"/>
-              <a:t>_init([128, 128, 3] , “</a:t>
+              <a:t>o</a:t>
+            </a:r>
+            <a:r>
+              <a:rPr lang="fr-FR" sz="1600"/>
+              <a:t>n</a:t>
+            </a:r>
+            <a:r>
+              <a:rPr lang="en-001" sz="1600"/>
+              <a:t>v</a:t>
+            </a:r>
+            <a:r>
+              <a:rPr lang="fr-FR" sz="1600"/>
+              <a:t>o</a:t>
+            </a:r>
+            <a:r>
+              <a:rPr lang="en-001" sz="1600"/>
+              <a:t>l</a:t>
+            </a:r>
+            <a:r>
+              <a:rPr lang="fr-FR" sz="1600"/>
+              <a:t>u</a:t>
+            </a:r>
+            <a:r>
+              <a:rPr lang="en-001" sz="1600"/>
+              <a:t>t</a:t>
+            </a:r>
+            <a:r>
+              <a:rPr lang="fr-FR" sz="1600"/>
+              <a:t>i</a:t>
+            </a:r>
+            <a:r>
+              <a:rPr lang="en-001" sz="1600"/>
+              <a:t>o</a:t>
+            </a:r>
+            <a:r>
+              <a:rPr lang="fr-FR" sz="1600"/>
+              <a:t>n</a:t>
+            </a:r>
+            <a:r>
+              <a:rPr lang="en-001" sz="1600"/>
+              <a:t>2</a:t>
+            </a:r>
+            <a:r>
+              <a:rPr lang="fr-FR" sz="1600"/>
+              <a:t>D</a:t>
+            </a:r>
+            <a:r>
+              <a:rPr lang="en-001" sz="1600"/>
+              <a:t>(filters, kernel_</a:t>
+            </a:r>
+            <a:r>
+              <a:rPr lang="fr-FR" sz="1600"/>
+              <a:t>s</a:t>
+            </a:r>
+            <a:r>
+              <a:rPr lang="en-001" sz="1600"/>
+              <a:t>i</a:t>
+            </a:r>
+            <a:r>
+              <a:rPr lang="fr-FR" sz="1600"/>
+              <a:t>z</a:t>
+            </a:r>
+            <a:r>
+              <a:rPr lang="en-001" sz="1600"/>
+              <a:t>e, strides), A_RELU)</a:t>
+            </a:r>
+          </a:p>
+          <a:p>
+            <a:endParaRPr lang="en-001" sz="1600"/>
+          </a:p>
+          <a:p>
+            <a:endParaRPr lang="en-001" sz="1600"/>
+          </a:p>
+          <a:p>
+            <a:r>
+              <a:rPr lang="en-001" sz="1600"/>
+              <a:t>void nn_</a:t>
+            </a:r>
+            <a:r>
+              <a:rPr lang="fr-FR" sz="1600"/>
+              <a:t>c</a:t>
+            </a:r>
+            <a:r>
+              <a:rPr lang="en-001" sz="1600"/>
+              <a:t>o</a:t>
+            </a:r>
+            <a:r>
+              <a:rPr lang="fr-FR" sz="1600"/>
+              <a:t>n</a:t>
+            </a:r>
+            <a:r>
+              <a:rPr lang="en-001" sz="1600"/>
+              <a:t>figure(</a:t>
+            </a:r>
+            <a:r>
+              <a:rPr lang="fr-FR" sz="1600"/>
+              <a:t>c</a:t>
+            </a:r>
+            <a:r>
+              <a:rPr lang="en-001" sz="1600"/>
+              <a:t>h</a:t>
             </a:r>
             <a:r>
               <a:rPr lang="fr-FR" sz="1600"/>
@@ -18146,7 +20423,47 @@
             </a:r>
             <a:r>
               <a:rPr lang="en-001" sz="1600"/>
-              <a:t>d</a:t>
+              <a:t>r *</a:t>
+            </a:r>
+            <a:r>
+              <a:rPr lang="fr-FR" sz="1600"/>
+              <a:t>o</a:t>
+            </a:r>
+            <a:r>
+              <a:rPr lang="en-001" sz="1600"/>
+              <a:t>ptimizer, char *loss, char *metri</a:t>
+            </a:r>
+            <a:r>
+              <a:rPr lang="fr-FR" sz="1600"/>
+              <a:t>c</a:t>
+            </a:r>
+            <a:r>
+              <a:rPr lang="en-001" sz="1600"/>
+              <a:t>s, </a:t>
+            </a:r>
+            <a:r>
+              <a:rPr lang="fr-FR" sz="1600"/>
+              <a:t>f</a:t>
+            </a:r>
+            <a:r>
+              <a:rPr lang="en-001" sz="1600"/>
+              <a:t>loa</a:t>
+            </a:r>
+            <a:r>
+              <a:rPr lang="fr-FR" sz="1600"/>
+              <a:t>t</a:t>
+            </a:r>
+            <a:r>
+              <a:rPr lang="en-001" sz="1600"/>
+              <a:t> </a:t>
+            </a:r>
+            <a:r>
+              <a:rPr lang="fr-FR" sz="1600"/>
+              <a:t>l</a:t>
+            </a:r>
+            <a:r>
+              <a:rPr lang="en-001" sz="1600"/>
+              <a:t>e</a:t>
             </a:r>
             <a:r>
               <a:rPr lang="fr-FR" sz="1600"/>
@@ -18154,7 +20471,695 @@
             </a:r>
             <a:r>
               <a:rPr lang="en-001" sz="1600"/>
+              <a:t>r</a:t>
+            </a:r>
+            <a:r>
+              <a:rPr lang="fr-FR" sz="1600"/>
+              <a:t>n</a:t>
+            </a:r>
+            <a:r>
+              <a:rPr lang="en-001" sz="1600"/>
+              <a:t>i</a:t>
+            </a:r>
+            <a:r>
+              <a:rPr lang="fr-FR" sz="1600"/>
+              <a:t>n</a:t>
+            </a:r>
+            <a:r>
+              <a:rPr lang="en-001" sz="1600"/>
+              <a:t>g_</a:t>
+            </a:r>
+            <a:r>
+              <a:rPr lang="fr-FR" sz="1600"/>
+              <a:t>r</a:t>
+            </a:r>
+            <a:r>
+              <a:rPr lang="en-001" sz="1600"/>
+              <a:t>a</a:t>
+            </a:r>
+            <a:r>
+              <a:rPr lang="fr-FR" sz="1600"/>
+              <a:t>t</a:t>
+            </a:r>
+            <a:r>
+              <a:rPr lang="en-001" sz="1600"/>
+              <a:t>e)</a:t>
+            </a:r>
+          </a:p>
+          <a:p>
+            <a:r>
+              <a:rPr lang="fr-FR" sz="1400"/>
+              <a:t>n</a:t>
+            </a:r>
+            <a:r>
+              <a:rPr lang="en-001" sz="1400"/>
+              <a:t>e</a:t>
+            </a:r>
+            <a:r>
+              <a:rPr lang="fr-FR" sz="1400"/>
+              <a:t>t</a:t>
+            </a:r>
+            <a:r>
+              <a:rPr lang="en-001" sz="1400"/>
+              <a:t>w</a:t>
+            </a:r>
+            <a:r>
+              <a:rPr lang="fr-FR" sz="1400"/>
+              <a:t>o</a:t>
+            </a:r>
+            <a:r>
+              <a:rPr lang="en-001" sz="1400"/>
+              <a:t>r</a:t>
+            </a:r>
+            <a:r>
+              <a:rPr lang="fr-FR" sz="1400"/>
+              <a:t>k</a:t>
+            </a:r>
+            <a:r>
+              <a:rPr lang="en-001" sz="1400"/>
+              <a:t> = </a:t>
+            </a:r>
+            <a:r>
+              <a:rPr lang="fr-FR" sz="1400"/>
+              <a:t>n</a:t>
+            </a:r>
+            <a:r>
+              <a:rPr lang="en-001" sz="1400"/>
+              <a:t>n_</a:t>
+            </a:r>
+            <a:r>
+              <a:rPr lang="fr-FR" sz="1400"/>
+              <a:t>c</a:t>
+            </a:r>
+            <a:r>
+              <a:rPr lang="en-001" sz="1400"/>
+              <a:t>o</a:t>
+            </a:r>
+            <a:r>
+              <a:rPr lang="fr-FR" sz="1400"/>
+              <a:t>m</a:t>
+            </a:r>
+            <a:r>
+              <a:rPr lang="en-001" sz="1400"/>
+              <a:t>p</a:t>
+            </a:r>
+            <a:r>
+              <a:rPr lang="fr-FR" sz="1400"/>
+              <a:t>i</a:t>
+            </a:r>
+            <a:r>
+              <a:rPr lang="en-001" sz="1400"/>
+              <a:t>l(“</a:t>
+            </a:r>
+            <a:r>
+              <a:rPr lang="fr-FR" sz="1400"/>
+              <a:t>a</a:t>
+            </a:r>
+            <a:r>
+              <a:rPr lang="en-001" sz="1400"/>
+              <a:t>d</a:t>
+            </a:r>
+            <a:r>
+              <a:rPr lang="fr-FR" sz="1400"/>
+              <a:t>a</a:t>
+            </a:r>
+            <a:r>
+              <a:rPr lang="en-001" sz="1400"/>
               <a:t>m”, “</a:t>
+            </a:r>
+            <a:r>
+              <a:rPr lang="fr-FR" sz="1400"/>
+              <a:t>b</a:t>
+            </a:r>
+            <a:r>
+              <a:rPr lang="en-001" sz="1400"/>
+              <a:t>i</a:t>
+            </a:r>
+            <a:r>
+              <a:rPr lang="fr-FR" sz="1400"/>
+              <a:t>n</a:t>
+            </a:r>
+            <a:r>
+              <a:rPr lang="en-001" sz="1400"/>
+              <a:t>a</a:t>
+            </a:r>
+            <a:r>
+              <a:rPr lang="fr-FR" sz="1400"/>
+              <a:t>r</a:t>
+            </a:r>
+            <a:r>
+              <a:rPr lang="en-001" sz="1400"/>
+              <a:t>y_cr</a:t>
+            </a:r>
+            <a:r>
+              <a:rPr lang="fr-FR" sz="1400"/>
+              <a:t>o</a:t>
+            </a:r>
+            <a:r>
+              <a:rPr lang="en-001" sz="1400"/>
+              <a:t>s</a:t>
+            </a:r>
+            <a:r>
+              <a:rPr lang="fr-FR" sz="1400"/>
+              <a:t>s</a:t>
+            </a:r>
+            <a:r>
+              <a:rPr lang="en-001" sz="1400"/>
+              <a:t>e</a:t>
+            </a:r>
+            <a:r>
+              <a:rPr lang="fr-FR" sz="1400"/>
+              <a:t>n</a:t>
+            </a:r>
+            <a:r>
+              <a:rPr lang="en-001" sz="1400"/>
+              <a:t>t</a:t>
+            </a:r>
+            <a:r>
+              <a:rPr lang="fr-FR" sz="1400"/>
+              <a:t>r</a:t>
+            </a:r>
+            <a:r>
+              <a:rPr lang="en-001" sz="1400"/>
+              <a:t>opy”, “</a:t>
+            </a:r>
+            <a:r>
+              <a:rPr lang="fr-FR" sz="1400"/>
+              <a:t>a</a:t>
+            </a:r>
+            <a:r>
+              <a:rPr lang="en-001" sz="1400"/>
+              <a:t>c</a:t>
+            </a:r>
+            <a:r>
+              <a:rPr lang="fr-FR" sz="1400"/>
+              <a:t>c</a:t>
+            </a:r>
+            <a:r>
+              <a:rPr lang="en-001" sz="1400"/>
+              <a:t>u</a:t>
+            </a:r>
+            <a:r>
+              <a:rPr lang="fr-FR" sz="1400"/>
+              <a:t>r</a:t>
+            </a:r>
+            <a:r>
+              <a:rPr lang="en-001" sz="1400"/>
+              <a:t>a</a:t>
+            </a:r>
+            <a:r>
+              <a:rPr lang="fr-FR" sz="1400"/>
+              <a:t>c</a:t>
+            </a:r>
+            <a:r>
+              <a:rPr lang="en-001" sz="1400"/>
+              <a:t>y”, 0,001)</a:t>
+            </a:r>
+          </a:p>
+          <a:p>
+            <a:r>
+              <a:rPr lang="en-001" sz="1200"/>
+              <a:t>1 – </a:t>
+            </a:r>
+            <a:r>
+              <a:rPr lang="fr-FR" sz="1200"/>
+              <a:t>F</a:t>
+            </a:r>
+            <a:r>
+              <a:rPr lang="en-001" sz="1200"/>
+              <a:t>o</a:t>
+            </a:r>
+            <a:r>
+              <a:rPr lang="fr-FR" sz="1200"/>
+              <a:t>r</a:t>
+            </a:r>
+            <a:r>
+              <a:rPr lang="en-001" sz="1200"/>
+              <a:t>m</a:t>
+            </a:r>
+            <a:r>
+              <a:rPr lang="fr-FR" sz="1200"/>
+              <a:t>e</a:t>
+            </a:r>
+            <a:r>
+              <a:rPr lang="en-001" sz="1200"/>
+              <a:t> des inputs (Nbr dimensions et tailles) </a:t>
+            </a:r>
+            <a:r>
+              <a:rPr lang="fr-FR" sz="1200"/>
+              <a:t>e</a:t>
+            </a:r>
+            <a:r>
+              <a:rPr lang="en-001" sz="1200"/>
+              <a:t>x</a:t>
+            </a:r>
+            <a:r>
+              <a:rPr lang="fr-FR" sz="1200"/>
+              <a:t>e</a:t>
+            </a:r>
+            <a:r>
+              <a:rPr lang="en-001" sz="1200"/>
+              <a:t>m</a:t>
+            </a:r>
+            <a:r>
+              <a:rPr lang="fr-FR" sz="1200"/>
+              <a:t>p</a:t>
+            </a:r>
+            <a:r>
+              <a:rPr lang="en-001" sz="1200"/>
+              <a:t>l</a:t>
+            </a:r>
+            <a:r>
+              <a:rPr lang="fr-FR" sz="1200"/>
+              <a:t>e</a:t>
+            </a:r>
+            <a:r>
+              <a:rPr lang="en-001" sz="1200"/>
+              <a:t> :[128, 128, 3] -&gt; </a:t>
+            </a:r>
+            <a:r>
+              <a:rPr lang="fr-FR" sz="1200"/>
+              <a:t>t</a:t>
+            </a:r>
+            <a:r>
+              <a:rPr lang="en-001" sz="1200"/>
+              <a:t>a</a:t>
+            </a:r>
+            <a:r>
+              <a:rPr lang="fr-FR" sz="1200"/>
+              <a:t>b</a:t>
+            </a:r>
+            <a:r>
+              <a:rPr lang="en-001" sz="1200"/>
+              <a:t>l</a:t>
+            </a:r>
+            <a:r>
+              <a:rPr lang="fr-FR" sz="1200"/>
+              <a:t>e</a:t>
+            </a:r>
+            <a:r>
+              <a:rPr lang="en-001" sz="1200"/>
+              <a:t>a</a:t>
+            </a:r>
+            <a:r>
+              <a:rPr lang="fr-FR" sz="1200"/>
+              <a:t>u</a:t>
+            </a:r>
+            <a:r>
+              <a:rPr lang="en-001" sz="1200"/>
+              <a:t> 3</a:t>
+            </a:r>
+            <a:r>
+              <a:rPr lang="fr-FR" sz="1200"/>
+              <a:t>D</a:t>
+            </a:r>
+            <a:r>
+              <a:rPr lang="en-001" sz="1200"/>
+              <a:t> </a:t>
+            </a:r>
+            <a:r>
+              <a:rPr lang="fr-FR" sz="1200"/>
+              <a:t>a</a:t>
+            </a:r>
+            <a:r>
+              <a:rPr lang="en-001" sz="1200"/>
+              <a:t>v</a:t>
+            </a:r>
+            <a:r>
+              <a:rPr lang="fr-FR" sz="1200"/>
+              <a:t>e</a:t>
+            </a:r>
+            <a:r>
+              <a:rPr lang="en-001" sz="1200"/>
+              <a:t>c les tail</a:t>
+            </a:r>
+            <a:r>
+              <a:rPr lang="fr-FR" sz="1200"/>
+              <a:t>l</a:t>
+            </a:r>
+            <a:r>
+              <a:rPr lang="en-001" sz="1200"/>
+              <a:t>e</a:t>
+            </a:r>
+            <a:r>
+              <a:rPr lang="fr-FR" sz="1200"/>
+              <a:t>s</a:t>
+            </a:r>
+            <a:r>
+              <a:rPr lang="en-001" sz="1200"/>
+              <a:t> x, y, </a:t>
+            </a:r>
+            <a:r>
+              <a:rPr lang="fr-FR" sz="1200"/>
+              <a:t>z</a:t>
+            </a:r>
+            <a:r>
+              <a:rPr lang="en-001" sz="1200"/>
+              <a:t> </a:t>
+            </a:r>
+            <a:endParaRPr lang="fr-FR" sz="1200"/>
+          </a:p>
+          <a:p>
+            <a:r>
+              <a:rPr lang="en-001" sz="1200"/>
+              <a:t>2 – </a:t>
+            </a:r>
+            <a:r>
+              <a:rPr lang="fr-FR" sz="1200"/>
+              <a:t>o</a:t>
+            </a:r>
+            <a:r>
+              <a:rPr lang="en-001" sz="1200"/>
+              <a:t>p</a:t>
+            </a:r>
+            <a:r>
+              <a:rPr lang="fr-FR" sz="1200"/>
+              <a:t>t</a:t>
+            </a:r>
+            <a:r>
+              <a:rPr lang="en-001" sz="1200"/>
+              <a:t>i</a:t>
+            </a:r>
+            <a:r>
+              <a:rPr lang="fr-FR" sz="1200"/>
+              <a:t>m</a:t>
+            </a:r>
+            <a:r>
+              <a:rPr lang="en-001" sz="1200"/>
+              <a:t>i</a:t>
+            </a:r>
+            <a:r>
+              <a:rPr lang="fr-FR" sz="1200"/>
+              <a:t>z</a:t>
+            </a:r>
+            <a:r>
+              <a:rPr lang="en-001" sz="1200"/>
+              <a:t>e</a:t>
+            </a:r>
+            <a:r>
+              <a:rPr lang="fr-FR" sz="1200"/>
+              <a:t>r</a:t>
+            </a:r>
+            <a:r>
+              <a:rPr lang="en-001" sz="1200"/>
+              <a:t> (</a:t>
+            </a:r>
+            <a:r>
+              <a:rPr lang="fr-FR" sz="1200"/>
+              <a:t>P</a:t>
+            </a:r>
+            <a:r>
+              <a:rPr lang="en-001" sz="1200"/>
+              <a:t>a</a:t>
+            </a:r>
+            <a:r>
+              <a:rPr lang="fr-FR" sz="1200"/>
+              <a:t>r</a:t>
+            </a:r>
+            <a:r>
+              <a:rPr lang="en-001" sz="1200"/>
+              <a:t> </a:t>
+            </a:r>
+            <a:r>
+              <a:rPr lang="fr-FR" sz="1200"/>
+              <a:t>e</a:t>
+            </a:r>
+            <a:r>
+              <a:rPr lang="en-001" sz="1200"/>
+              <a:t>x</a:t>
+            </a:r>
+            <a:r>
+              <a:rPr lang="fr-FR" sz="1200"/>
+              <a:t>e</a:t>
+            </a:r>
+            <a:r>
+              <a:rPr lang="en-001" sz="1200"/>
+              <a:t>m</a:t>
+            </a:r>
+            <a:r>
+              <a:rPr lang="fr-FR" sz="1200"/>
+              <a:t>p</a:t>
+            </a:r>
+            <a:r>
+              <a:rPr lang="en-001" sz="1200"/>
+              <a:t>l</a:t>
+            </a:r>
+            <a:r>
+              <a:rPr lang="fr-FR" sz="1200"/>
+              <a:t>e</a:t>
+            </a:r>
+            <a:r>
+              <a:rPr lang="en-001" sz="1200"/>
+              <a:t> </a:t>
+            </a:r>
+            <a:r>
+              <a:rPr lang="fr-FR" sz="1200"/>
+              <a:t>g</a:t>
+            </a:r>
+            <a:r>
+              <a:rPr lang="en-001" sz="1200"/>
+              <a:t>r</a:t>
+            </a:r>
+            <a:r>
+              <a:rPr lang="fr-FR" sz="1200"/>
+              <a:t>a</a:t>
+            </a:r>
+            <a:r>
+              <a:rPr lang="en-001" sz="1200"/>
+              <a:t>d</a:t>
+            </a:r>
+            <a:r>
+              <a:rPr lang="fr-FR" sz="1200"/>
+              <a:t>i</a:t>
+            </a:r>
+            <a:r>
+              <a:rPr lang="en-001" sz="1200"/>
+              <a:t>e</a:t>
+            </a:r>
+            <a:r>
+              <a:rPr lang="fr-FR" sz="1200"/>
+              <a:t>n</a:t>
+            </a:r>
+            <a:r>
+              <a:rPr lang="en-001" sz="1200"/>
+              <a:t>t </a:t>
+            </a:r>
+            <a:r>
+              <a:rPr lang="fr-FR" sz="1200"/>
+              <a:t>s</a:t>
+            </a:r>
+            <a:r>
+              <a:rPr lang="en-001" sz="1200"/>
+              <a:t>t</a:t>
+            </a:r>
+            <a:r>
+              <a:rPr lang="fr-FR" sz="1200"/>
+              <a:t>o</a:t>
+            </a:r>
+            <a:r>
+              <a:rPr lang="en-001" sz="1200"/>
+              <a:t>c</a:t>
+            </a:r>
+            <a:r>
+              <a:rPr lang="fr-FR" sz="1200"/>
+              <a:t>h</a:t>
+            </a:r>
+            <a:r>
+              <a:rPr lang="en-001" sz="1200"/>
+              <a:t>a</a:t>
+            </a:r>
+            <a:r>
+              <a:rPr lang="fr-FR" sz="1200"/>
+              <a:t>s</a:t>
+            </a:r>
+            <a:r>
+              <a:rPr lang="en-001" sz="1200"/>
+              <a:t>t</a:t>
+            </a:r>
+            <a:r>
+              <a:rPr lang="fr-FR" sz="1200"/>
+              <a:t>i</a:t>
+            </a:r>
+            <a:r>
+              <a:rPr lang="en-001" sz="1200"/>
+              <a:t>q</a:t>
+            </a:r>
+            <a:r>
+              <a:rPr lang="fr-FR" sz="1200"/>
+              <a:t>u</a:t>
+            </a:r>
+            <a:r>
+              <a:rPr lang="en-001" sz="1200"/>
+              <a:t>e)</a:t>
+            </a:r>
+          </a:p>
+          <a:p>
+            <a:r>
+              <a:rPr lang="en-001" sz="1200"/>
+              <a:t>3 – fonction de co</a:t>
+            </a:r>
+            <a:r>
+              <a:rPr lang="fr-FR" sz="1200"/>
+              <a:t>û</a:t>
+            </a:r>
+            <a:r>
+              <a:rPr lang="en-001" sz="1200"/>
+              <a:t>t</a:t>
+            </a:r>
+          </a:p>
+          <a:p>
+            <a:r>
+              <a:rPr lang="en-001" sz="1200"/>
+              <a:t>4 – metrics (Ce qu’on cherche à ame</a:t>
+            </a:r>
+            <a:r>
+              <a:rPr lang="fr-FR" sz="1200"/>
+              <a:t>l</a:t>
+            </a:r>
+            <a:r>
+              <a:rPr lang="en-001" sz="1200"/>
+              <a:t>i</a:t>
+            </a:r>
+            <a:r>
+              <a:rPr lang="fr-FR" sz="1200"/>
+              <a:t>o</a:t>
+            </a:r>
+            <a:r>
+              <a:rPr lang="en-001" sz="1200"/>
+              <a:t>r</a:t>
+            </a:r>
+            <a:r>
+              <a:rPr lang="fr-FR" sz="1200"/>
+              <a:t>e</a:t>
+            </a:r>
+            <a:r>
+              <a:rPr lang="en-001" sz="1200"/>
+              <a:t>r)</a:t>
+            </a:r>
+          </a:p>
+          <a:p>
+            <a:endParaRPr lang="en-001" sz="1200"/>
+          </a:p>
+          <a:p>
+            <a:r>
+              <a:rPr lang="fr-FR" sz="1600"/>
+              <a:t>v</a:t>
+            </a:r>
+            <a:r>
+              <a:rPr lang="en-001" sz="1600"/>
+              <a:t>o</a:t>
+            </a:r>
+            <a:r>
+              <a:rPr lang="fr-FR" sz="1600"/>
+              <a:t>i</a:t>
+            </a:r>
+            <a:r>
+              <a:rPr lang="en-001" sz="1600"/>
+              <a:t>d </a:t>
+            </a:r>
+            <a:r>
+              <a:rPr lang="fr-FR" sz="1600"/>
+              <a:t>n</a:t>
+            </a:r>
+            <a:r>
+              <a:rPr lang="en-001" sz="1600"/>
+              <a:t>n_</a:t>
+            </a:r>
+            <a:r>
+              <a:rPr lang="fr-FR" sz="1600"/>
+              <a:t>t</a:t>
+            </a:r>
+            <a:r>
+              <a:rPr lang="en-001" sz="1600"/>
+              <a:t>r</a:t>
+            </a:r>
+            <a:r>
+              <a:rPr lang="fr-FR" sz="1600"/>
+              <a:t>a</a:t>
+            </a:r>
+            <a:r>
+              <a:rPr lang="en-001" sz="1600"/>
+              <a:t>i</a:t>
+            </a:r>
+            <a:r>
+              <a:rPr lang="fr-FR" sz="1600"/>
+              <a:t>n</a:t>
+            </a:r>
+            <a:r>
+              <a:rPr lang="en-001" sz="1600"/>
+              <a:t>(</a:t>
+            </a:r>
+            <a:r>
+              <a:rPr lang="fr-FR" sz="1600"/>
+              <a:t>t</a:t>
+            </a:r>
+            <a:r>
+              <a:rPr lang="en-001" sz="1600"/>
+              <a:t>_network *network, t_tensor </a:t>
+            </a:r>
+            <a:r>
+              <a:rPr lang="fr-FR" sz="1600"/>
+              <a:t>x</a:t>
+            </a:r>
+            <a:r>
+              <a:rPr lang="en-001" sz="1600"/>
+              <a:t>, t_tensor </a:t>
+            </a:r>
+            <a:r>
+              <a:rPr lang="fr-FR" sz="1600"/>
+              <a:t>y</a:t>
+            </a:r>
+            <a:r>
+              <a:rPr lang="en-001" sz="1600"/>
+              <a:t>, </a:t>
+            </a:r>
+            <a:r>
+              <a:rPr lang="fr-FR" sz="1600"/>
+              <a:t>s</a:t>
+            </a:r>
+            <a:r>
+              <a:rPr lang="en-001" sz="1600"/>
+              <a:t>i</a:t>
+            </a:r>
+            <a:r>
+              <a:rPr lang="fr-FR" sz="1600"/>
+              <a:t>z</a:t>
+            </a:r>
+            <a:r>
+              <a:rPr lang="en-001" sz="1600"/>
+              <a:t>e_</a:t>
+            </a:r>
+            <a:r>
+              <a:rPr lang="fr-FR" sz="1600"/>
+              <a:t>t</a:t>
+            </a:r>
+            <a:r>
+              <a:rPr lang="en-001" sz="1600"/>
+              <a:t> epoch, </a:t>
+            </a:r>
+            <a:r>
+              <a:rPr lang="fr-FR" sz="1600"/>
+              <a:t>s</a:t>
+            </a:r>
+            <a:r>
+              <a:rPr lang="en-001" sz="1600"/>
+              <a:t>i</a:t>
+            </a:r>
+            <a:r>
+              <a:rPr lang="fr-FR" sz="1600"/>
+              <a:t>z</a:t>
+            </a:r>
+            <a:r>
+              <a:rPr lang="en-001" sz="1600"/>
+              <a:t>e_</a:t>
+            </a:r>
+            <a:r>
+              <a:rPr lang="fr-FR" sz="1600"/>
+              <a:t>t</a:t>
+            </a:r>
+            <a:r>
+              <a:rPr lang="en-001" sz="1600"/>
+              <a:t> </a:t>
             </a:r>
             <a:r>
               <a:rPr lang="fr-FR" sz="1600"/>
@@ -18162,7 +21167,211 @@
             </a:r>
             <a:r>
               <a:rPr lang="en-001" sz="1600"/>
+              <a:t>a</a:t>
+            </a:r>
+            <a:r>
+              <a:rPr lang="fr-FR" sz="1600"/>
+              <a:t>t</a:t>
+            </a:r>
+            <a:r>
+              <a:rPr lang="en-001" sz="1600"/>
+              <a:t>c</a:t>
+            </a:r>
+            <a:r>
+              <a:rPr lang="fr-FR" sz="1600"/>
+              <a:t>h</a:t>
+            </a:r>
+            <a:r>
+              <a:rPr lang="en-001" sz="1600"/>
+              <a:t>_</a:t>
+            </a:r>
+            <a:r>
+              <a:rPr lang="fr-FR" sz="1600"/>
+              <a:t>s</a:t>
+            </a:r>
+            <a:r>
+              <a:rPr lang="en-001" sz="1600"/>
               <a:t>i</a:t>
+            </a:r>
+            <a:r>
+              <a:rPr lang="fr-FR" sz="1600"/>
+              <a:t>z</a:t>
+            </a:r>
+            <a:r>
+              <a:rPr lang="en-001" sz="1600"/>
+              <a:t>e)</a:t>
+            </a:r>
+          </a:p>
+          <a:p>
+            <a:r>
+              <a:rPr lang="fr-FR" sz="1400"/>
+              <a:t>n</a:t>
+            </a:r>
+            <a:r>
+              <a:rPr lang="en-001" sz="1400"/>
+              <a:t>n_train(</a:t>
+            </a:r>
+            <a:r>
+              <a:rPr lang="fr-FR" sz="1400"/>
+              <a:t>n</a:t>
+            </a:r>
+            <a:r>
+              <a:rPr lang="en-001" sz="1400"/>
+              <a:t>e</a:t>
+            </a:r>
+            <a:r>
+              <a:rPr lang="fr-FR" sz="1400"/>
+              <a:t>t</a:t>
+            </a:r>
+            <a:r>
+              <a:rPr lang="en-001" sz="1400"/>
+              <a:t>work, x_</a:t>
+            </a:r>
+            <a:r>
+              <a:rPr lang="fr-FR" sz="1400"/>
+              <a:t>d</a:t>
+            </a:r>
+            <a:r>
+              <a:rPr lang="en-001" sz="1400"/>
+              <a:t>a</a:t>
+            </a:r>
+            <a:r>
+              <a:rPr lang="fr-FR" sz="1400"/>
+              <a:t>t</a:t>
+            </a:r>
+            <a:r>
+              <a:rPr lang="en-001" sz="1400"/>
+              <a:t>a</a:t>
+            </a:r>
+            <a:r>
+              <a:rPr lang="fr-FR" sz="1400"/>
+              <a:t>s</a:t>
+            </a:r>
+            <a:r>
+              <a:rPr lang="en-001" sz="1400"/>
+              <a:t>e</a:t>
+            </a:r>
+            <a:r>
+              <a:rPr lang="fr-FR" sz="1400"/>
+              <a:t>t</a:t>
+            </a:r>
+            <a:r>
+              <a:rPr lang="en-001" sz="1400"/>
+              <a:t>, y_dataset, 100, 10)</a:t>
+            </a:r>
+          </a:p>
+          <a:p>
+            <a:endParaRPr lang="en-001" sz="1600"/>
+          </a:p>
+          <a:p>
+            <a:endParaRPr lang="en-001" sz="1600"/>
+          </a:p>
+          <a:p>
+            <a:r>
+              <a:rPr lang="en-001"/>
+              <a:t>void *</a:t>
+            </a:r>
+            <a:r>
+              <a:rPr lang="fr-FR"/>
+              <a:t>n</a:t>
+            </a:r>
+            <a:r>
+              <a:rPr lang="en-001"/>
+              <a:t>n_predi</a:t>
+            </a:r>
+            <a:r>
+              <a:rPr lang="fr-FR"/>
+              <a:t>c</a:t>
+            </a:r>
+            <a:r>
+              <a:rPr lang="en-001"/>
+              <a:t>t(</a:t>
+            </a:r>
+            <a:r>
+              <a:rPr lang="fr-FR"/>
+              <a:t>t</a:t>
+            </a:r>
+            <a:r>
+              <a:rPr lang="en-001"/>
+              <a:t>_</a:t>
+            </a:r>
+            <a:r>
+              <a:rPr lang="fr-FR"/>
+              <a:t>n</a:t>
+            </a:r>
+            <a:r>
+              <a:rPr lang="en-001"/>
+              <a:t>e</a:t>
+            </a:r>
+            <a:r>
+              <a:rPr lang="fr-FR"/>
+              <a:t>t</a:t>
+            </a:r>
+            <a:r>
+              <a:rPr lang="en-001"/>
+              <a:t>w</a:t>
+            </a:r>
+            <a:r>
+              <a:rPr lang="fr-FR"/>
+              <a:t>o</a:t>
+            </a:r>
+            <a:r>
+              <a:rPr lang="en-001"/>
+              <a:t>r</a:t>
+            </a:r>
+            <a:r>
+              <a:rPr lang="fr-FR"/>
+              <a:t>k</a:t>
+            </a:r>
+            <a:r>
+              <a:rPr lang="en-001"/>
+              <a:t> *network, </a:t>
+            </a:r>
+            <a:r>
+              <a:rPr lang="fr-FR"/>
+              <a:t>v</a:t>
+            </a:r>
+            <a:r>
+              <a:rPr lang="en-001"/>
+              <a:t>o</a:t>
+            </a:r>
+            <a:r>
+              <a:rPr lang="fr-FR"/>
+              <a:t>i</a:t>
+            </a:r>
+            <a:r>
+              <a:rPr lang="en-001"/>
+              <a:t>d *</a:t>
+            </a:r>
+            <a:r>
+              <a:rPr lang="fr-FR"/>
+              <a:t>i</a:t>
+            </a:r>
+            <a:r>
+              <a:rPr lang="en-001"/>
+              <a:t>n</a:t>
+            </a:r>
+            <a:r>
+              <a:rPr lang="fr-FR"/>
+              <a:t>p</a:t>
+            </a:r>
+            <a:r>
+              <a:rPr lang="en-001"/>
+              <a:t>u</a:t>
+            </a:r>
+            <a:r>
+              <a:rPr lang="fr-FR"/>
+              <a:t>t</a:t>
+            </a:r>
+            <a:r>
+              <a:rPr lang="en-001"/>
+              <a:t>)</a:t>
+            </a:r>
+          </a:p>
+          <a:p>
+            <a:r>
+              <a:rPr lang="en-001" sz="1600"/>
+              <a:t>result = </a:t>
             </a:r>
             <a:r>
               <a:rPr lang="fr-FR" sz="1600"/>
@@ -18170,1021 +21379,7 @@
             </a:r>
             <a:r>
               <a:rPr lang="en-001" sz="1600"/>
-              <a:t>a</a:t>
-            </a:r>
-            <a:r>
-              <a:rPr lang="fr-FR" sz="1600"/>
-              <a:t>r</a:t>
-            </a:r>
-            <a:r>
-              <a:rPr lang="en-001" sz="1600"/>
-              <a:t>y_cr</a:t>
-            </a:r>
-            <a:r>
-              <a:rPr lang="fr-FR" sz="1600"/>
-              <a:t>o</a:t>
-            </a:r>
-            <a:r>
-              <a:rPr lang="en-001" sz="1600"/>
-              <a:t>s</a:t>
-            </a:r>
-            <a:r>
-              <a:rPr lang="fr-FR" sz="1600"/>
-              <a:t>s</a:t>
-            </a:r>
-            <a:r>
-              <a:rPr lang="en-001" sz="1600"/>
-              <a:t>e</a:t>
-            </a:r>
-            <a:r>
-              <a:rPr lang="fr-FR" sz="1600"/>
-              <a:t>n</a:t>
-            </a:r>
-            <a:r>
-              <a:rPr lang="en-001" sz="1600"/>
-              <a:t>t</a:t>
-            </a:r>
-            <a:r>
-              <a:rPr lang="fr-FR" sz="1600"/>
-              <a:t>r</a:t>
-            </a:r>
-            <a:r>
-              <a:rPr lang="en-001" sz="1600"/>
-              <a:t>opy”, “</a:t>
-            </a:r>
-            <a:r>
-              <a:rPr lang="fr-FR" sz="1600"/>
-              <a:t>a</a:t>
-            </a:r>
-            <a:r>
-              <a:rPr lang="en-001" sz="1600"/>
-              <a:t>c</a:t>
-            </a:r>
-            <a:r>
-              <a:rPr lang="fr-FR" sz="1600"/>
-              <a:t>c</a:t>
-            </a:r>
-            <a:r>
-              <a:rPr lang="en-001" sz="1600"/>
-              <a:t>u</a:t>
-            </a:r>
-            <a:r>
-              <a:rPr lang="fr-FR" sz="1600"/>
-              <a:t>r</a:t>
-            </a:r>
-            <a:r>
-              <a:rPr lang="en-001" sz="1600"/>
-              <a:t>a</a:t>
-            </a:r>
-            <a:r>
-              <a:rPr lang="fr-FR" sz="1600"/>
-              <a:t>c</a:t>
-            </a:r>
-            <a:r>
-              <a:rPr lang="en-001" sz="1600"/>
-              <a:t>y”, 0,001)</a:t>
-            </a:r>
-          </a:p>
-          <a:p>
-            <a:r>
-              <a:rPr lang="en-001" sz="1400"/>
-              <a:t>1 – </a:t>
-            </a:r>
-            <a:r>
-              <a:rPr lang="fr-FR" sz="1400"/>
-              <a:t>F</a:t>
-            </a:r>
-            <a:r>
-              <a:rPr lang="en-001" sz="1400"/>
-              <a:t>o</a:t>
-            </a:r>
-            <a:r>
-              <a:rPr lang="fr-FR" sz="1400"/>
-              <a:t>r</a:t>
-            </a:r>
-            <a:r>
-              <a:rPr lang="en-001" sz="1400"/>
-              <a:t>m</a:t>
-            </a:r>
-            <a:r>
-              <a:rPr lang="fr-FR" sz="1400"/>
-              <a:t>e</a:t>
-            </a:r>
-            <a:r>
-              <a:rPr lang="en-001" sz="1400"/>
-              <a:t> des inputs (Nbr dimensions et tailles) </a:t>
-            </a:r>
-            <a:r>
-              <a:rPr lang="fr-FR" sz="1400"/>
-              <a:t>e</a:t>
-            </a:r>
-            <a:r>
-              <a:rPr lang="en-001" sz="1400"/>
-              <a:t>x</a:t>
-            </a:r>
-            <a:r>
-              <a:rPr lang="fr-FR" sz="1400"/>
-              <a:t>e</a:t>
-            </a:r>
-            <a:r>
-              <a:rPr lang="en-001" sz="1400"/>
-              <a:t>m</a:t>
-            </a:r>
-            <a:r>
-              <a:rPr lang="fr-FR" sz="1400"/>
-              <a:t>p</a:t>
-            </a:r>
-            <a:r>
-              <a:rPr lang="en-001" sz="1400"/>
-              <a:t>l</a:t>
-            </a:r>
-            <a:r>
-              <a:rPr lang="fr-FR" sz="1400"/>
-              <a:t>e</a:t>
-            </a:r>
-            <a:r>
-              <a:rPr lang="en-001" sz="1400"/>
-              <a:t> :[128, 128, 3] -&gt; </a:t>
-            </a:r>
-            <a:r>
-              <a:rPr lang="fr-FR" sz="1400"/>
-              <a:t>t</a:t>
-            </a:r>
-            <a:r>
-              <a:rPr lang="en-001" sz="1400"/>
-              <a:t>a</a:t>
-            </a:r>
-            <a:r>
-              <a:rPr lang="fr-FR" sz="1400"/>
-              <a:t>b</a:t>
-            </a:r>
-            <a:r>
-              <a:rPr lang="en-001" sz="1400"/>
-              <a:t>l</a:t>
-            </a:r>
-            <a:r>
-              <a:rPr lang="fr-FR" sz="1400"/>
-              <a:t>e</a:t>
-            </a:r>
-            <a:r>
-              <a:rPr lang="en-001" sz="1400"/>
-              <a:t>a</a:t>
-            </a:r>
-            <a:r>
-              <a:rPr lang="fr-FR" sz="1400"/>
-              <a:t>u</a:t>
-            </a:r>
-            <a:r>
-              <a:rPr lang="en-001" sz="1400"/>
-              <a:t> 3</a:t>
-            </a:r>
-            <a:r>
-              <a:rPr lang="fr-FR" sz="1400"/>
-              <a:t>D</a:t>
-            </a:r>
-            <a:r>
-              <a:rPr lang="en-001" sz="1400"/>
-              <a:t> </a:t>
-            </a:r>
-            <a:r>
-              <a:rPr lang="fr-FR" sz="1400"/>
-              <a:t>a</a:t>
-            </a:r>
-            <a:r>
-              <a:rPr lang="en-001" sz="1400"/>
-              <a:t>v</a:t>
-            </a:r>
-            <a:r>
-              <a:rPr lang="fr-FR" sz="1400"/>
-              <a:t>e</a:t>
-            </a:r>
-            <a:r>
-              <a:rPr lang="en-001" sz="1400"/>
-              <a:t>c les tail</a:t>
-            </a:r>
-            <a:r>
-              <a:rPr lang="fr-FR" sz="1400"/>
-              <a:t>l</a:t>
-            </a:r>
-            <a:r>
-              <a:rPr lang="en-001" sz="1400"/>
-              <a:t>e</a:t>
-            </a:r>
-            <a:r>
-              <a:rPr lang="fr-FR" sz="1400"/>
-              <a:t>s</a:t>
-            </a:r>
-            <a:r>
-              <a:rPr lang="en-001" sz="1400"/>
-              <a:t> x, y, </a:t>
-            </a:r>
-            <a:r>
-              <a:rPr lang="fr-FR" sz="1400"/>
-              <a:t>z</a:t>
-            </a:r>
-            <a:r>
-              <a:rPr lang="en-001" sz="1400"/>
-              <a:t> </a:t>
-            </a:r>
-            <a:endParaRPr lang="fr-FR" sz="1400"/>
-          </a:p>
-          <a:p>
-            <a:r>
-              <a:rPr lang="en-001" sz="1400"/>
-              <a:t>2 – </a:t>
-            </a:r>
-            <a:r>
-              <a:rPr lang="fr-FR" sz="1400"/>
-              <a:t>o</a:t>
-            </a:r>
-            <a:r>
-              <a:rPr lang="en-001" sz="1400"/>
-              <a:t>p</a:t>
-            </a:r>
-            <a:r>
-              <a:rPr lang="fr-FR" sz="1400"/>
-              <a:t>t</a:t>
-            </a:r>
-            <a:r>
-              <a:rPr lang="en-001" sz="1400"/>
-              <a:t>i</a:t>
-            </a:r>
-            <a:r>
-              <a:rPr lang="fr-FR" sz="1400"/>
-              <a:t>m</a:t>
-            </a:r>
-            <a:r>
-              <a:rPr lang="en-001" sz="1400"/>
-              <a:t>i</a:t>
-            </a:r>
-            <a:r>
-              <a:rPr lang="fr-FR" sz="1400"/>
-              <a:t>z</a:t>
-            </a:r>
-            <a:r>
-              <a:rPr lang="en-001" sz="1400"/>
-              <a:t>e</a:t>
-            </a:r>
-            <a:r>
-              <a:rPr lang="fr-FR" sz="1400"/>
-              <a:t>r</a:t>
-            </a:r>
-            <a:r>
-              <a:rPr lang="en-001" sz="1400"/>
-              <a:t> (</a:t>
-            </a:r>
-            <a:r>
-              <a:rPr lang="fr-FR" sz="1400"/>
-              <a:t>P</a:t>
-            </a:r>
-            <a:r>
-              <a:rPr lang="en-001" sz="1400"/>
-              <a:t>a</a:t>
-            </a:r>
-            <a:r>
-              <a:rPr lang="fr-FR" sz="1400"/>
-              <a:t>r</a:t>
-            </a:r>
-            <a:r>
-              <a:rPr lang="en-001" sz="1400"/>
-              <a:t> </a:t>
-            </a:r>
-            <a:r>
-              <a:rPr lang="fr-FR" sz="1400"/>
-              <a:t>e</a:t>
-            </a:r>
-            <a:r>
-              <a:rPr lang="en-001" sz="1400"/>
-              <a:t>x</a:t>
-            </a:r>
-            <a:r>
-              <a:rPr lang="fr-FR" sz="1400"/>
-              <a:t>e</a:t>
-            </a:r>
-            <a:r>
-              <a:rPr lang="en-001" sz="1400"/>
-              <a:t>m</a:t>
-            </a:r>
-            <a:r>
-              <a:rPr lang="fr-FR" sz="1400"/>
-              <a:t>p</a:t>
-            </a:r>
-            <a:r>
-              <a:rPr lang="en-001" sz="1400"/>
-              <a:t>l</a:t>
-            </a:r>
-            <a:r>
-              <a:rPr lang="fr-FR" sz="1400"/>
-              <a:t>e</a:t>
-            </a:r>
-            <a:r>
-              <a:rPr lang="en-001" sz="1400"/>
-              <a:t> </a:t>
-            </a:r>
-            <a:r>
-              <a:rPr lang="fr-FR" sz="1400"/>
-              <a:t>g</a:t>
-            </a:r>
-            <a:r>
-              <a:rPr lang="en-001" sz="1400"/>
-              <a:t>r</a:t>
-            </a:r>
-            <a:r>
-              <a:rPr lang="fr-FR" sz="1400"/>
-              <a:t>a</a:t>
-            </a:r>
-            <a:r>
-              <a:rPr lang="en-001" sz="1400"/>
-              <a:t>d</a:t>
-            </a:r>
-            <a:r>
-              <a:rPr lang="fr-FR" sz="1400"/>
-              <a:t>i</a:t>
-            </a:r>
-            <a:r>
-              <a:rPr lang="en-001" sz="1400"/>
-              <a:t>e</a:t>
-            </a:r>
-            <a:r>
-              <a:rPr lang="fr-FR" sz="1400"/>
-              <a:t>n</a:t>
-            </a:r>
-            <a:r>
-              <a:rPr lang="en-001" sz="1400"/>
-              <a:t>t </a:t>
-            </a:r>
-            <a:r>
-              <a:rPr lang="fr-FR" sz="1400"/>
-              <a:t>s</a:t>
-            </a:r>
-            <a:r>
-              <a:rPr lang="en-001" sz="1400"/>
-              <a:t>t</a:t>
-            </a:r>
-            <a:r>
-              <a:rPr lang="fr-FR" sz="1400"/>
-              <a:t>o</a:t>
-            </a:r>
-            <a:r>
-              <a:rPr lang="en-001" sz="1400"/>
-              <a:t>c</a:t>
-            </a:r>
-            <a:r>
-              <a:rPr lang="fr-FR" sz="1400"/>
-              <a:t>h</a:t>
-            </a:r>
-            <a:r>
-              <a:rPr lang="en-001" sz="1400"/>
-              <a:t>a</a:t>
-            </a:r>
-            <a:r>
-              <a:rPr lang="fr-FR" sz="1400"/>
-              <a:t>s</a:t>
-            </a:r>
-            <a:r>
-              <a:rPr lang="en-001" sz="1400"/>
-              <a:t>t</a:t>
-            </a:r>
-            <a:r>
-              <a:rPr lang="fr-FR" sz="1400"/>
-              <a:t>i</a:t>
-            </a:r>
-            <a:r>
-              <a:rPr lang="en-001" sz="1400"/>
-              <a:t>q</a:t>
-            </a:r>
-            <a:r>
-              <a:rPr lang="fr-FR" sz="1400"/>
-              <a:t>u</a:t>
-            </a:r>
-            <a:r>
-              <a:rPr lang="en-001" sz="1400"/>
-              <a:t>e)</a:t>
-            </a:r>
-          </a:p>
-          <a:p>
-            <a:r>
-              <a:rPr lang="en-001" sz="1400"/>
-              <a:t>3 – fonction de co</a:t>
-            </a:r>
-            <a:r>
-              <a:rPr lang="fr-FR" sz="1400"/>
-              <a:t>û</a:t>
-            </a:r>
-            <a:r>
-              <a:rPr lang="en-001" sz="1400"/>
-              <a:t>t</a:t>
-            </a:r>
-          </a:p>
-          <a:p>
-            <a:r>
-              <a:rPr lang="en-001" sz="1400"/>
-              <a:t>4 – metrics (Ce qu’on cherche à ame</a:t>
-            </a:r>
-            <a:r>
-              <a:rPr lang="fr-FR" sz="1400"/>
-              <a:t>l</a:t>
-            </a:r>
-            <a:r>
-              <a:rPr lang="en-001" sz="1400"/>
-              <a:t>i</a:t>
-            </a:r>
-            <a:r>
-              <a:rPr lang="fr-FR" sz="1400"/>
-              <a:t>o</a:t>
-            </a:r>
-            <a:r>
-              <a:rPr lang="en-001" sz="1400"/>
-              <a:t>r</a:t>
-            </a:r>
-            <a:r>
-              <a:rPr lang="fr-FR" sz="1400"/>
-              <a:t>e</a:t>
-            </a:r>
-            <a:r>
-              <a:rPr lang="en-001" sz="1400"/>
-              <a:t>r)</a:t>
-            </a:r>
-          </a:p>
-          <a:p>
-            <a:endParaRPr lang="en-001"/>
-          </a:p>
-          <a:p>
-            <a:r>
-              <a:rPr lang="fr-FR"/>
-              <a:t>v</a:t>
-            </a:r>
-            <a:r>
-              <a:rPr lang="en-001"/>
-              <a:t>o</a:t>
-            </a:r>
-            <a:r>
-              <a:rPr lang="fr-FR"/>
-              <a:t>i</a:t>
-            </a:r>
-            <a:r>
-              <a:rPr lang="en-001"/>
-              <a:t>d p</a:t>
-            </a:r>
-            <a:r>
-              <a:rPr lang="fr-FR"/>
-              <a:t>d</a:t>
-            </a:r>
-            <a:r>
-              <a:rPr lang="en-001"/>
-              <a:t>_</a:t>
-            </a:r>
-            <a:r>
-              <a:rPr lang="fr-FR"/>
-              <a:t>a</a:t>
-            </a:r>
-            <a:r>
-              <a:rPr lang="en-001"/>
-              <a:t>d</a:t>
-            </a:r>
-            <a:r>
-              <a:rPr lang="fr-FR"/>
-              <a:t>d</a:t>
-            </a:r>
-            <a:r>
-              <a:rPr lang="en-001"/>
-              <a:t>(</a:t>
-            </a:r>
-            <a:r>
-              <a:rPr lang="fr-FR"/>
-              <a:t>t</a:t>
-            </a:r>
-            <a:r>
-              <a:rPr lang="en-001"/>
-              <a:t>_network *network, </a:t>
-            </a:r>
-            <a:r>
-              <a:rPr lang="fr-FR"/>
-              <a:t>v</a:t>
-            </a:r>
-            <a:r>
-              <a:rPr lang="en-001"/>
-              <a:t>o</a:t>
-            </a:r>
-            <a:r>
-              <a:rPr lang="fr-FR"/>
-              <a:t>i</a:t>
-            </a:r>
-            <a:r>
-              <a:rPr lang="en-001"/>
-              <a:t>d *</a:t>
-            </a:r>
-            <a:r>
-              <a:rPr lang="fr-FR"/>
-              <a:t>t</a:t>
-            </a:r>
-            <a:r>
-              <a:rPr lang="en-001"/>
-              <a:t>_</a:t>
-            </a:r>
-            <a:r>
-              <a:rPr lang="fr-FR"/>
-              <a:t>s</a:t>
-            </a:r>
-            <a:r>
-              <a:rPr lang="en-001"/>
-              <a:t>p</a:t>
-            </a:r>
-            <a:r>
-              <a:rPr lang="fr-FR"/>
-              <a:t>e</a:t>
-            </a:r>
-            <a:r>
-              <a:rPr lang="en-001"/>
-              <a:t>c_</a:t>
-            </a:r>
-            <a:r>
-              <a:rPr lang="fr-FR"/>
-              <a:t>l</a:t>
-            </a:r>
-            <a:r>
-              <a:rPr lang="en-001"/>
-              <a:t>a</a:t>
-            </a:r>
-            <a:r>
-              <a:rPr lang="fr-FR"/>
-              <a:t>y</a:t>
-            </a:r>
-            <a:r>
-              <a:rPr lang="en-001"/>
-              <a:t>e</a:t>
-            </a:r>
-            <a:r>
-              <a:rPr lang="fr-FR"/>
-              <a:t>r</a:t>
-            </a:r>
-            <a:r>
-              <a:rPr lang="en-001"/>
-              <a:t>)</a:t>
-            </a:r>
-          </a:p>
-          <a:p>
-            <a:r>
-              <a:rPr lang="en-001" sz="1600"/>
-              <a:t>p</a:t>
-            </a:r>
-            <a:r>
-              <a:rPr lang="fr-FR" sz="1600"/>
-              <a:t>d</a:t>
-            </a:r>
-            <a:r>
-              <a:rPr lang="en-001" sz="1600"/>
-              <a:t>_</a:t>
-            </a:r>
-            <a:r>
-              <a:rPr lang="fr-FR" sz="1600"/>
-              <a:t>a</a:t>
-            </a:r>
-            <a:r>
-              <a:rPr lang="en-001" sz="1600"/>
-              <a:t>d</a:t>
-            </a:r>
-            <a:r>
-              <a:rPr lang="fr-FR" sz="1600"/>
-              <a:t>d</a:t>
-            </a:r>
-            <a:r>
-              <a:rPr lang="en-001" sz="1600"/>
-              <a:t>(</a:t>
-            </a:r>
-            <a:r>
-              <a:rPr lang="fr-FR" sz="1600"/>
-              <a:t>n</a:t>
-            </a:r>
-            <a:r>
-              <a:rPr lang="en-001" sz="1600"/>
-              <a:t>e</a:t>
-            </a:r>
-            <a:r>
-              <a:rPr lang="fr-FR" sz="1600"/>
-              <a:t>t</a:t>
-            </a:r>
-            <a:r>
-              <a:rPr lang="en-001" sz="1600"/>
-              <a:t>w</a:t>
-            </a:r>
-            <a:r>
-              <a:rPr lang="fr-FR" sz="1600"/>
-              <a:t>o</a:t>
-            </a:r>
-            <a:r>
-              <a:rPr lang="en-001" sz="1600"/>
-              <a:t>r</a:t>
-            </a:r>
-            <a:r>
-              <a:rPr lang="fr-FR" sz="1600"/>
-              <a:t>k</a:t>
-            </a:r>
-            <a:r>
-              <a:rPr lang="en-001" sz="1600"/>
-              <a:t>, </a:t>
-            </a:r>
-            <a:r>
-              <a:rPr lang="fr-FR" sz="1600"/>
-              <a:t>C</a:t>
-            </a:r>
-            <a:r>
-              <a:rPr lang="en-001" sz="1600"/>
-              <a:t>o</a:t>
-            </a:r>
-            <a:r>
-              <a:rPr lang="fr-FR" sz="1600"/>
-              <a:t>n</a:t>
-            </a:r>
-            <a:r>
-              <a:rPr lang="en-001" sz="1600"/>
-              <a:t>v</a:t>
-            </a:r>
-            <a:r>
-              <a:rPr lang="fr-FR" sz="1600"/>
-              <a:t>o</a:t>
-            </a:r>
-            <a:r>
-              <a:rPr lang="en-001" sz="1600"/>
-              <a:t>l</a:t>
-            </a:r>
-            <a:r>
-              <a:rPr lang="fr-FR" sz="1600"/>
-              <a:t>u</a:t>
-            </a:r>
-            <a:r>
-              <a:rPr lang="en-001" sz="1600"/>
-              <a:t>t</a:t>
-            </a:r>
-            <a:r>
-              <a:rPr lang="fr-FR" sz="1600"/>
-              <a:t>i</a:t>
-            </a:r>
-            <a:r>
-              <a:rPr lang="en-001" sz="1600"/>
-              <a:t>o</a:t>
-            </a:r>
-            <a:r>
-              <a:rPr lang="fr-FR" sz="1600"/>
-              <a:t>n</a:t>
-            </a:r>
-            <a:r>
-              <a:rPr lang="en-001" sz="1600"/>
-              <a:t>2</a:t>
-            </a:r>
-            <a:r>
-              <a:rPr lang="fr-FR" sz="1600"/>
-              <a:t>D</a:t>
-            </a:r>
-            <a:r>
-              <a:rPr lang="en-001" sz="1600"/>
-              <a:t>(32, 3, 1, “</a:t>
-            </a:r>
-            <a:r>
-              <a:rPr lang="fr-FR" sz="1600"/>
-              <a:t>r</a:t>
-            </a:r>
-            <a:r>
-              <a:rPr lang="en-001" sz="1600"/>
-              <a:t>e</a:t>
-            </a:r>
-            <a:r>
-              <a:rPr lang="fr-FR" sz="1600"/>
-              <a:t>l</a:t>
-            </a:r>
-            <a:r>
-              <a:rPr lang="en-001" sz="1600"/>
-              <a:t>u”))</a:t>
-            </a:r>
-          </a:p>
-          <a:p>
-            <a:endParaRPr lang="en-001" sz="1600"/>
-          </a:p>
-          <a:p>
-            <a:r>
-              <a:rPr lang="fr-FR"/>
-              <a:t>v</a:t>
-            </a:r>
-            <a:r>
-              <a:rPr lang="en-001"/>
-              <a:t>o</a:t>
-            </a:r>
-            <a:r>
-              <a:rPr lang="fr-FR"/>
-              <a:t>i</a:t>
-            </a:r>
-            <a:r>
-              <a:rPr lang="en-001"/>
-              <a:t>d </a:t>
-            </a:r>
-            <a:r>
-              <a:rPr lang="fr-FR"/>
-              <a:t>p</a:t>
-            </a:r>
-            <a:r>
-              <a:rPr lang="en-001"/>
-              <a:t>d_</a:t>
-            </a:r>
-            <a:r>
-              <a:rPr lang="fr-FR"/>
-              <a:t>t</a:t>
-            </a:r>
-            <a:r>
-              <a:rPr lang="en-001"/>
-              <a:t>r</a:t>
-            </a:r>
-            <a:r>
-              <a:rPr lang="fr-FR"/>
-              <a:t>a</a:t>
-            </a:r>
-            <a:r>
-              <a:rPr lang="en-001"/>
-              <a:t>i</a:t>
-            </a:r>
-            <a:r>
-              <a:rPr lang="fr-FR"/>
-              <a:t>n</a:t>
-            </a:r>
-            <a:r>
-              <a:rPr lang="en-001"/>
-              <a:t>(</a:t>
-            </a:r>
-            <a:r>
-              <a:rPr lang="fr-FR"/>
-              <a:t>t</a:t>
-            </a:r>
-            <a:r>
-              <a:rPr lang="en-001"/>
-              <a:t>_network *network, </a:t>
-            </a:r>
-            <a:r>
-              <a:rPr lang="fr-FR"/>
-              <a:t>v</a:t>
-            </a:r>
-            <a:r>
-              <a:rPr lang="en-001"/>
-              <a:t>o</a:t>
-            </a:r>
-            <a:r>
-              <a:rPr lang="fr-FR"/>
-              <a:t>i</a:t>
-            </a:r>
-            <a:r>
-              <a:rPr lang="en-001"/>
-              <a:t>d *</a:t>
-            </a:r>
-            <a:r>
-              <a:rPr lang="fr-FR"/>
-              <a:t>x</a:t>
-            </a:r>
-            <a:r>
-              <a:rPr lang="en-001"/>
-              <a:t>, </a:t>
-            </a:r>
-            <a:r>
-              <a:rPr lang="fr-FR"/>
-              <a:t>v</a:t>
-            </a:r>
-            <a:r>
-              <a:rPr lang="en-001"/>
-              <a:t>o</a:t>
-            </a:r>
-            <a:r>
-              <a:rPr lang="fr-FR"/>
-              <a:t>i</a:t>
-            </a:r>
-            <a:r>
-              <a:rPr lang="en-001"/>
-              <a:t>d *</a:t>
-            </a:r>
-            <a:r>
-              <a:rPr lang="fr-FR"/>
-              <a:t>y</a:t>
-            </a:r>
-            <a:r>
-              <a:rPr lang="en-001"/>
-              <a:t>, </a:t>
-            </a:r>
-            <a:r>
-              <a:rPr lang="fr-FR"/>
-              <a:t>i</a:t>
-            </a:r>
-            <a:r>
-              <a:rPr lang="en-001"/>
-              <a:t>nt epoch, </a:t>
-            </a:r>
-            <a:r>
-              <a:rPr lang="fr-FR"/>
-              <a:t>i</a:t>
-            </a:r>
-            <a:r>
-              <a:rPr lang="en-001"/>
-              <a:t>n</a:t>
-            </a:r>
-            <a:r>
-              <a:rPr lang="fr-FR"/>
-              <a:t>t</a:t>
-            </a:r>
-            <a:r>
-              <a:rPr lang="en-001"/>
-              <a:t> </a:t>
-            </a:r>
-            <a:r>
-              <a:rPr lang="fr-FR"/>
-              <a:t>b</a:t>
-            </a:r>
-            <a:r>
-              <a:rPr lang="en-001"/>
-              <a:t>a</a:t>
-            </a:r>
-            <a:r>
-              <a:rPr lang="fr-FR"/>
-              <a:t>t</a:t>
-            </a:r>
-            <a:r>
-              <a:rPr lang="en-001"/>
-              <a:t>c</a:t>
-            </a:r>
-            <a:r>
-              <a:rPr lang="fr-FR"/>
-              <a:t>h</a:t>
-            </a:r>
-            <a:r>
-              <a:rPr lang="en-001"/>
-              <a:t>_</a:t>
-            </a:r>
-            <a:r>
-              <a:rPr lang="fr-FR"/>
-              <a:t>s</a:t>
-            </a:r>
-            <a:r>
-              <a:rPr lang="en-001"/>
-              <a:t>i</a:t>
-            </a:r>
-            <a:r>
-              <a:rPr lang="fr-FR"/>
-              <a:t>z</a:t>
-            </a:r>
-            <a:r>
-              <a:rPr lang="en-001"/>
-              <a:t>e)</a:t>
-            </a:r>
-          </a:p>
-          <a:p>
-            <a:r>
-              <a:rPr lang="en-001" sz="1600"/>
-              <a:t>pd_train(</a:t>
-            </a:r>
-            <a:r>
-              <a:rPr lang="fr-FR" sz="1600"/>
-              <a:t>n</a:t>
-            </a:r>
-            <a:r>
-              <a:rPr lang="en-001" sz="1600"/>
-              <a:t>e</a:t>
-            </a:r>
-            <a:r>
-              <a:rPr lang="fr-FR" sz="1600"/>
-              <a:t>t</a:t>
-            </a:r>
-            <a:r>
-              <a:rPr lang="en-001" sz="1600"/>
-              <a:t>work, x_</a:t>
-            </a:r>
-            <a:r>
-              <a:rPr lang="fr-FR" sz="1600"/>
-              <a:t>d</a:t>
-            </a:r>
-            <a:r>
-              <a:rPr lang="en-001" sz="1600"/>
-              <a:t>a</a:t>
-            </a:r>
-            <a:r>
-              <a:rPr lang="fr-FR" sz="1600"/>
-              <a:t>t</a:t>
-            </a:r>
-            <a:r>
-              <a:rPr lang="en-001" sz="1600"/>
-              <a:t>a</a:t>
-            </a:r>
-            <a:r>
-              <a:rPr lang="fr-FR" sz="1600"/>
-              <a:t>s</a:t>
-            </a:r>
-            <a:r>
-              <a:rPr lang="en-001" sz="1600"/>
-              <a:t>e</a:t>
-            </a:r>
-            <a:r>
-              <a:rPr lang="fr-FR" sz="1600"/>
-              <a:t>t</a:t>
-            </a:r>
-            <a:r>
-              <a:rPr lang="en-001" sz="1600"/>
-              <a:t>, y_dataset, 100, 10)</a:t>
-            </a:r>
-          </a:p>
-          <a:p>
-            <a:endParaRPr lang="en-001" sz="1600"/>
-          </a:p>
-          <a:p>
-            <a:r>
-              <a:rPr lang="en-001"/>
-              <a:t>void *pd_predi</a:t>
-            </a:r>
-            <a:r>
-              <a:rPr lang="fr-FR"/>
-              <a:t>c</a:t>
-            </a:r>
-            <a:r>
-              <a:rPr lang="en-001"/>
-              <a:t>t(</a:t>
-            </a:r>
-            <a:r>
-              <a:rPr lang="fr-FR"/>
-              <a:t>t</a:t>
-            </a:r>
-            <a:r>
-              <a:rPr lang="en-001"/>
-              <a:t>_</a:t>
-            </a:r>
-            <a:r>
-              <a:rPr lang="fr-FR"/>
-              <a:t>n</a:t>
-            </a:r>
-            <a:r>
-              <a:rPr lang="en-001"/>
-              <a:t>e</a:t>
-            </a:r>
-            <a:r>
-              <a:rPr lang="fr-FR"/>
-              <a:t>t</a:t>
-            </a:r>
-            <a:r>
-              <a:rPr lang="en-001"/>
-              <a:t>w</a:t>
-            </a:r>
-            <a:r>
-              <a:rPr lang="fr-FR"/>
-              <a:t>o</a:t>
-            </a:r>
-            <a:r>
-              <a:rPr lang="en-001"/>
-              <a:t>r</a:t>
-            </a:r>
-            <a:r>
-              <a:rPr lang="fr-FR"/>
-              <a:t>k</a:t>
-            </a:r>
-            <a:r>
-              <a:rPr lang="en-001"/>
-              <a:t> *network, </a:t>
-            </a:r>
-            <a:r>
-              <a:rPr lang="fr-FR"/>
-              <a:t>v</a:t>
-            </a:r>
-            <a:r>
-              <a:rPr lang="en-001"/>
-              <a:t>o</a:t>
-            </a:r>
-            <a:r>
-              <a:rPr lang="fr-FR"/>
-              <a:t>i</a:t>
-            </a:r>
-            <a:r>
-              <a:rPr lang="en-001"/>
-              <a:t>d *</a:t>
-            </a:r>
-            <a:r>
-              <a:rPr lang="fr-FR"/>
-              <a:t>i</a:t>
-            </a:r>
-            <a:r>
-              <a:rPr lang="en-001"/>
-              <a:t>n</a:t>
-            </a:r>
-            <a:r>
-              <a:rPr lang="fr-FR"/>
-              <a:t>p</a:t>
-            </a:r>
-            <a:r>
-              <a:rPr lang="en-001"/>
-              <a:t>u</a:t>
-            </a:r>
-            <a:r>
-              <a:rPr lang="fr-FR"/>
-              <a:t>t</a:t>
-            </a:r>
-            <a:r>
-              <a:rPr lang="en-001"/>
-              <a:t>)</a:t>
-            </a:r>
-          </a:p>
-          <a:p>
-            <a:r>
-              <a:rPr lang="en-001" sz="1600"/>
-              <a:t>result = pd_predict(network, </a:t>
+              <a:t>n_predict(network, </a:t>
             </a:r>
             <a:r>
               <a:rPr lang="fr-FR" sz="1600"/>
@@ -19299,7 +21494,7 @@
     </p:spTree>
     <p:extLst>
       <p:ext uri="{BB962C8B-B14F-4D97-AF65-F5344CB8AC3E}">
-        <p14:creationId xmlns:p14="http://schemas.microsoft.com/office/powerpoint/2010/main" val="4284050537"/>
+        <p14:creationId xmlns:p14="http://schemas.microsoft.com/office/powerpoint/2010/main" val="874545118"/>
       </p:ext>
     </p:extLst>
   </p:cSld>
@@ -19309,7 +21504,7 @@
 </p:sld>
 </file>
 
-<file path=ppt/slides/slide6.xml><?xml version="1.0" encoding="utf-8"?>
+<file path=ppt/slides/slide7.xml><?xml version="1.0" encoding="utf-8"?>
 <p:sld xmlns:a="http://schemas.openxmlformats.org/drawingml/2006/main" xmlns:r="http://schemas.openxmlformats.org/officeDocument/2006/relationships" xmlns:p="http://schemas.openxmlformats.org/presentationml/2006/main">
   <p:cSld>
     <p:spTree>
@@ -19798,7 +21993,7 @@
 </p:sld>
 </file>
 
-<file path=ppt/slides/slide7.xml><?xml version="1.0" encoding="utf-8"?>
+<file path=ppt/slides/slide8.xml><?xml version="1.0" encoding="utf-8"?>
 <p:sld xmlns:a="http://schemas.openxmlformats.org/drawingml/2006/main" xmlns:r="http://schemas.openxmlformats.org/officeDocument/2006/relationships" xmlns:p="http://schemas.openxmlformats.org/presentationml/2006/main">
   <p:cSld>
     <p:spTree>
@@ -21400,7 +23595,7 @@
 </p:sld>
 </file>
 
-<file path=ppt/slides/slide8.xml><?xml version="1.0" encoding="utf-8"?>
+<file path=ppt/slides/slide9.xml><?xml version="1.0" encoding="utf-8"?>
 <p:sld xmlns:a="http://schemas.openxmlformats.org/drawingml/2006/main" xmlns:r="http://schemas.openxmlformats.org/officeDocument/2006/relationships" xmlns:p="http://schemas.openxmlformats.org/presentationml/2006/main">
   <p:cSld>
     <p:spTree>
@@ -22985,759 +25180,6 @@
     <p:extLst>
       <p:ext uri="{BB962C8B-B14F-4D97-AF65-F5344CB8AC3E}">
         <p14:creationId xmlns:p14="http://schemas.microsoft.com/office/powerpoint/2010/main" val="1142434435"/>
-      </p:ext>
-    </p:extLst>
-  </p:cSld>
-  <p:clrMapOvr>
-    <a:masterClrMapping/>
-  </p:clrMapOvr>
-</p:sld>
-</file>
-
-<file path=ppt/slides/slide9.xml><?xml version="1.0" encoding="utf-8"?>
-<p:sld xmlns:a="http://schemas.openxmlformats.org/drawingml/2006/main" xmlns:r="http://schemas.openxmlformats.org/officeDocument/2006/relationships" xmlns:p="http://schemas.openxmlformats.org/presentationml/2006/main">
-  <p:cSld>
-    <p:spTree>
-      <p:nvGrpSpPr>
-        <p:cNvPr id="1" name=""/>
-        <p:cNvGrpSpPr/>
-        <p:nvPr/>
-      </p:nvGrpSpPr>
-      <p:grpSpPr>
-        <a:xfrm>
-          <a:off x="0" y="0"/>
-          <a:ext cx="0" cy="0"/>
-          <a:chOff x="0" y="0"/>
-          <a:chExt cx="0" cy="0"/>
-        </a:xfrm>
-      </p:grpSpPr>
-      <p:sp>
-        <p:nvSpPr>
-          <p:cNvPr id="4" name="ZoneTexte 3">
-            <a:extLst>
-              <a:ext uri="{FF2B5EF4-FFF2-40B4-BE49-F238E27FC236}">
-                <a16:creationId xmlns:a16="http://schemas.microsoft.com/office/drawing/2014/main" id="{9E9BE472-23E3-40F5-8BEC-DBCB60AF95B8}"/>
-              </a:ext>
-            </a:extLst>
-          </p:cNvPr>
-          <p:cNvSpPr txBox="1"/>
-          <p:nvPr/>
-        </p:nvSpPr>
-        <p:spPr>
-          <a:xfrm>
-            <a:off x="243281" y="1342239"/>
-            <a:ext cx="5998502" cy="2585323"/>
-          </a:xfrm>
-          <a:prstGeom prst="rect">
-            <a:avLst/>
-          </a:prstGeom>
-          <a:noFill/>
-        </p:spPr>
-        <p:txBody>
-          <a:bodyPr wrap="none" rtlCol="0">
-            <a:spAutoFit/>
-          </a:bodyPr>
-          <a:lstStyle/>
-          <a:p>
-            <a:r>
-              <a:rPr lang="en-001">
-                <a:hlinkClick r:id="rId2"/>
-              </a:rPr>
-              <a:t>Retropro</a:t>
-            </a:r>
-            <a:r>
-              <a:rPr lang="fr-FR">
-                <a:hlinkClick r:id="rId2"/>
-              </a:rPr>
-              <a:t>p</a:t>
-            </a:r>
-            <a:r>
-              <a:rPr lang="en-001">
-                <a:hlinkClick r:id="rId2"/>
-              </a:rPr>
-              <a:t>a</a:t>
-            </a:r>
-            <a:r>
-              <a:rPr lang="fr-FR">
-                <a:hlinkClick r:id="rId2"/>
-              </a:rPr>
-              <a:t>g</a:t>
-            </a:r>
-            <a:r>
-              <a:rPr lang="en-001">
-                <a:hlinkClick r:id="rId2"/>
-              </a:rPr>
-              <a:t>a</a:t>
-            </a:r>
-            <a:r>
-              <a:rPr lang="fr-FR">
-                <a:hlinkClick r:id="rId2"/>
-              </a:rPr>
-              <a:t>t</a:t>
-            </a:r>
-            <a:r>
-              <a:rPr lang="en-001">
-                <a:hlinkClick r:id="rId2"/>
-              </a:rPr>
-              <a:t>i</a:t>
-            </a:r>
-            <a:r>
-              <a:rPr lang="fr-FR">
-                <a:hlinkClick r:id="rId2"/>
-              </a:rPr>
-              <a:t>o</a:t>
-            </a:r>
-            <a:r>
-              <a:rPr lang="en-001">
-                <a:hlinkClick r:id="rId2"/>
-              </a:rPr>
-              <a:t>n </a:t>
-            </a:r>
-            <a:r>
-              <a:rPr lang="fr-FR">
-                <a:hlinkClick r:id="rId2"/>
-              </a:rPr>
-              <a:t>d</a:t>
-            </a:r>
-            <a:r>
-              <a:rPr lang="en-001">
-                <a:hlinkClick r:id="rId2"/>
-              </a:rPr>
-              <a:t>a</a:t>
-            </a:r>
-            <a:r>
-              <a:rPr lang="fr-FR">
-                <a:hlinkClick r:id="rId2"/>
-              </a:rPr>
-              <a:t>n</a:t>
-            </a:r>
-            <a:r>
-              <a:rPr lang="en-001">
-                <a:hlinkClick r:id="rId2"/>
-              </a:rPr>
-              <a:t>s </a:t>
-            </a:r>
-            <a:r>
-              <a:rPr lang="fr-FR">
-                <a:hlinkClick r:id="rId2"/>
-              </a:rPr>
-              <a:t>c</a:t>
-            </a:r>
-            <a:r>
-              <a:rPr lang="en-001">
-                <a:hlinkClick r:id="rId2"/>
-              </a:rPr>
-              <a:t>o</a:t>
-            </a:r>
-            <a:r>
-              <a:rPr lang="fr-FR">
-                <a:hlinkClick r:id="rId2"/>
-              </a:rPr>
-              <a:t>u</a:t>
-            </a:r>
-            <a:r>
-              <a:rPr lang="en-001">
-                <a:hlinkClick r:id="rId2"/>
-              </a:rPr>
-              <a:t>c</a:t>
-            </a:r>
-            <a:r>
-              <a:rPr lang="fr-FR">
-                <a:hlinkClick r:id="rId2"/>
-              </a:rPr>
-              <a:t>h</a:t>
-            </a:r>
-            <a:r>
-              <a:rPr lang="en-001">
-                <a:hlinkClick r:id="rId2"/>
-              </a:rPr>
-              <a:t>e </a:t>
-            </a:r>
-            <a:r>
-              <a:rPr lang="fr-FR">
-                <a:hlinkClick r:id="rId2"/>
-              </a:rPr>
-              <a:t>d</a:t>
-            </a:r>
-            <a:r>
-              <a:rPr lang="en-001">
-                <a:hlinkClick r:id="rId2"/>
-              </a:rPr>
-              <a:t>e convolution</a:t>
-            </a:r>
-            <a:endParaRPr lang="en-001"/>
-          </a:p>
-          <a:p>
-            <a:r>
-              <a:rPr lang="en-001">
-                <a:hlinkClick r:id="rId3"/>
-              </a:rPr>
-              <a:t>Retro</a:t>
-            </a:r>
-            <a:r>
-              <a:rPr lang="fr-FR">
-                <a:hlinkClick r:id="rId3"/>
-              </a:rPr>
-              <a:t>p</a:t>
-            </a:r>
-            <a:r>
-              <a:rPr lang="en-001">
-                <a:hlinkClick r:id="rId3"/>
-              </a:rPr>
-              <a:t>r</a:t>
-            </a:r>
-            <a:r>
-              <a:rPr lang="fr-FR">
-                <a:hlinkClick r:id="rId3"/>
-              </a:rPr>
-              <a:t>o</a:t>
-            </a:r>
-            <a:r>
-              <a:rPr lang="en-001">
-                <a:hlinkClick r:id="rId3"/>
-              </a:rPr>
-              <a:t>p</a:t>
-            </a:r>
-            <a:r>
-              <a:rPr lang="fr-FR">
-                <a:hlinkClick r:id="rId3"/>
-              </a:rPr>
-              <a:t>a</a:t>
-            </a:r>
-            <a:r>
-              <a:rPr lang="en-001">
-                <a:hlinkClick r:id="rId3"/>
-              </a:rPr>
-              <a:t>g</a:t>
-            </a:r>
-            <a:r>
-              <a:rPr lang="fr-FR">
-                <a:hlinkClick r:id="rId3"/>
-              </a:rPr>
-              <a:t>a</a:t>
-            </a:r>
-            <a:r>
-              <a:rPr lang="en-001">
-                <a:hlinkClick r:id="rId3"/>
-              </a:rPr>
-              <a:t>tion dans couche de convolution avec des maths</a:t>
-            </a:r>
-            <a:endParaRPr lang="en-001"/>
-          </a:p>
-          <a:p>
-            <a:r>
-              <a:rPr lang="fr-FR">
-                <a:hlinkClick r:id="rId4"/>
-              </a:rPr>
-              <a:t>V</a:t>
-            </a:r>
-            <a:r>
-              <a:rPr lang="en-001">
-                <a:hlinkClick r:id="rId4"/>
-              </a:rPr>
-              <a:t>i</a:t>
-            </a:r>
-            <a:r>
-              <a:rPr lang="fr-FR">
-                <a:hlinkClick r:id="rId4"/>
-              </a:rPr>
-              <a:t>s</a:t>
-            </a:r>
-            <a:r>
-              <a:rPr lang="en-001">
-                <a:hlinkClick r:id="rId4"/>
-              </a:rPr>
-              <a:t>u</a:t>
-            </a:r>
-            <a:r>
-              <a:rPr lang="fr-FR">
-                <a:hlinkClick r:id="rId4"/>
-              </a:rPr>
-              <a:t>a</a:t>
-            </a:r>
-            <a:r>
-              <a:rPr lang="en-001">
-                <a:hlinkClick r:id="rId4"/>
-              </a:rPr>
-              <a:t>l</a:t>
-            </a:r>
-            <a:r>
-              <a:rPr lang="fr-FR">
-                <a:hlinkClick r:id="rId4"/>
-              </a:rPr>
-              <a:t>i</a:t>
-            </a:r>
-            <a:r>
-              <a:rPr lang="en-001">
-                <a:hlinkClick r:id="rId4"/>
-              </a:rPr>
-              <a:t>s</a:t>
-            </a:r>
-            <a:r>
-              <a:rPr lang="fr-FR">
-                <a:hlinkClick r:id="rId4"/>
-              </a:rPr>
-              <a:t>e</a:t>
-            </a:r>
-            <a:r>
-              <a:rPr lang="en-001">
-                <a:hlinkClick r:id="rId4"/>
-              </a:rPr>
-              <a:t>u</a:t>
-            </a:r>
-            <a:r>
-              <a:rPr lang="fr-FR">
-                <a:hlinkClick r:id="rId4"/>
-              </a:rPr>
-              <a:t>r</a:t>
-            </a:r>
-            <a:r>
-              <a:rPr lang="en-001">
-                <a:hlinkClick r:id="rId4"/>
-              </a:rPr>
-              <a:t> CNN classifieur chif</a:t>
-            </a:r>
-            <a:r>
-              <a:rPr lang="fr-FR">
-                <a:hlinkClick r:id="rId4"/>
-              </a:rPr>
-              <a:t>f</a:t>
-            </a:r>
-            <a:r>
-              <a:rPr lang="en-001">
-                <a:hlinkClick r:id="rId4"/>
-              </a:rPr>
-              <a:t>r</a:t>
-            </a:r>
-            <a:r>
-              <a:rPr lang="fr-FR">
-                <a:hlinkClick r:id="rId4"/>
-              </a:rPr>
-              <a:t>e</a:t>
-            </a:r>
-            <a:r>
-              <a:rPr lang="en-001">
-                <a:hlinkClick r:id="rId4"/>
-              </a:rPr>
-              <a:t>s</a:t>
-            </a:r>
-            <a:endParaRPr lang="en-001"/>
-          </a:p>
-          <a:p>
-            <a:r>
-              <a:rPr lang="en-001">
-                <a:hlinkClick r:id="rId5"/>
-              </a:rPr>
-              <a:t>Cours pas mal sur le CNN</a:t>
-            </a:r>
-            <a:endParaRPr lang="en-001"/>
-          </a:p>
-          <a:p>
-            <a:r>
-              <a:rPr lang="fr-FR">
-                <a:hlinkClick r:id="rId6"/>
-              </a:rPr>
-              <a:t>V</a:t>
-            </a:r>
-            <a:r>
-              <a:rPr lang="en-001">
-                <a:hlinkClick r:id="rId6"/>
-              </a:rPr>
-              <a:t>i</a:t>
-            </a:r>
-            <a:r>
-              <a:rPr lang="fr-FR">
-                <a:hlinkClick r:id="rId6"/>
-              </a:rPr>
-              <a:t>d</a:t>
-            </a:r>
-            <a:r>
-              <a:rPr lang="en-001">
-                <a:hlinkClick r:id="rId6"/>
-              </a:rPr>
-              <a:t>e</a:t>
-            </a:r>
-            <a:r>
-              <a:rPr lang="fr-FR">
-                <a:hlinkClick r:id="rId6"/>
-              </a:rPr>
-              <a:t>o</a:t>
-            </a:r>
-            <a:r>
-              <a:rPr lang="en-001"/>
-              <a:t> </a:t>
-            </a:r>
-            <a:r>
-              <a:rPr lang="fr-FR"/>
-              <a:t>e</a:t>
-            </a:r>
-            <a:r>
-              <a:rPr lang="en-001"/>
-              <a:t>t </a:t>
-            </a:r>
-            <a:r>
-              <a:rPr lang="en-001">
-                <a:hlinkClick r:id="rId7"/>
-              </a:rPr>
-              <a:t>Cours</a:t>
-            </a:r>
-            <a:r>
-              <a:rPr lang="en-001"/>
-              <a:t> pas mal sur le RNN LSTM</a:t>
-            </a:r>
-          </a:p>
-          <a:p>
-            <a:r>
-              <a:rPr lang="en-001">
-                <a:hlinkClick r:id="rId8"/>
-              </a:rPr>
-              <a:t>Descente de gradi</a:t>
-            </a:r>
-            <a:r>
-              <a:rPr lang="fr-FR">
-                <a:hlinkClick r:id="rId8"/>
-              </a:rPr>
-              <a:t>e</a:t>
-            </a:r>
-            <a:r>
-              <a:rPr lang="en-001">
-                <a:hlinkClick r:id="rId8"/>
-              </a:rPr>
-              <a:t>n</a:t>
-            </a:r>
-            <a:r>
-              <a:rPr lang="fr-FR">
-                <a:hlinkClick r:id="rId8"/>
-              </a:rPr>
-              <a:t>t</a:t>
-            </a:r>
-            <a:r>
-              <a:rPr lang="en-001">
-                <a:hlinkClick r:id="rId8"/>
-              </a:rPr>
-              <a:t> </a:t>
-            </a:r>
-            <a:r>
-              <a:rPr lang="fr-FR">
-                <a:hlinkClick r:id="rId8"/>
-              </a:rPr>
-              <a:t>s</a:t>
-            </a:r>
-            <a:r>
-              <a:rPr lang="en-001">
-                <a:hlinkClick r:id="rId8"/>
-              </a:rPr>
-              <a:t>t</a:t>
-            </a:r>
-            <a:r>
-              <a:rPr lang="fr-FR">
-                <a:hlinkClick r:id="rId8"/>
-              </a:rPr>
-              <a:t>o</a:t>
-            </a:r>
-            <a:r>
-              <a:rPr lang="en-001">
-                <a:hlinkClick r:id="rId8"/>
-              </a:rPr>
-              <a:t>c</a:t>
-            </a:r>
-            <a:r>
-              <a:rPr lang="fr-FR">
-                <a:hlinkClick r:id="rId8"/>
-              </a:rPr>
-              <a:t>h</a:t>
-            </a:r>
-            <a:r>
-              <a:rPr lang="en-001">
-                <a:hlinkClick r:id="rId8"/>
-              </a:rPr>
-              <a:t>a</a:t>
-            </a:r>
-            <a:r>
-              <a:rPr lang="fr-FR">
-                <a:hlinkClick r:id="rId8"/>
-              </a:rPr>
-              <a:t>s</a:t>
-            </a:r>
-            <a:r>
-              <a:rPr lang="en-001">
-                <a:hlinkClick r:id="rId8"/>
-              </a:rPr>
-              <a:t>t</a:t>
-            </a:r>
-            <a:r>
-              <a:rPr lang="fr-FR">
-                <a:hlinkClick r:id="rId8"/>
-              </a:rPr>
-              <a:t>i</a:t>
-            </a:r>
-            <a:r>
-              <a:rPr lang="en-001">
-                <a:hlinkClick r:id="rId8"/>
-              </a:rPr>
-              <a:t>q</a:t>
-            </a:r>
-            <a:r>
-              <a:rPr lang="fr-FR">
-                <a:hlinkClick r:id="rId8"/>
-              </a:rPr>
-              <a:t>u</a:t>
-            </a:r>
-            <a:r>
-              <a:rPr lang="en-001">
-                <a:hlinkClick r:id="rId8"/>
-              </a:rPr>
-              <a:t>e Adam</a:t>
-            </a:r>
-            <a:r>
-              <a:rPr lang="en-001"/>
-              <a:t> + </a:t>
-            </a:r>
-            <a:r>
-              <a:rPr lang="en-001">
-                <a:hlinkClick r:id="rId9"/>
-              </a:rPr>
-              <a:t>do</a:t>
-            </a:r>
-            <a:r>
-              <a:rPr lang="fr-FR">
-                <a:hlinkClick r:id="rId9"/>
-              </a:rPr>
-              <a:t>c</a:t>
-            </a:r>
-            <a:r>
-              <a:rPr lang="en-001">
-                <a:hlinkClick r:id="rId9"/>
-              </a:rPr>
-              <a:t>u</a:t>
-            </a:r>
-            <a:r>
-              <a:rPr lang="fr-FR">
-                <a:hlinkClick r:id="rId9"/>
-              </a:rPr>
-              <a:t>m</a:t>
-            </a:r>
-            <a:r>
-              <a:rPr lang="en-001">
-                <a:hlinkClick r:id="rId9"/>
-              </a:rPr>
-              <a:t>e</a:t>
-            </a:r>
-            <a:r>
-              <a:rPr lang="fr-FR">
-                <a:hlinkClick r:id="rId9"/>
-              </a:rPr>
-              <a:t>n</a:t>
-            </a:r>
-            <a:r>
-              <a:rPr lang="en-001">
-                <a:hlinkClick r:id="rId9"/>
-              </a:rPr>
-              <a:t>t </a:t>
-            </a:r>
-            <a:r>
-              <a:rPr lang="fr-FR">
-                <a:hlinkClick r:id="rId9"/>
-              </a:rPr>
-              <a:t>o</a:t>
-            </a:r>
-            <a:r>
-              <a:rPr lang="en-001">
-                <a:hlinkClick r:id="rId9"/>
-              </a:rPr>
-              <a:t>f</a:t>
-            </a:r>
-            <a:r>
-              <a:rPr lang="fr-FR">
-                <a:hlinkClick r:id="rId9"/>
-              </a:rPr>
-              <a:t>f</a:t>
-            </a:r>
-            <a:r>
-              <a:rPr lang="en-001">
-                <a:hlinkClick r:id="rId9"/>
-              </a:rPr>
-              <a:t>i</a:t>
-            </a:r>
-            <a:r>
-              <a:rPr lang="fr-FR">
-                <a:hlinkClick r:id="rId9"/>
-              </a:rPr>
-              <a:t>c</a:t>
-            </a:r>
-            <a:r>
-              <a:rPr lang="en-001">
-                <a:hlinkClick r:id="rId9"/>
-              </a:rPr>
-              <a:t>i</a:t>
-            </a:r>
-            <a:r>
-              <a:rPr lang="fr-FR">
-                <a:hlinkClick r:id="rId9"/>
-              </a:rPr>
-              <a:t>a</a:t>
-            </a:r>
-            <a:r>
-              <a:rPr lang="en-001">
-                <a:hlinkClick r:id="rId9"/>
-              </a:rPr>
-              <a:t>l</a:t>
-            </a:r>
-            <a:endParaRPr lang="en-001"/>
-          </a:p>
-          <a:p>
-            <a:r>
-              <a:rPr lang="en-001">
-                <a:hlinkClick r:id="rId10"/>
-              </a:rPr>
-              <a:t>Implementation bias</a:t>
-            </a:r>
-            <a:endParaRPr lang="en-001"/>
-          </a:p>
-          <a:p>
-            <a:r>
-              <a:rPr lang="en-001">
-                <a:hlinkClick r:id="rId11"/>
-              </a:rPr>
-              <a:t>Fonction exponentielle super rapide</a:t>
-            </a:r>
-            <a:endParaRPr lang="en-001"/>
-          </a:p>
-          <a:p>
-            <a:r>
-              <a:rPr lang="en-001">
-                <a:hlinkClick r:id="rId12"/>
-              </a:rPr>
-              <a:t>Normalize data</a:t>
-            </a:r>
-            <a:endParaRPr lang="fr-FR"/>
-          </a:p>
-        </p:txBody>
-      </p:sp>
-      <p:sp>
-        <p:nvSpPr>
-          <p:cNvPr id="3" name="Rectangle 2">
-            <a:extLst>
-              <a:ext uri="{FF2B5EF4-FFF2-40B4-BE49-F238E27FC236}">
-                <a16:creationId xmlns:a16="http://schemas.microsoft.com/office/drawing/2014/main" id="{326B1D7A-8503-4A21-AC06-4B6130542C6F}"/>
-              </a:ext>
-            </a:extLst>
-          </p:cNvPr>
-          <p:cNvSpPr/>
-          <p:nvPr/>
-        </p:nvSpPr>
-        <p:spPr>
-          <a:xfrm>
-            <a:off x="0" y="0"/>
-            <a:ext cx="12192000" cy="679508"/>
-          </a:xfrm>
-          <a:prstGeom prst="rect">
-            <a:avLst/>
-          </a:prstGeom>
-          <a:gradFill flip="none" rotWithShape="1">
-            <a:gsLst>
-              <a:gs pos="0">
-                <a:srgbClr val="00B0F0"/>
-              </a:gs>
-              <a:gs pos="100000">
-                <a:srgbClr val="A6E4FA"/>
-              </a:gs>
-            </a:gsLst>
-            <a:lin ang="5400000" scaled="1"/>
-            <a:tileRect/>
-          </a:gradFill>
-          <a:ln>
-            <a:noFill/>
-          </a:ln>
-        </p:spPr>
-        <p:style>
-          <a:lnRef idx="2">
-            <a:schemeClr val="accent1">
-              <a:shade val="50000"/>
-            </a:schemeClr>
-          </a:lnRef>
-          <a:fillRef idx="1">
-            <a:schemeClr val="accent1"/>
-          </a:fillRef>
-          <a:effectRef idx="0">
-            <a:schemeClr val="accent1"/>
-          </a:effectRef>
-          <a:fontRef idx="minor">
-            <a:schemeClr val="lt1"/>
-          </a:fontRef>
-        </p:style>
-        <p:txBody>
-          <a:bodyPr rtlCol="0" anchor="ctr"/>
-          <a:lstStyle/>
-          <a:p>
-            <a:pPr algn="ctr"/>
-            <a:r>
-              <a:rPr lang="fr-FR"/>
-              <a:t>L</a:t>
-            </a:r>
-            <a:r>
-              <a:rPr lang="en-001"/>
-              <a:t>i</a:t>
-            </a:r>
-            <a:r>
-              <a:rPr lang="fr-FR"/>
-              <a:t>e</a:t>
-            </a:r>
-            <a:r>
-              <a:rPr lang="en-001"/>
-              <a:t>n</a:t>
-            </a:r>
-            <a:r>
-              <a:rPr lang="fr-FR"/>
-              <a:t>s</a:t>
-            </a:r>
-            <a:r>
-              <a:rPr lang="en-001"/>
-              <a:t> </a:t>
-            </a:r>
-            <a:r>
-              <a:rPr lang="fr-FR"/>
-              <a:t>p</a:t>
-            </a:r>
-            <a:r>
-              <a:rPr lang="en-001"/>
-              <a:t>r</a:t>
-            </a:r>
-            <a:r>
-              <a:rPr lang="fr-FR"/>
-              <a:t>a</a:t>
-            </a:r>
-            <a:r>
-              <a:rPr lang="en-001"/>
-              <a:t>t</a:t>
-            </a:r>
-            <a:r>
-              <a:rPr lang="fr-FR"/>
-              <a:t>i</a:t>
-            </a:r>
-            <a:r>
-              <a:rPr lang="en-001"/>
-              <a:t>q</a:t>
-            </a:r>
-            <a:r>
-              <a:rPr lang="fr-FR"/>
-              <a:t>u</a:t>
-            </a:r>
-            <a:r>
-              <a:rPr lang="en-001"/>
-              <a:t>e</a:t>
-            </a:r>
-            <a:r>
-              <a:rPr lang="fr-FR"/>
-              <a:t>s</a:t>
-            </a:r>
-          </a:p>
-        </p:txBody>
-      </p:sp>
-    </p:spTree>
-    <p:extLst>
-      <p:ext uri="{BB962C8B-B14F-4D97-AF65-F5344CB8AC3E}">
-        <p14:creationId xmlns:p14="http://schemas.microsoft.com/office/powerpoint/2010/main" val="766188251"/>
       </p:ext>
     </p:extLst>
   </p:cSld>

--- a/Docs/Draft/Draft_Struct.pptx
+++ b/Docs/Draft/Draft_Struct.pptx
@@ -20123,7 +20123,7 @@
         <p:spPr>
           <a:xfrm>
             <a:off x="135080" y="717345"/>
-            <a:ext cx="7840864" cy="4739759"/>
+            <a:ext cx="7952049" cy="4739759"/>
           </a:xfrm>
           <a:prstGeom prst="rect">
             <a:avLst/>
@@ -20157,6 +20157,14 @@
             </a:r>
             <a:r>
               <a:rPr lang="fr-FR"/>
+              <a:t>p</a:t>
+            </a:r>
+            <a:r>
+              <a:rPr lang="en-001"/>
+              <a:t>d_</a:t>
+            </a:r>
+            <a:r>
+              <a:rPr lang="fr-FR"/>
               <a:t>n</a:t>
             </a:r>
             <a:r>
@@ -20177,11 +20185,11 @@
             </a:r>
             <a:r>
               <a:rPr lang="en-001"/>
-              <a:t>(</a:t>
-            </a:r>
-            <a:r>
-              <a:rPr lang="fr-FR"/>
-              <a:t>t</a:t>
+              <a:t>(p</a:t>
+            </a:r>
+            <a:r>
+              <a:rPr lang="fr-FR"/>
+              <a:t>d</a:t>
             </a:r>
             <a:r>
               <a:rPr lang="en-001"/>
@@ -20379,7 +20387,55 @@
             </a:r>
             <a:r>
               <a:rPr lang="en-001" sz="1600"/>
-              <a:t>e, strides), A_RELU)</a:t>
+              <a:t>e, strides, </a:t>
+            </a:r>
+            <a:r>
+              <a:rPr lang="fr-FR" sz="1600"/>
+              <a:t>i</a:t>
+            </a:r>
+            <a:r>
+              <a:rPr lang="en-001" sz="1600"/>
+              <a:t>n</a:t>
+            </a:r>
+            <a:r>
+              <a:rPr lang="fr-FR" sz="1600"/>
+              <a:t>p</a:t>
+            </a:r>
+            <a:r>
+              <a:rPr lang="en-001" sz="1600"/>
+              <a:t>u</a:t>
+            </a:r>
+            <a:r>
+              <a:rPr lang="fr-FR" sz="1600"/>
+              <a:t>t</a:t>
+            </a:r>
+            <a:r>
+              <a:rPr lang="en-001" sz="1600"/>
+              <a:t>_</a:t>
+            </a:r>
+            <a:r>
+              <a:rPr lang="fr-FR" sz="1600"/>
+              <a:t>s</a:t>
+            </a:r>
+            <a:r>
+              <a:rPr lang="en-001" sz="1600"/>
+              <a:t>h</a:t>
+            </a:r>
+            <a:r>
+              <a:rPr lang="fr-FR" sz="1600"/>
+              <a:t>a</a:t>
+            </a:r>
+            <a:r>
+              <a:rPr lang="en-001" sz="1600"/>
+              <a:t>p</a:t>
+            </a:r>
+            <a:r>
+              <a:rPr lang="fr-FR" sz="1600"/>
+              <a:t>e</a:t>
+            </a:r>
+            <a:r>
+              <a:rPr lang="en-001" sz="1600"/>
+              <a:t>), A_RELU)</a:t>
             </a:r>
           </a:p>
           <a:p>
@@ -20391,7 +20447,15 @@
           <a:p>
             <a:r>
               <a:rPr lang="en-001" sz="1600"/>
-              <a:t>void nn_</a:t>
+              <a:t>void </a:t>
+            </a:r>
+            <a:r>
+              <a:rPr lang="fr-FR" sz="1600"/>
+              <a:t>p</a:t>
+            </a:r>
+            <a:r>
+              <a:rPr lang="en-001" sz="1600"/>
+              <a:t>d_nn_</a:t>
             </a:r>
             <a:r>
               <a:rPr lang="fr-FR" sz="1600"/>
@@ -20411,11 +20475,123 @@
             </a:r>
             <a:r>
               <a:rPr lang="fr-FR" sz="1600"/>
+              <a:t>p</a:t>
+            </a:r>
+            <a:r>
+              <a:rPr lang="en-001" sz="1600"/>
+              <a:t>d_</a:t>
+            </a:r>
+            <a:r>
+              <a:rPr lang="fr-FR" sz="1600"/>
+              <a:t>o</a:t>
+            </a:r>
+            <a:r>
+              <a:rPr lang="en-001" sz="1600"/>
+              <a:t>p</a:t>
+            </a:r>
+            <a:r>
+              <a:rPr lang="fr-FR" sz="1600"/>
+              <a:t>t</a:t>
+            </a:r>
+            <a:r>
+              <a:rPr lang="en-001" sz="1600"/>
+              <a:t>i </a:t>
+            </a:r>
+            <a:r>
+              <a:rPr lang="fr-FR" sz="1600"/>
+              <a:t>o</a:t>
+            </a:r>
+            <a:r>
+              <a:rPr lang="en-001" sz="1600"/>
+              <a:t>ptimizer, </a:t>
+            </a:r>
+            <a:r>
+              <a:rPr lang="fr-FR" sz="1600"/>
+              <a:t>p</a:t>
+            </a:r>
+            <a:r>
+              <a:rPr lang="en-001" sz="1600"/>
+              <a:t>d_</a:t>
+            </a:r>
+            <a:r>
+              <a:rPr lang="fr-FR" sz="1600"/>
+              <a:t>l</a:t>
+            </a:r>
+            <a:r>
+              <a:rPr lang="en-001" sz="1600"/>
+              <a:t>o</a:t>
+            </a:r>
+            <a:r>
+              <a:rPr lang="fr-FR" sz="1600"/>
+              <a:t>s</a:t>
+            </a:r>
+            <a:r>
+              <a:rPr lang="en-001" sz="1600"/>
+              <a:t>s loss, </a:t>
+            </a:r>
+            <a:r>
+              <a:rPr lang="fr-FR" sz="1600"/>
+              <a:t>p</a:t>
+            </a:r>
+            <a:r>
+              <a:rPr lang="en-001" sz="1600"/>
+              <a:t>d_</a:t>
+            </a:r>
+            <a:r>
+              <a:rPr lang="fr-FR" sz="1600"/>
+              <a:t>m</a:t>
+            </a:r>
+            <a:r>
+              <a:rPr lang="en-001" sz="1600"/>
+              <a:t>e</a:t>
+            </a:r>
+            <a:r>
+              <a:rPr lang="fr-FR" sz="1600"/>
+              <a:t>t</a:t>
+            </a:r>
+            <a:r>
+              <a:rPr lang="en-001" sz="1600"/>
+              <a:t>r</a:t>
+            </a:r>
+            <a:r>
+              <a:rPr lang="fr-FR" sz="1600"/>
+              <a:t>i</a:t>
+            </a:r>
+            <a:r>
+              <a:rPr lang="en-001" sz="1600"/>
+              <a:t>c metri</a:t>
+            </a:r>
+            <a:r>
+              <a:rPr lang="fr-FR" sz="1600"/>
               <a:t>c</a:t>
             </a:r>
             <a:r>
               <a:rPr lang="en-001" sz="1600"/>
-              <a:t>h</a:t>
+              <a:t>s, </a:t>
+            </a:r>
+            <a:r>
+              <a:rPr lang="fr-FR" sz="1600"/>
+              <a:t>f</a:t>
+            </a:r>
+            <a:r>
+              <a:rPr lang="en-001" sz="1600"/>
+              <a:t>loa</a:t>
+            </a:r>
+            <a:r>
+              <a:rPr lang="fr-FR" sz="1600"/>
+              <a:t>t</a:t>
+            </a:r>
+            <a:r>
+              <a:rPr lang="en-001" sz="1600"/>
+              <a:t> </a:t>
+            </a:r>
+            <a:r>
+              <a:rPr lang="fr-FR" sz="1600"/>
+              <a:t>l</a:t>
+            </a:r>
+            <a:r>
+              <a:rPr lang="en-001" sz="1600"/>
+              <a:t>e</a:t>
             </a:r>
             <a:r>
               <a:rPr lang="fr-FR" sz="1600"/>
@@ -20423,31 +20599,31 @@
             </a:r>
             <a:r>
               <a:rPr lang="en-001" sz="1600"/>
-              <a:t>r *</a:t>
+              <a:t>r</a:t>
             </a:r>
             <a:r>
               <a:rPr lang="fr-FR" sz="1600"/>
-              <a:t>o</a:t>
+              <a:t>n</a:t>
             </a:r>
             <a:r>
               <a:rPr lang="en-001" sz="1600"/>
-              <a:t>ptimizer, char *loss, char *metri</a:t>
+              <a:t>i</a:t>
             </a:r>
             <a:r>
               <a:rPr lang="fr-FR" sz="1600"/>
-              <a:t>c</a:t>
+              <a:t>n</a:t>
             </a:r>
             <a:r>
               <a:rPr lang="en-001" sz="1600"/>
-              <a:t>s, </a:t>
+              <a:t>g_</a:t>
             </a:r>
             <a:r>
               <a:rPr lang="fr-FR" sz="1600"/>
-              <a:t>f</a:t>
+              <a:t>r</a:t>
             </a:r>
             <a:r>
               <a:rPr lang="en-001" sz="1600"/>
-              <a:t>loa</a:t>
+              <a:t>a</a:t>
             </a:r>
             <a:r>
               <a:rPr lang="fr-FR" sz="1600"/>
@@ -20455,54 +20631,6 @@
             </a:r>
             <a:r>
               <a:rPr lang="en-001" sz="1600"/>
-              <a:t> </a:t>
-            </a:r>
-            <a:r>
-              <a:rPr lang="fr-FR" sz="1600"/>
-              <a:t>l</a:t>
-            </a:r>
-            <a:r>
-              <a:rPr lang="en-001" sz="1600"/>
-              <a:t>e</a:t>
-            </a:r>
-            <a:r>
-              <a:rPr lang="fr-FR" sz="1600"/>
-              <a:t>a</a:t>
-            </a:r>
-            <a:r>
-              <a:rPr lang="en-001" sz="1600"/>
-              <a:t>r</a:t>
-            </a:r>
-            <a:r>
-              <a:rPr lang="fr-FR" sz="1600"/>
-              <a:t>n</a:t>
-            </a:r>
-            <a:r>
-              <a:rPr lang="en-001" sz="1600"/>
-              <a:t>i</a:t>
-            </a:r>
-            <a:r>
-              <a:rPr lang="fr-FR" sz="1600"/>
-              <a:t>n</a:t>
-            </a:r>
-            <a:r>
-              <a:rPr lang="en-001" sz="1600"/>
-              <a:t>g_</a:t>
-            </a:r>
-            <a:r>
-              <a:rPr lang="fr-FR" sz="1600"/>
-              <a:t>r</a:t>
-            </a:r>
-            <a:r>
-              <a:rPr lang="en-001" sz="1600"/>
-              <a:t>a</a:t>
-            </a:r>
-            <a:r>
-              <a:rPr lang="fr-FR" sz="1600"/>
-              <a:t>t</a:t>
-            </a:r>
-            <a:r>
-              <a:rPr lang="en-001" sz="1600"/>
               <a:t>e)</a:t>
             </a:r>
           </a:p>
@@ -20569,111 +20697,127 @@
             </a:r>
             <a:r>
               <a:rPr lang="en-001" sz="1400"/>
-              <a:t>l(“</a:t>
+              <a:t>l(</a:t>
             </a:r>
             <a:r>
               <a:rPr lang="fr-FR" sz="1400"/>
-              <a:t>a</a:t>
+              <a:t>P</a:t>
             </a:r>
             <a:r>
               <a:rPr lang="en-001" sz="1400"/>
-              <a:t>d</a:t>
+              <a:t>D_</a:t>
             </a:r>
             <a:r>
               <a:rPr lang="fr-FR" sz="1400"/>
-              <a:t>a</a:t>
+              <a:t>O</a:t>
             </a:r>
             <a:r>
               <a:rPr lang="en-001" sz="1400"/>
-              <a:t>m”, “</a:t>
+              <a:t>_</a:t>
             </a:r>
             <a:r>
               <a:rPr lang="fr-FR" sz="1400"/>
-              <a:t>b</a:t>
+              <a:t>A</a:t>
             </a:r>
             <a:r>
               <a:rPr lang="en-001" sz="1400"/>
-              <a:t>i</a:t>
+              <a:t>D</a:t>
             </a:r>
             <a:r>
               <a:rPr lang="fr-FR" sz="1400"/>
-              <a:t>n</a:t>
+              <a:t>A</a:t>
             </a:r>
             <a:r>
               <a:rPr lang="en-001" sz="1400"/>
-              <a:t>a</a:t>
+              <a:t>M, </a:t>
             </a:r>
             <a:r>
               <a:rPr lang="fr-FR" sz="1400"/>
-              <a:t>r</a:t>
+              <a:t>P</a:t>
             </a:r>
             <a:r>
               <a:rPr lang="en-001" sz="1400"/>
-              <a:t>y_cr</a:t>
+              <a:t>D_</a:t>
             </a:r>
             <a:r>
               <a:rPr lang="fr-FR" sz="1400"/>
-              <a:t>o</a:t>
+              <a:t>L</a:t>
             </a:r>
             <a:r>
               <a:rPr lang="en-001" sz="1400"/>
-              <a:t>s</a:t>
+              <a:t>O_</a:t>
             </a:r>
             <a:r>
               <a:rPr lang="fr-FR" sz="1400"/>
-              <a:t>s</a:t>
+              <a:t>B</a:t>
             </a:r>
             <a:r>
               <a:rPr lang="en-001" sz="1400"/>
-              <a:t>e</a:t>
+              <a:t>I</a:t>
             </a:r>
             <a:r>
               <a:rPr lang="fr-FR" sz="1400"/>
-              <a:t>n</a:t>
+              <a:t>N</a:t>
             </a:r>
             <a:r>
               <a:rPr lang="en-001" sz="1400"/>
-              <a:t>t</a:t>
+              <a:t>A</a:t>
             </a:r>
             <a:r>
               <a:rPr lang="fr-FR" sz="1400"/>
-              <a:t>r</a:t>
+              <a:t>R</a:t>
             </a:r>
             <a:r>
               <a:rPr lang="en-001" sz="1400"/>
-              <a:t>opy”, “</a:t>
+              <a:t>Y_CROSSENTROPY, </a:t>
             </a:r>
             <a:r>
               <a:rPr lang="fr-FR" sz="1400"/>
-              <a:t>a</a:t>
+              <a:t>P</a:t>
             </a:r>
             <a:r>
               <a:rPr lang="en-001" sz="1400"/>
-              <a:t>c</a:t>
+              <a:t>D_</a:t>
             </a:r>
             <a:r>
               <a:rPr lang="fr-FR" sz="1400"/>
-              <a:t>c</a:t>
+              <a:t>M</a:t>
             </a:r>
             <a:r>
               <a:rPr lang="en-001" sz="1400"/>
-              <a:t>u</a:t>
+              <a:t>_</a:t>
             </a:r>
             <a:r>
               <a:rPr lang="fr-FR" sz="1400"/>
-              <a:t>r</a:t>
+              <a:t>A</a:t>
             </a:r>
             <a:r>
               <a:rPr lang="en-001" sz="1400"/>
-              <a:t>a</a:t>
+              <a:t>C</a:t>
             </a:r>
             <a:r>
               <a:rPr lang="fr-FR" sz="1400"/>
-              <a:t>c</a:t>
+              <a:t>C</a:t>
             </a:r>
             <a:r>
               <a:rPr lang="en-001" sz="1400"/>
-              <a:t>y”, 0,001)</a:t>
+              <a:t>U</a:t>
+            </a:r>
+            <a:r>
+              <a:rPr lang="fr-FR" sz="1400"/>
+              <a:t>R</a:t>
+            </a:r>
+            <a:r>
+              <a:rPr lang="en-001" sz="1400"/>
+              <a:t>A</a:t>
+            </a:r>
+            <a:r>
+              <a:rPr lang="fr-FR" sz="1400"/>
+              <a:t>C</a:t>
+            </a:r>
+            <a:r>
+              <a:rPr lang="en-001" sz="1400"/>
+              <a:t>Y, 0,001)</a:t>
             </a:r>
           </a:p>
           <a:p>

--- a/Docs/Draft/Draft_Struct.pptx
+++ b/Docs/Draft/Draft_Struct.pptx
@@ -20123,7 +20123,7 @@
         <p:spPr>
           <a:xfrm>
             <a:off x="135080" y="717345"/>
-            <a:ext cx="7952049" cy="4739759"/>
+            <a:ext cx="8058873" cy="4739759"/>
           </a:xfrm>
           <a:prstGeom prst="rect">
             <a:avLst/>
@@ -20262,6 +20262,18 @@
           </a:p>
           <a:p>
             <a:r>
+              <a:rPr lang="en-001" sz="1600"/>
+              <a:t>p</a:t>
+            </a:r>
+            <a:r>
+              <a:rPr lang="fr-FR" sz="1600"/>
+              <a:t>d</a:t>
+            </a:r>
+            <a:r>
+              <a:rPr lang="en-001" sz="1600"/>
+              <a:t>_</a:t>
+            </a:r>
+            <a:r>
               <a:rPr lang="fr-FR" sz="1600"/>
               <a:t>n</a:t>
             </a:r>
@@ -20669,6 +20681,14 @@
             </a:r>
             <a:r>
               <a:rPr lang="fr-FR" sz="1400"/>
+              <a:t>p</a:t>
+            </a:r>
+            <a:r>
+              <a:rPr lang="en-001" sz="1400"/>
+              <a:t>d_</a:t>
+            </a:r>
+            <a:r>
+              <a:rPr lang="fr-FR" sz="1400"/>
               <a:t>n</a:t>
             </a:r>
             <a:r>
@@ -21203,6 +21223,14 @@
             </a:r>
             <a:r>
               <a:rPr lang="fr-FR" sz="1600"/>
+              <a:t>p</a:t>
+            </a:r>
+            <a:r>
+              <a:rPr lang="en-001" sz="1600"/>
+              <a:t>d_</a:t>
+            </a:r>
+            <a:r>
+              <a:rPr lang="fr-FR" sz="1600"/>
               <a:t>n</a:t>
             </a:r>
             <a:r>
@@ -21231,7 +21259,47 @@
             </a:r>
             <a:r>
               <a:rPr lang="en-001" sz="1600"/>
-              <a:t>(</a:t>
+              <a:t>(p</a:t>
+            </a:r>
+            <a:r>
+              <a:rPr lang="fr-FR" sz="1600"/>
+              <a:t>d</a:t>
+            </a:r>
+            <a:r>
+              <a:rPr lang="en-001" sz="1600"/>
+              <a:t>_network *network, t_tensor </a:t>
+            </a:r>
+            <a:r>
+              <a:rPr lang="fr-FR" sz="1600"/>
+              <a:t>x</a:t>
+            </a:r>
+            <a:r>
+              <a:rPr lang="en-001" sz="1600"/>
+              <a:t>, t_tensor </a:t>
+            </a:r>
+            <a:r>
+              <a:rPr lang="fr-FR" sz="1600"/>
+              <a:t>y</a:t>
+            </a:r>
+            <a:r>
+              <a:rPr lang="en-001" sz="1600"/>
+              <a:t>, </a:t>
+            </a:r>
+            <a:r>
+              <a:rPr lang="fr-FR" sz="1600"/>
+              <a:t>s</a:t>
+            </a:r>
+            <a:r>
+              <a:rPr lang="en-001" sz="1600"/>
+              <a:t>i</a:t>
+            </a:r>
+            <a:r>
+              <a:rPr lang="fr-FR" sz="1600"/>
+              <a:t>z</a:t>
+            </a:r>
+            <a:r>
+              <a:rPr lang="en-001" sz="1600"/>
+              <a:t>e_</a:t>
             </a:r>
             <a:r>
               <a:rPr lang="fr-FR" sz="1600"/>
@@ -21239,23 +21307,7 @@
             </a:r>
             <a:r>
               <a:rPr lang="en-001" sz="1600"/>
-              <a:t>_network *network, t_tensor </a:t>
-            </a:r>
-            <a:r>
-              <a:rPr lang="fr-FR" sz="1600"/>
-              <a:t>x</a:t>
-            </a:r>
-            <a:r>
-              <a:rPr lang="en-001" sz="1600"/>
-              <a:t>, t_tensor </a:t>
-            </a:r>
-            <a:r>
-              <a:rPr lang="fr-FR" sz="1600"/>
-              <a:t>y</a:t>
-            </a:r>
-            <a:r>
-              <a:rPr lang="en-001" sz="1600"/>
-              <a:t>, </a:t>
+              <a:t> epoch, </a:t>
             </a:r>
             <a:r>
               <a:rPr lang="fr-FR" sz="1600"/>
@@ -21279,7 +21331,31 @@
             </a:r>
             <a:r>
               <a:rPr lang="en-001" sz="1600"/>
-              <a:t> epoch, </a:t>
+              <a:t> </a:t>
+            </a:r>
+            <a:r>
+              <a:rPr lang="fr-FR" sz="1600"/>
+              <a:t>b</a:t>
+            </a:r>
+            <a:r>
+              <a:rPr lang="en-001" sz="1600"/>
+              <a:t>a</a:t>
+            </a:r>
+            <a:r>
+              <a:rPr lang="fr-FR" sz="1600"/>
+              <a:t>t</a:t>
+            </a:r>
+            <a:r>
+              <a:rPr lang="en-001" sz="1600"/>
+              <a:t>c</a:t>
+            </a:r>
+            <a:r>
+              <a:rPr lang="fr-FR" sz="1600"/>
+              <a:t>h</a:t>
+            </a:r>
+            <a:r>
+              <a:rPr lang="en-001" sz="1600"/>
+              <a:t>_</a:t>
             </a:r>
             <a:r>
               <a:rPr lang="fr-FR" sz="1600"/>
@@ -21295,69 +21371,57 @@
             </a:r>
             <a:r>
               <a:rPr lang="en-001" sz="1600"/>
-              <a:t>e_</a:t>
-            </a:r>
-            <a:r>
-              <a:rPr lang="fr-FR" sz="1600"/>
-              <a:t>t</a:t>
-            </a:r>
-            <a:r>
-              <a:rPr lang="en-001" sz="1600"/>
-              <a:t> </a:t>
-            </a:r>
-            <a:r>
-              <a:rPr lang="fr-FR" sz="1600"/>
-              <a:t>b</a:t>
-            </a:r>
-            <a:r>
-              <a:rPr lang="en-001" sz="1600"/>
-              <a:t>a</a:t>
-            </a:r>
-            <a:r>
-              <a:rPr lang="fr-FR" sz="1600"/>
-              <a:t>t</a:t>
-            </a:r>
-            <a:r>
-              <a:rPr lang="en-001" sz="1600"/>
-              <a:t>c</a:t>
-            </a:r>
-            <a:r>
-              <a:rPr lang="fr-FR" sz="1600"/>
-              <a:t>h</a:t>
-            </a:r>
-            <a:r>
-              <a:rPr lang="en-001" sz="1600"/>
-              <a:t>_</a:t>
-            </a:r>
-            <a:r>
-              <a:rPr lang="fr-FR" sz="1600"/>
-              <a:t>s</a:t>
-            </a:r>
-            <a:r>
-              <a:rPr lang="en-001" sz="1600"/>
-              <a:t>i</a:t>
-            </a:r>
-            <a:r>
-              <a:rPr lang="fr-FR" sz="1600"/>
-              <a:t>z</a:t>
-            </a:r>
-            <a:r>
-              <a:rPr lang="en-001" sz="1600"/>
               <a:t>e)</a:t>
             </a:r>
           </a:p>
           <a:p>
+            <a:r>
+              <a:rPr lang="en-001" sz="1400"/>
+              <a:t>p</a:t>
+            </a:r>
+            <a:r>
+              <a:rPr lang="fr-FR" sz="1400"/>
+              <a:t>dn</a:t>
+            </a:r>
+            <a:r>
+              <a:rPr lang="en-001" sz="1400"/>
+              <a:t>n_train(</a:t>
+            </a:r>
             <a:r>
               <a:rPr lang="fr-FR" sz="1400"/>
               <a:t>n</a:t>
             </a:r>
             <a:r>
               <a:rPr lang="en-001" sz="1400"/>
-              <a:t>n_train(</a:t>
+              <a:t>e</a:t>
             </a:r>
             <a:r>
               <a:rPr lang="fr-FR" sz="1400"/>
-              <a:t>n</a:t>
+              <a:t>t</a:t>
+            </a:r>
+            <a:r>
+              <a:rPr lang="en-001" sz="1400"/>
+              <a:t>work, x_</a:t>
+            </a:r>
+            <a:r>
+              <a:rPr lang="fr-FR" sz="1400"/>
+              <a:t>d</a:t>
+            </a:r>
+            <a:r>
+              <a:rPr lang="en-001" sz="1400"/>
+              <a:t>a</a:t>
+            </a:r>
+            <a:r>
+              <a:rPr lang="fr-FR" sz="1400"/>
+              <a:t>t</a:t>
+            </a:r>
+            <a:r>
+              <a:rPr lang="en-001" sz="1400"/>
+              <a:t>a</a:t>
+            </a:r>
+            <a:r>
+              <a:rPr lang="fr-FR" sz="1400"/>
+              <a:t>s</a:t>
             </a:r>
             <a:r>
               <a:rPr lang="en-001" sz="1400"/>
@@ -21369,38 +21433,6 @@
             </a:r>
             <a:r>
               <a:rPr lang="en-001" sz="1400"/>
-              <a:t>work, x_</a:t>
-            </a:r>
-            <a:r>
-              <a:rPr lang="fr-FR" sz="1400"/>
-              <a:t>d</a:t>
-            </a:r>
-            <a:r>
-              <a:rPr lang="en-001" sz="1400"/>
-              <a:t>a</a:t>
-            </a:r>
-            <a:r>
-              <a:rPr lang="fr-FR" sz="1400"/>
-              <a:t>t</a:t>
-            </a:r>
-            <a:r>
-              <a:rPr lang="en-001" sz="1400"/>
-              <a:t>a</a:t>
-            </a:r>
-            <a:r>
-              <a:rPr lang="fr-FR" sz="1400"/>
-              <a:t>s</a:t>
-            </a:r>
-            <a:r>
-              <a:rPr lang="en-001" sz="1400"/>
-              <a:t>e</a:t>
-            </a:r>
-            <a:r>
-              <a:rPr lang="fr-FR" sz="1400"/>
-              <a:t>t</a:t>
-            </a:r>
-            <a:r>
-              <a:rPr lang="en-001" sz="1400"/>
               <a:t>, y_dataset, 100, 10)</a:t>
             </a:r>
           </a:p>
@@ -21414,6 +21446,14 @@
             <a:r>
               <a:rPr lang="en-001"/>
               <a:t>void *</a:t>
+            </a:r>
+            <a:r>
+              <a:rPr lang="fr-FR"/>
+              <a:t>p</a:t>
+            </a:r>
+            <a:r>
+              <a:rPr lang="en-001"/>
+              <a:t>d_</a:t>
             </a:r>
             <a:r>
               <a:rPr lang="fr-FR"/>
@@ -21516,6 +21556,14 @@
             <a:r>
               <a:rPr lang="en-001" sz="1600"/>
               <a:t>result = </a:t>
+            </a:r>
+            <a:r>
+              <a:rPr lang="fr-FR" sz="1600"/>
+              <a:t>p</a:t>
+            </a:r>
+            <a:r>
+              <a:rPr lang="en-001" sz="1600"/>
+              <a:t>d_</a:t>
             </a:r>
             <a:r>
               <a:rPr lang="fr-FR" sz="1600"/>
